--- a/MentalFitness/MentalFitness.pptx
+++ b/MentalFitness/MentalFitness.pptx
@@ -5,7 +5,7 @@
     <p:sldMasterId id="2147483666" r:id="rId1"/>
   </p:sldMasterIdLst>
   <p:notesMasterIdLst>
-    <p:notesMasterId r:id="rId8"/>
+    <p:notesMasterId r:id="rId9"/>
   </p:notesMasterIdLst>
   <p:sldIdLst>
     <p:sldId id="256" r:id="rId2"/>
@@ -14,6 +14,7 @@
     <p:sldId id="260" r:id="rId5"/>
     <p:sldId id="259" r:id="rId6"/>
     <p:sldId id="261" r:id="rId7"/>
+    <p:sldId id="262" r:id="rId8"/>
   </p:sldIdLst>
   <p:sldSz cx="9906000" cy="6858000" type="A4"/>
   <p:notesSz cx="9906000" cy="6858000"/>
@@ -7876,6 +7877,13 @@
         </dgm:presLayoutVars>
       </dgm:prSet>
       <dgm:spPr/>
+      <dgm:t>
+        <a:bodyPr/>
+        <a:lstStyle/>
+        <a:p>
+          <a:endParaRPr lang="en-US"/>
+        </a:p>
+      </dgm:t>
     </dgm:pt>
     <dgm:pt modelId="{5439512D-E95D-4057-8DC7-29F7474BDC2D}" type="pres">
       <dgm:prSet presAssocID="{71B4D5D1-5068-485E-9DB9-9B9974D3B73D}" presName="Background" presStyleLbl="node1" presStyleIdx="0" presStyleCnt="1"/>
@@ -7890,6 +7898,13 @@
         </dgm:presLayoutVars>
       </dgm:prSet>
       <dgm:spPr/>
+      <dgm:t>
+        <a:bodyPr/>
+        <a:lstStyle/>
+        <a:p>
+          <a:endParaRPr lang="en-US"/>
+        </a:p>
+      </dgm:t>
     </dgm:pt>
     <dgm:pt modelId="{FE45328C-613D-4B34-97AA-E4A8695C7A33}" type="pres">
       <dgm:prSet presAssocID="{71B4D5D1-5068-485E-9DB9-9B9974D3B73D}" presName="ParentText1" presStyleLbl="revTx" presStyleIdx="0" presStyleCnt="0">
@@ -7899,31 +7914,45 @@
         </dgm:presLayoutVars>
       </dgm:prSet>
       <dgm:spPr/>
+      <dgm:t>
+        <a:bodyPr/>
+        <a:lstStyle/>
+        <a:p>
+          <a:endParaRPr lang="en-US"/>
+        </a:p>
+      </dgm:t>
     </dgm:pt>
     <dgm:pt modelId="{7E3F0A80-B7AC-4DFD-9DDD-445A676A1041}" type="pres">
       <dgm:prSet presAssocID="{71B4D5D1-5068-485E-9DB9-9B9974D3B73D}" presName="ParentShape1" presStyleLbl="alignImgPlace1" presStyleIdx="0" presStyleCnt="1">
         <dgm:presLayoutVars/>
       </dgm:prSet>
       <dgm:spPr/>
+      <dgm:t>
+        <a:bodyPr/>
+        <a:lstStyle/>
+        <a:p>
+          <a:endParaRPr lang="en-US"/>
+        </a:p>
+      </dgm:t>
     </dgm:pt>
   </dgm:ptLst>
   <dgm:cxnLst>
+    <dgm:cxn modelId="{D38B6E86-7730-4B6B-880F-A2A827D0696D}" srcId="{71B4D5D1-5068-485E-9DB9-9B9974D3B73D}" destId="{2728F9F9-C4AD-4D93-A4EF-929C48E3EBE3}" srcOrd="0" destOrd="0" parTransId="{CF8C7AF6-3F15-49E4-84C7-ACBDE78C7B28}" sibTransId="{AEA1B13E-46E9-4B98-BCF7-6C11C20EBCE3}"/>
+    <dgm:cxn modelId="{7EF836DE-9935-4CA7-BD9C-7398A6E059C0}" type="presOf" srcId="{2728F9F9-C4AD-4D93-A4EF-929C48E3EBE3}" destId="{7E3F0A80-B7AC-4DFD-9DDD-445A676A1041}" srcOrd="1" destOrd="0" presId="urn:microsoft.com/office/officeart/2009/3/layout/OpposingIdeas"/>
+    <dgm:cxn modelId="{AA1ACD33-4049-41C6-B99E-CAC48CEDB7A6}" type="presOf" srcId="{B554385B-51FD-4E24-AA0E-C27DB0908872}" destId="{7DA0AFF1-4918-4B3B-BA66-654CD6464547}" srcOrd="0" destOrd="1" presId="urn:microsoft.com/office/officeart/2009/3/layout/OpposingIdeas"/>
+    <dgm:cxn modelId="{F886D7A4-AA45-42F9-8F98-F86017183B17}" srcId="{55621F82-8946-4F99-B077-9FFFE5684631}" destId="{B554385B-51FD-4E24-AA0E-C27DB0908872}" srcOrd="0" destOrd="0" parTransId="{0DD7CD16-29FE-4DBB-8D6C-D828BAC6FD9D}" sibTransId="{6AAA9342-2C32-4C08-8680-1337A993EBEA}"/>
+    <dgm:cxn modelId="{31B7B9F6-189E-428E-8919-08FF1BD5E20B}" srcId="{2C4A1E82-FCEB-467E-9A7E-C7ACDEDE8E6E}" destId="{1BB36F5A-5F4D-402F-8D67-C749C783AA98}" srcOrd="0" destOrd="0" parTransId="{13AB4756-3431-4F2B-ABA3-190C13919029}" sibTransId="{B929FEA2-6623-45FF-9D8E-710B41B16276}"/>
     <dgm:cxn modelId="{EC5B44C6-86F7-4B6E-B5F5-A55304222F87}" type="presOf" srcId="{71B4D5D1-5068-485E-9DB9-9B9974D3B73D}" destId="{D2D228B6-7412-4894-810B-C7DCAB5B81D7}" srcOrd="0" destOrd="0" presId="urn:microsoft.com/office/officeart/2009/3/layout/OpposingIdeas"/>
-    <dgm:cxn modelId="{31B7B9F6-189E-428E-8919-08FF1BD5E20B}" srcId="{2C4A1E82-FCEB-467E-9A7E-C7ACDEDE8E6E}" destId="{1BB36F5A-5F4D-402F-8D67-C749C783AA98}" srcOrd="0" destOrd="0" parTransId="{13AB4756-3431-4F2B-ABA3-190C13919029}" sibTransId="{B929FEA2-6623-45FF-9D8E-710B41B16276}"/>
-    <dgm:cxn modelId="{0A0D126F-3FD9-4084-9732-5E783A9B0B44}" type="presOf" srcId="{1BB36F5A-5F4D-402F-8D67-C749C783AA98}" destId="{7DA0AFF1-4918-4B3B-BA66-654CD6464547}" srcOrd="0" destOrd="5" presId="urn:microsoft.com/office/officeart/2009/3/layout/OpposingIdeas"/>
-    <dgm:cxn modelId="{F886D7A4-AA45-42F9-8F98-F86017183B17}" srcId="{55621F82-8946-4F99-B077-9FFFE5684631}" destId="{B554385B-51FD-4E24-AA0E-C27DB0908872}" srcOrd="0" destOrd="0" parTransId="{0DD7CD16-29FE-4DBB-8D6C-D828BAC6FD9D}" sibTransId="{6AAA9342-2C32-4C08-8680-1337A993EBEA}"/>
+    <dgm:cxn modelId="{36E26BC3-AD29-4858-ABAE-D50C15D5E832}" srcId="{2728F9F9-C4AD-4D93-A4EF-929C48E3EBE3}" destId="{55621F82-8946-4F99-B077-9FFFE5684631}" srcOrd="0" destOrd="0" parTransId="{B68F21BE-78F5-4A29-91F5-AA266B7D86F8}" sibTransId="{F0FA95DF-589D-4F7A-B991-0C483E44B5CF}"/>
+    <dgm:cxn modelId="{AC4DBEED-25E7-44FC-BC5B-81C46A2602C9}" type="presOf" srcId="{28E1D9A7-D056-4412-933A-922EB438B9A4}" destId="{7DA0AFF1-4918-4B3B-BA66-654CD6464547}" srcOrd="0" destOrd="3" presId="urn:microsoft.com/office/officeart/2009/3/layout/OpposingIdeas"/>
+    <dgm:cxn modelId="{54D0EE45-313B-4BF4-8DD8-2A114A38F619}" srcId="{2728F9F9-C4AD-4D93-A4EF-929C48E3EBE3}" destId="{2C4A1E82-FCEB-467E-9A7E-C7ACDEDE8E6E}" srcOrd="1" destOrd="0" parTransId="{6491AA7D-97DF-4DD6-B025-C22B5968656A}" sibTransId="{2A718DC9-8F41-4327-9A80-14EFC8409F81}"/>
     <dgm:cxn modelId="{EC78F83E-231C-4884-8D0C-C21B128EFCD2}" type="presOf" srcId="{55621F82-8946-4F99-B077-9FFFE5684631}" destId="{7DA0AFF1-4918-4B3B-BA66-654CD6464547}" srcOrd="0" destOrd="0" presId="urn:microsoft.com/office/officeart/2009/3/layout/OpposingIdeas"/>
     <dgm:cxn modelId="{F1EE92F4-C879-4C94-83B0-F67D918DA21C}" type="presOf" srcId="{2C4A1E82-FCEB-467E-9A7E-C7ACDEDE8E6E}" destId="{7DA0AFF1-4918-4B3B-BA66-654CD6464547}" srcOrd="0" destOrd="4" presId="urn:microsoft.com/office/officeart/2009/3/layout/OpposingIdeas"/>
-    <dgm:cxn modelId="{54D0EE45-313B-4BF4-8DD8-2A114A38F619}" srcId="{2728F9F9-C4AD-4D93-A4EF-929C48E3EBE3}" destId="{2C4A1E82-FCEB-467E-9A7E-C7ACDEDE8E6E}" srcOrd="1" destOrd="0" parTransId="{6491AA7D-97DF-4DD6-B025-C22B5968656A}" sibTransId="{2A718DC9-8F41-4327-9A80-14EFC8409F81}"/>
-    <dgm:cxn modelId="{7EF836DE-9935-4CA7-BD9C-7398A6E059C0}" type="presOf" srcId="{2728F9F9-C4AD-4D93-A4EF-929C48E3EBE3}" destId="{7E3F0A80-B7AC-4DFD-9DDD-445A676A1041}" srcOrd="1" destOrd="0" presId="urn:microsoft.com/office/officeart/2009/3/layout/OpposingIdeas"/>
-    <dgm:cxn modelId="{AA1ACD33-4049-41C6-B99E-CAC48CEDB7A6}" type="presOf" srcId="{B554385B-51FD-4E24-AA0E-C27DB0908872}" destId="{7DA0AFF1-4918-4B3B-BA66-654CD6464547}" srcOrd="0" destOrd="1" presId="urn:microsoft.com/office/officeart/2009/3/layout/OpposingIdeas"/>
+    <dgm:cxn modelId="{7E4FBE68-52E6-4D3E-9D0E-6AE04FF16084}" srcId="{55621F82-8946-4F99-B077-9FFFE5684631}" destId="{8ED9F8C0-3BAB-4021-8A0B-A88C8CB0413A}" srcOrd="1" destOrd="0" parTransId="{475D25BB-A552-4D80-8D71-182141D06924}" sibTransId="{9DE76F60-27B5-45AC-86EE-1DBDC17B97F3}"/>
+    <dgm:cxn modelId="{0A0D126F-3FD9-4084-9732-5E783A9B0B44}" type="presOf" srcId="{1BB36F5A-5F4D-402F-8D67-C749C783AA98}" destId="{7DA0AFF1-4918-4B3B-BA66-654CD6464547}" srcOrd="0" destOrd="5" presId="urn:microsoft.com/office/officeart/2009/3/layout/OpposingIdeas"/>
+    <dgm:cxn modelId="{C21C7212-6B1F-4105-A666-59BEE31C7E46}" type="presOf" srcId="{8ED9F8C0-3BAB-4021-8A0B-A88C8CB0413A}" destId="{7DA0AFF1-4918-4B3B-BA66-654CD6464547}" srcOrd="0" destOrd="2" presId="urn:microsoft.com/office/officeart/2009/3/layout/OpposingIdeas"/>
     <dgm:cxn modelId="{DEE66F6C-848E-435D-ACE0-598B255FE494}" type="presOf" srcId="{2728F9F9-C4AD-4D93-A4EF-929C48E3EBE3}" destId="{FE45328C-613D-4B34-97AA-E4A8695C7A33}" srcOrd="0" destOrd="0" presId="urn:microsoft.com/office/officeart/2009/3/layout/OpposingIdeas"/>
-    <dgm:cxn modelId="{7E4FBE68-52E6-4D3E-9D0E-6AE04FF16084}" srcId="{55621F82-8946-4F99-B077-9FFFE5684631}" destId="{8ED9F8C0-3BAB-4021-8A0B-A88C8CB0413A}" srcOrd="1" destOrd="0" parTransId="{475D25BB-A552-4D80-8D71-182141D06924}" sibTransId="{9DE76F60-27B5-45AC-86EE-1DBDC17B97F3}"/>
-    <dgm:cxn modelId="{36E26BC3-AD29-4858-ABAE-D50C15D5E832}" srcId="{2728F9F9-C4AD-4D93-A4EF-929C48E3EBE3}" destId="{55621F82-8946-4F99-B077-9FFFE5684631}" srcOrd="0" destOrd="0" parTransId="{B68F21BE-78F5-4A29-91F5-AA266B7D86F8}" sibTransId="{F0FA95DF-589D-4F7A-B991-0C483E44B5CF}"/>
-    <dgm:cxn modelId="{C21C7212-6B1F-4105-A666-59BEE31C7E46}" type="presOf" srcId="{8ED9F8C0-3BAB-4021-8A0B-A88C8CB0413A}" destId="{7DA0AFF1-4918-4B3B-BA66-654CD6464547}" srcOrd="0" destOrd="2" presId="urn:microsoft.com/office/officeart/2009/3/layout/OpposingIdeas"/>
-    <dgm:cxn modelId="{D38B6E86-7730-4B6B-880F-A2A827D0696D}" srcId="{71B4D5D1-5068-485E-9DB9-9B9974D3B73D}" destId="{2728F9F9-C4AD-4D93-A4EF-929C48E3EBE3}" srcOrd="0" destOrd="0" parTransId="{CF8C7AF6-3F15-49E4-84C7-ACBDE78C7B28}" sibTransId="{AEA1B13E-46E9-4B98-BCF7-6C11C20EBCE3}"/>
     <dgm:cxn modelId="{2AD6F8B6-F4FF-48B9-94E6-5DAEFD8434BF}" srcId="{55621F82-8946-4F99-B077-9FFFE5684631}" destId="{28E1D9A7-D056-4412-933A-922EB438B9A4}" srcOrd="2" destOrd="0" parTransId="{4846582E-02B6-47A3-BC6F-7D97A966C6E2}" sibTransId="{8147D81F-FBB1-470F-BEFB-E161F6F609AA}"/>
-    <dgm:cxn modelId="{AC4DBEED-25E7-44FC-BC5B-81C46A2602C9}" type="presOf" srcId="{28E1D9A7-D056-4412-933A-922EB438B9A4}" destId="{7DA0AFF1-4918-4B3B-BA66-654CD6464547}" srcOrd="0" destOrd="3" presId="urn:microsoft.com/office/officeart/2009/3/layout/OpposingIdeas"/>
     <dgm:cxn modelId="{F011E061-1F7A-4100-B02A-A76A662B7C78}" type="presParOf" srcId="{D2D228B6-7412-4894-810B-C7DCAB5B81D7}" destId="{5439512D-E95D-4057-8DC7-29F7474BDC2D}" srcOrd="0" destOrd="0" presId="urn:microsoft.com/office/officeart/2009/3/layout/OpposingIdeas"/>
     <dgm:cxn modelId="{2EE986D0-C911-4F86-A2F3-8CBE432578F3}" type="presParOf" srcId="{D2D228B6-7412-4894-810B-C7DCAB5B81D7}" destId="{7DA0AFF1-4918-4B3B-BA66-654CD6464547}" srcOrd="1" destOrd="0" presId="urn:microsoft.com/office/officeart/2009/3/layout/OpposingIdeas"/>
     <dgm:cxn modelId="{63CCFCB2-66F8-4052-AB9A-13820B198F7B}" type="presParOf" srcId="{D2D228B6-7412-4894-810B-C7DCAB5B81D7}" destId="{FE45328C-613D-4B34-97AA-E4A8695C7A33}" srcOrd="2" destOrd="0" presId="urn:microsoft.com/office/officeart/2009/3/layout/OpposingIdeas"/>
@@ -7933,7 +7962,7 @@
   <dgm:whole/>
   <dgm:extLst>
     <a:ext uri="http://schemas.microsoft.com/office/drawing/2008/diagram">
-      <dsp:dataModelExt xmlns:dsp="http://schemas.microsoft.com/office/drawing/2008/diagram" relId="rId8" minVer="http://schemas.openxmlformats.org/drawingml/2006/diagram"/>
+      <dsp:dataModelExt xmlns:dsp="http://schemas.microsoft.com/office/drawing/2008/diagram" relId="rId9" minVer="http://schemas.openxmlformats.org/drawingml/2006/diagram"/>
     </a:ext>
   </dgm:extLst>
 </dgm:dataModel>
@@ -8462,6 +8491,13 @@
         </dgm:presLayoutVars>
       </dgm:prSet>
       <dgm:spPr/>
+      <dgm:t>
+        <a:bodyPr/>
+        <a:lstStyle/>
+        <a:p>
+          <a:endParaRPr lang="en-US"/>
+        </a:p>
+      </dgm:t>
     </dgm:pt>
     <dgm:pt modelId="{E718E1D3-4986-4406-83D1-3C4A512BE3A3}" type="pres">
       <dgm:prSet presAssocID="{0688BCC4-6BDA-4573-BC89-B00590CDE6E9}" presName="root" presStyleCnt="0">
@@ -8495,6 +8531,13 @@
         </dgm:presLayoutVars>
       </dgm:prSet>
       <dgm:spPr/>
+      <dgm:t>
+        <a:bodyPr/>
+        <a:lstStyle/>
+        <a:p>
+          <a:endParaRPr lang="en-US"/>
+        </a:p>
+      </dgm:t>
     </dgm:pt>
     <dgm:pt modelId="{2D9EF0F8-1066-4066-8B9C-AB5EF098EA5B}" type="pres">
       <dgm:prSet presAssocID="{0688BCC4-6BDA-4573-BC89-B00590CDE6E9}" presName="childShape" presStyleCnt="0">
@@ -8527,6 +8570,13 @@
         </dgm:presLayoutVars>
       </dgm:prSet>
       <dgm:spPr/>
+      <dgm:t>
+        <a:bodyPr/>
+        <a:lstStyle/>
+        <a:p>
+          <a:endParaRPr lang="en-US"/>
+        </a:p>
+      </dgm:t>
     </dgm:pt>
     <dgm:pt modelId="{0E4809A7-EFD1-409D-AB96-F53CC2DFADDE}" type="pres">
       <dgm:prSet presAssocID="{14B7DD05-5927-4B96-B69A-A22B3657C78B}" presName="root" presStyleCnt="0">
@@ -8560,6 +8610,13 @@
         </dgm:presLayoutVars>
       </dgm:prSet>
       <dgm:spPr/>
+      <dgm:t>
+        <a:bodyPr/>
+        <a:lstStyle/>
+        <a:p>
+          <a:endParaRPr lang="en-US"/>
+        </a:p>
+      </dgm:t>
     </dgm:pt>
     <dgm:pt modelId="{F952C85D-F0C0-408B-A14D-C840AEA7FBF2}" type="pres">
       <dgm:prSet presAssocID="{14B7DD05-5927-4B96-B69A-A22B3657C78B}" presName="childShape" presStyleCnt="0">
@@ -8592,6 +8649,13 @@
         </dgm:presLayoutVars>
       </dgm:prSet>
       <dgm:spPr/>
+      <dgm:t>
+        <a:bodyPr/>
+        <a:lstStyle/>
+        <a:p>
+          <a:endParaRPr lang="en-US"/>
+        </a:p>
+      </dgm:t>
     </dgm:pt>
     <dgm:pt modelId="{FEB6A7AB-DFA0-47DF-9B8A-693724E94421}" type="pres">
       <dgm:prSet presAssocID="{CCBD1C66-CDCD-457E-BAA4-7F17CD226945}" presName="childComposite" presStyleCnt="0">
@@ -8615,6 +8679,13 @@
         </dgm:presLayoutVars>
       </dgm:prSet>
       <dgm:spPr/>
+      <dgm:t>
+        <a:bodyPr/>
+        <a:lstStyle/>
+        <a:p>
+          <a:endParaRPr lang="en-US"/>
+        </a:p>
+      </dgm:t>
     </dgm:pt>
     <dgm:pt modelId="{99255522-C620-460E-9259-ECFA20A9F081}" type="pres">
       <dgm:prSet presAssocID="{AC0677FB-7EC5-43AF-862B-E16F70E1E27E}" presName="childComposite" presStyleCnt="0">
@@ -8638,6 +8709,13 @@
         </dgm:presLayoutVars>
       </dgm:prSet>
       <dgm:spPr/>
+      <dgm:t>
+        <a:bodyPr/>
+        <a:lstStyle/>
+        <a:p>
+          <a:endParaRPr lang="en-US"/>
+        </a:p>
+      </dgm:t>
     </dgm:pt>
     <dgm:pt modelId="{11EDF8A2-2989-4242-A247-8C541BAAD8AA}" type="pres">
       <dgm:prSet presAssocID="{5D3BB1AF-3093-4F9E-A447-B4AC364BDCA0}" presName="childComposite" presStyleCnt="0">
@@ -8661,6 +8739,13 @@
         </dgm:presLayoutVars>
       </dgm:prSet>
       <dgm:spPr/>
+      <dgm:t>
+        <a:bodyPr/>
+        <a:lstStyle/>
+        <a:p>
+          <a:endParaRPr lang="en-US"/>
+        </a:p>
+      </dgm:t>
     </dgm:pt>
     <dgm:pt modelId="{3EAA3115-656E-471B-ADA7-D34C54546013}" type="pres">
       <dgm:prSet presAssocID="{5069B2F3-2745-43EF-B025-93BDFF39C98C}" presName="childComposite" presStyleCnt="0">
@@ -8684,6 +8769,13 @@
         </dgm:presLayoutVars>
       </dgm:prSet>
       <dgm:spPr/>
+      <dgm:t>
+        <a:bodyPr/>
+        <a:lstStyle/>
+        <a:p>
+          <a:endParaRPr lang="en-US"/>
+        </a:p>
+      </dgm:t>
     </dgm:pt>
     <dgm:pt modelId="{E19EA2D9-32FD-4D8F-8D09-663FDB036EB9}" type="pres">
       <dgm:prSet presAssocID="{1348042C-69D4-40EA-B1DD-D308CEA4DD1D}" presName="childComposite" presStyleCnt="0">
@@ -8707,6 +8799,13 @@
         </dgm:presLayoutVars>
       </dgm:prSet>
       <dgm:spPr/>
+      <dgm:t>
+        <a:bodyPr/>
+        <a:lstStyle/>
+        <a:p>
+          <a:endParaRPr lang="en-US"/>
+        </a:p>
+      </dgm:t>
     </dgm:pt>
     <dgm:pt modelId="{2BF6D081-9AD0-455B-9170-791A314C2AFC}" type="pres">
       <dgm:prSet presAssocID="{9868CB36-C413-42AD-85FA-A70A2949C97E}" presName="childComposite" presStyleCnt="0">
@@ -8730,30 +8829,37 @@
         </dgm:presLayoutVars>
       </dgm:prSet>
       <dgm:spPr/>
+      <dgm:t>
+        <a:bodyPr/>
+        <a:lstStyle/>
+        <a:p>
+          <a:endParaRPr lang="en-US"/>
+        </a:p>
+      </dgm:t>
     </dgm:pt>
   </dgm:ptLst>
   <dgm:cxnLst>
+    <dgm:cxn modelId="{0C8537A4-D245-4363-AC2F-849FD114D2C5}" type="presOf" srcId="{71B4D5D1-5068-485E-9DB9-9B9974D3B73D}" destId="{E16ED012-9EAC-4AAF-B459-A7E4C860596C}" srcOrd="0" destOrd="0" presId="urn:microsoft.com/office/officeart/2008/layout/SquareAccentList"/>
+    <dgm:cxn modelId="{7CE276C2-69B7-4495-879D-8E6EAD8DBEEA}" type="presOf" srcId="{0688BCC4-6BDA-4573-BC89-B00590CDE6E9}" destId="{DF76BFB5-EB1A-4E3A-BB6B-A575CBA8B725}" srcOrd="0" destOrd="0" presId="urn:microsoft.com/office/officeart/2008/layout/SquareAccentList"/>
     <dgm:cxn modelId="{9CACADB7-274C-4820-A829-81F5760C389A}" type="presOf" srcId="{56A0F4A7-1CA1-4656-9F44-47B61450D59D}" destId="{0E2E0084-FBC7-4583-B9A1-061179455111}" srcOrd="0" destOrd="0" presId="urn:microsoft.com/office/officeart/2008/layout/SquareAccentList"/>
+    <dgm:cxn modelId="{1FFBA97F-9F02-4EF3-9A26-13240B340846}" srcId="{14B7DD05-5927-4B96-B69A-A22B3657C78B}" destId="{5069B2F3-2745-43EF-B025-93BDFF39C98C}" srcOrd="4" destOrd="0" parTransId="{4FDA249B-C633-47CF-8359-EC0C674A2F01}" sibTransId="{05D8B176-0D1D-44DA-B74C-51BF02FFA43F}"/>
+    <dgm:cxn modelId="{45DE4909-D73F-446A-96F4-05CFEE9C035A}" srcId="{14B7DD05-5927-4B96-B69A-A22B3657C78B}" destId="{56A0F4A7-1CA1-4656-9F44-47B61450D59D}" srcOrd="0" destOrd="0" parTransId="{14FD56C4-BC94-4248-9380-562AC40855D1}" sibTransId="{03BDC570-1D8B-426C-8572-AB279ECC44E6}"/>
+    <dgm:cxn modelId="{76667CEC-0F23-4132-9F80-A2FD863C7AEB}" srcId="{14B7DD05-5927-4B96-B69A-A22B3657C78B}" destId="{CCBD1C66-CDCD-457E-BAA4-7F17CD226945}" srcOrd="1" destOrd="0" parTransId="{B76F848C-6756-41F8-8C07-047BB553F24E}" sibTransId="{29DAB75C-7414-4DB1-948E-AE16FBB173F6}"/>
+    <dgm:cxn modelId="{E4BAF71F-B74A-40F9-8A92-451D083E17F2}" srcId="{71B4D5D1-5068-485E-9DB9-9B9974D3B73D}" destId="{14B7DD05-5927-4B96-B69A-A22B3657C78B}" srcOrd="1" destOrd="0" parTransId="{6880D8FB-0F11-40AC-8D48-C301476B1912}" sibTransId="{B8993F59-80FE-4712-9DAC-AA06CD583923}"/>
+    <dgm:cxn modelId="{0A3FB108-D80D-44AD-A218-75709C9AB7D0}" type="presOf" srcId="{5069B2F3-2745-43EF-B025-93BDFF39C98C}" destId="{974928E4-C4AE-468E-9128-CB8FA7515A6C}" srcOrd="0" destOrd="0" presId="urn:microsoft.com/office/officeart/2008/layout/SquareAccentList"/>
+    <dgm:cxn modelId="{8E63FAB5-44AE-4DAD-A1C2-244B957BA0BF}" type="presOf" srcId="{5D3BB1AF-3093-4F9E-A447-B4AC364BDCA0}" destId="{CDDFC540-6140-4117-8A5D-E93C6F13B72B}" srcOrd="0" destOrd="0" presId="urn:microsoft.com/office/officeart/2008/layout/SquareAccentList"/>
+    <dgm:cxn modelId="{BA29B6A2-FB46-4590-9B0F-8571ABE0A42B}" srcId="{14B7DD05-5927-4B96-B69A-A22B3657C78B}" destId="{9868CB36-C413-42AD-85FA-A70A2949C97E}" srcOrd="6" destOrd="0" parTransId="{5A583F88-6112-48A9-9B61-49D70D0D2A85}" sibTransId="{72AA7F96-1B11-4B67-A5E2-E888B79B6167}"/>
+    <dgm:cxn modelId="{A2CDD368-5FA3-4B2D-A1CC-BE3AED53D797}" type="presOf" srcId="{14B7DD05-5927-4B96-B69A-A22B3657C78B}" destId="{46B2C338-7E9C-4B46-AA76-5733062B4B51}" srcOrd="0" destOrd="0" presId="urn:microsoft.com/office/officeart/2008/layout/SquareAccentList"/>
+    <dgm:cxn modelId="{3619F8D3-9A5E-46E2-8A6D-3412216B9307}" type="presOf" srcId="{CCBD1C66-CDCD-457E-BAA4-7F17CD226945}" destId="{F64BB028-F4C1-4946-AFA6-D5904CAFEB17}" srcOrd="0" destOrd="0" presId="urn:microsoft.com/office/officeart/2008/layout/SquareAccentList"/>
+    <dgm:cxn modelId="{8CFD4604-881E-461E-95E5-C12C6487F1E2}" srcId="{14B7DD05-5927-4B96-B69A-A22B3657C78B}" destId="{AC0677FB-7EC5-43AF-862B-E16F70E1E27E}" srcOrd="2" destOrd="0" parTransId="{B8434F87-8FF5-4B26-B044-CF2F21432E65}" sibTransId="{1FB359DF-DA5B-4A91-A683-5285A15165C6}"/>
+    <dgm:cxn modelId="{3467AD89-F96B-48C1-B2DD-8847F0F7EA57}" type="presOf" srcId="{AC0677FB-7EC5-43AF-862B-E16F70E1E27E}" destId="{A1B5D43B-04C3-442A-9738-8B5616A0D6EB}" srcOrd="0" destOrd="0" presId="urn:microsoft.com/office/officeart/2008/layout/SquareAccentList"/>
+    <dgm:cxn modelId="{4339317C-0DF8-496F-BE00-53FD46FFFB92}" type="presOf" srcId="{1348042C-69D4-40EA-B1DD-D308CEA4DD1D}" destId="{D434BC25-945A-4192-B65A-279BD8E546A4}" srcOrd="0" destOrd="0" presId="urn:microsoft.com/office/officeart/2008/layout/SquareAccentList"/>
     <dgm:cxn modelId="{5E19CF61-3DA4-4C69-9142-ECF9F316D7D2}" type="presOf" srcId="{2BEAD110-02F1-4CF1-ABEC-2F38E4B783CB}" destId="{26B60DE9-07FC-4B37-A6B5-67D0B045ECA7}" srcOrd="0" destOrd="0" presId="urn:microsoft.com/office/officeart/2008/layout/SquareAccentList"/>
+    <dgm:cxn modelId="{C793B93B-A608-4580-BCC2-EF374172102D}" srcId="{71B4D5D1-5068-485E-9DB9-9B9974D3B73D}" destId="{0688BCC4-6BDA-4573-BC89-B00590CDE6E9}" srcOrd="0" destOrd="0" parTransId="{2E2CCFE9-F4C9-469F-92D5-20B06DEAD6D6}" sibTransId="{869A2B5E-EE5B-4AE6-A6B8-A94C69E41581}"/>
+    <dgm:cxn modelId="{4DE0DD66-D1ED-4F9C-991D-5C7FE91AA5BD}" srcId="{14B7DD05-5927-4B96-B69A-A22B3657C78B}" destId="{1348042C-69D4-40EA-B1DD-D308CEA4DD1D}" srcOrd="5" destOrd="0" parTransId="{1CE7E518-21F3-49A4-9031-17339C01BC0B}" sibTransId="{0A8D3535-AA61-4DF2-8C94-09EE24B4A547}"/>
+    <dgm:cxn modelId="{7B4C2D7A-D9A2-4CDC-88B5-29B83F7D2EEC}" type="presOf" srcId="{9868CB36-C413-42AD-85FA-A70A2949C97E}" destId="{5949ACF3-87ED-4B45-A121-7D540366A3C7}" srcOrd="0" destOrd="0" presId="urn:microsoft.com/office/officeart/2008/layout/SquareAccentList"/>
     <dgm:cxn modelId="{8D957DBC-5147-4305-AF91-AF92C6456F84}" srcId="{0688BCC4-6BDA-4573-BC89-B00590CDE6E9}" destId="{2BEAD110-02F1-4CF1-ABEC-2F38E4B783CB}" srcOrd="0" destOrd="0" parTransId="{C9654C1A-F0B2-4CEC-A66E-4E6E08812C13}" sibTransId="{3B729760-EB52-4683-99EC-92D0EF831E80}"/>
-    <dgm:cxn modelId="{A2CDD368-5FA3-4B2D-A1CC-BE3AED53D797}" type="presOf" srcId="{14B7DD05-5927-4B96-B69A-A22B3657C78B}" destId="{46B2C338-7E9C-4B46-AA76-5733062B4B51}" srcOrd="0" destOrd="0" presId="urn:microsoft.com/office/officeart/2008/layout/SquareAccentList"/>
-    <dgm:cxn modelId="{3467AD89-F96B-48C1-B2DD-8847F0F7EA57}" type="presOf" srcId="{AC0677FB-7EC5-43AF-862B-E16F70E1E27E}" destId="{A1B5D43B-04C3-442A-9738-8B5616A0D6EB}" srcOrd="0" destOrd="0" presId="urn:microsoft.com/office/officeart/2008/layout/SquareAccentList"/>
     <dgm:cxn modelId="{4D228A8C-64F8-43FB-879B-F36B7FAA6FE3}" srcId="{14B7DD05-5927-4B96-B69A-A22B3657C78B}" destId="{5D3BB1AF-3093-4F9E-A447-B4AC364BDCA0}" srcOrd="3" destOrd="0" parTransId="{32D0C357-BCA7-48BC-BC0D-99200A571D63}" sibTransId="{E3B1D5CE-3559-4CBA-9539-613BAEF0FC68}"/>
-    <dgm:cxn modelId="{C793B93B-A608-4580-BCC2-EF374172102D}" srcId="{71B4D5D1-5068-485E-9DB9-9B9974D3B73D}" destId="{0688BCC4-6BDA-4573-BC89-B00590CDE6E9}" srcOrd="0" destOrd="0" parTransId="{2E2CCFE9-F4C9-469F-92D5-20B06DEAD6D6}" sibTransId="{869A2B5E-EE5B-4AE6-A6B8-A94C69E41581}"/>
-    <dgm:cxn modelId="{7CE276C2-69B7-4495-879D-8E6EAD8DBEEA}" type="presOf" srcId="{0688BCC4-6BDA-4573-BC89-B00590CDE6E9}" destId="{DF76BFB5-EB1A-4E3A-BB6B-A575CBA8B725}" srcOrd="0" destOrd="0" presId="urn:microsoft.com/office/officeart/2008/layout/SquareAccentList"/>
-    <dgm:cxn modelId="{0C8537A4-D245-4363-AC2F-849FD114D2C5}" type="presOf" srcId="{71B4D5D1-5068-485E-9DB9-9B9974D3B73D}" destId="{E16ED012-9EAC-4AAF-B459-A7E4C860596C}" srcOrd="0" destOrd="0" presId="urn:microsoft.com/office/officeart/2008/layout/SquareAccentList"/>
-    <dgm:cxn modelId="{4DE0DD66-D1ED-4F9C-991D-5C7FE91AA5BD}" srcId="{14B7DD05-5927-4B96-B69A-A22B3657C78B}" destId="{1348042C-69D4-40EA-B1DD-D308CEA4DD1D}" srcOrd="5" destOrd="0" parTransId="{1CE7E518-21F3-49A4-9031-17339C01BC0B}" sibTransId="{0A8D3535-AA61-4DF2-8C94-09EE24B4A547}"/>
-    <dgm:cxn modelId="{8CFD4604-881E-461E-95E5-C12C6487F1E2}" srcId="{14B7DD05-5927-4B96-B69A-A22B3657C78B}" destId="{AC0677FB-7EC5-43AF-862B-E16F70E1E27E}" srcOrd="2" destOrd="0" parTransId="{B8434F87-8FF5-4B26-B044-CF2F21432E65}" sibTransId="{1FB359DF-DA5B-4A91-A683-5285A15165C6}"/>
-    <dgm:cxn modelId="{8E63FAB5-44AE-4DAD-A1C2-244B957BA0BF}" type="presOf" srcId="{5D3BB1AF-3093-4F9E-A447-B4AC364BDCA0}" destId="{CDDFC540-6140-4117-8A5D-E93C6F13B72B}" srcOrd="0" destOrd="0" presId="urn:microsoft.com/office/officeart/2008/layout/SquareAccentList"/>
-    <dgm:cxn modelId="{7B4C2D7A-D9A2-4CDC-88B5-29B83F7D2EEC}" type="presOf" srcId="{9868CB36-C413-42AD-85FA-A70A2949C97E}" destId="{5949ACF3-87ED-4B45-A121-7D540366A3C7}" srcOrd="0" destOrd="0" presId="urn:microsoft.com/office/officeart/2008/layout/SquareAccentList"/>
-    <dgm:cxn modelId="{76667CEC-0F23-4132-9F80-A2FD863C7AEB}" srcId="{14B7DD05-5927-4B96-B69A-A22B3657C78B}" destId="{CCBD1C66-CDCD-457E-BAA4-7F17CD226945}" srcOrd="1" destOrd="0" parTransId="{B76F848C-6756-41F8-8C07-047BB553F24E}" sibTransId="{29DAB75C-7414-4DB1-948E-AE16FBB173F6}"/>
-    <dgm:cxn modelId="{45DE4909-D73F-446A-96F4-05CFEE9C035A}" srcId="{14B7DD05-5927-4B96-B69A-A22B3657C78B}" destId="{56A0F4A7-1CA1-4656-9F44-47B61450D59D}" srcOrd="0" destOrd="0" parTransId="{14FD56C4-BC94-4248-9380-562AC40855D1}" sibTransId="{03BDC570-1D8B-426C-8572-AB279ECC44E6}"/>
-    <dgm:cxn modelId="{0A3FB108-D80D-44AD-A218-75709C9AB7D0}" type="presOf" srcId="{5069B2F3-2745-43EF-B025-93BDFF39C98C}" destId="{974928E4-C4AE-468E-9128-CB8FA7515A6C}" srcOrd="0" destOrd="0" presId="urn:microsoft.com/office/officeart/2008/layout/SquareAccentList"/>
-    <dgm:cxn modelId="{4339317C-0DF8-496F-BE00-53FD46FFFB92}" type="presOf" srcId="{1348042C-69D4-40EA-B1DD-D308CEA4DD1D}" destId="{D434BC25-945A-4192-B65A-279BD8E546A4}" srcOrd="0" destOrd="0" presId="urn:microsoft.com/office/officeart/2008/layout/SquareAccentList"/>
-    <dgm:cxn modelId="{E4BAF71F-B74A-40F9-8A92-451D083E17F2}" srcId="{71B4D5D1-5068-485E-9DB9-9B9974D3B73D}" destId="{14B7DD05-5927-4B96-B69A-A22B3657C78B}" srcOrd="1" destOrd="0" parTransId="{6880D8FB-0F11-40AC-8D48-C301476B1912}" sibTransId="{B8993F59-80FE-4712-9DAC-AA06CD583923}"/>
-    <dgm:cxn modelId="{1FFBA97F-9F02-4EF3-9A26-13240B340846}" srcId="{14B7DD05-5927-4B96-B69A-A22B3657C78B}" destId="{5069B2F3-2745-43EF-B025-93BDFF39C98C}" srcOrd="4" destOrd="0" parTransId="{4FDA249B-C633-47CF-8359-EC0C674A2F01}" sibTransId="{05D8B176-0D1D-44DA-B74C-51BF02FFA43F}"/>
-    <dgm:cxn modelId="{3619F8D3-9A5E-46E2-8A6D-3412216B9307}" type="presOf" srcId="{CCBD1C66-CDCD-457E-BAA4-7F17CD226945}" destId="{F64BB028-F4C1-4946-AFA6-D5904CAFEB17}" srcOrd="0" destOrd="0" presId="urn:microsoft.com/office/officeart/2008/layout/SquareAccentList"/>
-    <dgm:cxn modelId="{BA29B6A2-FB46-4590-9B0F-8571ABE0A42B}" srcId="{14B7DD05-5927-4B96-B69A-A22B3657C78B}" destId="{9868CB36-C413-42AD-85FA-A70A2949C97E}" srcOrd="6" destOrd="0" parTransId="{5A583F88-6112-48A9-9B61-49D70D0D2A85}" sibTransId="{72AA7F96-1B11-4B67-A5E2-E888B79B6167}"/>
     <dgm:cxn modelId="{9CF577E0-DFC8-459D-88C1-206698ACD89D}" type="presParOf" srcId="{E16ED012-9EAC-4AAF-B459-A7E4C860596C}" destId="{E718E1D3-4986-4406-83D1-3C4A512BE3A3}" srcOrd="0" destOrd="0" presId="urn:microsoft.com/office/officeart/2008/layout/SquareAccentList"/>
     <dgm:cxn modelId="{EAD9C1D1-B77F-46E9-BEC1-73F49EBE94C8}" type="presParOf" srcId="{E718E1D3-4986-4406-83D1-3C4A512BE3A3}" destId="{853B3219-4272-4D5B-A941-AAC07D852322}" srcOrd="0" destOrd="0" presId="urn:microsoft.com/office/officeart/2008/layout/SquareAccentList"/>
     <dgm:cxn modelId="{A32A4869-B73E-4688-B40B-98658480B21E}" type="presParOf" srcId="{853B3219-4272-4D5B-A941-AAC07D852322}" destId="{D44101DC-B46E-444A-B0B3-65B02177829B}" srcOrd="0" destOrd="0" presId="urn:microsoft.com/office/officeart/2008/layout/SquareAccentList"/>
@@ -8795,7 +8901,7 @@
   <dgm:whole/>
   <dgm:extLst>
     <a:ext uri="http://schemas.microsoft.com/office/drawing/2008/diagram">
-      <dsp:dataModelExt xmlns:dsp="http://schemas.microsoft.com/office/drawing/2008/diagram" relId="rId6" minVer="http://schemas.openxmlformats.org/drawingml/2006/diagram"/>
+      <dsp:dataModelExt xmlns:dsp="http://schemas.microsoft.com/office/drawing/2008/diagram" relId="rId7" minVer="http://schemas.openxmlformats.org/drawingml/2006/diagram"/>
     </a:ext>
   </dgm:extLst>
 </dgm:dataModel>
@@ -8972,6 +9078,13 @@
         </dgm:presLayoutVars>
       </dgm:prSet>
       <dgm:spPr/>
+      <dgm:t>
+        <a:bodyPr/>
+        <a:lstStyle/>
+        <a:p>
+          <a:endParaRPr lang="en-US"/>
+        </a:p>
+      </dgm:t>
     </dgm:pt>
     <dgm:pt modelId="{F7C9048B-730A-41C9-8002-1947DD7ACC10}" type="pres">
       <dgm:prSet presAssocID="{71B4D5D1-5068-485E-9DB9-9B9974D3B73D}" presName="axisShape" presStyleLbl="bgShp" presStyleIdx="0" presStyleCnt="1"/>
@@ -8986,6 +9099,13 @@
         </dgm:presLayoutVars>
       </dgm:prSet>
       <dgm:spPr/>
+      <dgm:t>
+        <a:bodyPr/>
+        <a:lstStyle/>
+        <a:p>
+          <a:endParaRPr lang="en-US"/>
+        </a:p>
+      </dgm:t>
     </dgm:pt>
     <dgm:pt modelId="{0403F51F-F394-4987-88D9-4CF4340D972B}" type="pres">
       <dgm:prSet presAssocID="{71B4D5D1-5068-485E-9DB9-9B9974D3B73D}" presName="rect2" presStyleLbl="node1" presStyleIdx="1" presStyleCnt="4">
@@ -8996,6 +9116,13 @@
         </dgm:presLayoutVars>
       </dgm:prSet>
       <dgm:spPr/>
+      <dgm:t>
+        <a:bodyPr/>
+        <a:lstStyle/>
+        <a:p>
+          <a:endParaRPr lang="en-US"/>
+        </a:p>
+      </dgm:t>
     </dgm:pt>
     <dgm:pt modelId="{51B49D14-6B0F-4673-8066-816B0CC62B07}" type="pres">
       <dgm:prSet presAssocID="{71B4D5D1-5068-485E-9DB9-9B9974D3B73D}" presName="rect3" presStyleLbl="node1" presStyleIdx="2" presStyleCnt="4">
@@ -9023,6 +9150,13 @@
         </dgm:presLayoutVars>
       </dgm:prSet>
       <dgm:spPr/>
+      <dgm:t>
+        <a:bodyPr/>
+        <a:lstStyle/>
+        <a:p>
+          <a:endParaRPr lang="en-US"/>
+        </a:p>
+      </dgm:t>
     </dgm:pt>
   </dgm:ptLst>
   <dgm:cxnLst>
@@ -9045,7 +9179,7 @@
   <dgm:whole/>
   <dgm:extLst>
     <a:ext uri="http://schemas.microsoft.com/office/drawing/2008/diagram">
-      <dsp:dataModelExt xmlns:dsp="http://schemas.microsoft.com/office/drawing/2008/diagram" relId="rId11" minVer="http://schemas.openxmlformats.org/drawingml/2006/diagram"/>
+      <dsp:dataModelExt xmlns:dsp="http://schemas.microsoft.com/office/drawing/2008/diagram" relId="rId12" minVer="http://schemas.openxmlformats.org/drawingml/2006/diagram"/>
     </a:ext>
   </dgm:extLst>
 </dgm:dataModel>
@@ -9664,6 +9798,13 @@
         </dgm:presLayoutVars>
       </dgm:prSet>
       <dgm:spPr/>
+      <dgm:t>
+        <a:bodyPr/>
+        <a:lstStyle/>
+        <a:p>
+          <a:endParaRPr lang="en-US"/>
+        </a:p>
+      </dgm:t>
     </dgm:pt>
     <dgm:pt modelId="{8BD42261-6912-4C76-B7FF-F20B83DA4C27}" type="pres">
       <dgm:prSet presAssocID="{21F9986E-6E48-48B7-BB18-FA872B81DBF8}" presName="root" presStyleCnt="0">
@@ -9697,6 +9838,13 @@
         </dgm:presLayoutVars>
       </dgm:prSet>
       <dgm:spPr/>
+      <dgm:t>
+        <a:bodyPr/>
+        <a:lstStyle/>
+        <a:p>
+          <a:endParaRPr lang="en-US"/>
+        </a:p>
+      </dgm:t>
     </dgm:pt>
     <dgm:pt modelId="{359BD1D6-7940-4435-8E19-59EEA91BCDD1}" type="pres">
       <dgm:prSet presAssocID="{21F9986E-6E48-48B7-BB18-FA872B81DBF8}" presName="childShape" presStyleCnt="0">
@@ -9729,6 +9877,13 @@
         </dgm:presLayoutVars>
       </dgm:prSet>
       <dgm:spPr/>
+      <dgm:t>
+        <a:bodyPr/>
+        <a:lstStyle/>
+        <a:p>
+          <a:endParaRPr lang="en-US"/>
+        </a:p>
+      </dgm:t>
     </dgm:pt>
     <dgm:pt modelId="{85C2B333-6BC2-4389-A761-C2C3036F0DB8}" type="pres">
       <dgm:prSet presAssocID="{A59C8A4B-1518-475B-98FE-91B51295C490}" presName="childComposite" presStyleCnt="0">
@@ -9752,6 +9907,13 @@
         </dgm:presLayoutVars>
       </dgm:prSet>
       <dgm:spPr/>
+      <dgm:t>
+        <a:bodyPr/>
+        <a:lstStyle/>
+        <a:p>
+          <a:endParaRPr lang="en-US"/>
+        </a:p>
+      </dgm:t>
     </dgm:pt>
     <dgm:pt modelId="{A122CF3E-3C4B-4C27-B346-F27E9F9AE493}" type="pres">
       <dgm:prSet presAssocID="{5AF4D899-4CC3-4DE6-B831-97707A90B154}" presName="childComposite" presStyleCnt="0">
@@ -9775,6 +9937,13 @@
         </dgm:presLayoutVars>
       </dgm:prSet>
       <dgm:spPr/>
+      <dgm:t>
+        <a:bodyPr/>
+        <a:lstStyle/>
+        <a:p>
+          <a:endParaRPr lang="en-US"/>
+        </a:p>
+      </dgm:t>
     </dgm:pt>
     <dgm:pt modelId="{5F1996A6-4240-4FD7-A9C0-17DBE79658B8}" type="pres">
       <dgm:prSet presAssocID="{C2784829-B85A-4E33-981B-65470436C170}" presName="childComposite" presStyleCnt="0">
@@ -9798,6 +9967,13 @@
         </dgm:presLayoutVars>
       </dgm:prSet>
       <dgm:spPr/>
+      <dgm:t>
+        <a:bodyPr/>
+        <a:lstStyle/>
+        <a:p>
+          <a:endParaRPr lang="en-US"/>
+        </a:p>
+      </dgm:t>
     </dgm:pt>
     <dgm:pt modelId="{D9C2548C-DCF6-4511-A6E6-0206DF0669F6}" type="pres">
       <dgm:prSet presAssocID="{55192E12-DF66-4A9B-A74D-BC45A1498DE9}" presName="root" presStyleCnt="0">
@@ -9831,6 +10007,13 @@
         </dgm:presLayoutVars>
       </dgm:prSet>
       <dgm:spPr/>
+      <dgm:t>
+        <a:bodyPr/>
+        <a:lstStyle/>
+        <a:p>
+          <a:endParaRPr lang="en-US"/>
+        </a:p>
+      </dgm:t>
     </dgm:pt>
     <dgm:pt modelId="{BF5D9625-9513-4A35-B29C-7A356D10F55D}" type="pres">
       <dgm:prSet presAssocID="{55192E12-DF66-4A9B-A74D-BC45A1498DE9}" presName="childShape" presStyleCnt="0">
@@ -9863,6 +10046,13 @@
         </dgm:presLayoutVars>
       </dgm:prSet>
       <dgm:spPr/>
+      <dgm:t>
+        <a:bodyPr/>
+        <a:lstStyle/>
+        <a:p>
+          <a:endParaRPr lang="en-US"/>
+        </a:p>
+      </dgm:t>
     </dgm:pt>
     <dgm:pt modelId="{AD9BA908-2301-4643-8C85-9B4E4B973751}" type="pres">
       <dgm:prSet presAssocID="{18BB31B8-74FB-4627-8C9B-A8562D2BB99C}" presName="childComposite" presStyleCnt="0">
@@ -9886,6 +10076,13 @@
         </dgm:presLayoutVars>
       </dgm:prSet>
       <dgm:spPr/>
+      <dgm:t>
+        <a:bodyPr/>
+        <a:lstStyle/>
+        <a:p>
+          <a:endParaRPr lang="en-US"/>
+        </a:p>
+      </dgm:t>
     </dgm:pt>
     <dgm:pt modelId="{88DF5BA2-CC53-4CC3-95DC-3C02571D8594}" type="pres">
       <dgm:prSet presAssocID="{12CBA55B-FF5C-44DF-A9CA-EF7BA5262921}" presName="root" presStyleCnt="0">
@@ -9919,6 +10116,13 @@
         </dgm:presLayoutVars>
       </dgm:prSet>
       <dgm:spPr/>
+      <dgm:t>
+        <a:bodyPr/>
+        <a:lstStyle/>
+        <a:p>
+          <a:endParaRPr lang="en-US"/>
+        </a:p>
+      </dgm:t>
     </dgm:pt>
     <dgm:pt modelId="{293498BB-4EEE-4B90-9D26-A89394CCD65D}" type="pres">
       <dgm:prSet presAssocID="{12CBA55B-FF5C-44DF-A9CA-EF7BA5262921}" presName="childShape" presStyleCnt="0">
@@ -9951,42 +10155,49 @@
         </dgm:presLayoutVars>
       </dgm:prSet>
       <dgm:spPr/>
+      <dgm:t>
+        <a:bodyPr/>
+        <a:lstStyle/>
+        <a:p>
+          <a:endParaRPr lang="en-US"/>
+        </a:p>
+      </dgm:t>
     </dgm:pt>
   </dgm:ptLst>
   <dgm:cxnLst>
+    <dgm:cxn modelId="{9D889E90-799D-4C43-8608-C43C0EBC6497}" type="presOf" srcId="{C2784829-B85A-4E33-981B-65470436C170}" destId="{68F556F9-490E-43AD-8E4B-8C6FDF8CFC44}" srcOrd="0" destOrd="0" presId="urn:microsoft.com/office/officeart/2008/layout/SquareAccentList"/>
+    <dgm:cxn modelId="{AD4F7E0B-39A3-4205-B53D-A6F37C9488C9}" srcId="{71B4D5D1-5068-485E-9DB9-9B9974D3B73D}" destId="{55192E12-DF66-4A9B-A74D-BC45A1498DE9}" srcOrd="1" destOrd="0" parTransId="{E4D3F38A-BF8E-4694-874B-3C68BF994A45}" sibTransId="{E33934C4-638A-40BC-B60B-E268A950B6D5}"/>
+    <dgm:cxn modelId="{96EA4EDF-D0E3-42BA-A246-1128617BC080}" type="presOf" srcId="{E2AACBE6-48CF-4CC1-BA91-687750667C28}" destId="{68F556F9-490E-43AD-8E4B-8C6FDF8CFC44}" srcOrd="0" destOrd="1" presId="urn:microsoft.com/office/officeart/2008/layout/SquareAccentList"/>
+    <dgm:cxn modelId="{F64833D0-B837-4721-9102-C73996CC6ECD}" srcId="{21F9986E-6E48-48B7-BB18-FA872B81DBF8}" destId="{A59C8A4B-1518-475B-98FE-91B51295C490}" srcOrd="1" destOrd="0" parTransId="{35EBEFF9-75EC-4255-A8FB-E46CC14E07F8}" sibTransId="{646B18F5-99E3-4AEA-89F5-11C8F50EA35B}"/>
+    <dgm:cxn modelId="{494B1D8D-9008-4B52-8426-C27D8FB7F975}" type="presOf" srcId="{7724D872-B0CD-419E-88C8-323C2B03F791}" destId="{2ACBA8CC-C068-47FF-835B-3F3BFD15AF12}" srcOrd="0" destOrd="1" presId="urn:microsoft.com/office/officeart/2008/layout/SquareAccentList"/>
+    <dgm:cxn modelId="{6FF34E58-E60D-41C7-B77B-C011597B40FE}" srcId="{FC270965-6589-4F99-8CB7-CB3E48D1746B}" destId="{7724D872-B0CD-419E-88C8-323C2B03F791}" srcOrd="0" destOrd="0" parTransId="{0658DFD9-A239-4DB7-8389-208FF22BC533}" sibTransId="{11E5EDD0-EB86-4D27-8776-DD92593AB223}"/>
+    <dgm:cxn modelId="{AA149F7C-6251-41B6-89CB-D191F6A3BC52}" type="presOf" srcId="{A59C8A4B-1518-475B-98FE-91B51295C490}" destId="{CA2EF276-E146-42F8-BEDE-A0F4B0756912}" srcOrd="0" destOrd="0" presId="urn:microsoft.com/office/officeart/2008/layout/SquareAccentList"/>
+    <dgm:cxn modelId="{3EE87076-E581-4ED8-B283-123F1BAF735D}" srcId="{21F9986E-6E48-48B7-BB18-FA872B81DBF8}" destId="{C2784829-B85A-4E33-981B-65470436C170}" srcOrd="3" destOrd="0" parTransId="{8B04B059-2112-462E-9771-BD4D53D660B3}" sibTransId="{81F1FDDA-4014-4D4D-A0E0-9D1518D2C892}"/>
+    <dgm:cxn modelId="{8C6AC6A3-A4C6-4238-BD6D-863F498EF556}" srcId="{71B4D5D1-5068-485E-9DB9-9B9974D3B73D}" destId="{12CBA55B-FF5C-44DF-A9CA-EF7BA5262921}" srcOrd="2" destOrd="0" parTransId="{1C2546DD-92DC-4292-A3E1-98CD7B1F7842}" sibTransId="{A6D55A5C-7C82-4A3E-94E6-1543327F2F27}"/>
+    <dgm:cxn modelId="{E1F886C3-1ABC-4B46-A78D-49FA16610BCF}" srcId="{C2784829-B85A-4E33-981B-65470436C170}" destId="{E2AACBE6-48CF-4CC1-BA91-687750667C28}" srcOrd="0" destOrd="0" parTransId="{6F2D2BFA-9610-45AC-B063-C2A1EBA1C7B5}" sibTransId="{CBEFBDE7-3EC2-4520-96F3-1B1D69337150}"/>
+    <dgm:cxn modelId="{1278DF19-642A-4FA5-90EE-F5183085FFC5}" srcId="{A59C8A4B-1518-475B-98FE-91B51295C490}" destId="{3A009255-7773-4976-A03A-28C193E50D6E}" srcOrd="0" destOrd="0" parTransId="{EA2F5B59-339B-4A42-9946-6081BE8B13C1}" sibTransId="{15D35A75-7E46-4DD3-B246-933AD0E6BB38}"/>
+    <dgm:cxn modelId="{733735B2-2CBD-4FBF-BC72-642F35678C80}" type="presOf" srcId="{FC270965-6589-4F99-8CB7-CB3E48D1746B}" destId="{2ACBA8CC-C068-47FF-835B-3F3BFD15AF12}" srcOrd="0" destOrd="0" presId="urn:microsoft.com/office/officeart/2008/layout/SquareAccentList"/>
+    <dgm:cxn modelId="{55AA8BFC-9554-479A-A255-0F162BDB198F}" type="presOf" srcId="{21F9986E-6E48-48B7-BB18-FA872B81DBF8}" destId="{4AF8C2AB-3E40-4C5D-995E-8E295B390AF1}" srcOrd="0" destOrd="0" presId="urn:microsoft.com/office/officeart/2008/layout/SquareAccentList"/>
+    <dgm:cxn modelId="{2C6321FC-55EE-47CA-8DAC-3911B9AC014D}" srcId="{21F9986E-6E48-48B7-BB18-FA872B81DBF8}" destId="{FC270965-6589-4F99-8CB7-CB3E48D1746B}" srcOrd="0" destOrd="0" parTransId="{212661DB-4514-4F05-80F3-D09B6FD2BD83}" sibTransId="{49969FB2-54F6-4F52-8FAB-819D27C74860}"/>
+    <dgm:cxn modelId="{5C5620FD-EB99-43C6-9A65-ADD196CA1C79}" srcId="{55192E12-DF66-4A9B-A74D-BC45A1498DE9}" destId="{18BB31B8-74FB-4627-8C9B-A8562D2BB99C}" srcOrd="1" destOrd="0" parTransId="{42E0B575-59E5-46A0-870A-B61A366C9B27}" sibTransId="{FE4493ED-D75F-4657-8125-37A00985AD55}"/>
+    <dgm:cxn modelId="{58ED50C0-EE2F-4237-9853-AADF6B130E9B}" srcId="{12CBA55B-FF5C-44DF-A9CA-EF7BA5262921}" destId="{71FB0B7B-3637-4DA5-A00C-5168B8A5E8A2}" srcOrd="0" destOrd="0" parTransId="{35BBA1CC-E21F-42B7-99F4-28DC9FE3F4BA}" sibTransId="{EB2C8232-5ED4-448C-AB2D-D8F3D554FE20}"/>
+    <dgm:cxn modelId="{E1FA6CEC-B512-476D-A403-3DD7642646EB}" type="presOf" srcId="{12CBA55B-FF5C-44DF-A9CA-EF7BA5262921}" destId="{5799AF2C-4814-40C4-92A8-6586319D6FC8}" srcOrd="0" destOrd="0" presId="urn:microsoft.com/office/officeart/2008/layout/SquareAccentList"/>
+    <dgm:cxn modelId="{088395EA-B108-4F5B-9146-4E85E96256FA}" type="presOf" srcId="{18BB31B8-74FB-4627-8C9B-A8562D2BB99C}" destId="{AEB6CAED-3047-41EE-A2F4-469C5EA52ED7}" srcOrd="0" destOrd="0" presId="urn:microsoft.com/office/officeart/2008/layout/SquareAccentList"/>
+    <dgm:cxn modelId="{A7885174-20DA-4631-B0D5-D00671E83A14}" type="presOf" srcId="{3A009255-7773-4976-A03A-28C193E50D6E}" destId="{CA2EF276-E146-42F8-BEDE-A0F4B0756912}" srcOrd="0" destOrd="1" presId="urn:microsoft.com/office/officeart/2008/layout/SquareAccentList"/>
     <dgm:cxn modelId="{85DC336F-7D94-49FD-BF5D-130F6E14DDD4}" type="presOf" srcId="{71FB0B7B-3637-4DA5-A00C-5168B8A5E8A2}" destId="{39745465-C2C9-45FE-AF39-B93B5691F917}" srcOrd="0" destOrd="0" presId="urn:microsoft.com/office/officeart/2008/layout/SquareAccentList"/>
+    <dgm:cxn modelId="{2E80D6AA-411E-4B82-A3C4-84A32010738E}" type="presOf" srcId="{9FCF146E-91DA-4675-8383-9455B33BB177}" destId="{39745465-C2C9-45FE-AF39-B93B5691F917}" srcOrd="0" destOrd="1" presId="urn:microsoft.com/office/officeart/2008/layout/SquareAccentList"/>
+    <dgm:cxn modelId="{0B567170-0CDB-40D1-9ECB-9E113DB80EA7}" type="presOf" srcId="{55F3AA57-3D94-4F70-A642-C028034BAB01}" destId="{39745465-C2C9-45FE-AF39-B93B5691F917}" srcOrd="0" destOrd="2" presId="urn:microsoft.com/office/officeart/2008/layout/SquareAccentList"/>
+    <dgm:cxn modelId="{BB70D202-B1B1-4D99-969F-829B6A5C1702}" type="presOf" srcId="{5AF4D899-4CC3-4DE6-B831-97707A90B154}" destId="{40AE0092-A478-44E2-9A0D-46399B2FCFE3}" srcOrd="0" destOrd="0" presId="urn:microsoft.com/office/officeart/2008/layout/SquareAccentList"/>
+    <dgm:cxn modelId="{A2697A1E-BF9E-481F-A180-8FE149BD159E}" type="presOf" srcId="{83E05D13-7105-451B-9633-6EB09AB3445B}" destId="{573747E8-C6DF-47FA-9AC1-1267C0FD4C72}" srcOrd="0" destOrd="0" presId="urn:microsoft.com/office/officeart/2008/layout/SquareAccentList"/>
+    <dgm:cxn modelId="{45502499-2913-4730-AF98-8516DF6D4E7D}" srcId="{5AF4D899-4CC3-4DE6-B831-97707A90B154}" destId="{A9D6EB69-8C90-4F71-9852-C1128FFEE7F0}" srcOrd="0" destOrd="0" parTransId="{05459A63-1506-4E9B-B276-ACCD940B8CC8}" sibTransId="{BEAD7AE6-B9F5-4B1C-852D-D4CA0E87FE76}"/>
+    <dgm:cxn modelId="{020D2DDC-D28D-4C50-B16B-305598DC69C3}" srcId="{21F9986E-6E48-48B7-BB18-FA872B81DBF8}" destId="{5AF4D899-4CC3-4DE6-B831-97707A90B154}" srcOrd="2" destOrd="0" parTransId="{D5F2F30A-8A9B-45E0-896B-06EE84106BBE}" sibTransId="{BAA7E0D6-7FCA-4D84-9ACC-7BC53324F80C}"/>
     <dgm:cxn modelId="{D4E8D951-2A0F-4017-9DB1-A211633D0B85}" srcId="{71FB0B7B-3637-4DA5-A00C-5168B8A5E8A2}" destId="{9FCF146E-91DA-4675-8383-9455B33BB177}" srcOrd="0" destOrd="0" parTransId="{18CD04AA-5DA7-469C-B1ED-AD415E202982}" sibTransId="{1FAB4AA0-1BE6-496C-96DA-7AF297250207}"/>
-    <dgm:cxn modelId="{9D889E90-799D-4C43-8608-C43C0EBC6497}" type="presOf" srcId="{C2784829-B85A-4E33-981B-65470436C170}" destId="{68F556F9-490E-43AD-8E4B-8C6FDF8CFC44}" srcOrd="0" destOrd="0" presId="urn:microsoft.com/office/officeart/2008/layout/SquareAccentList"/>
-    <dgm:cxn modelId="{45502499-2913-4730-AF98-8516DF6D4E7D}" srcId="{5AF4D899-4CC3-4DE6-B831-97707A90B154}" destId="{A9D6EB69-8C90-4F71-9852-C1128FFEE7F0}" srcOrd="0" destOrd="0" parTransId="{05459A63-1506-4E9B-B276-ACCD940B8CC8}" sibTransId="{BEAD7AE6-B9F5-4B1C-852D-D4CA0E87FE76}"/>
-    <dgm:cxn modelId="{494B1D8D-9008-4B52-8426-C27D8FB7F975}" type="presOf" srcId="{7724D872-B0CD-419E-88C8-323C2B03F791}" destId="{2ACBA8CC-C068-47FF-835B-3F3BFD15AF12}" srcOrd="0" destOrd="1" presId="urn:microsoft.com/office/officeart/2008/layout/SquareAccentList"/>
-    <dgm:cxn modelId="{A2697A1E-BF9E-481F-A180-8FE149BD159E}" type="presOf" srcId="{83E05D13-7105-451B-9633-6EB09AB3445B}" destId="{573747E8-C6DF-47FA-9AC1-1267C0FD4C72}" srcOrd="0" destOrd="0" presId="urn:microsoft.com/office/officeart/2008/layout/SquareAccentList"/>
-    <dgm:cxn modelId="{E1FA6CEC-B512-476D-A403-3DD7642646EB}" type="presOf" srcId="{12CBA55B-FF5C-44DF-A9CA-EF7BA5262921}" destId="{5799AF2C-4814-40C4-92A8-6586319D6FC8}" srcOrd="0" destOrd="0" presId="urn:microsoft.com/office/officeart/2008/layout/SquareAccentList"/>
-    <dgm:cxn modelId="{2C6321FC-55EE-47CA-8DAC-3911B9AC014D}" srcId="{21F9986E-6E48-48B7-BB18-FA872B81DBF8}" destId="{FC270965-6589-4F99-8CB7-CB3E48D1746B}" srcOrd="0" destOrd="0" parTransId="{212661DB-4514-4F05-80F3-D09B6FD2BD83}" sibTransId="{49969FB2-54F6-4F52-8FAB-819D27C74860}"/>
+    <dgm:cxn modelId="{A8A973A5-1B04-41FB-B048-9CE8BC078C2B}" srcId="{55192E12-DF66-4A9B-A74D-BC45A1498DE9}" destId="{83E05D13-7105-451B-9633-6EB09AB3445B}" srcOrd="0" destOrd="0" parTransId="{CDE42711-00A5-4BC1-8B01-CC68ECCE04B0}" sibTransId="{439944B5-1835-4467-AE24-2889C1A03D39}"/>
     <dgm:cxn modelId="{83CFF306-2D3C-438B-9814-0C74858B428F}" srcId="{71FB0B7B-3637-4DA5-A00C-5168B8A5E8A2}" destId="{55F3AA57-3D94-4F70-A642-C028034BAB01}" srcOrd="1" destOrd="0" parTransId="{401ED342-0D87-4E1B-B052-22EAD430D57C}" sibTransId="{6F66EC62-64FF-4FA5-A8C8-79DC811263DD}"/>
-    <dgm:cxn modelId="{733735B2-2CBD-4FBF-BC72-642F35678C80}" type="presOf" srcId="{FC270965-6589-4F99-8CB7-CB3E48D1746B}" destId="{2ACBA8CC-C068-47FF-835B-3F3BFD15AF12}" srcOrd="0" destOrd="0" presId="urn:microsoft.com/office/officeart/2008/layout/SquareAccentList"/>
-    <dgm:cxn modelId="{58ED50C0-EE2F-4237-9853-AADF6B130E9B}" srcId="{12CBA55B-FF5C-44DF-A9CA-EF7BA5262921}" destId="{71FB0B7B-3637-4DA5-A00C-5168B8A5E8A2}" srcOrd="0" destOrd="0" parTransId="{35BBA1CC-E21F-42B7-99F4-28DC9FE3F4BA}" sibTransId="{EB2C8232-5ED4-448C-AB2D-D8F3D554FE20}"/>
-    <dgm:cxn modelId="{2E80D6AA-411E-4B82-A3C4-84A32010738E}" type="presOf" srcId="{9FCF146E-91DA-4675-8383-9455B33BB177}" destId="{39745465-C2C9-45FE-AF39-B93B5691F917}" srcOrd="0" destOrd="1" presId="urn:microsoft.com/office/officeart/2008/layout/SquareAccentList"/>
-    <dgm:cxn modelId="{AA149F7C-6251-41B6-89CB-D191F6A3BC52}" type="presOf" srcId="{A59C8A4B-1518-475B-98FE-91B51295C490}" destId="{CA2EF276-E146-42F8-BEDE-A0F4B0756912}" srcOrd="0" destOrd="0" presId="urn:microsoft.com/office/officeart/2008/layout/SquareAccentList"/>
-    <dgm:cxn modelId="{55AA8BFC-9554-479A-A255-0F162BDB198F}" type="presOf" srcId="{21F9986E-6E48-48B7-BB18-FA872B81DBF8}" destId="{4AF8C2AB-3E40-4C5D-995E-8E295B390AF1}" srcOrd="0" destOrd="0" presId="urn:microsoft.com/office/officeart/2008/layout/SquareAccentList"/>
     <dgm:cxn modelId="{279D6B3D-6439-4D2E-88B0-875777B54F6B}" type="presOf" srcId="{55192E12-DF66-4A9B-A74D-BC45A1498DE9}" destId="{727F82C9-9C30-48F4-A6CF-C70FD8A9C72C}" srcOrd="0" destOrd="0" presId="urn:microsoft.com/office/officeart/2008/layout/SquareAccentList"/>
-    <dgm:cxn modelId="{1278DF19-642A-4FA5-90EE-F5183085FFC5}" srcId="{A59C8A4B-1518-475B-98FE-91B51295C490}" destId="{3A009255-7773-4976-A03A-28C193E50D6E}" srcOrd="0" destOrd="0" parTransId="{EA2F5B59-339B-4A42-9946-6081BE8B13C1}" sibTransId="{15D35A75-7E46-4DD3-B246-933AD0E6BB38}"/>
-    <dgm:cxn modelId="{088395EA-B108-4F5B-9146-4E85E96256FA}" type="presOf" srcId="{18BB31B8-74FB-4627-8C9B-A8562D2BB99C}" destId="{AEB6CAED-3047-41EE-A2F4-469C5EA52ED7}" srcOrd="0" destOrd="0" presId="urn:microsoft.com/office/officeart/2008/layout/SquareAccentList"/>
-    <dgm:cxn modelId="{020D2DDC-D28D-4C50-B16B-305598DC69C3}" srcId="{21F9986E-6E48-48B7-BB18-FA872B81DBF8}" destId="{5AF4D899-4CC3-4DE6-B831-97707A90B154}" srcOrd="2" destOrd="0" parTransId="{D5F2F30A-8A9B-45E0-896B-06EE84106BBE}" sibTransId="{BAA7E0D6-7FCA-4D84-9ACC-7BC53324F80C}"/>
-    <dgm:cxn modelId="{3EE87076-E581-4ED8-B283-123F1BAF735D}" srcId="{21F9986E-6E48-48B7-BB18-FA872B81DBF8}" destId="{C2784829-B85A-4E33-981B-65470436C170}" srcOrd="3" destOrd="0" parTransId="{8B04B059-2112-462E-9771-BD4D53D660B3}" sibTransId="{81F1FDDA-4014-4D4D-A0E0-9D1518D2C892}"/>
-    <dgm:cxn modelId="{A7885174-20DA-4631-B0D5-D00671E83A14}" type="presOf" srcId="{3A009255-7773-4976-A03A-28C193E50D6E}" destId="{CA2EF276-E146-42F8-BEDE-A0F4B0756912}" srcOrd="0" destOrd="1" presId="urn:microsoft.com/office/officeart/2008/layout/SquareAccentList"/>
-    <dgm:cxn modelId="{6FF34E58-E60D-41C7-B77B-C011597B40FE}" srcId="{FC270965-6589-4F99-8CB7-CB3E48D1746B}" destId="{7724D872-B0CD-419E-88C8-323C2B03F791}" srcOrd="0" destOrd="0" parTransId="{0658DFD9-A239-4DB7-8389-208FF22BC533}" sibTransId="{11E5EDD0-EB86-4D27-8776-DD92593AB223}"/>
-    <dgm:cxn modelId="{0B567170-0CDB-40D1-9ECB-9E113DB80EA7}" type="presOf" srcId="{55F3AA57-3D94-4F70-A642-C028034BAB01}" destId="{39745465-C2C9-45FE-AF39-B93B5691F917}" srcOrd="0" destOrd="2" presId="urn:microsoft.com/office/officeart/2008/layout/SquareAccentList"/>
-    <dgm:cxn modelId="{AD4F7E0B-39A3-4205-B53D-A6F37C9488C9}" srcId="{71B4D5D1-5068-485E-9DB9-9B9974D3B73D}" destId="{55192E12-DF66-4A9B-A74D-BC45A1498DE9}" srcOrd="1" destOrd="0" parTransId="{E4D3F38A-BF8E-4694-874B-3C68BF994A45}" sibTransId="{E33934C4-638A-40BC-B60B-E268A950B6D5}"/>
     <dgm:cxn modelId="{7C19E41F-B3FD-4ADF-90D7-F6E82B8DE1AE}" type="presOf" srcId="{71B4D5D1-5068-485E-9DB9-9B9974D3B73D}" destId="{58A11802-CF60-4C29-8F49-73134379128A}" srcOrd="0" destOrd="0" presId="urn:microsoft.com/office/officeart/2008/layout/SquareAccentList"/>
-    <dgm:cxn modelId="{BB70D202-B1B1-4D99-969F-829B6A5C1702}" type="presOf" srcId="{5AF4D899-4CC3-4DE6-B831-97707A90B154}" destId="{40AE0092-A478-44E2-9A0D-46399B2FCFE3}" srcOrd="0" destOrd="0" presId="urn:microsoft.com/office/officeart/2008/layout/SquareAccentList"/>
-    <dgm:cxn modelId="{96EA4EDF-D0E3-42BA-A246-1128617BC080}" type="presOf" srcId="{E2AACBE6-48CF-4CC1-BA91-687750667C28}" destId="{68F556F9-490E-43AD-8E4B-8C6FDF8CFC44}" srcOrd="0" destOrd="1" presId="urn:microsoft.com/office/officeart/2008/layout/SquareAccentList"/>
-    <dgm:cxn modelId="{8C6AC6A3-A4C6-4238-BD6D-863F498EF556}" srcId="{71B4D5D1-5068-485E-9DB9-9B9974D3B73D}" destId="{12CBA55B-FF5C-44DF-A9CA-EF7BA5262921}" srcOrd="2" destOrd="0" parTransId="{1C2546DD-92DC-4292-A3E1-98CD7B1F7842}" sibTransId="{A6D55A5C-7C82-4A3E-94E6-1543327F2F27}"/>
+    <dgm:cxn modelId="{8B6DAF10-0EB2-4B7E-B005-3C1B765A4270}" srcId="{71B4D5D1-5068-485E-9DB9-9B9974D3B73D}" destId="{21F9986E-6E48-48B7-BB18-FA872B81DBF8}" srcOrd="0" destOrd="0" parTransId="{4378FDC6-A3E3-4F06-93ED-9E3BB0559224}" sibTransId="{C65A1FD5-BF61-4991-8135-99EEFA3D79DE}"/>
     <dgm:cxn modelId="{2191596C-CDE8-4A2C-8218-CFC22A07B7DC}" type="presOf" srcId="{A9D6EB69-8C90-4F71-9852-C1128FFEE7F0}" destId="{40AE0092-A478-44E2-9A0D-46399B2FCFE3}" srcOrd="0" destOrd="1" presId="urn:microsoft.com/office/officeart/2008/layout/SquareAccentList"/>
-    <dgm:cxn modelId="{E1F886C3-1ABC-4B46-A78D-49FA16610BCF}" srcId="{C2784829-B85A-4E33-981B-65470436C170}" destId="{E2AACBE6-48CF-4CC1-BA91-687750667C28}" srcOrd="0" destOrd="0" parTransId="{6F2D2BFA-9610-45AC-B063-C2A1EBA1C7B5}" sibTransId="{CBEFBDE7-3EC2-4520-96F3-1B1D69337150}"/>
-    <dgm:cxn modelId="{5C5620FD-EB99-43C6-9A65-ADD196CA1C79}" srcId="{55192E12-DF66-4A9B-A74D-BC45A1498DE9}" destId="{18BB31B8-74FB-4627-8C9B-A8562D2BB99C}" srcOrd="1" destOrd="0" parTransId="{42E0B575-59E5-46A0-870A-B61A366C9B27}" sibTransId="{FE4493ED-D75F-4657-8125-37A00985AD55}"/>
-    <dgm:cxn modelId="{A8A973A5-1B04-41FB-B048-9CE8BC078C2B}" srcId="{55192E12-DF66-4A9B-A74D-BC45A1498DE9}" destId="{83E05D13-7105-451B-9633-6EB09AB3445B}" srcOrd="0" destOrd="0" parTransId="{CDE42711-00A5-4BC1-8B01-CC68ECCE04B0}" sibTransId="{439944B5-1835-4467-AE24-2889C1A03D39}"/>
-    <dgm:cxn modelId="{F64833D0-B837-4721-9102-C73996CC6ECD}" srcId="{21F9986E-6E48-48B7-BB18-FA872B81DBF8}" destId="{A59C8A4B-1518-475B-98FE-91B51295C490}" srcOrd="1" destOrd="0" parTransId="{35EBEFF9-75EC-4255-A8FB-E46CC14E07F8}" sibTransId="{646B18F5-99E3-4AEA-89F5-11C8F50EA35B}"/>
-    <dgm:cxn modelId="{8B6DAF10-0EB2-4B7E-B005-3C1B765A4270}" srcId="{71B4D5D1-5068-485E-9DB9-9B9974D3B73D}" destId="{21F9986E-6E48-48B7-BB18-FA872B81DBF8}" srcOrd="0" destOrd="0" parTransId="{4378FDC6-A3E3-4F06-93ED-9E3BB0559224}" sibTransId="{C65A1FD5-BF61-4991-8135-99EEFA3D79DE}"/>
     <dgm:cxn modelId="{144EC8F7-2E76-4EB9-88DD-FD98C3EDD75E}" type="presParOf" srcId="{58A11802-CF60-4C29-8F49-73134379128A}" destId="{8BD42261-6912-4C76-B7FF-F20B83DA4C27}" srcOrd="0" destOrd="0" presId="urn:microsoft.com/office/officeart/2008/layout/SquareAccentList"/>
     <dgm:cxn modelId="{630982F4-9028-48D4-90E1-B7D9082B1143}" type="presParOf" srcId="{8BD42261-6912-4C76-B7FF-F20B83DA4C27}" destId="{35B7F705-6B07-4517-9524-CDFE85672255}" srcOrd="0" destOrd="0" presId="urn:microsoft.com/office/officeart/2008/layout/SquareAccentList"/>
     <dgm:cxn modelId="{6913D587-3315-4DD2-B0E5-24E9A4E31906}" type="presParOf" srcId="{35B7F705-6B07-4517-9524-CDFE85672255}" destId="{426AFAAC-0F90-4FCF-8EBB-6A6DE0156F22}" srcOrd="0" destOrd="0" presId="urn:microsoft.com/office/officeart/2008/layout/SquareAccentList"/>
@@ -10031,7 +10242,7 @@
   <dgm:whole/>
   <dgm:extLst>
     <a:ext uri="http://schemas.microsoft.com/office/drawing/2008/diagram">
-      <dsp:dataModelExt xmlns:dsp="http://schemas.microsoft.com/office/drawing/2008/diagram" relId="rId6" minVer="http://schemas.openxmlformats.org/drawingml/2006/diagram"/>
+      <dsp:dataModelExt xmlns:dsp="http://schemas.microsoft.com/office/drawing/2008/diagram" relId="rId7" minVer="http://schemas.openxmlformats.org/drawingml/2006/diagram"/>
     </a:ext>
   </dgm:extLst>
 </dgm:dataModel>
@@ -10208,6 +10419,13 @@
         </dgm:presLayoutVars>
       </dgm:prSet>
       <dgm:spPr/>
+      <dgm:t>
+        <a:bodyPr/>
+        <a:lstStyle/>
+        <a:p>
+          <a:endParaRPr lang="en-US"/>
+        </a:p>
+      </dgm:t>
     </dgm:pt>
     <dgm:pt modelId="{F7C9048B-730A-41C9-8002-1947DD7ACC10}" type="pres">
       <dgm:prSet presAssocID="{71B4D5D1-5068-485E-9DB9-9B9974D3B73D}" presName="axisShape" presStyleLbl="bgShp" presStyleIdx="0" presStyleCnt="1"/>
@@ -10222,6 +10440,13 @@
         </dgm:presLayoutVars>
       </dgm:prSet>
       <dgm:spPr/>
+      <dgm:t>
+        <a:bodyPr/>
+        <a:lstStyle/>
+        <a:p>
+          <a:endParaRPr lang="en-US"/>
+        </a:p>
+      </dgm:t>
     </dgm:pt>
     <dgm:pt modelId="{0403F51F-F394-4987-88D9-4CF4340D972B}" type="pres">
       <dgm:prSet presAssocID="{71B4D5D1-5068-485E-9DB9-9B9974D3B73D}" presName="rect2" presStyleLbl="node1" presStyleIdx="1" presStyleCnt="4">
@@ -10232,6 +10457,13 @@
         </dgm:presLayoutVars>
       </dgm:prSet>
       <dgm:spPr/>
+      <dgm:t>
+        <a:bodyPr/>
+        <a:lstStyle/>
+        <a:p>
+          <a:endParaRPr lang="en-US"/>
+        </a:p>
+      </dgm:t>
     </dgm:pt>
     <dgm:pt modelId="{51B49D14-6B0F-4673-8066-816B0CC62B07}" type="pres">
       <dgm:prSet presAssocID="{71B4D5D1-5068-485E-9DB9-9B9974D3B73D}" presName="rect3" presStyleLbl="node1" presStyleIdx="2" presStyleCnt="4">
@@ -10259,6 +10491,13 @@
         </dgm:presLayoutVars>
       </dgm:prSet>
       <dgm:spPr/>
+      <dgm:t>
+        <a:bodyPr/>
+        <a:lstStyle/>
+        <a:p>
+          <a:endParaRPr lang="en-US"/>
+        </a:p>
+      </dgm:t>
     </dgm:pt>
   </dgm:ptLst>
   <dgm:cxnLst>
@@ -10267,8 +10506,8 @@
     <dgm:cxn modelId="{8B01263B-FB02-43E5-84E6-3295AF6E6921}" srcId="{71B4D5D1-5068-485E-9DB9-9B9974D3B73D}" destId="{AFB77EDD-E14D-4A69-9A36-DC847A69C223}" srcOrd="3" destOrd="0" parTransId="{136FF950-F46B-408E-A602-CF70A6A405C4}" sibTransId="{E25F1622-9D17-498F-9889-56660CBE5765}"/>
     <dgm:cxn modelId="{36CEA7A3-0F7F-4AD9-ABBB-B002AC0F38BC}" type="presOf" srcId="{C61085B1-BFD3-4CEE-AB93-4B6E2F261D1E}" destId="{0403F51F-F394-4987-88D9-4CF4340D972B}" srcOrd="0" destOrd="0" presId="urn:microsoft.com/office/officeart/2005/8/layout/matrix2"/>
     <dgm:cxn modelId="{A1848039-F61E-4E5C-B98B-0C54C85C94EE}" srcId="{71B4D5D1-5068-485E-9DB9-9B9974D3B73D}" destId="{A88769E2-05AE-42D2-B660-6EDCB134DA2F}" srcOrd="0" destOrd="0" parTransId="{985599CF-625C-403D-87FF-6F5A4F395FFB}" sibTransId="{BF2780EC-CCE8-4DB7-AA01-CC90A17A44A3}"/>
+    <dgm:cxn modelId="{E95DB625-7B0E-46C5-A475-978069F5F467}" type="presOf" srcId="{AFB77EDD-E14D-4A69-9A36-DC847A69C223}" destId="{47AF5304-906C-4AAA-86C8-7AFA86DD7888}" srcOrd="0" destOrd="0" presId="urn:microsoft.com/office/officeart/2005/8/layout/matrix2"/>
     <dgm:cxn modelId="{1E7181C8-E901-4E7E-B5F9-1C0FC75A78A2}" type="presOf" srcId="{71645B3A-557F-44D8-AFF1-D8E02DF23106}" destId="{51B49D14-6B0F-4673-8066-816B0CC62B07}" srcOrd="0" destOrd="0" presId="urn:microsoft.com/office/officeart/2005/8/layout/matrix2"/>
-    <dgm:cxn modelId="{E95DB625-7B0E-46C5-A475-978069F5F467}" type="presOf" srcId="{AFB77EDD-E14D-4A69-9A36-DC847A69C223}" destId="{47AF5304-906C-4AAA-86C8-7AFA86DD7888}" srcOrd="0" destOrd="0" presId="urn:microsoft.com/office/officeart/2005/8/layout/matrix2"/>
     <dgm:cxn modelId="{DC80A457-0D15-4FC8-81BB-C83A9F87F2E8}" type="presOf" srcId="{71B4D5D1-5068-485E-9DB9-9B9974D3B73D}" destId="{5C40452F-8F6B-49B8-87C8-E4E35B1F6E6B}" srcOrd="0" destOrd="0" presId="urn:microsoft.com/office/officeart/2005/8/layout/matrix2"/>
     <dgm:cxn modelId="{CA86B26B-A92C-4774-ABE8-489434C0DDBF}" srcId="{71B4D5D1-5068-485E-9DB9-9B9974D3B73D}" destId="{C61085B1-BFD3-4CEE-AB93-4B6E2F261D1E}" srcOrd="1" destOrd="0" parTransId="{11F7D1E6-5B12-4F8A-8F2C-88EC281BB777}" sibTransId="{24B62641-67F0-43C4-B629-438EE0B7FF5E}"/>
     <dgm:cxn modelId="{48DAE8A0-6196-4C07-A127-E615AC493C16}" type="presParOf" srcId="{5C40452F-8F6B-49B8-87C8-E4E35B1F6E6B}" destId="{F7C9048B-730A-41C9-8002-1947DD7ACC10}" srcOrd="0" destOrd="0" presId="urn:microsoft.com/office/officeart/2005/8/layout/matrix2"/>
@@ -10281,7 +10520,7 @@
   <dgm:whole/>
   <dgm:extLst>
     <a:ext uri="http://schemas.microsoft.com/office/drawing/2008/diagram">
-      <dsp:dataModelExt xmlns:dsp="http://schemas.microsoft.com/office/drawing/2008/diagram" relId="rId11" minVer="http://schemas.openxmlformats.org/drawingml/2006/diagram"/>
+      <dsp:dataModelExt xmlns:dsp="http://schemas.microsoft.com/office/drawing/2008/diagram" relId="rId12" minVer="http://schemas.openxmlformats.org/drawingml/2006/diagram"/>
     </a:ext>
   </dgm:extLst>
 </dgm:dataModel>
@@ -10385,6 +10624,13 @@
         </dgm:presLayoutVars>
       </dgm:prSet>
       <dgm:spPr/>
+      <dgm:t>
+        <a:bodyPr/>
+        <a:lstStyle/>
+        <a:p>
+          <a:endParaRPr lang="en-US"/>
+        </a:p>
+      </dgm:t>
     </dgm:pt>
     <dgm:pt modelId="{50089BCF-FA27-4ED6-B643-62B785D9C717}" type="pres">
       <dgm:prSet presAssocID="{5178A61F-72CA-466C-8447-7B240F4AE3C9}" presName="root" presStyleCnt="0">
@@ -10418,6 +10664,13 @@
         </dgm:presLayoutVars>
       </dgm:prSet>
       <dgm:spPr/>
+      <dgm:t>
+        <a:bodyPr/>
+        <a:lstStyle/>
+        <a:p>
+          <a:endParaRPr lang="en-US"/>
+        </a:p>
+      </dgm:t>
     </dgm:pt>
     <dgm:pt modelId="{6CC914CD-6506-4960-832B-5D5630F61135}" type="pres">
       <dgm:prSet presAssocID="{5178A61F-72CA-466C-8447-7B240F4AE3C9}" presName="childShape" presStyleCnt="0">
@@ -10460,6 +10713,13 @@
         </dgm:presLayoutVars>
       </dgm:prSet>
       <dgm:spPr/>
+      <dgm:t>
+        <a:bodyPr/>
+        <a:lstStyle/>
+        <a:p>
+          <a:endParaRPr lang="en-US"/>
+        </a:p>
+      </dgm:t>
     </dgm:pt>
     <dgm:pt modelId="{F08F8679-8F49-4F4A-BA0D-A0AC73D1DF3B}" type="pres">
       <dgm:prSet presAssocID="{AC268A6A-CD02-41EC-A1C4-C61D754D05A8}" presName="childShape" presStyleCnt="0">
@@ -10473,10 +10733,10 @@
   </dgm:ptLst>
   <dgm:cxnLst>
     <dgm:cxn modelId="{FDB4D309-9DCC-4E9B-87C8-C34F1EAA9F5D}" type="presOf" srcId="{AC268A6A-CD02-41EC-A1C4-C61D754D05A8}" destId="{442457CA-37A3-4B61-A452-9588628790EC}" srcOrd="0" destOrd="0" presId="urn:microsoft.com/office/officeart/2008/layout/SquareAccentList"/>
+    <dgm:cxn modelId="{49B615AA-B74A-46D0-A3DF-4C5190F16949}" type="presOf" srcId="{71B4D5D1-5068-485E-9DB9-9B9974D3B73D}" destId="{C4497ED7-6891-4780-90D7-DAFFA9B77ED7}" srcOrd="0" destOrd="0" presId="urn:microsoft.com/office/officeart/2008/layout/SquareAccentList"/>
+    <dgm:cxn modelId="{6C6502B4-F70D-43AE-ACAD-B3EF66F39C81}" srcId="{71B4D5D1-5068-485E-9DB9-9B9974D3B73D}" destId="{AC268A6A-CD02-41EC-A1C4-C61D754D05A8}" srcOrd="1" destOrd="0" parTransId="{F9AFF5EE-675B-4A78-A7F4-D4A3200AC650}" sibTransId="{200A49A5-AB0A-42EE-8213-F0916E75F962}"/>
     <dgm:cxn modelId="{0BA6FA9F-2385-4653-9D5C-0DFC3D1FCFD1}" srcId="{71B4D5D1-5068-485E-9DB9-9B9974D3B73D}" destId="{5178A61F-72CA-466C-8447-7B240F4AE3C9}" srcOrd="0" destOrd="0" parTransId="{3DE770A6-609F-4693-BAA7-F34744BB59C8}" sibTransId="{AC33CFC3-2E19-4030-AD18-D65C6EE99188}"/>
-    <dgm:cxn modelId="{6C6502B4-F70D-43AE-ACAD-B3EF66F39C81}" srcId="{71B4D5D1-5068-485E-9DB9-9B9974D3B73D}" destId="{AC268A6A-CD02-41EC-A1C4-C61D754D05A8}" srcOrd="1" destOrd="0" parTransId="{F9AFF5EE-675B-4A78-A7F4-D4A3200AC650}" sibTransId="{200A49A5-AB0A-42EE-8213-F0916E75F962}"/>
     <dgm:cxn modelId="{8B6BFDF3-937E-40E2-A02A-DF9DD4CE2424}" type="presOf" srcId="{5178A61F-72CA-466C-8447-7B240F4AE3C9}" destId="{F59100A4-7D5F-4D64-9988-4701661B7485}" srcOrd="0" destOrd="0" presId="urn:microsoft.com/office/officeart/2008/layout/SquareAccentList"/>
-    <dgm:cxn modelId="{49B615AA-B74A-46D0-A3DF-4C5190F16949}" type="presOf" srcId="{71B4D5D1-5068-485E-9DB9-9B9974D3B73D}" destId="{C4497ED7-6891-4780-90D7-DAFFA9B77ED7}" srcOrd="0" destOrd="0" presId="urn:microsoft.com/office/officeart/2008/layout/SquareAccentList"/>
     <dgm:cxn modelId="{0F45203F-4D24-4039-85D7-75B9F7E2D590}" type="presParOf" srcId="{C4497ED7-6891-4780-90D7-DAFFA9B77ED7}" destId="{50089BCF-FA27-4ED6-B643-62B785D9C717}" srcOrd="0" destOrd="0" presId="urn:microsoft.com/office/officeart/2008/layout/SquareAccentList"/>
     <dgm:cxn modelId="{860248E3-D82E-4E11-A448-1228FA40AE59}" type="presParOf" srcId="{50089BCF-FA27-4ED6-B643-62B785D9C717}" destId="{0B48616C-A487-4091-9D5C-3BE7F57ABE36}" srcOrd="0" destOrd="0" presId="urn:microsoft.com/office/officeart/2008/layout/SquareAccentList"/>
     <dgm:cxn modelId="{E4D9015F-2AB5-4445-887E-5822AC4FB198}" type="presParOf" srcId="{0B48616C-A487-4091-9D5C-3BE7F57ABE36}" destId="{50E904DF-2F00-488A-9F96-418BEDC68F8A}" srcOrd="0" destOrd="0" presId="urn:microsoft.com/office/officeart/2008/layout/SquareAccentList"/>
@@ -10494,7 +10754,7 @@
   <dgm:whole/>
   <dgm:extLst>
     <a:ext uri="http://schemas.microsoft.com/office/drawing/2008/diagram">
-      <dsp:dataModelExt xmlns:dsp="http://schemas.microsoft.com/office/drawing/2008/diagram" relId="rId6" minVer="http://schemas.openxmlformats.org/drawingml/2006/diagram"/>
+      <dsp:dataModelExt xmlns:dsp="http://schemas.microsoft.com/office/drawing/2008/diagram" relId="rId7" minVer="http://schemas.openxmlformats.org/drawingml/2006/diagram"/>
     </a:ext>
   </dgm:extLst>
 </dgm:dataModel>
@@ -10671,6 +10931,13 @@
         </dgm:presLayoutVars>
       </dgm:prSet>
       <dgm:spPr/>
+      <dgm:t>
+        <a:bodyPr/>
+        <a:lstStyle/>
+        <a:p>
+          <a:endParaRPr lang="en-US"/>
+        </a:p>
+      </dgm:t>
     </dgm:pt>
     <dgm:pt modelId="{F7C9048B-730A-41C9-8002-1947DD7ACC10}" type="pres">
       <dgm:prSet presAssocID="{71B4D5D1-5068-485E-9DB9-9B9974D3B73D}" presName="axisShape" presStyleLbl="bgShp" presStyleIdx="0" presStyleCnt="1"/>
@@ -10685,6 +10952,13 @@
         </dgm:presLayoutVars>
       </dgm:prSet>
       <dgm:spPr/>
+      <dgm:t>
+        <a:bodyPr/>
+        <a:lstStyle/>
+        <a:p>
+          <a:endParaRPr lang="en-US"/>
+        </a:p>
+      </dgm:t>
     </dgm:pt>
     <dgm:pt modelId="{0403F51F-F394-4987-88D9-4CF4340D972B}" type="pres">
       <dgm:prSet presAssocID="{71B4D5D1-5068-485E-9DB9-9B9974D3B73D}" presName="rect2" presStyleLbl="node1" presStyleIdx="1" presStyleCnt="4">
@@ -10695,6 +10969,13 @@
         </dgm:presLayoutVars>
       </dgm:prSet>
       <dgm:spPr/>
+      <dgm:t>
+        <a:bodyPr/>
+        <a:lstStyle/>
+        <a:p>
+          <a:endParaRPr lang="en-US"/>
+        </a:p>
+      </dgm:t>
     </dgm:pt>
     <dgm:pt modelId="{51B49D14-6B0F-4673-8066-816B0CC62B07}" type="pres">
       <dgm:prSet presAssocID="{71B4D5D1-5068-485E-9DB9-9B9974D3B73D}" presName="rect3" presStyleLbl="node1" presStyleIdx="2" presStyleCnt="4">
@@ -10722,6 +11003,13 @@
         </dgm:presLayoutVars>
       </dgm:prSet>
       <dgm:spPr/>
+      <dgm:t>
+        <a:bodyPr/>
+        <a:lstStyle/>
+        <a:p>
+          <a:endParaRPr lang="en-US"/>
+        </a:p>
+      </dgm:t>
     </dgm:pt>
   </dgm:ptLst>
   <dgm:cxnLst>
@@ -10744,7 +11032,7 @@
   <dgm:whole/>
   <dgm:extLst>
     <a:ext uri="http://schemas.microsoft.com/office/drawing/2008/diagram">
-      <dsp:dataModelExt xmlns:dsp="http://schemas.microsoft.com/office/drawing/2008/diagram" relId="rId11" minVer="http://schemas.openxmlformats.org/drawingml/2006/diagram"/>
+      <dsp:dataModelExt xmlns:dsp="http://schemas.microsoft.com/office/drawing/2008/diagram" relId="rId12" minVer="http://schemas.openxmlformats.org/drawingml/2006/diagram"/>
     </a:ext>
   </dgm:extLst>
 </dgm:dataModel>
@@ -10885,6 +11173,13 @@
         </dgm:presLayoutVars>
       </dgm:prSet>
       <dgm:spPr/>
+      <dgm:t>
+        <a:bodyPr/>
+        <a:lstStyle/>
+        <a:p>
+          <a:endParaRPr lang="en-US"/>
+        </a:p>
+      </dgm:t>
     </dgm:pt>
     <dgm:pt modelId="{CD63DA5B-6A8B-42F9-98B6-537889777E66}" type="pres">
       <dgm:prSet presAssocID="{3753D6DC-021B-4B46-A2AE-7162C2D11242}" presName="root" presStyleCnt="0">
@@ -10918,6 +11213,13 @@
         </dgm:presLayoutVars>
       </dgm:prSet>
       <dgm:spPr/>
+      <dgm:t>
+        <a:bodyPr/>
+        <a:lstStyle/>
+        <a:p>
+          <a:endParaRPr lang="en-US"/>
+        </a:p>
+      </dgm:t>
     </dgm:pt>
     <dgm:pt modelId="{25B0A352-77EF-4EEB-BA0A-44EAEE2B9E66}" type="pres">
       <dgm:prSet presAssocID="{3753D6DC-021B-4B46-A2AE-7162C2D11242}" presName="childShape" presStyleCnt="0">
@@ -10960,6 +11262,13 @@
         </dgm:presLayoutVars>
       </dgm:prSet>
       <dgm:spPr/>
+      <dgm:t>
+        <a:bodyPr/>
+        <a:lstStyle/>
+        <a:p>
+          <a:endParaRPr lang="en-US"/>
+        </a:p>
+      </dgm:t>
     </dgm:pt>
     <dgm:pt modelId="{2436F330-2684-40E6-B31D-65863F17701B}" type="pres">
       <dgm:prSet presAssocID="{12B4DA85-DF16-4518-AF8E-4607C1C8BE66}" presName="childShape" presStyleCnt="0">
@@ -11002,6 +11311,13 @@
         </dgm:presLayoutVars>
       </dgm:prSet>
       <dgm:spPr/>
+      <dgm:t>
+        <a:bodyPr/>
+        <a:lstStyle/>
+        <a:p>
+          <a:endParaRPr lang="en-US"/>
+        </a:p>
+      </dgm:t>
     </dgm:pt>
     <dgm:pt modelId="{0C9733FE-1BB6-4DB4-B8A4-4EB62BD6B8AB}" type="pres">
       <dgm:prSet presAssocID="{7977EBCD-1B3F-40EC-9A24-92F368F1A6E0}" presName="childShape" presStyleCnt="0">
@@ -11015,12 +11331,12 @@
   </dgm:ptLst>
   <dgm:cxnLst>
     <dgm:cxn modelId="{BD6B693B-0DBA-4DCE-9242-7F4FE59BC41B}" type="presOf" srcId="{3753D6DC-021B-4B46-A2AE-7162C2D11242}" destId="{0659F549-F2BB-4628-988E-F9CBD4A87930}" srcOrd="0" destOrd="0" presId="urn:microsoft.com/office/officeart/2008/layout/SquareAccentList"/>
+    <dgm:cxn modelId="{C2C920E4-8989-480C-A0FD-F36DE3386728}" type="presOf" srcId="{71B4D5D1-5068-485E-9DB9-9B9974D3B73D}" destId="{C4497ED7-6891-4780-90D7-DAFFA9B77ED7}" srcOrd="0" destOrd="0" presId="urn:microsoft.com/office/officeart/2008/layout/SquareAccentList"/>
+    <dgm:cxn modelId="{AE3CAFC1-ABAF-4357-B746-15DD6F0B383D}" srcId="{71B4D5D1-5068-485E-9DB9-9B9974D3B73D}" destId="{3753D6DC-021B-4B46-A2AE-7162C2D11242}" srcOrd="0" destOrd="0" parTransId="{656BE273-3E7E-4F3E-A225-E88F25F98B24}" sibTransId="{5CC5CCF0-DFE5-4AF6-AE07-3BC9755D877A}"/>
+    <dgm:cxn modelId="{6C1E376A-744A-4AF8-AB81-38D82B44A5A2}" type="presOf" srcId="{7977EBCD-1B3F-40EC-9A24-92F368F1A6E0}" destId="{EB641A75-87C9-465D-8C52-D68A548B1553}" srcOrd="0" destOrd="0" presId="urn:microsoft.com/office/officeart/2008/layout/SquareAccentList"/>
+    <dgm:cxn modelId="{29B4EB95-CAE5-47EF-BF53-87AF556D83C2}" srcId="{71B4D5D1-5068-485E-9DB9-9B9974D3B73D}" destId="{12B4DA85-DF16-4518-AF8E-4607C1C8BE66}" srcOrd="1" destOrd="0" parTransId="{2AA03395-92DF-4EA4-9175-DDF01C3873F7}" sibTransId="{724F6951-7889-435F-ABF5-87FD71DF536A}"/>
+    <dgm:cxn modelId="{354BC526-A891-49DF-AC9D-7D4ABC65DDCA}" srcId="{71B4D5D1-5068-485E-9DB9-9B9974D3B73D}" destId="{7977EBCD-1B3F-40EC-9A24-92F368F1A6E0}" srcOrd="2" destOrd="0" parTransId="{5EA53858-33BE-43BC-9804-CDB1B8230104}" sibTransId="{E4A39045-BE5C-4184-B893-89DD64DC2963}"/>
     <dgm:cxn modelId="{D6B0E455-403E-4C1E-AA9B-07FEB917DF81}" type="presOf" srcId="{12B4DA85-DF16-4518-AF8E-4607C1C8BE66}" destId="{50B4221A-C257-4F04-93C8-E912EB210889}" srcOrd="0" destOrd="0" presId="urn:microsoft.com/office/officeart/2008/layout/SquareAccentList"/>
-    <dgm:cxn modelId="{354BC526-A891-49DF-AC9D-7D4ABC65DDCA}" srcId="{71B4D5D1-5068-485E-9DB9-9B9974D3B73D}" destId="{7977EBCD-1B3F-40EC-9A24-92F368F1A6E0}" srcOrd="2" destOrd="0" parTransId="{5EA53858-33BE-43BC-9804-CDB1B8230104}" sibTransId="{E4A39045-BE5C-4184-B893-89DD64DC2963}"/>
-    <dgm:cxn modelId="{AE3CAFC1-ABAF-4357-B746-15DD6F0B383D}" srcId="{71B4D5D1-5068-485E-9DB9-9B9974D3B73D}" destId="{3753D6DC-021B-4B46-A2AE-7162C2D11242}" srcOrd="0" destOrd="0" parTransId="{656BE273-3E7E-4F3E-A225-E88F25F98B24}" sibTransId="{5CC5CCF0-DFE5-4AF6-AE07-3BC9755D877A}"/>
-    <dgm:cxn modelId="{29B4EB95-CAE5-47EF-BF53-87AF556D83C2}" srcId="{71B4D5D1-5068-485E-9DB9-9B9974D3B73D}" destId="{12B4DA85-DF16-4518-AF8E-4607C1C8BE66}" srcOrd="1" destOrd="0" parTransId="{2AA03395-92DF-4EA4-9175-DDF01C3873F7}" sibTransId="{724F6951-7889-435F-ABF5-87FD71DF536A}"/>
-    <dgm:cxn modelId="{6C1E376A-744A-4AF8-AB81-38D82B44A5A2}" type="presOf" srcId="{7977EBCD-1B3F-40EC-9A24-92F368F1A6E0}" destId="{EB641A75-87C9-465D-8C52-D68A548B1553}" srcOrd="0" destOrd="0" presId="urn:microsoft.com/office/officeart/2008/layout/SquareAccentList"/>
-    <dgm:cxn modelId="{C2C920E4-8989-480C-A0FD-F36DE3386728}" type="presOf" srcId="{71B4D5D1-5068-485E-9DB9-9B9974D3B73D}" destId="{C4497ED7-6891-4780-90D7-DAFFA9B77ED7}" srcOrd="0" destOrd="0" presId="urn:microsoft.com/office/officeart/2008/layout/SquareAccentList"/>
     <dgm:cxn modelId="{030B3C0D-605B-48F2-8403-E64F1E57690F}" type="presParOf" srcId="{C4497ED7-6891-4780-90D7-DAFFA9B77ED7}" destId="{CD63DA5B-6A8B-42F9-98B6-537889777E66}" srcOrd="0" destOrd="0" presId="urn:microsoft.com/office/officeart/2008/layout/SquareAccentList"/>
     <dgm:cxn modelId="{EF34D997-3FEF-4136-90B0-32EBEA10AA79}" type="presParOf" srcId="{CD63DA5B-6A8B-42F9-98B6-537889777E66}" destId="{698CC2AC-8E30-4C20-84B6-B577CF6B6E40}" srcOrd="0" destOrd="0" presId="urn:microsoft.com/office/officeart/2008/layout/SquareAccentList"/>
     <dgm:cxn modelId="{82F26D13-3FC8-470E-9F21-9CA7740B7618}" type="presParOf" srcId="{698CC2AC-8E30-4C20-84B6-B577CF6B6E40}" destId="{542183E5-1C09-45DA-9805-0E383A907379}" srcOrd="0" destOrd="0" presId="urn:microsoft.com/office/officeart/2008/layout/SquareAccentList"/>
@@ -11044,7 +11360,7 @@
   <dgm:whole/>
   <dgm:extLst>
     <a:ext uri="http://schemas.microsoft.com/office/drawing/2008/diagram">
-      <dsp:dataModelExt xmlns:dsp="http://schemas.microsoft.com/office/drawing/2008/diagram" relId="rId6" minVer="http://schemas.openxmlformats.org/drawingml/2006/diagram"/>
+      <dsp:dataModelExt xmlns:dsp="http://schemas.microsoft.com/office/drawing/2008/diagram" relId="rId7" minVer="http://schemas.openxmlformats.org/drawingml/2006/diagram"/>
     </a:ext>
   </dgm:extLst>
 </dgm:dataModel>
@@ -11221,6 +11537,13 @@
         </dgm:presLayoutVars>
       </dgm:prSet>
       <dgm:spPr/>
+      <dgm:t>
+        <a:bodyPr/>
+        <a:lstStyle/>
+        <a:p>
+          <a:endParaRPr lang="en-US"/>
+        </a:p>
+      </dgm:t>
     </dgm:pt>
     <dgm:pt modelId="{F7C9048B-730A-41C9-8002-1947DD7ACC10}" type="pres">
       <dgm:prSet presAssocID="{71B4D5D1-5068-485E-9DB9-9B9974D3B73D}" presName="axisShape" presStyleLbl="bgShp" presStyleIdx="0" presStyleCnt="1"/>
@@ -11235,6 +11558,13 @@
         </dgm:presLayoutVars>
       </dgm:prSet>
       <dgm:spPr/>
+      <dgm:t>
+        <a:bodyPr/>
+        <a:lstStyle/>
+        <a:p>
+          <a:endParaRPr lang="en-US"/>
+        </a:p>
+      </dgm:t>
     </dgm:pt>
     <dgm:pt modelId="{0403F51F-F394-4987-88D9-4CF4340D972B}" type="pres">
       <dgm:prSet presAssocID="{71B4D5D1-5068-485E-9DB9-9B9974D3B73D}" presName="rect2" presStyleLbl="node1" presStyleIdx="1" presStyleCnt="4">
@@ -11245,6 +11575,13 @@
         </dgm:presLayoutVars>
       </dgm:prSet>
       <dgm:spPr/>
+      <dgm:t>
+        <a:bodyPr/>
+        <a:lstStyle/>
+        <a:p>
+          <a:endParaRPr lang="en-US"/>
+        </a:p>
+      </dgm:t>
     </dgm:pt>
     <dgm:pt modelId="{51B49D14-6B0F-4673-8066-816B0CC62B07}" type="pres">
       <dgm:prSet presAssocID="{71B4D5D1-5068-485E-9DB9-9B9974D3B73D}" presName="rect3" presStyleLbl="node1" presStyleIdx="2" presStyleCnt="4">
@@ -11272,6 +11609,13 @@
         </dgm:presLayoutVars>
       </dgm:prSet>
       <dgm:spPr/>
+      <dgm:t>
+        <a:bodyPr/>
+        <a:lstStyle/>
+        <a:p>
+          <a:endParaRPr lang="en-US"/>
+        </a:p>
+      </dgm:t>
     </dgm:pt>
   </dgm:ptLst>
   <dgm:cxnLst>
@@ -11294,7 +11638,7 @@
   <dgm:whole/>
   <dgm:extLst>
     <a:ext uri="http://schemas.microsoft.com/office/drawing/2008/diagram">
-      <dsp:dataModelExt xmlns:dsp="http://schemas.microsoft.com/office/drawing/2008/diagram" relId="rId11" minVer="http://schemas.openxmlformats.org/drawingml/2006/diagram"/>
+      <dsp:dataModelExt xmlns:dsp="http://schemas.microsoft.com/office/drawing/2008/diagram" relId="rId12" minVer="http://schemas.openxmlformats.org/drawingml/2006/diagram"/>
     </a:ext>
   </dgm:extLst>
 </dgm:dataModel>
@@ -28873,7 +29217,7 @@
           <a:p>
             <a:fld id="{0D95C147-4EA0-47FE-85DC-777901A46BE4}" type="datetimeFigureOut">
               <a:rPr lang="en-MY" smtClean="0"/>
-              <a:t>20/5/2024</a:t>
+              <a:t>21/5/2024</a:t>
             </a:fld>
             <a:endParaRPr lang="en-MY"/>
           </a:p>
@@ -29225,6 +29569,2855 @@
 </p:notes>
 </file>
 
+<file path=ppt/notesSlides/notesSlide2.xml><?xml version="1.0" encoding="utf-8"?>
+<p:notes xmlns:a="http://schemas.openxmlformats.org/drawingml/2006/main" xmlns:r="http://schemas.openxmlformats.org/officeDocument/2006/relationships" xmlns:p="http://schemas.openxmlformats.org/presentationml/2006/main">
+  <p:cSld>
+    <p:spTree>
+      <p:nvGrpSpPr>
+        <p:cNvPr id="1" name=""/>
+        <p:cNvGrpSpPr/>
+        <p:nvPr/>
+      </p:nvGrpSpPr>
+      <p:grpSpPr>
+        <a:xfrm>
+          <a:off x="0" y="0"/>
+          <a:ext cx="0" cy="0"/>
+          <a:chOff x="0" y="0"/>
+          <a:chExt cx="0" cy="0"/>
+        </a:xfrm>
+      </p:grpSpPr>
+      <p:sp>
+        <p:nvSpPr>
+          <p:cNvPr id="2" name="Slide Image Placeholder 1"/>
+          <p:cNvSpPr>
+            <a:spLocks noGrp="1" noRot="1" noChangeAspect="1"/>
+          </p:cNvSpPr>
+          <p:nvPr>
+            <p:ph type="sldImg"/>
+          </p:nvPr>
+        </p:nvSpPr>
+        <p:spPr/>
+      </p:sp>
+      <p:sp>
+        <p:nvSpPr>
+          <p:cNvPr id="3" name="Notes Placeholder 2"/>
+          <p:cNvSpPr>
+            <a:spLocks noGrp="1"/>
+          </p:cNvSpPr>
+          <p:nvPr>
+            <p:ph type="body" idx="1"/>
+          </p:nvPr>
+        </p:nvSpPr>
+        <p:spPr/>
+        <p:txBody>
+          <a:bodyPr/>
+          <a:lstStyle/>
+          <a:p>
+            <a:r>
+              <a:rPr lang="en-US" dirty="0" smtClean="0"/>
+              <a:t>Measure</a:t>
+            </a:r>
+            <a:r>
+              <a:rPr lang="en-US" baseline="0" dirty="0" smtClean="0"/>
+              <a:t> for weight, length or time, most often are about the individual skill. Therefore the best will be the winner.</a:t>
+            </a:r>
+          </a:p>
+          <a:p>
+            <a:endParaRPr lang="en-US" baseline="0" dirty="0" smtClean="0"/>
+          </a:p>
+          <a:p>
+            <a:r>
+              <a:rPr lang="en-US" baseline="0" dirty="0" smtClean="0"/>
+              <a:t>Measure of scoreboard on the other hand, is the competition between 2, where the better will win if based on individual skills alone. There are a number of other elements (which makes it very interesting) that makes it challenging, making the better one MAY win. The weaker team still stand a chance to win with being better at the other elements.</a:t>
+            </a:r>
+          </a:p>
+          <a:p>
+            <a:endParaRPr lang="en-US" baseline="0" dirty="0" smtClean="0"/>
+          </a:p>
+          <a:p>
+            <a:r>
+              <a:rPr lang="en-US" baseline="0" dirty="0" smtClean="0"/>
+              <a:t>Other elements are described in next slides; </a:t>
+            </a:r>
+          </a:p>
+          <a:p>
+            <a:pPr marL="228600" indent="-228600">
+              <a:buAutoNum type="arabicPeriod"/>
+            </a:pPr>
+            <a:r>
+              <a:rPr lang="en-US" baseline="0" dirty="0" smtClean="0"/>
+              <a:t>Strategy and Tactics</a:t>
+            </a:r>
+          </a:p>
+          <a:p>
+            <a:pPr marL="228600" indent="-228600">
+              <a:buAutoNum type="arabicPeriod"/>
+            </a:pPr>
+            <a:r>
+              <a:rPr lang="en-US" baseline="0" dirty="0" smtClean="0"/>
+              <a:t>Skill and Tactics</a:t>
+            </a:r>
+          </a:p>
+          <a:p>
+            <a:pPr marL="228600" indent="-228600">
+              <a:buAutoNum type="arabicPeriod"/>
+            </a:pPr>
+            <a:r>
+              <a:rPr lang="en-US" baseline="0" dirty="0" smtClean="0"/>
+              <a:t>In the Zone</a:t>
+            </a:r>
+          </a:p>
+          <a:p>
+            <a:pPr marL="228600" indent="-228600">
+              <a:buAutoNum type="arabicPeriod"/>
+            </a:pPr>
+            <a:r>
+              <a:rPr lang="en-US" baseline="0" dirty="0" smtClean="0"/>
+              <a:t>Game Rules</a:t>
+            </a:r>
+          </a:p>
+          <a:p>
+            <a:endParaRPr lang="en-US" dirty="0"/>
+          </a:p>
+        </p:txBody>
+      </p:sp>
+      <p:sp>
+        <p:nvSpPr>
+          <p:cNvPr id="4" name="Slide Number Placeholder 3"/>
+          <p:cNvSpPr>
+            <a:spLocks noGrp="1"/>
+          </p:cNvSpPr>
+          <p:nvPr>
+            <p:ph type="sldNum" sz="quarter" idx="10"/>
+          </p:nvPr>
+        </p:nvSpPr>
+        <p:spPr/>
+        <p:txBody>
+          <a:bodyPr/>
+          <a:lstStyle/>
+          <a:p>
+            <a:fld id="{204CEEF5-BB46-4C96-9E9B-775636BA0DEC}" type="slidenum">
+              <a:rPr lang="en-MY" smtClean="0"/>
+              <a:t>2</a:t>
+            </a:fld>
+            <a:endParaRPr lang="en-MY"/>
+          </a:p>
+        </p:txBody>
+      </p:sp>
+    </p:spTree>
+    <p:extLst>
+      <p:ext uri="{BB962C8B-B14F-4D97-AF65-F5344CB8AC3E}">
+        <p14:creationId xmlns:p14="http://schemas.microsoft.com/office/powerpoint/2010/main" val="634670195"/>
+      </p:ext>
+    </p:extLst>
+  </p:cSld>
+  <p:clrMapOvr>
+    <a:masterClrMapping/>
+  </p:clrMapOvr>
+</p:notes>
+</file>
+
+<file path=ppt/notesSlides/notesSlide3.xml><?xml version="1.0" encoding="utf-8"?>
+<p:notes xmlns:a="http://schemas.openxmlformats.org/drawingml/2006/main" xmlns:r="http://schemas.openxmlformats.org/officeDocument/2006/relationships" xmlns:p="http://schemas.openxmlformats.org/presentationml/2006/main">
+  <p:cSld>
+    <p:spTree>
+      <p:nvGrpSpPr>
+        <p:cNvPr id="1" name=""/>
+        <p:cNvGrpSpPr/>
+        <p:nvPr/>
+      </p:nvGrpSpPr>
+      <p:grpSpPr>
+        <a:xfrm>
+          <a:off x="0" y="0"/>
+          <a:ext cx="0" cy="0"/>
+          <a:chOff x="0" y="0"/>
+          <a:chExt cx="0" cy="0"/>
+        </a:xfrm>
+      </p:grpSpPr>
+      <p:sp>
+        <p:nvSpPr>
+          <p:cNvPr id="2" name="Slide Image Placeholder 1"/>
+          <p:cNvSpPr>
+            <a:spLocks noGrp="1" noRot="1" noChangeAspect="1"/>
+          </p:cNvSpPr>
+          <p:nvPr>
+            <p:ph type="sldImg"/>
+          </p:nvPr>
+        </p:nvSpPr>
+        <p:spPr/>
+      </p:sp>
+      <p:sp>
+        <p:nvSpPr>
+          <p:cNvPr id="3" name="Notes Placeholder 2"/>
+          <p:cNvSpPr>
+            <a:spLocks noGrp="1"/>
+          </p:cNvSpPr>
+          <p:nvPr>
+            <p:ph type="body" idx="1"/>
+          </p:nvPr>
+        </p:nvSpPr>
+        <p:spPr/>
+        <p:txBody>
+          <a:bodyPr/>
+          <a:lstStyle/>
+          <a:p>
+            <a:pPr marL="228600" indent="-228600">
+              <a:buAutoNum type="arabicPeriod"/>
+            </a:pPr>
+            <a:r>
+              <a:rPr lang="en-US" b="1" strike="noStrike" baseline="0" dirty="0" smtClean="0"/>
+              <a:t>Strategy and Tactics</a:t>
+            </a:r>
+          </a:p>
+          <a:p>
+            <a:pPr marL="228600" indent="-228600">
+              <a:buAutoNum type="arabicPeriod"/>
+            </a:pPr>
+            <a:r>
+              <a:rPr lang="en-US" b="0" strike="sngStrike" baseline="0" dirty="0" smtClean="0"/>
+              <a:t>Skill and Tactics</a:t>
+            </a:r>
+          </a:p>
+          <a:p>
+            <a:pPr marL="228600" indent="-228600">
+              <a:buAutoNum type="arabicPeriod"/>
+            </a:pPr>
+            <a:r>
+              <a:rPr lang="en-US" strike="sngStrike" baseline="0" dirty="0" smtClean="0"/>
+              <a:t>In the Zone</a:t>
+            </a:r>
+          </a:p>
+          <a:p>
+            <a:pPr marL="228600" indent="-228600">
+              <a:buAutoNum type="arabicPeriod"/>
+            </a:pPr>
+            <a:r>
+              <a:rPr lang="en-US" strike="sngStrike" baseline="0" dirty="0" smtClean="0"/>
+              <a:t>Game Rules</a:t>
+            </a:r>
+          </a:p>
+          <a:p>
+            <a:pPr marL="685800" lvl="1" indent="-228600">
+              <a:buAutoNum type="arabicPeriod"/>
+            </a:pPr>
+            <a:r>
+              <a:rPr lang="en-US" baseline="0" dirty="0" smtClean="0"/>
+              <a:t>Game Plan – These are the strategies decided to be used in the game/tournament with the goal to win by capitalizing on our strength and also exploiting on opponent’s weaknesses</a:t>
+            </a:r>
+          </a:p>
+          <a:p>
+            <a:pPr marL="685800" lvl="1" indent="-228600">
+              <a:buAutoNum type="arabicPeriod"/>
+            </a:pPr>
+            <a:r>
+              <a:rPr lang="en-US" baseline="0" dirty="0" smtClean="0"/>
+              <a:t>Definition – Audience to fully understand each definition.</a:t>
+            </a:r>
+          </a:p>
+          <a:p>
+            <a:pPr marL="1143000" lvl="2" indent="-228600">
+              <a:buFont typeface="Arial" panose="020B0604020202020204" pitchFamily="34" charset="0"/>
+              <a:buChar char="•"/>
+            </a:pPr>
+            <a:r>
+              <a:rPr lang="en-US" baseline="0" dirty="0" smtClean="0"/>
+              <a:t>Common misconception to be corrected;</a:t>
+            </a:r>
+          </a:p>
+          <a:p>
+            <a:pPr marL="1143000" lvl="2" indent="-228600">
+              <a:buAutoNum type="arabicPeriod"/>
+            </a:pPr>
+            <a:r>
+              <a:rPr lang="en-US" baseline="0" dirty="0" smtClean="0"/>
+              <a:t>for Teamwork</a:t>
+            </a:r>
+          </a:p>
+          <a:p>
+            <a:pPr marL="1600200" lvl="3" indent="-228600">
+              <a:buFont typeface="Arial" panose="020B0604020202020204" pitchFamily="34" charset="0"/>
+              <a:buChar char="•"/>
+            </a:pPr>
+            <a:r>
+              <a:rPr lang="en-US" baseline="0" dirty="0" smtClean="0"/>
+              <a:t>Each team member do different functions (</a:t>
+            </a:r>
+            <a:r>
+              <a:rPr lang="en-US" b="1" baseline="0" dirty="0" smtClean="0"/>
+              <a:t>not same function</a:t>
+            </a:r>
+            <a:r>
+              <a:rPr lang="en-US" baseline="0" dirty="0" smtClean="0"/>
+              <a:t>) working together to achieve common goal.</a:t>
+            </a:r>
+          </a:p>
+          <a:p>
+            <a:pPr marL="1600200" lvl="3" indent="-228600">
+              <a:buFont typeface="Arial" panose="020B0604020202020204" pitchFamily="34" charset="0"/>
+              <a:buChar char="•"/>
+            </a:pPr>
+            <a:r>
+              <a:rPr lang="en-US" baseline="0" dirty="0" smtClean="0"/>
+              <a:t>Perfect teamwork is when each team member can work as </a:t>
+            </a:r>
+            <a:r>
+              <a:rPr lang="en-US" b="1" baseline="0" dirty="0" smtClean="0"/>
+              <a:t>1 single mind</a:t>
+            </a:r>
+            <a:r>
+              <a:rPr lang="en-US" baseline="0" dirty="0" smtClean="0"/>
+              <a:t>. Like as though, each have telepathic powers.</a:t>
+            </a:r>
+          </a:p>
+          <a:p>
+            <a:pPr marL="1600200" lvl="3" indent="-228600">
+              <a:buFont typeface="Wingdings" panose="05000000000000000000" pitchFamily="2" charset="2"/>
+              <a:buChar char="q"/>
+            </a:pPr>
+            <a:r>
+              <a:rPr lang="en-US" i="1" baseline="0" dirty="0" smtClean="0"/>
+              <a:t>Imagine how each every part of our body function when we perform a simple task.</a:t>
+            </a:r>
+          </a:p>
+          <a:p>
+            <a:pPr marL="1143000" lvl="2" indent="-228600">
+              <a:buFont typeface="+mj-lt"/>
+              <a:buAutoNum type="arabicPeriod"/>
+            </a:pPr>
+            <a:r>
+              <a:rPr lang="en-US" baseline="0" dirty="0" smtClean="0"/>
+              <a:t>for Leading and Win</a:t>
+            </a:r>
+          </a:p>
+          <a:p>
+            <a:pPr marL="1600200" lvl="3" indent="-228600">
+              <a:buFont typeface="Arial" panose="020B0604020202020204" pitchFamily="34" charset="0"/>
+              <a:buChar char="•"/>
+            </a:pPr>
+            <a:r>
+              <a:rPr lang="en-US" baseline="0" dirty="0" smtClean="0"/>
+              <a:t>Leading is not winning</a:t>
+            </a:r>
+          </a:p>
+          <a:p>
+            <a:pPr marL="1600200" lvl="3" indent="-228600">
+              <a:buFont typeface="Arial" panose="020B0604020202020204" pitchFamily="34" charset="0"/>
+              <a:buChar char="•"/>
+            </a:pPr>
+            <a:r>
+              <a:rPr lang="en-US" baseline="0" dirty="0" smtClean="0"/>
+              <a:t>Win is leading at end of final whistle.</a:t>
+            </a:r>
+          </a:p>
+          <a:p>
+            <a:pPr marL="1600200" lvl="3" indent="-228600">
+              <a:buFont typeface="Arial" panose="020B0604020202020204" pitchFamily="34" charset="0"/>
+              <a:buChar char="•"/>
+            </a:pPr>
+            <a:endParaRPr lang="en-US" baseline="0" dirty="0" smtClean="0"/>
+          </a:p>
+        </p:txBody>
+      </p:sp>
+      <p:sp>
+        <p:nvSpPr>
+          <p:cNvPr id="4" name="Slide Number Placeholder 3"/>
+          <p:cNvSpPr>
+            <a:spLocks noGrp="1"/>
+          </p:cNvSpPr>
+          <p:nvPr>
+            <p:ph type="sldNum" sz="quarter" idx="10"/>
+          </p:nvPr>
+        </p:nvSpPr>
+        <p:spPr/>
+        <p:txBody>
+          <a:bodyPr/>
+          <a:lstStyle/>
+          <a:p>
+            <a:fld id="{204CEEF5-BB46-4C96-9E9B-775636BA0DEC}" type="slidenum">
+              <a:rPr lang="en-MY" smtClean="0"/>
+              <a:t>3</a:t>
+            </a:fld>
+            <a:endParaRPr lang="en-MY"/>
+          </a:p>
+        </p:txBody>
+      </p:sp>
+    </p:spTree>
+    <p:extLst>
+      <p:ext uri="{BB962C8B-B14F-4D97-AF65-F5344CB8AC3E}">
+        <p14:creationId xmlns:p14="http://schemas.microsoft.com/office/powerpoint/2010/main" val="888992108"/>
+      </p:ext>
+    </p:extLst>
+  </p:cSld>
+  <p:clrMapOvr>
+    <a:masterClrMapping/>
+  </p:clrMapOvr>
+</p:notes>
+</file>
+
+<file path=ppt/notesSlides/notesSlide4.xml><?xml version="1.0" encoding="utf-8"?>
+<p:notes xmlns:a="http://schemas.openxmlformats.org/drawingml/2006/main" xmlns:r="http://schemas.openxmlformats.org/officeDocument/2006/relationships" xmlns:p="http://schemas.openxmlformats.org/presentationml/2006/main">
+  <p:cSld>
+    <p:spTree>
+      <p:nvGrpSpPr>
+        <p:cNvPr id="1" name=""/>
+        <p:cNvGrpSpPr/>
+        <p:nvPr/>
+      </p:nvGrpSpPr>
+      <p:grpSpPr>
+        <a:xfrm>
+          <a:off x="0" y="0"/>
+          <a:ext cx="0" cy="0"/>
+          <a:chOff x="0" y="0"/>
+          <a:chExt cx="0" cy="0"/>
+        </a:xfrm>
+      </p:grpSpPr>
+      <p:sp>
+        <p:nvSpPr>
+          <p:cNvPr id="2" name="Slide Image Placeholder 1"/>
+          <p:cNvSpPr>
+            <a:spLocks noGrp="1" noRot="1" noChangeAspect="1"/>
+          </p:cNvSpPr>
+          <p:nvPr>
+            <p:ph type="sldImg"/>
+          </p:nvPr>
+        </p:nvSpPr>
+        <p:spPr/>
+      </p:sp>
+      <p:sp>
+        <p:nvSpPr>
+          <p:cNvPr id="3" name="Notes Placeholder 2"/>
+          <p:cNvSpPr>
+            <a:spLocks noGrp="1"/>
+          </p:cNvSpPr>
+          <p:nvPr>
+            <p:ph type="body" idx="1"/>
+          </p:nvPr>
+        </p:nvSpPr>
+        <p:spPr/>
+        <p:txBody>
+          <a:bodyPr/>
+          <a:lstStyle/>
+          <a:p>
+            <a:pPr marL="228600" indent="-228600">
+              <a:buAutoNum type="arabicPeriod"/>
+            </a:pPr>
+            <a:r>
+              <a:rPr lang="en-US" strike="sngStrike" baseline="0" dirty="0" smtClean="0"/>
+              <a:t>Strategy and Tactics</a:t>
+            </a:r>
+          </a:p>
+          <a:p>
+            <a:pPr marL="228600" indent="-228600">
+              <a:buAutoNum type="arabicPeriod"/>
+            </a:pPr>
+            <a:r>
+              <a:rPr lang="en-US" b="1" baseline="0" dirty="0" smtClean="0"/>
+              <a:t>Skill and Tactics</a:t>
+            </a:r>
+          </a:p>
+          <a:p>
+            <a:pPr marL="228600" indent="-228600">
+              <a:buAutoNum type="arabicPeriod"/>
+            </a:pPr>
+            <a:r>
+              <a:rPr lang="en-US" strike="sngStrike" baseline="0" dirty="0" smtClean="0"/>
+              <a:t>In the Zone</a:t>
+            </a:r>
+          </a:p>
+          <a:p>
+            <a:pPr marL="228600" indent="-228600">
+              <a:buAutoNum type="arabicPeriod"/>
+            </a:pPr>
+            <a:r>
+              <a:rPr lang="en-US" strike="sngStrike" baseline="0" dirty="0" smtClean="0"/>
+              <a:t>Game Rules</a:t>
+            </a:r>
+          </a:p>
+          <a:p>
+            <a:pPr marL="0" indent="0">
+              <a:buNone/>
+            </a:pPr>
+            <a:endParaRPr lang="en-US" strike="sngStrike" baseline="0" dirty="0" smtClean="0"/>
+          </a:p>
+          <a:p>
+            <a:pPr marL="0" indent="0">
+              <a:buNone/>
+            </a:pPr>
+            <a:endParaRPr lang="en-US" strike="sngStrike" baseline="0" dirty="0" smtClean="0"/>
+          </a:p>
+          <a:p>
+            <a:pPr marL="685800" lvl="1" indent="-228600">
+              <a:buAutoNum type="arabicPeriod"/>
+            </a:pPr>
+            <a:r>
+              <a:rPr lang="en-US" strike="noStrike" baseline="0" dirty="0" smtClean="0"/>
+              <a:t>Competency Phases – Audience to understand how every skill they plan to practice for; goes thru a lifecycle.</a:t>
+            </a:r>
+          </a:p>
+          <a:p>
+            <a:pPr marL="1143000" lvl="2" indent="-228600">
+              <a:buAutoNum type="arabicPeriod"/>
+            </a:pPr>
+            <a:endParaRPr lang="en-US" strike="noStrike" baseline="0" dirty="0" smtClean="0"/>
+          </a:p>
+          <a:p>
+            <a:pPr marL="1143000" lvl="2" indent="-228600">
+              <a:buFont typeface="+mj-lt"/>
+              <a:buAutoNum type="arabicPeriod"/>
+            </a:pPr>
+            <a:r>
+              <a:rPr lang="en-US" dirty="0" smtClean="0"/>
+              <a:t>Unconscious Incompetent </a:t>
+            </a:r>
+            <a:r>
+              <a:rPr lang="en-US" baseline="0" dirty="0" smtClean="0"/>
+              <a:t> - </a:t>
+            </a:r>
+            <a:r>
+              <a:rPr lang="en-US" dirty="0" smtClean="0"/>
+              <a:t>You don’t know what you don’t know</a:t>
+            </a:r>
+          </a:p>
+          <a:p>
+            <a:pPr marL="1600200" lvl="3" indent="-228600">
+              <a:buFont typeface="Arial" panose="020B0604020202020204" pitchFamily="34" charset="0"/>
+              <a:buChar char="•"/>
+            </a:pPr>
+            <a:r>
+              <a:rPr lang="en-US" dirty="0" smtClean="0"/>
+              <a:t>We</a:t>
+            </a:r>
+            <a:r>
+              <a:rPr lang="en-US" baseline="0" dirty="0" smtClean="0"/>
+              <a:t> see a skill being performed, we think we can do it too.</a:t>
+            </a:r>
+          </a:p>
+          <a:p>
+            <a:pPr marL="1600200" lvl="3" indent="-228600">
+              <a:buFont typeface="Wingdings" panose="05000000000000000000" pitchFamily="2" charset="2"/>
+              <a:buChar char="q"/>
+            </a:pPr>
+            <a:r>
+              <a:rPr lang="en-US" i="1" baseline="0" dirty="0" smtClean="0"/>
+              <a:t>See person riding a bicycle. We think we can ride just like them</a:t>
+            </a:r>
+            <a:endParaRPr lang="en-US" i="1" dirty="0" smtClean="0"/>
+          </a:p>
+          <a:p>
+            <a:pPr marL="1143000" lvl="2" indent="-228600">
+              <a:buFont typeface="+mj-lt"/>
+              <a:buAutoNum type="arabicPeriod"/>
+            </a:pPr>
+            <a:r>
+              <a:rPr lang="en-US" dirty="0" smtClean="0"/>
+              <a:t>Conscious Incompetent –</a:t>
+            </a:r>
+            <a:r>
+              <a:rPr lang="en-US" baseline="0" dirty="0" smtClean="0"/>
+              <a:t> </a:t>
+            </a:r>
+            <a:r>
+              <a:rPr lang="en-US" dirty="0" smtClean="0"/>
+              <a:t>You start to know what you don’t know</a:t>
+            </a:r>
+          </a:p>
+          <a:p>
+            <a:pPr marL="1600200" lvl="3" indent="-228600">
+              <a:buFont typeface="Arial" panose="020B0604020202020204" pitchFamily="34" charset="0"/>
+              <a:buChar char="•"/>
+            </a:pPr>
+            <a:r>
+              <a:rPr lang="en-US" dirty="0" smtClean="0"/>
+              <a:t>We</a:t>
+            </a:r>
+            <a:r>
+              <a:rPr lang="en-US" baseline="0" dirty="0" smtClean="0"/>
+              <a:t> try to perform the skill, we realize it is not as easy, we thought it was.</a:t>
+            </a:r>
+          </a:p>
+          <a:p>
+            <a:pPr marL="1600200" marR="0" lvl="3" indent="-228600" algn="l" defTabSz="914400" rtl="0" eaLnBrk="1" fontAlgn="auto" latinLnBrk="0" hangingPunct="1">
+              <a:lnSpc>
+                <a:spcPct val="100000"/>
+              </a:lnSpc>
+              <a:spcBef>
+                <a:spcPts val="0"/>
+              </a:spcBef>
+              <a:spcAft>
+                <a:spcPts val="0"/>
+              </a:spcAft>
+              <a:buClrTx/>
+              <a:buSzTx/>
+              <a:buFont typeface="Wingdings" panose="05000000000000000000" pitchFamily="2" charset="2"/>
+              <a:buChar char="q"/>
+              <a:tabLst/>
+              <a:defRPr/>
+            </a:pPr>
+            <a:r>
+              <a:rPr lang="en-US" i="1" baseline="0" dirty="0" smtClean="0"/>
+              <a:t>First try on riding a bicycle. Realized we need to balance and coordinate legs and steer handlebar.</a:t>
+            </a:r>
+            <a:endParaRPr lang="en-US" i="1" dirty="0" smtClean="0"/>
+          </a:p>
+          <a:p>
+            <a:pPr marL="1143000" lvl="2" indent="-228600">
+              <a:buFont typeface="+mj-lt"/>
+              <a:buAutoNum type="arabicPeriod"/>
+            </a:pPr>
+            <a:r>
+              <a:rPr lang="en-US" dirty="0" smtClean="0"/>
+              <a:t>Conscious Competent –</a:t>
+            </a:r>
+            <a:r>
+              <a:rPr lang="en-US" baseline="0" dirty="0" smtClean="0"/>
+              <a:t> </a:t>
+            </a:r>
+            <a:r>
+              <a:rPr lang="en-US" dirty="0" smtClean="0"/>
+              <a:t>You know and start practicing to make it blend with you</a:t>
+            </a:r>
+          </a:p>
+          <a:p>
+            <a:pPr marL="1600200" lvl="3" indent="-228600">
+              <a:buFont typeface="Arial" panose="020B0604020202020204" pitchFamily="34" charset="0"/>
+              <a:buChar char="•"/>
+            </a:pPr>
+            <a:r>
+              <a:rPr lang="en-US" dirty="0" smtClean="0"/>
+              <a:t>We</a:t>
+            </a:r>
+            <a:r>
+              <a:rPr lang="en-US" baseline="0" dirty="0" smtClean="0"/>
+              <a:t> practice the skill, improving what we are weak at to be better and better.</a:t>
+            </a:r>
+          </a:p>
+          <a:p>
+            <a:pPr marL="1600200" marR="0" lvl="3" indent="-228600" algn="l" defTabSz="914400" rtl="0" eaLnBrk="1" fontAlgn="auto" latinLnBrk="0" hangingPunct="1">
+              <a:lnSpc>
+                <a:spcPct val="100000"/>
+              </a:lnSpc>
+              <a:spcBef>
+                <a:spcPts val="0"/>
+              </a:spcBef>
+              <a:spcAft>
+                <a:spcPts val="0"/>
+              </a:spcAft>
+              <a:buClrTx/>
+              <a:buSzTx/>
+              <a:buFont typeface="Wingdings" panose="05000000000000000000" pitchFamily="2" charset="2"/>
+              <a:buChar char="q"/>
+              <a:tabLst/>
+              <a:defRPr/>
+            </a:pPr>
+            <a:r>
+              <a:rPr lang="en-US" i="1" baseline="0" dirty="0" smtClean="0"/>
+              <a:t>Practice </a:t>
+            </a:r>
+            <a:r>
+              <a:rPr lang="en-US" i="1" baseline="0" dirty="0" err="1" smtClean="0"/>
+              <a:t>Practice</a:t>
+            </a:r>
+            <a:r>
+              <a:rPr lang="en-US" i="1" baseline="0" dirty="0" smtClean="0"/>
+              <a:t> </a:t>
+            </a:r>
+            <a:r>
+              <a:rPr lang="en-US" i="1" baseline="0" dirty="0" err="1" smtClean="0"/>
+              <a:t>Practice</a:t>
+            </a:r>
+            <a:r>
+              <a:rPr lang="en-US" i="1" baseline="0" dirty="0" smtClean="0"/>
+              <a:t> on cycling. Body start to coordinate together.</a:t>
+            </a:r>
+            <a:endParaRPr lang="en-US" i="1" dirty="0" smtClean="0"/>
+          </a:p>
+          <a:p>
+            <a:pPr marL="1143000" lvl="2" indent="-228600">
+              <a:buFont typeface="+mj-lt"/>
+              <a:buAutoNum type="arabicPeriod"/>
+            </a:pPr>
+            <a:r>
+              <a:rPr lang="en-US" dirty="0" smtClean="0"/>
+              <a:t>Unconscious Competent –</a:t>
+            </a:r>
+            <a:r>
+              <a:rPr lang="en-US" baseline="0" dirty="0" smtClean="0"/>
+              <a:t> </a:t>
+            </a:r>
+            <a:r>
+              <a:rPr lang="en-US" dirty="0" smtClean="0"/>
+              <a:t>You no longer realize but you automatically react and do it</a:t>
+            </a:r>
+          </a:p>
+          <a:p>
+            <a:pPr marL="1600200" lvl="3" indent="-228600">
+              <a:buFont typeface="Arial" panose="020B0604020202020204" pitchFamily="34" charset="0"/>
+              <a:buChar char="•"/>
+            </a:pPr>
+            <a:r>
+              <a:rPr lang="en-US" dirty="0" smtClean="0"/>
+              <a:t>We</a:t>
+            </a:r>
+            <a:r>
+              <a:rPr lang="en-US" baseline="0" dirty="0" smtClean="0"/>
+              <a:t> start to be able to do other stuff while performing the skill.</a:t>
+            </a:r>
+          </a:p>
+          <a:p>
+            <a:pPr marL="1600200" lvl="3" indent="-228600">
+              <a:buFont typeface="Arial" panose="020B0604020202020204" pitchFamily="34" charset="0"/>
+              <a:buChar char="•"/>
+            </a:pPr>
+            <a:r>
+              <a:rPr lang="en-US" baseline="0" dirty="0" smtClean="0"/>
+              <a:t>Our body start to works </a:t>
+            </a:r>
+            <a:r>
+              <a:rPr lang="en-US" baseline="0" dirty="0" err="1" smtClean="0"/>
+              <a:t>automaticall</a:t>
+            </a:r>
+            <a:r>
+              <a:rPr lang="en-US" baseline="0" dirty="0" smtClean="0"/>
+              <a:t>, and react based on reflects most often.</a:t>
+            </a:r>
+          </a:p>
+          <a:p>
+            <a:pPr marL="1600200" lvl="3" indent="-228600">
+              <a:buFont typeface="Arial" panose="020B0604020202020204" pitchFamily="34" charset="0"/>
+              <a:buChar char="•"/>
+            </a:pPr>
+            <a:r>
+              <a:rPr lang="en-US" baseline="0" dirty="0" smtClean="0"/>
+              <a:t>Reaching this phase usually takes 10,000 practice reps.</a:t>
+            </a:r>
+          </a:p>
+          <a:p>
+            <a:pPr marL="1600200" marR="0" lvl="3" indent="-228600" algn="l" defTabSz="914400" rtl="0" eaLnBrk="1" fontAlgn="auto" latinLnBrk="0" hangingPunct="1">
+              <a:lnSpc>
+                <a:spcPct val="100000"/>
+              </a:lnSpc>
+              <a:spcBef>
+                <a:spcPts val="0"/>
+              </a:spcBef>
+              <a:spcAft>
+                <a:spcPts val="0"/>
+              </a:spcAft>
+              <a:buClrTx/>
+              <a:buSzTx/>
+              <a:buFont typeface="Wingdings" panose="05000000000000000000" pitchFamily="2" charset="2"/>
+              <a:buChar char="q"/>
+              <a:tabLst/>
+              <a:defRPr/>
+            </a:pPr>
+            <a:r>
+              <a:rPr lang="en-US" i="1" baseline="0" dirty="0" smtClean="0">
+                <a:solidFill>
+                  <a:srgbClr val="FF0000"/>
+                </a:solidFill>
+              </a:rPr>
+              <a:t>Able to cycle while our mind is look at scenery or talking with another cyclist etc.</a:t>
+            </a:r>
+          </a:p>
+          <a:p>
+            <a:pPr marL="685800" marR="0" lvl="1" indent="-228600" algn="l" defTabSz="914400" rtl="0" eaLnBrk="1" fontAlgn="auto" latinLnBrk="0" hangingPunct="1">
+              <a:lnSpc>
+                <a:spcPct val="100000"/>
+              </a:lnSpc>
+              <a:spcBef>
+                <a:spcPts val="0"/>
+              </a:spcBef>
+              <a:spcAft>
+                <a:spcPts val="0"/>
+              </a:spcAft>
+              <a:buClrTx/>
+              <a:buSzTx/>
+              <a:buFont typeface="+mj-lt"/>
+              <a:buAutoNum type="arabicPeriod"/>
+              <a:tabLst/>
+              <a:defRPr/>
+            </a:pPr>
+            <a:endParaRPr lang="en-US" strike="noStrike" baseline="0" dirty="0" smtClean="0"/>
+          </a:p>
+          <a:p>
+            <a:pPr marL="685800" marR="0" lvl="1" indent="-228600" algn="l" defTabSz="914400" rtl="0" eaLnBrk="1" fontAlgn="auto" latinLnBrk="0" hangingPunct="1">
+              <a:lnSpc>
+                <a:spcPct val="100000"/>
+              </a:lnSpc>
+              <a:spcBef>
+                <a:spcPts val="0"/>
+              </a:spcBef>
+              <a:spcAft>
+                <a:spcPts val="0"/>
+              </a:spcAft>
+              <a:buClrTx/>
+              <a:buSzTx/>
+              <a:buFont typeface="+mj-lt"/>
+              <a:buAutoNum type="arabicPeriod"/>
+              <a:tabLst/>
+              <a:defRPr/>
+            </a:pPr>
+            <a:r>
+              <a:rPr lang="en-US" strike="noStrike" baseline="0" dirty="0" smtClean="0"/>
+              <a:t>Mistake vs. Weakness</a:t>
+            </a:r>
+          </a:p>
+          <a:p>
+            <a:pPr marL="1143000" marR="0" lvl="2" indent="-228600" algn="l" defTabSz="914400" rtl="0" eaLnBrk="1" fontAlgn="auto" latinLnBrk="0" hangingPunct="1">
+              <a:lnSpc>
+                <a:spcPct val="100000"/>
+              </a:lnSpc>
+              <a:spcBef>
+                <a:spcPts val="0"/>
+              </a:spcBef>
+              <a:spcAft>
+                <a:spcPts val="0"/>
+              </a:spcAft>
+              <a:buClrTx/>
+              <a:buSzTx/>
+              <a:buFont typeface="Arial" panose="020B0604020202020204" pitchFamily="34" charset="0"/>
+              <a:buChar char="•"/>
+              <a:tabLst/>
+              <a:defRPr/>
+            </a:pPr>
+            <a:r>
+              <a:rPr lang="en-US" sz="1200" b="0" i="0" kern="1200" dirty="0" smtClean="0">
+                <a:solidFill>
+                  <a:schemeClr val="tx1"/>
+                </a:solidFill>
+                <a:effectLst/>
+                <a:latin typeface="+mn-lt"/>
+                <a:ea typeface="+mn-ea"/>
+                <a:cs typeface="+mn-cs"/>
+              </a:rPr>
+              <a:t>Capability and ability have similar meanings, but </a:t>
+            </a:r>
+          </a:p>
+          <a:p>
+            <a:pPr marL="1600200" marR="0" lvl="3" indent="-228600" algn="l" defTabSz="914400" rtl="0" eaLnBrk="1" fontAlgn="auto" latinLnBrk="0" hangingPunct="1">
+              <a:lnSpc>
+                <a:spcPct val="100000"/>
+              </a:lnSpc>
+              <a:spcBef>
+                <a:spcPts val="0"/>
+              </a:spcBef>
+              <a:spcAft>
+                <a:spcPts val="0"/>
+              </a:spcAft>
+              <a:buClrTx/>
+              <a:buSzTx/>
+              <a:buFont typeface="Arial" panose="020B0604020202020204" pitchFamily="34" charset="0"/>
+              <a:buChar char="•"/>
+              <a:tabLst/>
+              <a:defRPr/>
+            </a:pPr>
+            <a:r>
+              <a:rPr lang="en-US" sz="1200" b="1" i="0" kern="1200" dirty="0" smtClean="0">
+                <a:solidFill>
+                  <a:schemeClr val="tx1"/>
+                </a:solidFill>
+                <a:effectLst/>
+                <a:latin typeface="+mn-lt"/>
+                <a:ea typeface="+mn-ea"/>
+                <a:cs typeface="+mn-cs"/>
+              </a:rPr>
+              <a:t>Capability</a:t>
+            </a:r>
+            <a:r>
+              <a:rPr lang="en-US" sz="1200" b="0" i="0" kern="1200" dirty="0" smtClean="0">
+                <a:solidFill>
+                  <a:schemeClr val="tx1"/>
+                </a:solidFill>
+                <a:effectLst/>
+                <a:latin typeface="+mn-lt"/>
+                <a:ea typeface="+mn-ea"/>
+                <a:cs typeface="+mn-cs"/>
+              </a:rPr>
+              <a:t> is often associated with a particular competence or efficiency at a specific task. </a:t>
+            </a:r>
+          </a:p>
+          <a:p>
+            <a:pPr marL="1600200" marR="0" lvl="3" indent="-228600" algn="l" defTabSz="914400" rtl="0" eaLnBrk="1" fontAlgn="auto" latinLnBrk="0" hangingPunct="1">
+              <a:lnSpc>
+                <a:spcPct val="100000"/>
+              </a:lnSpc>
+              <a:spcBef>
+                <a:spcPts val="0"/>
+              </a:spcBef>
+              <a:spcAft>
+                <a:spcPts val="0"/>
+              </a:spcAft>
+              <a:buClrTx/>
+              <a:buSzTx/>
+              <a:buFont typeface="Arial" panose="020B0604020202020204" pitchFamily="34" charset="0"/>
+              <a:buChar char="•"/>
+              <a:tabLst/>
+              <a:defRPr/>
+            </a:pPr>
+            <a:r>
+              <a:rPr lang="en-US" sz="1200" b="1" i="0" kern="1200" dirty="0" smtClean="0">
+                <a:solidFill>
+                  <a:schemeClr val="tx1"/>
+                </a:solidFill>
+                <a:effectLst/>
+                <a:latin typeface="+mn-lt"/>
+                <a:ea typeface="+mn-ea"/>
+                <a:cs typeface="+mn-cs"/>
+              </a:rPr>
+              <a:t>Ability</a:t>
+            </a:r>
+            <a:r>
+              <a:rPr lang="en-US" sz="1200" b="0" i="0" kern="1200" dirty="0" smtClean="0">
+                <a:solidFill>
+                  <a:schemeClr val="tx1"/>
+                </a:solidFill>
+                <a:effectLst/>
+                <a:latin typeface="+mn-lt"/>
+                <a:ea typeface="+mn-ea"/>
+                <a:cs typeface="+mn-cs"/>
+              </a:rPr>
+              <a:t> is more basic, and often means the capacity to do something, regardless of quality.</a:t>
+            </a:r>
+          </a:p>
+          <a:p>
+            <a:pPr marL="1143000" marR="0" lvl="2" indent="-228600" algn="l" defTabSz="914400" rtl="0" eaLnBrk="1" fontAlgn="auto" latinLnBrk="0" hangingPunct="1">
+              <a:lnSpc>
+                <a:spcPct val="100000"/>
+              </a:lnSpc>
+              <a:spcBef>
+                <a:spcPts val="0"/>
+              </a:spcBef>
+              <a:spcAft>
+                <a:spcPts val="0"/>
+              </a:spcAft>
+              <a:buClrTx/>
+              <a:buSzTx/>
+              <a:buFont typeface="Arial" panose="020B0604020202020204" pitchFamily="34" charset="0"/>
+              <a:buChar char="•"/>
+              <a:tabLst/>
+              <a:defRPr/>
+            </a:pPr>
+            <a:endParaRPr lang="en-US" b="0" i="0" kern="1200" baseline="0" dirty="0" smtClean="0">
+              <a:solidFill>
+                <a:schemeClr val="tx1"/>
+              </a:solidFill>
+              <a:effectLst/>
+              <a:latin typeface="+mn-lt"/>
+              <a:ea typeface="+mn-ea"/>
+              <a:cs typeface="+mn-cs"/>
+            </a:endParaRPr>
+          </a:p>
+          <a:p>
+            <a:pPr marL="1143000" marR="0" lvl="2" indent="-228600" algn="l" defTabSz="914400" rtl="0" eaLnBrk="1" fontAlgn="auto" latinLnBrk="0" hangingPunct="1">
+              <a:lnSpc>
+                <a:spcPct val="100000"/>
+              </a:lnSpc>
+              <a:spcBef>
+                <a:spcPts val="0"/>
+              </a:spcBef>
+              <a:spcAft>
+                <a:spcPts val="0"/>
+              </a:spcAft>
+              <a:buClrTx/>
+              <a:buSzTx/>
+              <a:buFont typeface="Arial" panose="020B0604020202020204" pitchFamily="34" charset="0"/>
+              <a:buChar char="•"/>
+              <a:tabLst/>
+              <a:defRPr/>
+            </a:pPr>
+            <a:r>
+              <a:rPr lang="en-US" b="0" i="0" kern="1200" baseline="0" dirty="0" smtClean="0">
+                <a:solidFill>
+                  <a:schemeClr val="tx1"/>
+                </a:solidFill>
+                <a:effectLst/>
+                <a:latin typeface="+mn-lt"/>
+                <a:ea typeface="+mn-ea"/>
+                <a:cs typeface="+mn-cs"/>
+              </a:rPr>
+              <a:t>So when you are able and capable to do something, but did not achieve it at a particular attempt, that was a </a:t>
+            </a:r>
+            <a:r>
+              <a:rPr lang="en-US" b="1" i="0" kern="1200" baseline="0" dirty="0" smtClean="0">
+                <a:solidFill>
+                  <a:schemeClr val="tx1"/>
+                </a:solidFill>
+                <a:effectLst/>
+                <a:latin typeface="+mn-lt"/>
+                <a:ea typeface="+mn-ea"/>
+                <a:cs typeface="+mn-cs"/>
+              </a:rPr>
+              <a:t>mistake</a:t>
+            </a:r>
+            <a:r>
+              <a:rPr lang="en-US" b="0" i="0" kern="1200" baseline="0" dirty="0" smtClean="0">
+                <a:solidFill>
+                  <a:schemeClr val="tx1"/>
+                </a:solidFill>
+                <a:effectLst/>
+                <a:latin typeface="+mn-lt"/>
+                <a:ea typeface="+mn-ea"/>
+                <a:cs typeface="+mn-cs"/>
+              </a:rPr>
+              <a:t> made.</a:t>
+            </a:r>
+          </a:p>
+          <a:p>
+            <a:pPr marL="1143000" marR="0" lvl="2" indent="-228600" algn="l" defTabSz="914400" rtl="0" eaLnBrk="1" fontAlgn="auto" latinLnBrk="0" hangingPunct="1">
+              <a:lnSpc>
+                <a:spcPct val="100000"/>
+              </a:lnSpc>
+              <a:spcBef>
+                <a:spcPts val="0"/>
+              </a:spcBef>
+              <a:spcAft>
+                <a:spcPts val="0"/>
+              </a:spcAft>
+              <a:buClrTx/>
+              <a:buSzTx/>
+              <a:buFont typeface="Arial" panose="020B0604020202020204" pitchFamily="34" charset="0"/>
+              <a:buChar char="•"/>
+              <a:tabLst/>
+              <a:defRPr/>
+            </a:pPr>
+            <a:r>
+              <a:rPr lang="en-US" b="0" i="0" kern="1200" baseline="0" dirty="0" smtClean="0">
+                <a:solidFill>
+                  <a:schemeClr val="tx1"/>
+                </a:solidFill>
+                <a:effectLst/>
+                <a:latin typeface="+mn-lt"/>
+                <a:ea typeface="+mn-ea"/>
+                <a:cs typeface="+mn-cs"/>
+              </a:rPr>
+              <a:t>When you are able to perform something but not capable to reach a particular quality/standard/benchmark. That is a</a:t>
+            </a:r>
+            <a:r>
+              <a:rPr lang="en-US" b="1" i="0" kern="1200" baseline="0" dirty="0" smtClean="0">
+                <a:solidFill>
+                  <a:schemeClr val="tx1"/>
+                </a:solidFill>
+                <a:effectLst/>
+                <a:latin typeface="+mn-lt"/>
+                <a:ea typeface="+mn-ea"/>
+                <a:cs typeface="+mn-cs"/>
+              </a:rPr>
+              <a:t> weakness</a:t>
+            </a:r>
+            <a:r>
+              <a:rPr lang="en-US" b="0" i="0" kern="1200" baseline="0" dirty="0" smtClean="0">
+                <a:solidFill>
+                  <a:schemeClr val="tx1"/>
+                </a:solidFill>
+                <a:effectLst/>
+                <a:latin typeface="+mn-lt"/>
+                <a:ea typeface="+mn-ea"/>
+                <a:cs typeface="+mn-cs"/>
+              </a:rPr>
+              <a:t>.</a:t>
+            </a:r>
+          </a:p>
+          <a:p>
+            <a:pPr marL="1143000" marR="0" lvl="2" indent="-228600" algn="l" defTabSz="914400" rtl="0" eaLnBrk="1" fontAlgn="auto" latinLnBrk="0" hangingPunct="1">
+              <a:lnSpc>
+                <a:spcPct val="100000"/>
+              </a:lnSpc>
+              <a:spcBef>
+                <a:spcPts val="0"/>
+              </a:spcBef>
+              <a:spcAft>
+                <a:spcPts val="0"/>
+              </a:spcAft>
+              <a:buClrTx/>
+              <a:buSzTx/>
+              <a:buFont typeface="Arial" panose="020B0604020202020204" pitchFamily="34" charset="0"/>
+              <a:buChar char="•"/>
+              <a:tabLst/>
+              <a:defRPr/>
+            </a:pPr>
+            <a:r>
+              <a:rPr lang="en-US" b="1" i="0" kern="1200" baseline="0" dirty="0" smtClean="0">
+                <a:solidFill>
+                  <a:schemeClr val="tx1"/>
+                </a:solidFill>
+                <a:effectLst/>
+                <a:latin typeface="+mn-lt"/>
+                <a:ea typeface="+mn-ea"/>
+                <a:cs typeface="+mn-cs"/>
+              </a:rPr>
+              <a:t>Mistakes can be repaired</a:t>
+            </a:r>
+            <a:r>
+              <a:rPr lang="en-US" b="0" i="0" kern="1200" baseline="0" dirty="0" smtClean="0">
+                <a:solidFill>
+                  <a:schemeClr val="tx1"/>
+                </a:solidFill>
+                <a:effectLst/>
+                <a:latin typeface="+mn-lt"/>
+                <a:ea typeface="+mn-ea"/>
+                <a:cs typeface="+mn-cs"/>
+              </a:rPr>
+              <a:t>, you just need to quickly know what caused the mistake and do corrections.</a:t>
+            </a:r>
+          </a:p>
+          <a:p>
+            <a:pPr marL="1143000" marR="0" lvl="2" indent="-228600" algn="l" defTabSz="914400" rtl="0" eaLnBrk="1" fontAlgn="auto" latinLnBrk="0" hangingPunct="1">
+              <a:lnSpc>
+                <a:spcPct val="100000"/>
+              </a:lnSpc>
+              <a:spcBef>
+                <a:spcPts val="0"/>
+              </a:spcBef>
+              <a:spcAft>
+                <a:spcPts val="0"/>
+              </a:spcAft>
+              <a:buClrTx/>
+              <a:buSzTx/>
+              <a:buFont typeface="Arial" panose="020B0604020202020204" pitchFamily="34" charset="0"/>
+              <a:buChar char="•"/>
+              <a:tabLst/>
+              <a:defRPr/>
+            </a:pPr>
+            <a:r>
+              <a:rPr lang="en-US" b="0" baseline="0" dirty="0" smtClean="0"/>
+              <a:t>Weakness n</a:t>
+            </a:r>
+            <a:r>
+              <a:rPr lang="en-US" baseline="0" dirty="0" smtClean="0"/>
+              <a:t>eed to be improved, not a repair. </a:t>
+            </a:r>
+            <a:r>
+              <a:rPr lang="en-US" b="1" baseline="0" dirty="0" smtClean="0"/>
+              <a:t>Weakness need time and practice</a:t>
+            </a:r>
+            <a:r>
+              <a:rPr lang="en-US" baseline="0" dirty="0" smtClean="0"/>
+              <a:t>.</a:t>
+            </a:r>
+          </a:p>
+          <a:p>
+            <a:pPr marL="1143000" marR="0" lvl="2" indent="-228600" algn="l" defTabSz="914400" rtl="0" eaLnBrk="1" fontAlgn="auto" latinLnBrk="0" hangingPunct="1">
+              <a:lnSpc>
+                <a:spcPct val="100000"/>
+              </a:lnSpc>
+              <a:spcBef>
+                <a:spcPts val="0"/>
+              </a:spcBef>
+              <a:spcAft>
+                <a:spcPts val="0"/>
+              </a:spcAft>
+              <a:buClrTx/>
+              <a:buSzTx/>
+              <a:buFont typeface="Arial" panose="020B0604020202020204" pitchFamily="34" charset="0"/>
+              <a:buChar char="•"/>
+              <a:tabLst/>
+              <a:defRPr/>
+            </a:pPr>
+            <a:r>
+              <a:rPr lang="en-US" b="0" baseline="0" dirty="0" smtClean="0"/>
+              <a:t>If mistakes get repeated much too often, it is not a mistake but is actually a weakness.</a:t>
+            </a:r>
+          </a:p>
+          <a:p>
+            <a:pPr marL="1143000" marR="0" lvl="2" indent="-228600" algn="l" defTabSz="914400" rtl="0" eaLnBrk="1" fontAlgn="auto" latinLnBrk="0" hangingPunct="1">
+              <a:lnSpc>
+                <a:spcPct val="100000"/>
+              </a:lnSpc>
+              <a:spcBef>
+                <a:spcPts val="0"/>
+              </a:spcBef>
+              <a:spcAft>
+                <a:spcPts val="0"/>
+              </a:spcAft>
+              <a:buClrTx/>
+              <a:buSzTx/>
+              <a:buFont typeface="Arial" panose="020B0604020202020204" pitchFamily="34" charset="0"/>
+              <a:buChar char="•"/>
+              <a:tabLst/>
+              <a:defRPr/>
+            </a:pPr>
+            <a:endParaRPr lang="en-US" baseline="0" dirty="0" smtClean="0"/>
+          </a:p>
+          <a:p>
+            <a:pPr marL="1143000" marR="0" lvl="2" indent="-228600" algn="l" defTabSz="914400" rtl="0" eaLnBrk="1" fontAlgn="auto" latinLnBrk="0" hangingPunct="1">
+              <a:lnSpc>
+                <a:spcPct val="100000"/>
+              </a:lnSpc>
+              <a:spcBef>
+                <a:spcPts val="0"/>
+              </a:spcBef>
+              <a:spcAft>
+                <a:spcPts val="0"/>
+              </a:spcAft>
+              <a:buClrTx/>
+              <a:buSzTx/>
+              <a:buFont typeface="Arial" panose="020B0604020202020204" pitchFamily="34" charset="0"/>
+              <a:buChar char="•"/>
+              <a:tabLst/>
+              <a:defRPr/>
+            </a:pPr>
+            <a:r>
+              <a:rPr lang="en-US" b="1" baseline="0" dirty="0" smtClean="0"/>
+              <a:t>Never ever reveal your weakness </a:t>
+            </a:r>
+            <a:r>
+              <a:rPr lang="en-US" baseline="0" dirty="0" smtClean="0"/>
+              <a:t>in a tournament/game!</a:t>
+            </a:r>
+          </a:p>
+          <a:p>
+            <a:pPr marL="685800" lvl="1" indent="-228600">
+              <a:buFont typeface="+mj-lt"/>
+              <a:buAutoNum type="arabicPeriod"/>
+            </a:pPr>
+            <a:endParaRPr lang="en-US" baseline="0" dirty="0" smtClean="0"/>
+          </a:p>
+          <a:p>
+            <a:pPr marL="685800" lvl="1" indent="-228600">
+              <a:buFont typeface="+mj-lt"/>
+              <a:buAutoNum type="arabicPeriod"/>
+            </a:pPr>
+            <a:r>
+              <a:rPr lang="en-US" baseline="0" dirty="0" smtClean="0"/>
+              <a:t>Individual Skills</a:t>
+            </a:r>
+          </a:p>
+          <a:p>
+            <a:pPr marL="1143000" lvl="2" indent="-228600">
+              <a:buFont typeface="Arial" panose="020B0604020202020204" pitchFamily="34" charset="0"/>
+              <a:buChar char="•"/>
+            </a:pPr>
+            <a:r>
+              <a:rPr lang="en-US" dirty="0" smtClean="0"/>
+              <a:t>Practice the skill to improve your weakness to be no longer a weakness; meet a certain capability</a:t>
+            </a:r>
+            <a:r>
+              <a:rPr lang="en-US" baseline="0" dirty="0" smtClean="0"/>
+              <a:t> (</a:t>
+            </a:r>
+            <a:r>
+              <a:rPr lang="en-US" b="0" i="0" kern="1200" baseline="0" dirty="0" smtClean="0">
+                <a:solidFill>
+                  <a:schemeClr val="tx1"/>
+                </a:solidFill>
+                <a:effectLst/>
+                <a:latin typeface="+mn-lt"/>
+                <a:ea typeface="+mn-ea"/>
+                <a:cs typeface="+mn-cs"/>
+              </a:rPr>
+              <a:t>particular quality/standard/benchmark)</a:t>
+            </a:r>
+            <a:endParaRPr lang="en-US" dirty="0" smtClean="0"/>
+          </a:p>
+          <a:p>
+            <a:pPr marL="1143000" marR="0" lvl="2" indent="-228600" algn="l" defTabSz="914400" rtl="0" eaLnBrk="1" fontAlgn="auto" latinLnBrk="0" hangingPunct="1">
+              <a:lnSpc>
+                <a:spcPct val="100000"/>
+              </a:lnSpc>
+              <a:spcBef>
+                <a:spcPts val="0"/>
+              </a:spcBef>
+              <a:spcAft>
+                <a:spcPts val="0"/>
+              </a:spcAft>
+              <a:buClrTx/>
+              <a:buSzTx/>
+              <a:buFont typeface="Arial" panose="020B0604020202020204" pitchFamily="34" charset="0"/>
+              <a:buChar char="•"/>
+              <a:tabLst/>
+              <a:defRPr/>
+            </a:pPr>
+            <a:r>
+              <a:rPr lang="en-US" dirty="0" smtClean="0"/>
+              <a:t>Practice the skill to improve</a:t>
+            </a:r>
+            <a:r>
+              <a:rPr lang="en-US" baseline="0" dirty="0" smtClean="0"/>
+              <a:t> your capability to meet a higher capability (higher </a:t>
+            </a:r>
+            <a:r>
+              <a:rPr lang="en-US" b="0" i="0" kern="1200" baseline="0" dirty="0" smtClean="0">
+                <a:solidFill>
+                  <a:schemeClr val="tx1"/>
+                </a:solidFill>
+                <a:effectLst/>
+                <a:latin typeface="+mn-lt"/>
+                <a:ea typeface="+mn-ea"/>
+                <a:cs typeface="+mn-cs"/>
+              </a:rPr>
+              <a:t>quality/standard/benchmark)</a:t>
+            </a:r>
+            <a:endParaRPr lang="en-US" dirty="0" smtClean="0"/>
+          </a:p>
+          <a:p>
+            <a:pPr marL="1143000" lvl="2" indent="-228600">
+              <a:buFont typeface="Arial" panose="020B0604020202020204" pitchFamily="34" charset="0"/>
+              <a:buChar char="•"/>
+            </a:pPr>
+            <a:r>
+              <a:rPr lang="en-US" dirty="0" smtClean="0"/>
+              <a:t>Practice to achieve</a:t>
+            </a:r>
+          </a:p>
+          <a:p>
+            <a:pPr marL="1600200" lvl="3" indent="-228600">
+              <a:buFont typeface="Arial" panose="020B0604020202020204" pitchFamily="34" charset="0"/>
+              <a:buChar char="•"/>
+            </a:pPr>
+            <a:r>
+              <a:rPr lang="en-US" dirty="0" smtClean="0"/>
+              <a:t>Phase 3 to be competent</a:t>
+            </a:r>
+          </a:p>
+          <a:p>
+            <a:pPr marL="1600200" lvl="3" indent="-228600">
+              <a:buFont typeface="Arial" panose="020B0604020202020204" pitchFamily="34" charset="0"/>
+              <a:buChar char="•"/>
+            </a:pPr>
+            <a:r>
+              <a:rPr lang="en-US" dirty="0" smtClean="0"/>
+              <a:t>Phase 4 to free your mind</a:t>
+            </a:r>
+          </a:p>
+          <a:p>
+            <a:pPr marL="685800" marR="0" lvl="1" indent="-228600" algn="l" defTabSz="914400" rtl="0" eaLnBrk="1" fontAlgn="auto" latinLnBrk="0" hangingPunct="1">
+              <a:lnSpc>
+                <a:spcPct val="100000"/>
+              </a:lnSpc>
+              <a:spcBef>
+                <a:spcPts val="0"/>
+              </a:spcBef>
+              <a:spcAft>
+                <a:spcPts val="0"/>
+              </a:spcAft>
+              <a:buClrTx/>
+              <a:buSzTx/>
+              <a:buFont typeface="+mj-lt"/>
+              <a:buAutoNum type="arabicPeriod"/>
+              <a:tabLst/>
+              <a:defRPr/>
+            </a:pPr>
+            <a:endParaRPr lang="en-US" baseline="0" dirty="0" smtClean="0"/>
+          </a:p>
+          <a:p>
+            <a:pPr marL="1143000" marR="0" lvl="2" indent="-228600" algn="l" defTabSz="914400" rtl="0" eaLnBrk="1" fontAlgn="auto" latinLnBrk="0" hangingPunct="1">
+              <a:lnSpc>
+                <a:spcPct val="100000"/>
+              </a:lnSpc>
+              <a:spcBef>
+                <a:spcPts val="0"/>
+              </a:spcBef>
+              <a:spcAft>
+                <a:spcPts val="0"/>
+              </a:spcAft>
+              <a:buClrTx/>
+              <a:buSzTx/>
+              <a:buFont typeface="Arial" panose="020B0604020202020204" pitchFamily="34" charset="0"/>
+              <a:buChar char="•"/>
+              <a:tabLst/>
+              <a:defRPr/>
+            </a:pPr>
+            <a:endParaRPr lang="en-US" baseline="0" dirty="0" smtClean="0"/>
+          </a:p>
+          <a:p>
+            <a:pPr marL="457200" lvl="1" indent="0">
+              <a:buFont typeface="+mj-lt"/>
+              <a:buNone/>
+            </a:pPr>
+            <a:endParaRPr lang="en-US" dirty="0" smtClean="0"/>
+          </a:p>
+          <a:p>
+            <a:endParaRPr lang="en-US" dirty="0"/>
+          </a:p>
+        </p:txBody>
+      </p:sp>
+      <p:sp>
+        <p:nvSpPr>
+          <p:cNvPr id="4" name="Slide Number Placeholder 3"/>
+          <p:cNvSpPr>
+            <a:spLocks noGrp="1"/>
+          </p:cNvSpPr>
+          <p:nvPr>
+            <p:ph type="sldNum" sz="quarter" idx="10"/>
+          </p:nvPr>
+        </p:nvSpPr>
+        <p:spPr/>
+        <p:txBody>
+          <a:bodyPr/>
+          <a:lstStyle/>
+          <a:p>
+            <a:fld id="{204CEEF5-BB46-4C96-9E9B-775636BA0DEC}" type="slidenum">
+              <a:rPr lang="en-MY" smtClean="0"/>
+              <a:t>4</a:t>
+            </a:fld>
+            <a:endParaRPr lang="en-MY"/>
+          </a:p>
+        </p:txBody>
+      </p:sp>
+    </p:spTree>
+    <p:extLst>
+      <p:ext uri="{BB962C8B-B14F-4D97-AF65-F5344CB8AC3E}">
+        <p14:creationId xmlns:p14="http://schemas.microsoft.com/office/powerpoint/2010/main" val="2299073555"/>
+      </p:ext>
+    </p:extLst>
+  </p:cSld>
+  <p:clrMapOvr>
+    <a:masterClrMapping/>
+  </p:clrMapOvr>
+</p:notes>
+</file>
+
+<file path=ppt/notesSlides/notesSlide5.xml><?xml version="1.0" encoding="utf-8"?>
+<p:notes xmlns:a="http://schemas.openxmlformats.org/drawingml/2006/main" xmlns:r="http://schemas.openxmlformats.org/officeDocument/2006/relationships" xmlns:p="http://schemas.openxmlformats.org/presentationml/2006/main">
+  <p:cSld>
+    <p:spTree>
+      <p:nvGrpSpPr>
+        <p:cNvPr id="1" name=""/>
+        <p:cNvGrpSpPr/>
+        <p:nvPr/>
+      </p:nvGrpSpPr>
+      <p:grpSpPr>
+        <a:xfrm>
+          <a:off x="0" y="0"/>
+          <a:ext cx="0" cy="0"/>
+          <a:chOff x="0" y="0"/>
+          <a:chExt cx="0" cy="0"/>
+        </a:xfrm>
+      </p:grpSpPr>
+      <p:sp>
+        <p:nvSpPr>
+          <p:cNvPr id="2" name="Slide Image Placeholder 1"/>
+          <p:cNvSpPr>
+            <a:spLocks noGrp="1" noRot="1" noChangeAspect="1"/>
+          </p:cNvSpPr>
+          <p:nvPr>
+            <p:ph type="sldImg"/>
+          </p:nvPr>
+        </p:nvSpPr>
+        <p:spPr/>
+      </p:sp>
+      <p:sp>
+        <p:nvSpPr>
+          <p:cNvPr id="3" name="Notes Placeholder 2"/>
+          <p:cNvSpPr>
+            <a:spLocks noGrp="1"/>
+          </p:cNvSpPr>
+          <p:nvPr>
+            <p:ph type="body" idx="1"/>
+          </p:nvPr>
+        </p:nvSpPr>
+        <p:spPr/>
+        <p:txBody>
+          <a:bodyPr/>
+          <a:lstStyle/>
+          <a:p>
+            <a:pPr marL="228600" indent="-228600">
+              <a:buAutoNum type="arabicPeriod"/>
+            </a:pPr>
+            <a:r>
+              <a:rPr lang="en-US" strike="sngStrike" baseline="0" dirty="0" smtClean="0"/>
+              <a:t>Strategy and Tactics</a:t>
+            </a:r>
+          </a:p>
+          <a:p>
+            <a:pPr marL="228600" indent="-228600">
+              <a:buAutoNum type="arabicPeriod"/>
+            </a:pPr>
+            <a:r>
+              <a:rPr lang="en-US" b="0" strike="sngStrike" baseline="0" dirty="0" smtClean="0"/>
+              <a:t>Skill and Tactics</a:t>
+            </a:r>
+          </a:p>
+          <a:p>
+            <a:pPr marL="228600" indent="-228600">
+              <a:buAutoNum type="arabicPeriod"/>
+            </a:pPr>
+            <a:r>
+              <a:rPr lang="en-US" b="1" strike="noStrike" baseline="0" dirty="0" smtClean="0"/>
+              <a:t>In the Zone</a:t>
+            </a:r>
+          </a:p>
+          <a:p>
+            <a:pPr marL="228600" indent="-228600">
+              <a:buAutoNum type="arabicPeriod"/>
+            </a:pPr>
+            <a:r>
+              <a:rPr lang="en-US" strike="sngStrike" baseline="0" dirty="0" smtClean="0"/>
+              <a:t>Game Rules</a:t>
+            </a:r>
+          </a:p>
+          <a:p>
+            <a:pPr marL="685800" lvl="1" indent="-228600">
+              <a:buFont typeface="+mj-lt"/>
+              <a:buAutoNum type="arabicPeriod"/>
+            </a:pPr>
+            <a:r>
+              <a:rPr lang="en-US" strike="noStrike" baseline="0" dirty="0" smtClean="0"/>
+              <a:t>Confidence Levels</a:t>
+            </a:r>
+          </a:p>
+          <a:p>
+            <a:pPr marL="685800" lvl="1" indent="-228600">
+              <a:buFont typeface="+mj-lt"/>
+              <a:buAutoNum type="arabicPeriod"/>
+            </a:pPr>
+            <a:endParaRPr lang="en-US" strike="noStrike" baseline="0" dirty="0" smtClean="0"/>
+          </a:p>
+          <a:p>
+            <a:pPr marL="1085850" lvl="2" indent="-171450">
+              <a:buFont typeface="Arial" panose="020B0604020202020204" pitchFamily="34" charset="0"/>
+              <a:buChar char="•"/>
+            </a:pPr>
+            <a:r>
+              <a:rPr lang="en-US" b="1" dirty="0" smtClean="0"/>
+              <a:t>No</a:t>
+            </a:r>
+            <a:r>
+              <a:rPr lang="en-US" dirty="0" smtClean="0"/>
+              <a:t> confidence –</a:t>
+            </a:r>
+            <a:r>
+              <a:rPr lang="en-US" baseline="0" dirty="0" smtClean="0"/>
+              <a:t>see the external factors, a feel/know you cannot overcome it. (as good as give-up)</a:t>
+            </a:r>
+            <a:endParaRPr lang="en-US" dirty="0" smtClean="0"/>
+          </a:p>
+          <a:p>
+            <a:pPr marL="1085850" lvl="2" indent="-171450">
+              <a:buFont typeface="Arial" panose="020B0604020202020204" pitchFamily="34" charset="0"/>
+              <a:buChar char="•"/>
+            </a:pPr>
+            <a:r>
+              <a:rPr lang="en-US" b="1" dirty="0" smtClean="0"/>
+              <a:t>Low</a:t>
+            </a:r>
+            <a:r>
+              <a:rPr lang="en-US" baseline="0" dirty="0" smtClean="0"/>
+              <a:t> confidence - </a:t>
+            </a:r>
+            <a:r>
+              <a:rPr lang="en-US" baseline="0" dirty="0" smtClean="0"/>
+              <a:t>see the external factors, a feel/know there is a high chance you can loose.</a:t>
+            </a:r>
+            <a:endParaRPr lang="en-US" baseline="0" dirty="0" smtClean="0"/>
+          </a:p>
+          <a:p>
+            <a:pPr marL="1085850" lvl="2" indent="-171450">
+              <a:buFont typeface="Arial" panose="020B0604020202020204" pitchFamily="34" charset="0"/>
+              <a:buChar char="•"/>
+            </a:pPr>
+            <a:r>
+              <a:rPr lang="en-US" b="1" baseline="0" dirty="0" smtClean="0"/>
+              <a:t>High</a:t>
+            </a:r>
+            <a:r>
+              <a:rPr lang="en-US" baseline="0" dirty="0" smtClean="0"/>
+              <a:t> confidence - </a:t>
+            </a:r>
+            <a:r>
+              <a:rPr lang="en-US" baseline="0" dirty="0" smtClean="0"/>
+              <a:t>see the external factors, a feel/know there is a high chance you can win.</a:t>
+            </a:r>
+            <a:endParaRPr lang="en-US" baseline="0" dirty="0" smtClean="0"/>
+          </a:p>
+          <a:p>
+            <a:pPr marL="1085850" lvl="2" indent="-171450">
+              <a:buFont typeface="Arial" panose="020B0604020202020204" pitchFamily="34" charset="0"/>
+              <a:buChar char="•"/>
+            </a:pPr>
+            <a:r>
+              <a:rPr lang="en-US" b="1" baseline="0" dirty="0" smtClean="0"/>
+              <a:t>Over</a:t>
+            </a:r>
+            <a:r>
+              <a:rPr lang="en-US" baseline="0" dirty="0" smtClean="0"/>
+              <a:t> confidence. -</a:t>
+            </a:r>
+            <a:r>
+              <a:rPr lang="en-US" baseline="0" dirty="0" smtClean="0"/>
+              <a:t> see the external factors, a feel/know nothing can go wrong (nothing can beat you)</a:t>
+            </a:r>
+            <a:endParaRPr lang="en-US" baseline="0" dirty="0" smtClean="0"/>
+          </a:p>
+          <a:p>
+            <a:pPr marL="1085850" lvl="2" indent="-171450">
+              <a:buFont typeface="Arial" panose="020B0604020202020204" pitchFamily="34" charset="0"/>
+              <a:buChar char="•"/>
+            </a:pPr>
+            <a:endParaRPr lang="en-US" baseline="0" dirty="0" smtClean="0"/>
+          </a:p>
+          <a:p>
+            <a:pPr marL="1085850" lvl="2" indent="-171450">
+              <a:buFont typeface="Arial" panose="020B0604020202020204" pitchFamily="34" charset="0"/>
+              <a:buChar char="•"/>
+            </a:pPr>
+            <a:r>
+              <a:rPr lang="en-US" baseline="0" dirty="0" smtClean="0"/>
+              <a:t>Confidence level changes with every event that happens at that time. It happens to you, it also happens to the opponent.</a:t>
+            </a:r>
+          </a:p>
+          <a:p>
+            <a:pPr marL="1085850" lvl="2" indent="-171450">
+              <a:buFont typeface="Arial" panose="020B0604020202020204" pitchFamily="34" charset="0"/>
+              <a:buChar char="•"/>
+            </a:pPr>
+            <a:r>
+              <a:rPr lang="en-US" baseline="0" dirty="0" smtClean="0"/>
+              <a:t>You tend to not hide and try your weakness during game because you are over confident.</a:t>
+            </a:r>
+          </a:p>
+          <a:p>
+            <a:pPr marL="1085850" lvl="2" indent="-171450">
+              <a:buFont typeface="Arial" panose="020B0604020202020204" pitchFamily="34" charset="0"/>
+              <a:buChar char="•"/>
+            </a:pPr>
+            <a:r>
+              <a:rPr lang="en-US" dirty="0" smtClean="0"/>
+              <a:t>“Butterfly in stomach” the best feeling to have at start of game.</a:t>
+            </a:r>
+          </a:p>
+          <a:p>
+            <a:pPr marL="1543050" lvl="3" indent="-171450">
+              <a:buFont typeface="Arial" panose="020B0604020202020204" pitchFamily="34" charset="0"/>
+              <a:buChar char="•"/>
+            </a:pPr>
+            <a:r>
+              <a:rPr lang="en-US" dirty="0" smtClean="0"/>
+              <a:t>Happens when you feel there is a chance and you do not know what will the result be</a:t>
+            </a:r>
+            <a:r>
+              <a:rPr lang="en-US" baseline="0" dirty="0" smtClean="0"/>
+              <a:t>. (surprise)</a:t>
+            </a:r>
+          </a:p>
+          <a:p>
+            <a:pPr marL="1543050" lvl="3" indent="-171450">
+              <a:buFont typeface="Arial" panose="020B0604020202020204" pitchFamily="34" charset="0"/>
+              <a:buChar char="•"/>
+            </a:pPr>
+            <a:r>
+              <a:rPr lang="en-US" baseline="0" dirty="0" smtClean="0"/>
+              <a:t>This get you to start at range of high confidence spectrum.</a:t>
+            </a:r>
+          </a:p>
+          <a:p>
+            <a:pPr marL="1543050" lvl="3" indent="-171450">
+              <a:buFont typeface="Arial" panose="020B0604020202020204" pitchFamily="34" charset="0"/>
+              <a:buChar char="•"/>
+            </a:pPr>
+            <a:endParaRPr lang="en-US" baseline="0" dirty="0" smtClean="0"/>
+          </a:p>
+          <a:p>
+            <a:pPr marL="1085850" marR="0" lvl="2" indent="-171450" algn="l" defTabSz="914400" rtl="0" eaLnBrk="1" fontAlgn="auto" latinLnBrk="0" hangingPunct="1">
+              <a:lnSpc>
+                <a:spcPct val="100000"/>
+              </a:lnSpc>
+              <a:spcBef>
+                <a:spcPts val="0"/>
+              </a:spcBef>
+              <a:spcAft>
+                <a:spcPts val="0"/>
+              </a:spcAft>
+              <a:buClrTx/>
+              <a:buSzTx/>
+              <a:buFont typeface="Arial" panose="020B0604020202020204" pitchFamily="34" charset="0"/>
+              <a:buChar char="•"/>
+              <a:tabLst/>
+              <a:defRPr/>
+            </a:pPr>
+            <a:r>
+              <a:rPr lang="en-US" baseline="0" dirty="0" smtClean="0"/>
+              <a:t>You have to be </a:t>
+            </a:r>
+            <a:r>
+              <a:rPr lang="en-US" b="1" baseline="0" dirty="0" smtClean="0"/>
+              <a:t>fully aware</a:t>
+            </a:r>
+            <a:r>
+              <a:rPr lang="en-US" baseline="0" dirty="0" smtClean="0"/>
+              <a:t> of your (and opponents) confidence levels from just before the start of a game, during the game, and at end of game.</a:t>
+            </a:r>
+            <a:endParaRPr lang="en-US" baseline="0" dirty="0" smtClean="0"/>
+          </a:p>
+          <a:p>
+            <a:pPr marL="1085850" lvl="2" indent="-171450">
+              <a:buFont typeface="Arial" panose="020B0604020202020204" pitchFamily="34" charset="0"/>
+              <a:buChar char="•"/>
+            </a:pPr>
+            <a:r>
+              <a:rPr lang="en-US" baseline="0" dirty="0" smtClean="0"/>
+              <a:t>Goal is to maintain at </a:t>
+            </a:r>
+            <a:r>
+              <a:rPr lang="en-US" b="1" baseline="0" dirty="0" smtClean="0"/>
+              <a:t>high confidence</a:t>
+            </a:r>
+            <a:r>
+              <a:rPr lang="en-US" baseline="0" dirty="0" smtClean="0"/>
+              <a:t> and </a:t>
+            </a:r>
+            <a:r>
+              <a:rPr lang="en-US" b="1" baseline="0" dirty="0" smtClean="0"/>
+              <a:t>higher than opponent</a:t>
+            </a:r>
+            <a:r>
+              <a:rPr lang="en-US" baseline="0" dirty="0" smtClean="0"/>
+              <a:t>.</a:t>
+            </a:r>
+          </a:p>
+          <a:p>
+            <a:pPr marL="685800" lvl="1" indent="-228600">
+              <a:buFont typeface="+mj-lt"/>
+              <a:buAutoNum type="arabicPeriod"/>
+            </a:pPr>
+            <a:endParaRPr lang="en-US" strike="noStrike" baseline="0" dirty="0" smtClean="0"/>
+          </a:p>
+          <a:p>
+            <a:pPr marL="685800" lvl="1" indent="-228600">
+              <a:buFont typeface="+mj-lt"/>
+              <a:buAutoNum type="arabicPeriod"/>
+            </a:pPr>
+            <a:r>
+              <a:rPr lang="en-US" strike="noStrike" baseline="0" dirty="0" smtClean="0"/>
+              <a:t>Positive Mindset</a:t>
+            </a:r>
+          </a:p>
+          <a:p>
+            <a:pPr marL="1143000" lvl="2" indent="-228600">
+              <a:buFont typeface="+mj-lt"/>
+              <a:buAutoNum type="arabicPeriod"/>
+            </a:pPr>
+            <a:r>
+              <a:rPr lang="en-US" strike="noStrike" baseline="0" dirty="0" smtClean="0"/>
+              <a:t>Heart feels - Mind knows</a:t>
+            </a:r>
+          </a:p>
+          <a:p>
+            <a:pPr marL="1143000" lvl="2" indent="-228600">
+              <a:buFont typeface="+mj-lt"/>
+              <a:buAutoNum type="arabicPeriod"/>
+            </a:pPr>
+            <a:r>
+              <a:rPr lang="en-US" strike="noStrike" baseline="0" dirty="0" smtClean="0"/>
+              <a:t>Unpredictable results.</a:t>
+            </a:r>
+          </a:p>
+          <a:p>
+            <a:pPr marL="1543050" lvl="3" indent="-171450">
+              <a:buFont typeface="Arial" panose="020B0604020202020204" pitchFamily="34" charset="0"/>
+              <a:buChar char="•"/>
+            </a:pPr>
+            <a:r>
+              <a:rPr lang="en-US" strike="noStrike" baseline="0" dirty="0" smtClean="0"/>
+              <a:t>If you feel it can go wrong, but your mind knows how to get it right. Your body can be influenced by it.</a:t>
+            </a:r>
+          </a:p>
+          <a:p>
+            <a:pPr marL="1543050" lvl="3" indent="-171450">
+              <a:buFont typeface="Arial" panose="020B0604020202020204" pitchFamily="34" charset="0"/>
+              <a:buChar char="•"/>
+            </a:pPr>
+            <a:r>
+              <a:rPr lang="en-US" strike="noStrike" baseline="0" dirty="0" smtClean="0"/>
+              <a:t>If you feel it can go right, but your mind knows it can go wrong. Your body can be influence by it.</a:t>
+            </a:r>
+          </a:p>
+          <a:p>
+            <a:pPr marL="1143000" lvl="2" indent="-228600">
+              <a:buFont typeface="+mj-lt"/>
+              <a:buAutoNum type="arabicPeriod"/>
+            </a:pPr>
+            <a:r>
+              <a:rPr lang="en-US" strike="noStrike" baseline="0" dirty="0" smtClean="0"/>
+              <a:t>Predictable results.</a:t>
+            </a:r>
+          </a:p>
+          <a:p>
+            <a:pPr marL="1543050" marR="0" lvl="3" indent="-171450" algn="l" defTabSz="914400" rtl="0" eaLnBrk="1" fontAlgn="auto" latinLnBrk="0" hangingPunct="1">
+              <a:lnSpc>
+                <a:spcPct val="100000"/>
+              </a:lnSpc>
+              <a:spcBef>
+                <a:spcPts val="0"/>
+              </a:spcBef>
+              <a:spcAft>
+                <a:spcPts val="0"/>
+              </a:spcAft>
+              <a:buClrTx/>
+              <a:buSzTx/>
+              <a:buFont typeface="Arial" panose="020B0604020202020204" pitchFamily="34" charset="0"/>
+              <a:buChar char="•"/>
+              <a:tabLst/>
+              <a:defRPr/>
+            </a:pPr>
+            <a:r>
+              <a:rPr lang="en-US" strike="noStrike" baseline="0" dirty="0" smtClean="0"/>
+              <a:t>If you feel it can go wrong, and your mind knows it can go wrong. Your body will be influenced and produce the fail result.</a:t>
+            </a:r>
+          </a:p>
+          <a:p>
+            <a:pPr marL="1543050" marR="0" lvl="3" indent="-171450" algn="l" defTabSz="914400" rtl="0" eaLnBrk="1" fontAlgn="auto" latinLnBrk="0" hangingPunct="1">
+              <a:lnSpc>
+                <a:spcPct val="100000"/>
+              </a:lnSpc>
+              <a:spcBef>
+                <a:spcPts val="0"/>
+              </a:spcBef>
+              <a:spcAft>
+                <a:spcPts val="0"/>
+              </a:spcAft>
+              <a:buClrTx/>
+              <a:buSzTx/>
+              <a:buFont typeface="Arial" panose="020B0604020202020204" pitchFamily="34" charset="0"/>
+              <a:buChar char="•"/>
+              <a:tabLst/>
+              <a:defRPr/>
+            </a:pPr>
+            <a:r>
+              <a:rPr lang="en-US" strike="noStrike" baseline="0" dirty="0" smtClean="0"/>
+              <a:t>If you feel it can go right, and your mind knows it can go right. Your body will be influenced and produce the success result.</a:t>
+            </a:r>
+          </a:p>
+          <a:p>
+            <a:pPr marL="1143000" marR="0" lvl="2" indent="-228600" algn="l" defTabSz="914400" rtl="0" eaLnBrk="1" fontAlgn="auto" latinLnBrk="0" hangingPunct="1">
+              <a:lnSpc>
+                <a:spcPct val="100000"/>
+              </a:lnSpc>
+              <a:spcBef>
+                <a:spcPts val="0"/>
+              </a:spcBef>
+              <a:spcAft>
+                <a:spcPts val="0"/>
+              </a:spcAft>
+              <a:buClrTx/>
+              <a:buSzTx/>
+              <a:buFont typeface="+mj-lt"/>
+              <a:buAutoNum type="arabicPeriod"/>
+              <a:tabLst/>
+              <a:defRPr/>
+            </a:pPr>
+            <a:r>
+              <a:rPr lang="en-US" strike="noStrike" baseline="0" dirty="0" smtClean="0"/>
+              <a:t>Eliminate negative thoughts</a:t>
+            </a:r>
+          </a:p>
+          <a:p>
+            <a:pPr marL="1600200" marR="0" lvl="3" indent="-228600" algn="l" defTabSz="914400" rtl="0" eaLnBrk="1" fontAlgn="auto" latinLnBrk="0" hangingPunct="1">
+              <a:lnSpc>
+                <a:spcPct val="100000"/>
+              </a:lnSpc>
+              <a:spcBef>
+                <a:spcPts val="0"/>
+              </a:spcBef>
+              <a:spcAft>
+                <a:spcPts val="0"/>
+              </a:spcAft>
+              <a:buClrTx/>
+              <a:buSzTx/>
+              <a:buFont typeface="+mj-lt"/>
+              <a:buAutoNum type="arabicPeriod"/>
+              <a:tabLst/>
+              <a:defRPr/>
+            </a:pPr>
+            <a:r>
+              <a:rPr lang="en-US" strike="noStrike" baseline="0" dirty="0" smtClean="0"/>
+              <a:t>If you have a routine, and a next routine is needed if 1</a:t>
+            </a:r>
+            <a:r>
+              <a:rPr lang="en-US" strike="noStrike" baseline="30000" dirty="0" smtClean="0"/>
+              <a:t>st</a:t>
+            </a:r>
+            <a:r>
+              <a:rPr lang="en-US" strike="noStrike" baseline="0" dirty="0" smtClean="0"/>
+              <a:t> routine produce a fail result. Combined next routine  to be part of 1</a:t>
+            </a:r>
+            <a:r>
+              <a:rPr lang="en-US" strike="noStrike" baseline="30000" dirty="0" smtClean="0"/>
+              <a:t>st</a:t>
+            </a:r>
+            <a:r>
+              <a:rPr lang="en-US" strike="noStrike" baseline="0" dirty="0" smtClean="0"/>
+              <a:t> routine.</a:t>
+            </a:r>
+          </a:p>
+          <a:p>
+            <a:pPr marL="914400" marR="0" lvl="2" indent="0" algn="l" defTabSz="914400" rtl="0" eaLnBrk="1" fontAlgn="auto" latinLnBrk="0" hangingPunct="1">
+              <a:lnSpc>
+                <a:spcPct val="100000"/>
+              </a:lnSpc>
+              <a:spcBef>
+                <a:spcPts val="0"/>
+              </a:spcBef>
+              <a:spcAft>
+                <a:spcPts val="0"/>
+              </a:spcAft>
+              <a:buClrTx/>
+              <a:buSzTx/>
+              <a:buFont typeface="Arial" panose="020B0604020202020204" pitchFamily="34" charset="0"/>
+              <a:buNone/>
+              <a:tabLst/>
+              <a:defRPr/>
+            </a:pPr>
+            <a:endParaRPr lang="en-US" strike="noStrike" baseline="0" dirty="0" smtClean="0"/>
+          </a:p>
+          <a:p>
+            <a:pPr marL="1143000" lvl="2" indent="-228600">
+              <a:buFont typeface="Arial" panose="020B0604020202020204" pitchFamily="34" charset="0"/>
+              <a:buChar char="•"/>
+            </a:pPr>
+            <a:endParaRPr lang="en-US" strike="noStrike" baseline="0" dirty="0" smtClean="0"/>
+          </a:p>
+          <a:p>
+            <a:pPr marL="1143000" lvl="2" indent="-228600">
+              <a:buFont typeface="Arial" panose="020B0604020202020204" pitchFamily="34" charset="0"/>
+              <a:buChar char="•"/>
+            </a:pPr>
+            <a:endParaRPr lang="en-US" strike="noStrike" baseline="0" dirty="0" smtClean="0"/>
+          </a:p>
+          <a:p>
+            <a:pPr marL="1143000" lvl="2" indent="-228600">
+              <a:buFont typeface="+mj-lt"/>
+              <a:buAutoNum type="arabicPeriod"/>
+            </a:pPr>
+            <a:endParaRPr lang="en-US" baseline="0" dirty="0" smtClean="0"/>
+          </a:p>
+        </p:txBody>
+      </p:sp>
+      <p:sp>
+        <p:nvSpPr>
+          <p:cNvPr id="4" name="Slide Number Placeholder 3"/>
+          <p:cNvSpPr>
+            <a:spLocks noGrp="1"/>
+          </p:cNvSpPr>
+          <p:nvPr>
+            <p:ph type="sldNum" sz="quarter" idx="10"/>
+          </p:nvPr>
+        </p:nvSpPr>
+        <p:spPr/>
+        <p:txBody>
+          <a:bodyPr/>
+          <a:lstStyle/>
+          <a:p>
+            <a:fld id="{204CEEF5-BB46-4C96-9E9B-775636BA0DEC}" type="slidenum">
+              <a:rPr lang="en-MY" smtClean="0"/>
+              <a:t>5</a:t>
+            </a:fld>
+            <a:endParaRPr lang="en-MY"/>
+          </a:p>
+        </p:txBody>
+      </p:sp>
+    </p:spTree>
+    <p:extLst>
+      <p:ext uri="{BB962C8B-B14F-4D97-AF65-F5344CB8AC3E}">
+        <p14:creationId xmlns:p14="http://schemas.microsoft.com/office/powerpoint/2010/main" val="3851495536"/>
+      </p:ext>
+    </p:extLst>
+  </p:cSld>
+  <p:clrMapOvr>
+    <a:masterClrMapping/>
+  </p:clrMapOvr>
+</p:notes>
+</file>
+
+<file path=ppt/notesSlides/notesSlide6.xml><?xml version="1.0" encoding="utf-8"?>
+<p:notes xmlns:a="http://schemas.openxmlformats.org/drawingml/2006/main" xmlns:r="http://schemas.openxmlformats.org/officeDocument/2006/relationships" xmlns:p="http://schemas.openxmlformats.org/presentationml/2006/main">
+  <p:cSld>
+    <p:spTree>
+      <p:nvGrpSpPr>
+        <p:cNvPr id="1" name=""/>
+        <p:cNvGrpSpPr/>
+        <p:nvPr/>
+      </p:nvGrpSpPr>
+      <p:grpSpPr>
+        <a:xfrm>
+          <a:off x="0" y="0"/>
+          <a:ext cx="0" cy="0"/>
+          <a:chOff x="0" y="0"/>
+          <a:chExt cx="0" cy="0"/>
+        </a:xfrm>
+      </p:grpSpPr>
+      <p:sp>
+        <p:nvSpPr>
+          <p:cNvPr id="2" name="Slide Image Placeholder 1"/>
+          <p:cNvSpPr>
+            <a:spLocks noGrp="1" noRot="1" noChangeAspect="1"/>
+          </p:cNvSpPr>
+          <p:nvPr>
+            <p:ph type="sldImg"/>
+          </p:nvPr>
+        </p:nvSpPr>
+        <p:spPr/>
+      </p:sp>
+      <p:sp>
+        <p:nvSpPr>
+          <p:cNvPr id="3" name="Notes Placeholder 2"/>
+          <p:cNvSpPr>
+            <a:spLocks noGrp="1"/>
+          </p:cNvSpPr>
+          <p:nvPr>
+            <p:ph type="body" idx="1"/>
+          </p:nvPr>
+        </p:nvSpPr>
+        <p:spPr/>
+        <p:txBody>
+          <a:bodyPr/>
+          <a:lstStyle/>
+          <a:p>
+            <a:pPr marL="228600" indent="-228600">
+              <a:buAutoNum type="arabicPeriod"/>
+            </a:pPr>
+            <a:r>
+              <a:rPr lang="en-US" strike="sngStrike" baseline="0" dirty="0" smtClean="0"/>
+              <a:t>Strategy and Tactics</a:t>
+            </a:r>
+          </a:p>
+          <a:p>
+            <a:pPr marL="228600" indent="-228600">
+              <a:buAutoNum type="arabicPeriod"/>
+            </a:pPr>
+            <a:r>
+              <a:rPr lang="en-US" b="0" strike="sngStrike" baseline="0" dirty="0" smtClean="0"/>
+              <a:t>Skill and Tactics</a:t>
+            </a:r>
+          </a:p>
+          <a:p>
+            <a:pPr marL="228600" indent="-228600">
+              <a:buAutoNum type="arabicPeriod"/>
+            </a:pPr>
+            <a:r>
+              <a:rPr lang="en-US" strike="sngStrike" baseline="0" dirty="0" smtClean="0"/>
+              <a:t>In the Zone</a:t>
+            </a:r>
+          </a:p>
+          <a:p>
+            <a:pPr marL="228600" indent="-228600">
+              <a:buAutoNum type="arabicPeriod"/>
+            </a:pPr>
+            <a:r>
+              <a:rPr lang="en-US" b="1" strike="noStrike" baseline="0" dirty="0" smtClean="0"/>
+              <a:t>Game Rules</a:t>
+            </a:r>
+          </a:p>
+          <a:p>
+            <a:pPr marL="685800" lvl="1" indent="-228600">
+              <a:buFont typeface="+mj-lt"/>
+              <a:buAutoNum type="arabicPeriod"/>
+            </a:pPr>
+            <a:r>
+              <a:rPr lang="en-US" dirty="0" smtClean="0"/>
+              <a:t>Referee are humans too. Judgement we expect is fair</a:t>
+            </a:r>
+            <a:r>
+              <a:rPr lang="en-US" baseline="0" dirty="0" smtClean="0"/>
+              <a:t> (without realizing, even favor to us.) </a:t>
+            </a:r>
+          </a:p>
+          <a:p>
+            <a:pPr marL="1085850" lvl="2" indent="-171450">
+              <a:buFont typeface="Arial" panose="020B0604020202020204" pitchFamily="34" charset="0"/>
+              <a:buChar char="•"/>
+            </a:pPr>
+            <a:r>
+              <a:rPr lang="en-US" baseline="0" dirty="0" smtClean="0"/>
+              <a:t>Always give respect to referee. </a:t>
+            </a:r>
+          </a:p>
+          <a:p>
+            <a:pPr marL="1085850" lvl="2" indent="-171450">
+              <a:buFont typeface="Arial" panose="020B0604020202020204" pitchFamily="34" charset="0"/>
+              <a:buChar char="•"/>
+            </a:pPr>
+            <a:r>
+              <a:rPr lang="en-US" baseline="0" dirty="0" smtClean="0"/>
+              <a:t>Goal is to make us play and enjoy our game. </a:t>
+            </a:r>
+          </a:p>
+          <a:p>
+            <a:pPr marL="1085850" lvl="2" indent="-171450">
+              <a:buFont typeface="Arial" panose="020B0604020202020204" pitchFamily="34" charset="0"/>
+              <a:buChar char="•"/>
+            </a:pPr>
+            <a:r>
+              <a:rPr lang="en-US" baseline="0" dirty="0" smtClean="0"/>
+              <a:t>Close 1 eye, for mistakes we may make.  </a:t>
+            </a:r>
+          </a:p>
+          <a:p>
+            <a:pPr marL="1085850" lvl="2" indent="-171450">
+              <a:buFont typeface="Arial" panose="020B0604020202020204" pitchFamily="34" charset="0"/>
+              <a:buChar char="•"/>
+            </a:pPr>
+            <a:r>
+              <a:rPr lang="en-US" baseline="0" dirty="0" smtClean="0"/>
+              <a:t>Challenge(decision) if needed, but never argue (personal). Never show disrespect to referee.</a:t>
+            </a:r>
+          </a:p>
+          <a:p>
+            <a:pPr marL="457200" lvl="1" indent="0">
+              <a:buFont typeface="+mj-lt"/>
+              <a:buNone/>
+            </a:pPr>
+            <a:endParaRPr lang="en-US" baseline="0" dirty="0" smtClean="0"/>
+          </a:p>
+          <a:p>
+            <a:pPr marL="457200" lvl="1" indent="0">
+              <a:buFont typeface="+mj-lt"/>
+              <a:buNone/>
+            </a:pPr>
+            <a:r>
+              <a:rPr lang="en-US" baseline="0" dirty="0" smtClean="0"/>
+              <a:t>Purposes of rules is to establish a level playing field for </a:t>
+            </a:r>
+            <a:r>
+              <a:rPr lang="en-US" b="1" baseline="0" dirty="0" smtClean="0"/>
+              <a:t>all</a:t>
+            </a:r>
+            <a:r>
+              <a:rPr lang="en-US" baseline="0" dirty="0" smtClean="0"/>
+              <a:t> players. By defining the parameters of the game, rules help to ensure that everyone is playing by the </a:t>
+            </a:r>
+            <a:r>
+              <a:rPr lang="en-US" b="1" baseline="0" dirty="0" smtClean="0"/>
+              <a:t>same set of rules</a:t>
+            </a:r>
+            <a:r>
+              <a:rPr lang="en-US" b="0" baseline="0" dirty="0" smtClean="0"/>
+              <a:t>.</a:t>
+            </a:r>
+          </a:p>
+          <a:p>
+            <a:pPr marL="685800" lvl="1" indent="-228600">
+              <a:buFont typeface="+mj-lt"/>
+              <a:buAutoNum type="arabicPeriod" startAt="2"/>
+            </a:pPr>
+            <a:r>
+              <a:rPr lang="en-US" baseline="0" dirty="0" smtClean="0"/>
+              <a:t>Standard Rules</a:t>
+            </a:r>
+          </a:p>
+          <a:p>
+            <a:pPr marL="914400" lvl="2" indent="0">
+              <a:buFont typeface="+mj-lt"/>
+              <a:buNone/>
+            </a:pPr>
+            <a:r>
+              <a:rPr lang="en-US" baseline="0" dirty="0" smtClean="0"/>
+              <a:t>Audience need to be aware, understand and memorize the standard rules of the game</a:t>
+            </a:r>
+          </a:p>
+          <a:p>
+            <a:pPr marL="914400" lvl="2" indent="0">
+              <a:buFont typeface="+mj-lt"/>
+              <a:buNone/>
+            </a:pPr>
+            <a:r>
+              <a:rPr lang="en-US" baseline="0" dirty="0" smtClean="0"/>
+              <a:t>Most often players, love the game so much because of the fun and play. Rules are not known, made aware and sometimes misinformed or misunderstood.</a:t>
+            </a:r>
+          </a:p>
+          <a:p>
+            <a:pPr marL="914400" lvl="2" indent="0">
+              <a:buFont typeface="+mj-lt"/>
+              <a:buNone/>
+            </a:pPr>
+            <a:r>
+              <a:rPr lang="en-US" baseline="0" dirty="0" smtClean="0"/>
+              <a:t>Make sure it is done! Not just lectured about but see that it gets done.</a:t>
+            </a:r>
+          </a:p>
+          <a:p>
+            <a:pPr marL="685800" lvl="1" indent="-228600">
+              <a:buFont typeface="+mj-lt"/>
+              <a:buAutoNum type="arabicPeriod" startAt="2"/>
+            </a:pPr>
+            <a:endParaRPr lang="en-US" baseline="0" dirty="0" smtClean="0"/>
+          </a:p>
+          <a:p>
+            <a:pPr marL="685800" lvl="1" indent="-228600">
+              <a:buFont typeface="+mj-lt"/>
+              <a:buAutoNum type="arabicPeriod" startAt="2"/>
+            </a:pPr>
+            <a:r>
+              <a:rPr lang="en-US" baseline="0" dirty="0" smtClean="0"/>
+              <a:t>Tournament Rules</a:t>
+            </a:r>
+          </a:p>
+          <a:p>
+            <a:pPr marL="914400" lvl="2" indent="0">
+              <a:buFont typeface="+mj-lt"/>
+              <a:buNone/>
+            </a:pPr>
+            <a:r>
+              <a:rPr lang="en-US" baseline="0" dirty="0" smtClean="0"/>
+              <a:t>Audience need to be aware, remember especially what change to the standard rule game</a:t>
+            </a:r>
+          </a:p>
+          <a:p>
+            <a:pPr marL="914400" lvl="2" indent="0">
+              <a:buFont typeface="+mj-lt"/>
+              <a:buNone/>
+            </a:pPr>
+            <a:endParaRPr lang="en-US" baseline="0" dirty="0" smtClean="0"/>
+          </a:p>
+          <a:p>
+            <a:pPr marL="1143000" lvl="2" indent="-228600">
+              <a:buFont typeface="+mj-lt"/>
+              <a:buAutoNum type="arabicPeriod"/>
+            </a:pPr>
+            <a:endParaRPr lang="en-US" dirty="0"/>
+          </a:p>
+        </p:txBody>
+      </p:sp>
+      <p:sp>
+        <p:nvSpPr>
+          <p:cNvPr id="4" name="Slide Number Placeholder 3"/>
+          <p:cNvSpPr>
+            <a:spLocks noGrp="1"/>
+          </p:cNvSpPr>
+          <p:nvPr>
+            <p:ph type="sldNum" sz="quarter" idx="10"/>
+          </p:nvPr>
+        </p:nvSpPr>
+        <p:spPr/>
+        <p:txBody>
+          <a:bodyPr/>
+          <a:lstStyle/>
+          <a:p>
+            <a:fld id="{204CEEF5-BB46-4C96-9E9B-775636BA0DEC}" type="slidenum">
+              <a:rPr lang="en-MY" smtClean="0"/>
+              <a:t>6</a:t>
+            </a:fld>
+            <a:endParaRPr lang="en-MY"/>
+          </a:p>
+        </p:txBody>
+      </p:sp>
+    </p:spTree>
+    <p:extLst>
+      <p:ext uri="{BB962C8B-B14F-4D97-AF65-F5344CB8AC3E}">
+        <p14:creationId xmlns:p14="http://schemas.microsoft.com/office/powerpoint/2010/main" val="779372880"/>
+      </p:ext>
+    </p:extLst>
+  </p:cSld>
+  <p:clrMapOvr>
+    <a:masterClrMapping/>
+  </p:clrMapOvr>
+</p:notes>
+</file>
+
+<file path=ppt/notesSlides/notesSlide7.xml><?xml version="1.0" encoding="utf-8"?>
+<p:notes xmlns:a="http://schemas.openxmlformats.org/drawingml/2006/main" xmlns:r="http://schemas.openxmlformats.org/officeDocument/2006/relationships" xmlns:p="http://schemas.openxmlformats.org/presentationml/2006/main">
+  <p:cSld>
+    <p:spTree>
+      <p:nvGrpSpPr>
+        <p:cNvPr id="1" name=""/>
+        <p:cNvGrpSpPr/>
+        <p:nvPr/>
+      </p:nvGrpSpPr>
+      <p:grpSpPr>
+        <a:xfrm>
+          <a:off x="0" y="0"/>
+          <a:ext cx="0" cy="0"/>
+          <a:chOff x="0" y="0"/>
+          <a:chExt cx="0" cy="0"/>
+        </a:xfrm>
+      </p:grpSpPr>
+      <p:sp>
+        <p:nvSpPr>
+          <p:cNvPr id="2" name="Slide Image Placeholder 1"/>
+          <p:cNvSpPr>
+            <a:spLocks noGrp="1" noRot="1" noChangeAspect="1"/>
+          </p:cNvSpPr>
+          <p:nvPr>
+            <p:ph type="sldImg"/>
+          </p:nvPr>
+        </p:nvSpPr>
+        <p:spPr/>
+      </p:sp>
+      <p:sp>
+        <p:nvSpPr>
+          <p:cNvPr id="3" name="Notes Placeholder 2"/>
+          <p:cNvSpPr>
+            <a:spLocks noGrp="1"/>
+          </p:cNvSpPr>
+          <p:nvPr>
+            <p:ph type="body" idx="1"/>
+          </p:nvPr>
+        </p:nvSpPr>
+        <p:spPr/>
+        <p:txBody>
+          <a:bodyPr/>
+          <a:lstStyle/>
+          <a:p>
+            <a:r>
+              <a:rPr lang="en-MY" dirty="0" smtClean="0"/>
+              <a:t>Key takeaways :</a:t>
+            </a:r>
+          </a:p>
+          <a:p>
+            <a:endParaRPr lang="en-MY" dirty="0" smtClean="0"/>
+          </a:p>
+          <a:p>
+            <a:pPr marL="228600" marR="0" lvl="0" indent="-228600" algn="l" defTabSz="914400" rtl="0" eaLnBrk="1" fontAlgn="auto" latinLnBrk="0" hangingPunct="1">
+              <a:lnSpc>
+                <a:spcPct val="100000"/>
+              </a:lnSpc>
+              <a:spcBef>
+                <a:spcPts val="0"/>
+              </a:spcBef>
+              <a:spcAft>
+                <a:spcPts val="0"/>
+              </a:spcAft>
+              <a:buClrTx/>
+              <a:buSzTx/>
+              <a:buFont typeface="+mj-lt"/>
+              <a:buAutoNum type="arabicPeriod"/>
+              <a:tabLst/>
+              <a:defRPr/>
+            </a:pPr>
+            <a:r>
+              <a:rPr lang="en-US" b="0" baseline="0" dirty="0" smtClean="0"/>
+              <a:t>Games involving </a:t>
+            </a:r>
+            <a:r>
+              <a:rPr lang="en-US" baseline="0" dirty="0" smtClean="0"/>
+              <a:t>scoreboard, result are always unpredictable. No matter how strong or weak a team is, results can be different.</a:t>
+            </a:r>
+          </a:p>
+          <a:p>
+            <a:pPr marL="685800" marR="0" lvl="1" indent="-228600" algn="l" defTabSz="914400" rtl="0" eaLnBrk="1" fontAlgn="auto" latinLnBrk="0" hangingPunct="1">
+              <a:lnSpc>
+                <a:spcPct val="100000"/>
+              </a:lnSpc>
+              <a:spcBef>
+                <a:spcPts val="0"/>
+              </a:spcBef>
+              <a:spcAft>
+                <a:spcPts val="0"/>
+              </a:spcAft>
+              <a:buClrTx/>
+              <a:buSzTx/>
+              <a:buFont typeface="+mj-lt"/>
+              <a:buAutoNum type="alphaLcPeriod"/>
+              <a:tabLst/>
+              <a:defRPr/>
+            </a:pPr>
+            <a:r>
+              <a:rPr lang="en-US" b="0" baseline="0" dirty="0" smtClean="0"/>
+              <a:t>True, winning against a stronger team not impossible, but harder. </a:t>
+            </a:r>
+          </a:p>
+          <a:p>
+            <a:pPr marL="914400" marR="0" lvl="2" indent="0" algn="l" defTabSz="914400" rtl="0" eaLnBrk="1" fontAlgn="auto" latinLnBrk="0" hangingPunct="1">
+              <a:lnSpc>
+                <a:spcPct val="100000"/>
+              </a:lnSpc>
+              <a:spcBef>
+                <a:spcPts val="0"/>
+              </a:spcBef>
+              <a:spcAft>
+                <a:spcPts val="0"/>
+              </a:spcAft>
+              <a:buClrTx/>
+              <a:buSzTx/>
+              <a:buFont typeface="+mj-lt"/>
+              <a:buNone/>
+              <a:tabLst/>
+              <a:defRPr/>
+            </a:pPr>
+            <a:r>
+              <a:rPr lang="en-US" b="0" baseline="0" dirty="0" smtClean="0"/>
+              <a:t>How? Your team game plans, teamwork and your mastery of “In the zone”.</a:t>
+            </a:r>
+          </a:p>
+          <a:p>
+            <a:pPr marL="685800" marR="0" lvl="1" indent="-228600" algn="l" defTabSz="914400" rtl="0" eaLnBrk="1" fontAlgn="auto" latinLnBrk="0" hangingPunct="1">
+              <a:lnSpc>
+                <a:spcPct val="100000"/>
+              </a:lnSpc>
+              <a:spcBef>
+                <a:spcPts val="0"/>
+              </a:spcBef>
+              <a:spcAft>
+                <a:spcPts val="0"/>
+              </a:spcAft>
+              <a:buClrTx/>
+              <a:buSzTx/>
+              <a:buFont typeface="+mj-lt"/>
+              <a:buAutoNum type="alphaLcPeriod"/>
+              <a:tabLst/>
+              <a:defRPr/>
+            </a:pPr>
+            <a:r>
+              <a:rPr lang="en-US" b="0" baseline="0" dirty="0" smtClean="0"/>
+              <a:t>False, winning against a weaker team as easy as you may think. </a:t>
+            </a:r>
+          </a:p>
+          <a:p>
+            <a:pPr marL="914400" marR="0" lvl="2" indent="0" algn="l" defTabSz="914400" rtl="0" eaLnBrk="1" fontAlgn="auto" latinLnBrk="0" hangingPunct="1">
+              <a:lnSpc>
+                <a:spcPct val="100000"/>
+              </a:lnSpc>
+              <a:spcBef>
+                <a:spcPts val="0"/>
+              </a:spcBef>
+              <a:spcAft>
+                <a:spcPts val="0"/>
+              </a:spcAft>
+              <a:buClrTx/>
+              <a:buSzTx/>
+              <a:buFont typeface="+mj-lt"/>
+              <a:buNone/>
+              <a:tabLst/>
+              <a:defRPr/>
+            </a:pPr>
+            <a:r>
+              <a:rPr lang="en-US" b="0" baseline="0" dirty="0" smtClean="0"/>
+              <a:t>Why? Surprising game plans and confidence levels.</a:t>
+            </a:r>
+          </a:p>
+          <a:p>
+            <a:pPr marL="228600" marR="0" lvl="0" indent="-228600" algn="l" defTabSz="914400" rtl="0" eaLnBrk="1" fontAlgn="auto" latinLnBrk="0" hangingPunct="1">
+              <a:lnSpc>
+                <a:spcPct val="100000"/>
+              </a:lnSpc>
+              <a:spcBef>
+                <a:spcPts val="0"/>
+              </a:spcBef>
+              <a:spcAft>
+                <a:spcPts val="0"/>
+              </a:spcAft>
+              <a:buClrTx/>
+              <a:buSzTx/>
+              <a:buFont typeface="+mj-lt"/>
+              <a:buAutoNum type="arabicPeriod"/>
+              <a:tabLst/>
+              <a:defRPr/>
+            </a:pPr>
+            <a:r>
+              <a:rPr lang="en-US" b="0" i="0" kern="1200" baseline="0" dirty="0" smtClean="0">
+                <a:solidFill>
+                  <a:schemeClr val="tx1"/>
+                </a:solidFill>
+                <a:effectLst/>
+                <a:latin typeface="+mn-lt"/>
+                <a:ea typeface="+mn-ea"/>
+                <a:cs typeface="+mn-cs"/>
+              </a:rPr>
+              <a:t>Maintain your focus on the game for a win at the final whistle.</a:t>
+            </a:r>
+          </a:p>
+          <a:p>
+            <a:pPr marL="685800" marR="0" lvl="1" indent="-228600" algn="l" defTabSz="914400" rtl="0" eaLnBrk="1" fontAlgn="auto" latinLnBrk="0" hangingPunct="1">
+              <a:lnSpc>
+                <a:spcPct val="100000"/>
+              </a:lnSpc>
+              <a:spcBef>
+                <a:spcPts val="0"/>
+              </a:spcBef>
+              <a:spcAft>
+                <a:spcPts val="0"/>
+              </a:spcAft>
+              <a:buClrTx/>
+              <a:buSzTx/>
+              <a:buFont typeface="+mj-lt"/>
+              <a:buAutoNum type="alphaLcPeriod"/>
+              <a:tabLst/>
+              <a:defRPr/>
+            </a:pPr>
+            <a:r>
+              <a:rPr lang="en-US" b="0" i="0" kern="1200" baseline="0" dirty="0" smtClean="0">
+                <a:solidFill>
+                  <a:schemeClr val="tx1"/>
+                </a:solidFill>
+                <a:effectLst/>
+                <a:latin typeface="+mn-lt"/>
+                <a:ea typeface="+mn-ea"/>
+                <a:cs typeface="+mn-cs"/>
+              </a:rPr>
+              <a:t>Leading is not a win yet. Identify how ways to stay and extend lead before the final whistle.</a:t>
+            </a:r>
+          </a:p>
+          <a:p>
+            <a:pPr marL="685800" marR="0" lvl="1" indent="-228600" algn="l" defTabSz="914400" rtl="0" eaLnBrk="1" fontAlgn="auto" latinLnBrk="0" hangingPunct="1">
+              <a:lnSpc>
+                <a:spcPct val="100000"/>
+              </a:lnSpc>
+              <a:spcBef>
+                <a:spcPts val="0"/>
+              </a:spcBef>
+              <a:spcAft>
+                <a:spcPts val="0"/>
+              </a:spcAft>
+              <a:buClrTx/>
+              <a:buSzTx/>
+              <a:buFont typeface="+mj-lt"/>
+              <a:buAutoNum type="alphaLcPeriod"/>
+              <a:tabLst/>
+              <a:defRPr/>
+            </a:pPr>
+            <a:r>
+              <a:rPr lang="en-US" b="0" i="0" kern="1200" baseline="0" dirty="0" smtClean="0">
+                <a:solidFill>
+                  <a:schemeClr val="tx1"/>
+                </a:solidFill>
+                <a:effectLst/>
+                <a:latin typeface="+mn-lt"/>
+                <a:ea typeface="+mn-ea"/>
+                <a:cs typeface="+mn-cs"/>
+              </a:rPr>
+              <a:t>Trailing is not a lost yet. Identify how ways to get into lead before the final whistle.</a:t>
+            </a:r>
+          </a:p>
+          <a:p>
+            <a:pPr marL="228600" marR="0" lvl="0" indent="-228600" algn="l" defTabSz="914400" rtl="0" eaLnBrk="1" fontAlgn="auto" latinLnBrk="0" hangingPunct="1">
+              <a:lnSpc>
+                <a:spcPct val="100000"/>
+              </a:lnSpc>
+              <a:spcBef>
+                <a:spcPts val="0"/>
+              </a:spcBef>
+              <a:spcAft>
+                <a:spcPts val="0"/>
+              </a:spcAft>
+              <a:buClrTx/>
+              <a:buSzTx/>
+              <a:buFont typeface="+mj-lt"/>
+              <a:buAutoNum type="arabicPeriod"/>
+              <a:tabLst/>
+              <a:defRPr/>
+            </a:pPr>
+            <a:r>
+              <a:rPr lang="en-US" b="1" i="0" kern="1200" baseline="0" dirty="0" smtClean="0">
+                <a:solidFill>
+                  <a:schemeClr val="tx1"/>
+                </a:solidFill>
+                <a:effectLst/>
+                <a:latin typeface="+mn-lt"/>
+                <a:ea typeface="+mn-ea"/>
+                <a:cs typeface="+mn-cs"/>
+              </a:rPr>
+              <a:t>Mistakes can be repaired</a:t>
+            </a:r>
+            <a:r>
+              <a:rPr lang="en-US" b="0" i="0" kern="1200" baseline="0" dirty="0" smtClean="0">
+                <a:solidFill>
+                  <a:schemeClr val="tx1"/>
+                </a:solidFill>
+                <a:effectLst/>
+                <a:latin typeface="+mn-lt"/>
+                <a:ea typeface="+mn-ea"/>
+                <a:cs typeface="+mn-cs"/>
+              </a:rPr>
+              <a:t>, you just need to quickly know what caused the mistake and do corrections.</a:t>
+            </a:r>
+          </a:p>
+          <a:p>
+            <a:pPr marL="228600" marR="0" lvl="0" indent="-228600" algn="l" defTabSz="914400" rtl="0" eaLnBrk="1" fontAlgn="auto" latinLnBrk="0" hangingPunct="1">
+              <a:lnSpc>
+                <a:spcPct val="100000"/>
+              </a:lnSpc>
+              <a:spcBef>
+                <a:spcPts val="0"/>
+              </a:spcBef>
+              <a:spcAft>
+                <a:spcPts val="0"/>
+              </a:spcAft>
+              <a:buClrTx/>
+              <a:buSzTx/>
+              <a:buFont typeface="+mj-lt"/>
+              <a:buAutoNum type="arabicPeriod"/>
+              <a:tabLst/>
+              <a:defRPr/>
+            </a:pPr>
+            <a:r>
+              <a:rPr lang="en-US" b="0" baseline="0" dirty="0" smtClean="0"/>
+              <a:t>Weakness n</a:t>
+            </a:r>
+            <a:r>
+              <a:rPr lang="en-US" baseline="0" dirty="0" smtClean="0"/>
+              <a:t>eed to be improved during practice, not during game.</a:t>
+            </a:r>
+          </a:p>
+          <a:p>
+            <a:pPr marL="228600" marR="0" lvl="0" indent="-228600" algn="l" defTabSz="914400" rtl="0" eaLnBrk="1" fontAlgn="auto" latinLnBrk="0" hangingPunct="1">
+              <a:lnSpc>
+                <a:spcPct val="100000"/>
+              </a:lnSpc>
+              <a:spcBef>
+                <a:spcPts val="0"/>
+              </a:spcBef>
+              <a:spcAft>
+                <a:spcPts val="0"/>
+              </a:spcAft>
+              <a:buClrTx/>
+              <a:buSzTx/>
+              <a:buFont typeface="+mj-lt"/>
+              <a:buAutoNum type="arabicPeriod"/>
+              <a:tabLst/>
+              <a:defRPr/>
+            </a:pPr>
+            <a:r>
+              <a:rPr lang="en-US" b="0" baseline="0" dirty="0" smtClean="0"/>
+              <a:t>Have a session in team to identify what to say/do among team members to:</a:t>
+            </a:r>
+          </a:p>
+          <a:p>
+            <a:pPr marL="685800" marR="0" lvl="1" indent="-228600" algn="l" defTabSz="914400" rtl="0" eaLnBrk="1" fontAlgn="auto" latinLnBrk="0" hangingPunct="1">
+              <a:lnSpc>
+                <a:spcPct val="100000"/>
+              </a:lnSpc>
+              <a:spcBef>
+                <a:spcPts val="0"/>
+              </a:spcBef>
+              <a:spcAft>
+                <a:spcPts val="0"/>
+              </a:spcAft>
+              <a:buClrTx/>
+              <a:buSzTx/>
+              <a:buFont typeface="+mj-lt"/>
+              <a:buAutoNum type="alphaLcPeriod"/>
+              <a:tabLst/>
+              <a:defRPr/>
+            </a:pPr>
+            <a:r>
+              <a:rPr lang="en-US" b="0" baseline="0" dirty="0" smtClean="0"/>
+              <a:t>Makes teams’ confidence level to go up.</a:t>
+            </a:r>
+          </a:p>
+          <a:p>
+            <a:pPr marL="685800" marR="0" lvl="1" indent="-228600" algn="l" defTabSz="914400" rtl="0" eaLnBrk="1" fontAlgn="auto" latinLnBrk="0" hangingPunct="1">
+              <a:lnSpc>
+                <a:spcPct val="100000"/>
+              </a:lnSpc>
+              <a:spcBef>
+                <a:spcPts val="0"/>
+              </a:spcBef>
+              <a:spcAft>
+                <a:spcPts val="0"/>
+              </a:spcAft>
+              <a:buClrTx/>
+              <a:buSzTx/>
+              <a:buFont typeface="+mj-lt"/>
+              <a:buAutoNum type="alphaLcPeriod"/>
+              <a:tabLst/>
+              <a:defRPr/>
+            </a:pPr>
+            <a:r>
+              <a:rPr lang="en-US" b="0" baseline="0" dirty="0" smtClean="0"/>
+              <a:t>Makes the opponent confidence level to go down.</a:t>
+            </a:r>
+          </a:p>
+          <a:p>
+            <a:pPr marL="228600" marR="0" lvl="0" indent="-228600" algn="l" defTabSz="914400" rtl="0" eaLnBrk="1" fontAlgn="auto" latinLnBrk="0" hangingPunct="1">
+              <a:lnSpc>
+                <a:spcPct val="100000"/>
+              </a:lnSpc>
+              <a:spcBef>
+                <a:spcPts val="0"/>
+              </a:spcBef>
+              <a:spcAft>
+                <a:spcPts val="0"/>
+              </a:spcAft>
+              <a:buClrTx/>
+              <a:buSzTx/>
+              <a:buFont typeface="+mj-lt"/>
+              <a:buAutoNum type="arabicPeriod"/>
+              <a:tabLst/>
+              <a:defRPr/>
+            </a:pPr>
+            <a:r>
+              <a:rPr lang="en-US" b="1" baseline="0" dirty="0" smtClean="0"/>
+              <a:t>Never ever reveal your weakness </a:t>
+            </a:r>
+            <a:r>
+              <a:rPr lang="en-US" baseline="0" dirty="0" smtClean="0"/>
+              <a:t>in a tournament/game!</a:t>
+            </a:r>
+          </a:p>
+          <a:p>
+            <a:pPr marL="228600" marR="0" lvl="0" indent="-228600" algn="l" defTabSz="914400" rtl="0" eaLnBrk="1" fontAlgn="auto" latinLnBrk="0" hangingPunct="1">
+              <a:lnSpc>
+                <a:spcPct val="100000"/>
+              </a:lnSpc>
+              <a:spcBef>
+                <a:spcPts val="0"/>
+              </a:spcBef>
+              <a:spcAft>
+                <a:spcPts val="0"/>
+              </a:spcAft>
+              <a:buClrTx/>
+              <a:buSzTx/>
+              <a:buFont typeface="+mj-lt"/>
+              <a:buAutoNum type="arabicPeriod"/>
+              <a:tabLst/>
+              <a:defRPr/>
+            </a:pPr>
+            <a:r>
+              <a:rPr lang="en-US" strike="noStrike" baseline="0" dirty="0" smtClean="0"/>
+              <a:t>The more skills you have at Phase 4 competent level, the more free time you have for your mind. You have more time to think and execute your next plan.</a:t>
+            </a:r>
+          </a:p>
+          <a:p>
+            <a:pPr marL="228600" marR="0" lvl="0" indent="-228600" algn="l" defTabSz="914400" rtl="0" eaLnBrk="1" fontAlgn="auto" latinLnBrk="0" hangingPunct="1">
+              <a:lnSpc>
+                <a:spcPct val="100000"/>
+              </a:lnSpc>
+              <a:spcBef>
+                <a:spcPts val="0"/>
+              </a:spcBef>
+              <a:spcAft>
+                <a:spcPts val="0"/>
+              </a:spcAft>
+              <a:buClrTx/>
+              <a:buSzTx/>
+              <a:buFont typeface="+mj-lt"/>
+              <a:buAutoNum type="arabicPeriod"/>
+              <a:tabLst/>
+              <a:defRPr/>
+            </a:pPr>
+            <a:r>
+              <a:rPr lang="en-US" strike="noStrike" baseline="0" dirty="0" smtClean="0"/>
+              <a:t>If you have a routine, and a next routine is needed if; 1</a:t>
+            </a:r>
+            <a:r>
+              <a:rPr lang="en-US" strike="noStrike" baseline="30000" dirty="0" smtClean="0"/>
+              <a:t>st</a:t>
+            </a:r>
+            <a:r>
+              <a:rPr lang="en-US" strike="noStrike" baseline="0" dirty="0" smtClean="0"/>
+              <a:t> routine produce a fail result. Combined next routine  to be part of 1</a:t>
+            </a:r>
+            <a:r>
+              <a:rPr lang="en-US" strike="noStrike" baseline="30000" dirty="0" smtClean="0"/>
+              <a:t>st</a:t>
+            </a:r>
+            <a:r>
+              <a:rPr lang="en-US" strike="noStrike" baseline="0" dirty="0" smtClean="0"/>
+              <a:t> routine.</a:t>
+            </a:r>
+          </a:p>
+          <a:p>
+            <a:pPr marL="228600" marR="0" lvl="0" indent="-228600" algn="l" defTabSz="914400" rtl="0" eaLnBrk="1" fontAlgn="auto" latinLnBrk="0" hangingPunct="1">
+              <a:lnSpc>
+                <a:spcPct val="100000"/>
+              </a:lnSpc>
+              <a:spcBef>
+                <a:spcPts val="0"/>
+              </a:spcBef>
+              <a:spcAft>
+                <a:spcPts val="0"/>
+              </a:spcAft>
+              <a:buClrTx/>
+              <a:buSzTx/>
+              <a:buFont typeface="+mj-lt"/>
+              <a:buAutoNum type="arabicPeriod"/>
+              <a:tabLst/>
+              <a:defRPr/>
+            </a:pPr>
+            <a:r>
+              <a:rPr lang="en-US" baseline="0" dirty="0" smtClean="0"/>
+              <a:t>Goal is to maintain at </a:t>
+            </a:r>
+            <a:r>
+              <a:rPr lang="en-US" b="1" baseline="0" dirty="0" smtClean="0"/>
+              <a:t>high confidence</a:t>
+            </a:r>
+            <a:r>
+              <a:rPr lang="en-US" baseline="0" dirty="0" smtClean="0"/>
+              <a:t> and </a:t>
+            </a:r>
+            <a:r>
+              <a:rPr lang="en-US" b="1" baseline="0" dirty="0" smtClean="0"/>
+              <a:t>higher than opponent</a:t>
+            </a:r>
+            <a:r>
+              <a:rPr lang="en-US" baseline="0" dirty="0" smtClean="0"/>
+              <a:t>.</a:t>
+            </a:r>
+          </a:p>
+          <a:p>
+            <a:pPr marL="228600" marR="0" lvl="0" indent="-228600" algn="l" defTabSz="914400" rtl="0" eaLnBrk="1" fontAlgn="auto" latinLnBrk="0" hangingPunct="1">
+              <a:lnSpc>
+                <a:spcPct val="100000"/>
+              </a:lnSpc>
+              <a:spcBef>
+                <a:spcPts val="0"/>
+              </a:spcBef>
+              <a:spcAft>
+                <a:spcPts val="0"/>
+              </a:spcAft>
+              <a:buClrTx/>
+              <a:buSzTx/>
+              <a:buFont typeface="+mj-lt"/>
+              <a:buAutoNum type="arabicPeriod"/>
+              <a:tabLst/>
+              <a:defRPr/>
+            </a:pPr>
+            <a:r>
+              <a:rPr lang="en-US" baseline="0" dirty="0" smtClean="0"/>
+              <a:t>Always </a:t>
+            </a:r>
+            <a:r>
+              <a:rPr lang="en-US" b="1" baseline="0" dirty="0" smtClean="0"/>
+              <a:t>give respect </a:t>
+            </a:r>
+            <a:r>
+              <a:rPr lang="en-US" baseline="0" dirty="0" smtClean="0"/>
+              <a:t>to referee. </a:t>
+            </a:r>
+          </a:p>
+          <a:p>
+            <a:pPr marL="228600" indent="-228600">
+              <a:buFont typeface="+mj-lt"/>
+              <a:buAutoNum type="arabicPeriod"/>
+            </a:pPr>
+            <a:r>
+              <a:rPr lang="en-MY" dirty="0" smtClean="0"/>
+              <a:t>Rules affect</a:t>
+            </a:r>
+            <a:r>
+              <a:rPr lang="en-MY" baseline="0" dirty="0" smtClean="0"/>
+              <a:t> us and opponent. So when we memorize that, we can ensure we don’t break the rule, and also find ways to get opponent to break the rule to our benefit.</a:t>
+            </a:r>
+            <a:endParaRPr lang="en-MY" dirty="0"/>
+          </a:p>
+        </p:txBody>
+      </p:sp>
+      <p:sp>
+        <p:nvSpPr>
+          <p:cNvPr id="4" name="Slide Number Placeholder 3"/>
+          <p:cNvSpPr>
+            <a:spLocks noGrp="1"/>
+          </p:cNvSpPr>
+          <p:nvPr>
+            <p:ph type="sldNum" sz="quarter" idx="5"/>
+          </p:nvPr>
+        </p:nvSpPr>
+        <p:spPr/>
+        <p:txBody>
+          <a:bodyPr/>
+          <a:lstStyle/>
+          <a:p>
+            <a:fld id="{204CEEF5-BB46-4C96-9E9B-775636BA0DEC}" type="slidenum">
+              <a:rPr lang="en-MY" smtClean="0"/>
+              <a:t>7</a:t>
+            </a:fld>
+            <a:endParaRPr lang="en-MY"/>
+          </a:p>
+        </p:txBody>
+      </p:sp>
+    </p:spTree>
+    <p:extLst>
+      <p:ext uri="{BB962C8B-B14F-4D97-AF65-F5344CB8AC3E}">
+        <p14:creationId xmlns:p14="http://schemas.microsoft.com/office/powerpoint/2010/main" val="2139520651"/>
+      </p:ext>
+    </p:extLst>
+  </p:cSld>
+  <p:clrMapOvr>
+    <a:masterClrMapping/>
+  </p:clrMapOvr>
+</p:notes>
+</file>
+
 <file path=ppt/slideLayouts/slideLayout1.xml><?xml version="1.0" encoding="utf-8"?>
 <p:sldLayout xmlns:a="http://schemas.openxmlformats.org/drawingml/2006/main" xmlns:r="http://schemas.openxmlformats.org/officeDocument/2006/relationships" xmlns:p="http://schemas.openxmlformats.org/presentationml/2006/main" type="title" preserve="1">
   <p:cSld name="Title Slide">
@@ -29356,7 +32549,7 @@
           <a:p>
             <a:fld id="{1D8BD707-D9CF-40AE-B4C6-C98DA3205C09}" type="datetimeFigureOut">
               <a:rPr lang="en-US" smtClean="0"/>
-              <a:t>5/20/2024</a:t>
+              <a:t>5/21/2024</a:t>
             </a:fld>
             <a:endParaRPr lang="en-US"/>
           </a:p>
@@ -29526,7 +32719,7 @@
           <a:p>
             <a:fld id="{1D8BD707-D9CF-40AE-B4C6-C98DA3205C09}" type="datetimeFigureOut">
               <a:rPr lang="en-US" smtClean="0"/>
-              <a:t>5/20/2024</a:t>
+              <a:t>5/21/2024</a:t>
             </a:fld>
             <a:endParaRPr lang="en-US"/>
           </a:p>
@@ -29706,7 +32899,7 @@
           <a:p>
             <a:fld id="{1D8BD707-D9CF-40AE-B4C6-C98DA3205C09}" type="datetimeFigureOut">
               <a:rPr lang="en-US" smtClean="0"/>
-              <a:t>5/20/2024</a:t>
+              <a:t>5/21/2024</a:t>
             </a:fld>
             <a:endParaRPr lang="en-US"/>
           </a:p>
@@ -29876,7 +33069,7 @@
           <a:p>
             <a:fld id="{1D8BD707-D9CF-40AE-B4C6-C98DA3205C09}" type="datetimeFigureOut">
               <a:rPr lang="en-US" smtClean="0"/>
-              <a:t>5/20/2024</a:t>
+              <a:t>5/21/2024</a:t>
             </a:fld>
             <a:endParaRPr lang="en-US"/>
           </a:p>
@@ -30122,7 +33315,7 @@
           <a:p>
             <a:fld id="{1D8BD707-D9CF-40AE-B4C6-C98DA3205C09}" type="datetimeFigureOut">
               <a:rPr lang="en-US" smtClean="0"/>
-              <a:t>5/20/2024</a:t>
+              <a:t>5/21/2024</a:t>
             </a:fld>
             <a:endParaRPr lang="en-US"/>
           </a:p>
@@ -30354,7 +33547,7 @@
           <a:p>
             <a:fld id="{1D8BD707-D9CF-40AE-B4C6-C98DA3205C09}" type="datetimeFigureOut">
               <a:rPr lang="en-US" smtClean="0"/>
-              <a:t>5/20/2024</a:t>
+              <a:t>5/21/2024</a:t>
             </a:fld>
             <a:endParaRPr lang="en-US"/>
           </a:p>
@@ -30721,7 +33914,7 @@
           <a:p>
             <a:fld id="{1D8BD707-D9CF-40AE-B4C6-C98DA3205C09}" type="datetimeFigureOut">
               <a:rPr lang="en-US" smtClean="0"/>
-              <a:t>5/20/2024</a:t>
+              <a:t>5/21/2024</a:t>
             </a:fld>
             <a:endParaRPr lang="en-US"/>
           </a:p>
@@ -30839,7 +34032,7 @@
           <a:p>
             <a:fld id="{1D8BD707-D9CF-40AE-B4C6-C98DA3205C09}" type="datetimeFigureOut">
               <a:rPr lang="en-US" smtClean="0"/>
-              <a:t>5/20/2024</a:t>
+              <a:t>5/21/2024</a:t>
             </a:fld>
             <a:endParaRPr lang="en-US"/>
           </a:p>
@@ -30934,7 +34127,7 @@
           <a:p>
             <a:fld id="{1D8BD707-D9CF-40AE-B4C6-C98DA3205C09}" type="datetimeFigureOut">
               <a:rPr lang="en-US" smtClean="0"/>
-              <a:t>5/20/2024</a:t>
+              <a:t>5/21/2024</a:t>
             </a:fld>
             <a:endParaRPr lang="en-US"/>
           </a:p>
@@ -31211,7 +34404,7 @@
           <a:p>
             <a:fld id="{1D8BD707-D9CF-40AE-B4C6-C98DA3205C09}" type="datetimeFigureOut">
               <a:rPr lang="en-US" smtClean="0"/>
-              <a:t>5/20/2024</a:t>
+              <a:t>5/21/2024</a:t>
             </a:fld>
             <a:endParaRPr lang="en-US"/>
           </a:p>
@@ -31464,7 +34657,7 @@
           <a:p>
             <a:fld id="{1D8BD707-D9CF-40AE-B4C6-C98DA3205C09}" type="datetimeFigureOut">
               <a:rPr lang="en-US" smtClean="0"/>
-              <a:t>5/20/2024</a:t>
+              <a:t>5/21/2024</a:t>
             </a:fld>
             <a:endParaRPr lang="en-US"/>
           </a:p>
@@ -31677,7 +34870,7 @@
           <a:p>
             <a:fld id="{1D8BD707-D9CF-40AE-B4C6-C98DA3205C09}" type="datetimeFigureOut">
               <a:rPr lang="en-US" smtClean="0"/>
-              <a:t>5/20/2024</a:t>
+              <a:t>5/21/2024</a:t>
             </a:fld>
             <a:endParaRPr lang="en-US"/>
           </a:p>
@@ -32087,7 +35280,7 @@
           <p:cNvPr id="92" name="Picture 91">
             <a:extLst>
               <a:ext uri="{FF2B5EF4-FFF2-40B4-BE49-F238E27FC236}">
-                <a16:creationId xmlns:a16="http://schemas.microsoft.com/office/drawing/2014/main" xmlns="" id="{BEC0D10B-F977-AA89-E4CA-528458C63700}"/>
+                <a16:creationId xmlns="" xmlns:a16="http://schemas.microsoft.com/office/drawing/2014/main" id="{BEC0D10B-F977-AA89-E4CA-528458C63700}"/>
               </a:ext>
             </a:extLst>
           </p:cNvPr>
@@ -32129,7 +35322,7 @@
           <p:cNvPr id="2" name="Table 1">
             <a:extLst>
               <a:ext uri="{FF2B5EF4-FFF2-40B4-BE49-F238E27FC236}">
-                <a16:creationId xmlns:a16="http://schemas.microsoft.com/office/drawing/2014/main" xmlns="" id="{2E50B121-33C2-C5D8-D527-2FA1A0B4B13F}"/>
+                <a16:creationId xmlns="" xmlns:a16="http://schemas.microsoft.com/office/drawing/2014/main" id="{2E50B121-33C2-C5D8-D527-2FA1A0B4B13F}"/>
               </a:ext>
             </a:extLst>
           </p:cNvPr>
@@ -32158,14 +35351,14 @@
                 <a:gridCol w="930220">
                   <a:extLst>
                     <a:ext uri="{9D8B030D-6E8A-4147-A177-3AD203B41FA5}">
-                      <a16:colId xmlns:a16="http://schemas.microsoft.com/office/drawing/2014/main" xmlns="" val="20000"/>
+                      <a16:colId xmlns="" xmlns:a16="http://schemas.microsoft.com/office/drawing/2014/main" val="20000"/>
                     </a:ext>
                   </a:extLst>
                 </a:gridCol>
                 <a:gridCol w="2967073">
                   <a:extLst>
                     <a:ext uri="{9D8B030D-6E8A-4147-A177-3AD203B41FA5}">
-                      <a16:colId xmlns:a16="http://schemas.microsoft.com/office/drawing/2014/main" xmlns="" val="20001"/>
+                      <a16:colId xmlns="" xmlns:a16="http://schemas.microsoft.com/office/drawing/2014/main" val="20001"/>
                     </a:ext>
                   </a:extLst>
                 </a:gridCol>
@@ -32259,7 +35452,7 @@
                 </a:tc>
                 <a:extLst>
                   <a:ext uri="{0D108BD9-81ED-4DB2-BD59-A6C34878D82A}">
-                    <a16:rowId xmlns:a16="http://schemas.microsoft.com/office/drawing/2014/main" xmlns="" val="10000"/>
+                    <a16:rowId xmlns="" xmlns:a16="http://schemas.microsoft.com/office/drawing/2014/main" val="10000"/>
                   </a:ext>
                 </a:extLst>
               </a:tr>
@@ -32343,7 +35536,7 @@
                 </a:tc>
                 <a:extLst>
                   <a:ext uri="{0D108BD9-81ED-4DB2-BD59-A6C34878D82A}">
-                    <a16:rowId xmlns:a16="http://schemas.microsoft.com/office/drawing/2014/main" xmlns="" val="10001"/>
+                    <a16:rowId xmlns="" xmlns:a16="http://schemas.microsoft.com/office/drawing/2014/main" val="10001"/>
                   </a:ext>
                 </a:extLst>
               </a:tr>
@@ -32447,7 +35640,7 @@
                 </a:tc>
                 <a:extLst>
                   <a:ext uri="{0D108BD9-81ED-4DB2-BD59-A6C34878D82A}">
-                    <a16:rowId xmlns:a16="http://schemas.microsoft.com/office/drawing/2014/main" xmlns="" val="10002"/>
+                    <a16:rowId xmlns="" xmlns:a16="http://schemas.microsoft.com/office/drawing/2014/main" val="10002"/>
                   </a:ext>
                 </a:extLst>
               </a:tr>
@@ -32528,7 +35721,7 @@
                 </a:tc>
                 <a:extLst>
                   <a:ext uri="{0D108BD9-81ED-4DB2-BD59-A6C34878D82A}">
-                    <a16:rowId xmlns:a16="http://schemas.microsoft.com/office/drawing/2014/main" xmlns="" val="10003"/>
+                    <a16:rowId xmlns="" xmlns:a16="http://schemas.microsoft.com/office/drawing/2014/main" val="10003"/>
                   </a:ext>
                 </a:extLst>
               </a:tr>
@@ -32654,7 +35847,7 @@
                 </a:tc>
                 <a:extLst>
                   <a:ext uri="{0D108BD9-81ED-4DB2-BD59-A6C34878D82A}">
-                    <a16:rowId xmlns:a16="http://schemas.microsoft.com/office/drawing/2014/main" xmlns="" val="10004"/>
+                    <a16:rowId xmlns="" xmlns:a16="http://schemas.microsoft.com/office/drawing/2014/main" val="10004"/>
                   </a:ext>
                 </a:extLst>
               </a:tr>
@@ -32747,7 +35940,7 @@
                 </a:tc>
                 <a:extLst>
                   <a:ext uri="{0D108BD9-81ED-4DB2-BD59-A6C34878D82A}">
-                    <a16:rowId xmlns:a16="http://schemas.microsoft.com/office/drawing/2014/main" xmlns="" val="10005"/>
+                    <a16:rowId xmlns="" xmlns:a16="http://schemas.microsoft.com/office/drawing/2014/main" val="10005"/>
                   </a:ext>
                 </a:extLst>
               </a:tr>
@@ -32840,7 +36033,7 @@
                 </a:tc>
                 <a:extLst>
                   <a:ext uri="{0D108BD9-81ED-4DB2-BD59-A6C34878D82A}">
-                    <a16:rowId xmlns:a16="http://schemas.microsoft.com/office/drawing/2014/main" xmlns="" val="10006"/>
+                    <a16:rowId xmlns="" xmlns:a16="http://schemas.microsoft.com/office/drawing/2014/main" val="10006"/>
                   </a:ext>
                 </a:extLst>
               </a:tr>
@@ -32888,7 +36081,7 @@
                 </a:tc>
                 <a:extLst>
                   <a:ext uri="{0D108BD9-81ED-4DB2-BD59-A6C34878D82A}">
-                    <a16:rowId xmlns:a16="http://schemas.microsoft.com/office/drawing/2014/main" xmlns="" val="10007"/>
+                    <a16:rowId xmlns="" xmlns:a16="http://schemas.microsoft.com/office/drawing/2014/main" val="10007"/>
                   </a:ext>
                 </a:extLst>
               </a:tr>
@@ -32901,7 +36094,7 @@
           <p:cNvPr id="8" name="Partial Circle 7">
             <a:extLst>
               <a:ext uri="{FF2B5EF4-FFF2-40B4-BE49-F238E27FC236}">
-                <a16:creationId xmlns:a16="http://schemas.microsoft.com/office/drawing/2014/main" xmlns="" id="{77CF4B81-3BF3-2697-2878-5FE1A5FE431A}"/>
+                <a16:creationId xmlns="" xmlns:a16="http://schemas.microsoft.com/office/drawing/2014/main" id="{77CF4B81-3BF3-2697-2878-5FE1A5FE431A}"/>
               </a:ext>
             </a:extLst>
           </p:cNvPr>
@@ -32956,7 +36149,7 @@
           <p:cNvPr id="3" name="Partial Circle 2">
             <a:extLst>
               <a:ext uri="{FF2B5EF4-FFF2-40B4-BE49-F238E27FC236}">
-                <a16:creationId xmlns:a16="http://schemas.microsoft.com/office/drawing/2014/main" xmlns="" id="{04C46028-7B54-2845-B763-36EA579DE7AF}"/>
+                <a16:creationId xmlns="" xmlns:a16="http://schemas.microsoft.com/office/drawing/2014/main" id="{04C46028-7B54-2845-B763-36EA579DE7AF}"/>
               </a:ext>
             </a:extLst>
           </p:cNvPr>
@@ -33007,7 +36200,7 @@
           <p:cNvPr id="1065" name="Partial Circle 1064">
             <a:extLst>
               <a:ext uri="{FF2B5EF4-FFF2-40B4-BE49-F238E27FC236}">
-                <a16:creationId xmlns:a16="http://schemas.microsoft.com/office/drawing/2014/main" xmlns="" id="{5623C272-50DC-7BA4-8FD2-E3D918314182}"/>
+                <a16:creationId xmlns="" xmlns:a16="http://schemas.microsoft.com/office/drawing/2014/main" id="{5623C272-50DC-7BA4-8FD2-E3D918314182}"/>
               </a:ext>
             </a:extLst>
           </p:cNvPr>
@@ -33056,7 +36249,7 @@
           <p:cNvPr id="1062" name="Table 1061">
             <a:extLst>
               <a:ext uri="{FF2B5EF4-FFF2-40B4-BE49-F238E27FC236}">
-                <a16:creationId xmlns:a16="http://schemas.microsoft.com/office/drawing/2014/main" xmlns="" id="{386A9683-4EA2-19CB-AF5A-E60576F98816}"/>
+                <a16:creationId xmlns="" xmlns:a16="http://schemas.microsoft.com/office/drawing/2014/main" id="{386A9683-4EA2-19CB-AF5A-E60576F98816}"/>
               </a:ext>
             </a:extLst>
           </p:cNvPr>
@@ -33085,28 +36278,28 @@
                 <a:gridCol w="1209836">
                   <a:extLst>
                     <a:ext uri="{9D8B030D-6E8A-4147-A177-3AD203B41FA5}">
-                      <a16:colId xmlns:a16="http://schemas.microsoft.com/office/drawing/2014/main" xmlns="" val="1845057893"/>
+                      <a16:colId xmlns="" xmlns:a16="http://schemas.microsoft.com/office/drawing/2014/main" val="1845057893"/>
                     </a:ext>
                   </a:extLst>
                 </a:gridCol>
                 <a:gridCol w="1209836">
                   <a:extLst>
                     <a:ext uri="{9D8B030D-6E8A-4147-A177-3AD203B41FA5}">
-                      <a16:colId xmlns:a16="http://schemas.microsoft.com/office/drawing/2014/main" xmlns="" val="3192560304"/>
+                      <a16:colId xmlns="" xmlns:a16="http://schemas.microsoft.com/office/drawing/2014/main" val="3192560304"/>
                     </a:ext>
                   </a:extLst>
                 </a:gridCol>
                 <a:gridCol w="1209836">
                   <a:extLst>
                     <a:ext uri="{9D8B030D-6E8A-4147-A177-3AD203B41FA5}">
-                      <a16:colId xmlns:a16="http://schemas.microsoft.com/office/drawing/2014/main" xmlns="" val="1004428497"/>
+                      <a16:colId xmlns="" xmlns:a16="http://schemas.microsoft.com/office/drawing/2014/main" val="1004428497"/>
                     </a:ext>
                   </a:extLst>
                 </a:gridCol>
                 <a:gridCol w="2890619">
                   <a:extLst>
                     <a:ext uri="{9D8B030D-6E8A-4147-A177-3AD203B41FA5}">
-                      <a16:colId xmlns:a16="http://schemas.microsoft.com/office/drawing/2014/main" xmlns="" val="3180650691"/>
+                      <a16:colId xmlns="" xmlns:a16="http://schemas.microsoft.com/office/drawing/2014/main" val="3180650691"/>
                     </a:ext>
                   </a:extLst>
                 </a:gridCol>
@@ -33428,7 +36621,7 @@
                 </a:tc>
                 <a:extLst>
                   <a:ext uri="{0D108BD9-81ED-4DB2-BD59-A6C34878D82A}">
-                    <a16:rowId xmlns:a16="http://schemas.microsoft.com/office/drawing/2014/main" xmlns="" val="207670041"/>
+                    <a16:rowId xmlns="" xmlns:a16="http://schemas.microsoft.com/office/drawing/2014/main" val="207670041"/>
                   </a:ext>
                 </a:extLst>
               </a:tr>
@@ -33441,7 +36634,7 @@
           <p:cNvPr id="100" name="Partial Circle 99">
             <a:extLst>
               <a:ext uri="{FF2B5EF4-FFF2-40B4-BE49-F238E27FC236}">
-                <a16:creationId xmlns:a16="http://schemas.microsoft.com/office/drawing/2014/main" xmlns="" id="{49FB7735-8316-4F27-9D6A-382DD88CA670}"/>
+                <a16:creationId xmlns="" xmlns:a16="http://schemas.microsoft.com/office/drawing/2014/main" id="{49FB7735-8316-4F27-9D6A-382DD88CA670}"/>
               </a:ext>
             </a:extLst>
           </p:cNvPr>
@@ -33515,14 +36708,14 @@
                 <a:gridCol w="755650">
                   <a:extLst>
                     <a:ext uri="{9D8B030D-6E8A-4147-A177-3AD203B41FA5}">
-                      <a16:colId xmlns:a16="http://schemas.microsoft.com/office/drawing/2014/main" xmlns="" val="20000"/>
+                      <a16:colId xmlns="" xmlns:a16="http://schemas.microsoft.com/office/drawing/2014/main" val="20000"/>
                     </a:ext>
                   </a:extLst>
                 </a:gridCol>
                 <a:gridCol w="755650">
                   <a:extLst>
                     <a:ext uri="{9D8B030D-6E8A-4147-A177-3AD203B41FA5}">
-                      <a16:colId xmlns:a16="http://schemas.microsoft.com/office/drawing/2014/main" xmlns="" val="20001"/>
+                      <a16:colId xmlns="" xmlns:a16="http://schemas.microsoft.com/office/drawing/2014/main" val="20001"/>
                     </a:ext>
                   </a:extLst>
                 </a:gridCol>
@@ -33648,7 +36841,7 @@
                 </a:tc>
                 <a:extLst>
                   <a:ext uri="{0D108BD9-81ED-4DB2-BD59-A6C34878D82A}">
-                    <a16:rowId xmlns:a16="http://schemas.microsoft.com/office/drawing/2014/main" xmlns="" val="10000"/>
+                    <a16:rowId xmlns="" xmlns:a16="http://schemas.microsoft.com/office/drawing/2014/main" val="10000"/>
                   </a:ext>
                 </a:extLst>
               </a:tr>
@@ -33773,7 +36966,7 @@
                 </a:tc>
                 <a:extLst>
                   <a:ext uri="{0D108BD9-81ED-4DB2-BD59-A6C34878D82A}">
-                    <a16:rowId xmlns:a16="http://schemas.microsoft.com/office/drawing/2014/main" xmlns="" val="10001"/>
+                    <a16:rowId xmlns="" xmlns:a16="http://schemas.microsoft.com/office/drawing/2014/main" val="10001"/>
                   </a:ext>
                 </a:extLst>
               </a:tr>
@@ -34476,7 +37669,7 @@
           <p:cNvPr id="1026" name="Picture 2" descr="The mind-heart connection | Women's Wellness">
             <a:extLst>
               <a:ext uri="{FF2B5EF4-FFF2-40B4-BE49-F238E27FC236}">
-                <a16:creationId xmlns:a16="http://schemas.microsoft.com/office/drawing/2014/main" xmlns="" id="{50A03586-44F4-DC5E-A467-306940D7F9DF}"/>
+                <a16:creationId xmlns="" xmlns:a16="http://schemas.microsoft.com/office/drawing/2014/main" id="{50A03586-44F4-DC5E-A467-306940D7F9DF}"/>
               </a:ext>
             </a:extLst>
           </p:cNvPr>
@@ -34578,7 +37771,7 @@
           <p:cNvPr id="80" name="Oval 79">
             <a:extLst>
               <a:ext uri="{FF2B5EF4-FFF2-40B4-BE49-F238E27FC236}">
-                <a16:creationId xmlns:a16="http://schemas.microsoft.com/office/drawing/2014/main" xmlns="" id="{75EA7FC4-ED55-9BD5-41A0-DEC4E0923494}"/>
+                <a16:creationId xmlns="" xmlns:a16="http://schemas.microsoft.com/office/drawing/2014/main" id="{75EA7FC4-ED55-9BD5-41A0-DEC4E0923494}"/>
               </a:ext>
             </a:extLst>
           </p:cNvPr>
@@ -34769,7 +37962,7 @@
           <p:cNvPr id="86" name="TextBox 85">
             <a:extLst>
               <a:ext uri="{FF2B5EF4-FFF2-40B4-BE49-F238E27FC236}">
-                <a16:creationId xmlns:a16="http://schemas.microsoft.com/office/drawing/2014/main" xmlns="" id="{4F179610-6C1D-A702-1FE1-0B2902A03341}"/>
+                <a16:creationId xmlns="" xmlns:a16="http://schemas.microsoft.com/office/drawing/2014/main" id="{4F179610-6C1D-A702-1FE1-0B2902A03341}"/>
               </a:ext>
             </a:extLst>
           </p:cNvPr>
@@ -34869,7 +38062,7 @@
           <p:cNvPr id="105" name="TextBox 104">
             <a:extLst>
               <a:ext uri="{FF2B5EF4-FFF2-40B4-BE49-F238E27FC236}">
-                <a16:creationId xmlns:a16="http://schemas.microsoft.com/office/drawing/2014/main" xmlns="" id="{A15DD660-08A4-2E44-5F07-E82A6BC90DAE}"/>
+                <a16:creationId xmlns="" xmlns:a16="http://schemas.microsoft.com/office/drawing/2014/main" id="{A15DD660-08A4-2E44-5F07-E82A6BC90DAE}"/>
               </a:ext>
             </a:extLst>
           </p:cNvPr>
@@ -34913,7 +38106,7 @@
           <p:cNvPr id="40" name="Group 39">
             <a:extLst>
               <a:ext uri="{FF2B5EF4-FFF2-40B4-BE49-F238E27FC236}">
-                <a16:creationId xmlns:a16="http://schemas.microsoft.com/office/drawing/2014/main" xmlns="" id="{EB5A66A3-30AA-F6EC-5509-600CBAB86650}"/>
+                <a16:creationId xmlns="" xmlns:a16="http://schemas.microsoft.com/office/drawing/2014/main" id="{EB5A66A3-30AA-F6EC-5509-600CBAB86650}"/>
               </a:ext>
             </a:extLst>
           </p:cNvPr>
@@ -35294,7 +38487,7 @@
           <p:cNvPr id="97" name="Straight Connector 96">
             <a:extLst>
               <a:ext uri="{FF2B5EF4-FFF2-40B4-BE49-F238E27FC236}">
-                <a16:creationId xmlns:a16="http://schemas.microsoft.com/office/drawing/2014/main" xmlns="" id="{3CACBC4C-2090-B12F-ABF1-3606C8C8E430}"/>
+                <a16:creationId xmlns="" xmlns:a16="http://schemas.microsoft.com/office/drawing/2014/main" id="{3CACBC4C-2090-B12F-ABF1-3606C8C8E430}"/>
               </a:ext>
             </a:extLst>
           </p:cNvPr>
@@ -35332,7 +38525,7 @@
           <p:cNvPr id="106" name="TextBox 105">
             <a:extLst>
               <a:ext uri="{FF2B5EF4-FFF2-40B4-BE49-F238E27FC236}">
-                <a16:creationId xmlns:a16="http://schemas.microsoft.com/office/drawing/2014/main" xmlns="" id="{D8F4F31F-26BB-5F92-DFE8-38E5D7BE631D}"/>
+                <a16:creationId xmlns="" xmlns:a16="http://schemas.microsoft.com/office/drawing/2014/main" id="{D8F4F31F-26BB-5F92-DFE8-38E5D7BE631D}"/>
               </a:ext>
             </a:extLst>
           </p:cNvPr>
@@ -35435,7 +38628,7 @@
           <p:cNvPr id="108" name="Straight Connector 107">
             <a:extLst>
               <a:ext uri="{FF2B5EF4-FFF2-40B4-BE49-F238E27FC236}">
-                <a16:creationId xmlns:a16="http://schemas.microsoft.com/office/drawing/2014/main" xmlns="" id="{80EAA640-9D6F-301F-02B5-7BF4F7C4B135}"/>
+                <a16:creationId xmlns="" xmlns:a16="http://schemas.microsoft.com/office/drawing/2014/main" id="{80EAA640-9D6F-301F-02B5-7BF4F7C4B135}"/>
               </a:ext>
             </a:extLst>
           </p:cNvPr>
@@ -35473,7 +38666,7 @@
           <p:cNvPr id="112" name="Straight Connector 111">
             <a:extLst>
               <a:ext uri="{FF2B5EF4-FFF2-40B4-BE49-F238E27FC236}">
-                <a16:creationId xmlns:a16="http://schemas.microsoft.com/office/drawing/2014/main" xmlns="" id="{F27B6072-8B8D-A964-30E3-612D81379460}"/>
+                <a16:creationId xmlns="" xmlns:a16="http://schemas.microsoft.com/office/drawing/2014/main" id="{F27B6072-8B8D-A964-30E3-612D81379460}"/>
               </a:ext>
             </a:extLst>
           </p:cNvPr>
@@ -35512,7 +38705,7 @@
           <p:cNvPr id="1034" name="Straight Connector 1033">
             <a:extLst>
               <a:ext uri="{FF2B5EF4-FFF2-40B4-BE49-F238E27FC236}">
-                <a16:creationId xmlns:a16="http://schemas.microsoft.com/office/drawing/2014/main" xmlns="" id="{FCA470A2-446E-28E8-9930-6A1B51AB5F72}"/>
+                <a16:creationId xmlns="" xmlns:a16="http://schemas.microsoft.com/office/drawing/2014/main" id="{FCA470A2-446E-28E8-9930-6A1B51AB5F72}"/>
               </a:ext>
             </a:extLst>
           </p:cNvPr>
@@ -35550,7 +38743,7 @@
           <p:cNvPr id="1037" name="Straight Connector 1036">
             <a:extLst>
               <a:ext uri="{FF2B5EF4-FFF2-40B4-BE49-F238E27FC236}">
-                <a16:creationId xmlns:a16="http://schemas.microsoft.com/office/drawing/2014/main" xmlns="" id="{5D6F7DE4-7CB5-4CF8-8C0C-4E665DF72734}"/>
+                <a16:creationId xmlns="" xmlns:a16="http://schemas.microsoft.com/office/drawing/2014/main" id="{5D6F7DE4-7CB5-4CF8-8C0C-4E665DF72734}"/>
               </a:ext>
             </a:extLst>
           </p:cNvPr>
@@ -35588,7 +38781,7 @@
           <p:cNvPr id="1043" name="TextBox 1042">
             <a:extLst>
               <a:ext uri="{FF2B5EF4-FFF2-40B4-BE49-F238E27FC236}">
-                <a16:creationId xmlns:a16="http://schemas.microsoft.com/office/drawing/2014/main" xmlns="" id="{BF1B569D-F1E3-5E68-E840-4E3222EBE708}"/>
+                <a16:creationId xmlns="" xmlns:a16="http://schemas.microsoft.com/office/drawing/2014/main" id="{BF1B569D-F1E3-5E68-E840-4E3222EBE708}"/>
               </a:ext>
             </a:extLst>
           </p:cNvPr>
@@ -35625,7 +38818,7 @@
           <p:cNvPr id="104" name="TextBox 103">
             <a:extLst>
               <a:ext uri="{FF2B5EF4-FFF2-40B4-BE49-F238E27FC236}">
-                <a16:creationId xmlns:a16="http://schemas.microsoft.com/office/drawing/2014/main" xmlns="" id="{1854B8D7-6474-ADBE-7948-EE6E2C6F49F0}"/>
+                <a16:creationId xmlns="" xmlns:a16="http://schemas.microsoft.com/office/drawing/2014/main" id="{1854B8D7-6474-ADBE-7948-EE6E2C6F49F0}"/>
               </a:ext>
             </a:extLst>
           </p:cNvPr>
@@ -35669,7 +38862,7 @@
           <p:cNvPr id="79" name="Table 78">
             <a:extLst>
               <a:ext uri="{FF2B5EF4-FFF2-40B4-BE49-F238E27FC236}">
-                <a16:creationId xmlns:a16="http://schemas.microsoft.com/office/drawing/2014/main" xmlns="" id="{1EA92ECA-A98A-7627-EBD1-7D1B2BEFBAA9}"/>
+                <a16:creationId xmlns="" xmlns:a16="http://schemas.microsoft.com/office/drawing/2014/main" id="{1EA92ECA-A98A-7627-EBD1-7D1B2BEFBAA9}"/>
               </a:ext>
             </a:extLst>
           </p:cNvPr>
@@ -35698,14 +38891,14 @@
                 <a:gridCol w="1487120">
                   <a:extLst>
                     <a:ext uri="{9D8B030D-6E8A-4147-A177-3AD203B41FA5}">
-                      <a16:colId xmlns:a16="http://schemas.microsoft.com/office/drawing/2014/main" xmlns="" val="2387575604"/>
+                      <a16:colId xmlns="" xmlns:a16="http://schemas.microsoft.com/office/drawing/2014/main" val="2387575604"/>
                     </a:ext>
                   </a:extLst>
                 </a:gridCol>
                 <a:gridCol w="1447800">
                   <a:extLst>
                     <a:ext uri="{9D8B030D-6E8A-4147-A177-3AD203B41FA5}">
-                      <a16:colId xmlns:a16="http://schemas.microsoft.com/office/drawing/2014/main" xmlns="" val="1918605244"/>
+                      <a16:colId xmlns="" xmlns:a16="http://schemas.microsoft.com/office/drawing/2014/main" val="1918605244"/>
                     </a:ext>
                   </a:extLst>
                 </a:gridCol>
@@ -35829,7 +39022,7 @@
                 </a:tc>
                 <a:extLst>
                   <a:ext uri="{0D108BD9-81ED-4DB2-BD59-A6C34878D82A}">
-                    <a16:rowId xmlns:a16="http://schemas.microsoft.com/office/drawing/2014/main" xmlns="" val="2569511601"/>
+                    <a16:rowId xmlns="" xmlns:a16="http://schemas.microsoft.com/office/drawing/2014/main" val="2569511601"/>
                   </a:ext>
                 </a:extLst>
               </a:tr>
@@ -35950,7 +39143,7 @@
                 </a:tc>
                 <a:extLst>
                   <a:ext uri="{0D108BD9-81ED-4DB2-BD59-A6C34878D82A}">
-                    <a16:rowId xmlns:a16="http://schemas.microsoft.com/office/drawing/2014/main" xmlns="" val="1518251971"/>
+                    <a16:rowId xmlns="" xmlns:a16="http://schemas.microsoft.com/office/drawing/2014/main" val="1518251971"/>
                   </a:ext>
                 </a:extLst>
               </a:tr>
@@ -36071,7 +39264,7 @@
                 </a:tc>
                 <a:extLst>
                   <a:ext uri="{0D108BD9-81ED-4DB2-BD59-A6C34878D82A}">
-                    <a16:rowId xmlns:a16="http://schemas.microsoft.com/office/drawing/2014/main" xmlns="" val="606344945"/>
+                    <a16:rowId xmlns="" xmlns:a16="http://schemas.microsoft.com/office/drawing/2014/main" val="606344945"/>
                   </a:ext>
                 </a:extLst>
               </a:tr>
@@ -36192,7 +39385,7 @@
                 </a:tc>
                 <a:extLst>
                   <a:ext uri="{0D108BD9-81ED-4DB2-BD59-A6C34878D82A}">
-                    <a16:rowId xmlns:a16="http://schemas.microsoft.com/office/drawing/2014/main" xmlns="" val="2602610905"/>
+                    <a16:rowId xmlns="" xmlns:a16="http://schemas.microsoft.com/office/drawing/2014/main" val="2602610905"/>
                   </a:ext>
                 </a:extLst>
               </a:tr>
@@ -36313,7 +39506,7 @@
                 </a:tc>
                 <a:extLst>
                   <a:ext uri="{0D108BD9-81ED-4DB2-BD59-A6C34878D82A}">
-                    <a16:rowId xmlns:a16="http://schemas.microsoft.com/office/drawing/2014/main" xmlns="" val="3779165775"/>
+                    <a16:rowId xmlns="" xmlns:a16="http://schemas.microsoft.com/office/drawing/2014/main" val="3779165775"/>
                   </a:ext>
                 </a:extLst>
               </a:tr>
@@ -36438,7 +39631,7 @@
                 </a:tc>
                 <a:extLst>
                   <a:ext uri="{0D108BD9-81ED-4DB2-BD59-A6C34878D82A}">
-                    <a16:rowId xmlns:a16="http://schemas.microsoft.com/office/drawing/2014/main" xmlns="" val="2251396852"/>
+                    <a16:rowId xmlns="" xmlns:a16="http://schemas.microsoft.com/office/drawing/2014/main" val="2251396852"/>
                   </a:ext>
                 </a:extLst>
               </a:tr>
@@ -36451,7 +39644,7 @@
           <p:cNvPr id="89" name="Straight Connector 88">
             <a:extLst>
               <a:ext uri="{FF2B5EF4-FFF2-40B4-BE49-F238E27FC236}">
-                <a16:creationId xmlns:a16="http://schemas.microsoft.com/office/drawing/2014/main" xmlns="" id="{4490F0EA-DAFB-D5EB-9D7A-FA2A8AB7025E}"/>
+                <a16:creationId xmlns="" xmlns:a16="http://schemas.microsoft.com/office/drawing/2014/main" id="{4490F0EA-DAFB-D5EB-9D7A-FA2A8AB7025E}"/>
               </a:ext>
             </a:extLst>
           </p:cNvPr>
@@ -36490,7 +39683,7 @@
           <p:cNvPr id="88" name="Straight Connector 87">
             <a:extLst>
               <a:ext uri="{FF2B5EF4-FFF2-40B4-BE49-F238E27FC236}">
-                <a16:creationId xmlns:a16="http://schemas.microsoft.com/office/drawing/2014/main" xmlns="" id="{ACA3B0E0-B567-8BDC-9C10-428B53C7B900}"/>
+                <a16:creationId xmlns="" xmlns:a16="http://schemas.microsoft.com/office/drawing/2014/main" id="{ACA3B0E0-B567-8BDC-9C10-428B53C7B900}"/>
               </a:ext>
             </a:extLst>
           </p:cNvPr>
@@ -36528,7 +39721,7 @@
           <p:cNvPr id="1070" name="TextBox 1069">
             <a:extLst>
               <a:ext uri="{FF2B5EF4-FFF2-40B4-BE49-F238E27FC236}">
-                <a16:creationId xmlns:a16="http://schemas.microsoft.com/office/drawing/2014/main" xmlns="" id="{FC25C524-9637-D684-CDEA-037CAC4EC7CC}"/>
+                <a16:creationId xmlns="" xmlns:a16="http://schemas.microsoft.com/office/drawing/2014/main" id="{FC25C524-9637-D684-CDEA-037CAC4EC7CC}"/>
               </a:ext>
             </a:extLst>
           </p:cNvPr>
@@ -36572,7 +39765,7 @@
           <p:cNvPr id="1078" name="Straight Connector 1077">
             <a:extLst>
               <a:ext uri="{FF2B5EF4-FFF2-40B4-BE49-F238E27FC236}">
-                <a16:creationId xmlns:a16="http://schemas.microsoft.com/office/drawing/2014/main" xmlns="" id="{D5C93355-E0E1-15AB-5FD3-800D5C1C3C18}"/>
+                <a16:creationId xmlns="" xmlns:a16="http://schemas.microsoft.com/office/drawing/2014/main" id="{D5C93355-E0E1-15AB-5FD3-800D5C1C3C18}"/>
               </a:ext>
             </a:extLst>
           </p:cNvPr>
@@ -36610,7 +39803,7 @@
           <p:cNvPr id="94" name="Straight Connector 93">
             <a:extLst>
               <a:ext uri="{FF2B5EF4-FFF2-40B4-BE49-F238E27FC236}">
-                <a16:creationId xmlns:a16="http://schemas.microsoft.com/office/drawing/2014/main" xmlns="" id="{D9A18D5F-FA46-467F-7930-D70B985AEE49}"/>
+                <a16:creationId xmlns="" xmlns:a16="http://schemas.microsoft.com/office/drawing/2014/main" id="{D9A18D5F-FA46-467F-7930-D70B985AEE49}"/>
               </a:ext>
             </a:extLst>
           </p:cNvPr>
@@ -36648,7 +39841,7 @@
           <p:cNvPr id="96" name="Oval 95">
             <a:extLst>
               <a:ext uri="{FF2B5EF4-FFF2-40B4-BE49-F238E27FC236}">
-                <a16:creationId xmlns:a16="http://schemas.microsoft.com/office/drawing/2014/main" xmlns="" id="{565CF67B-78E9-5E96-0785-95A72351409F}"/>
+                <a16:creationId xmlns="" xmlns:a16="http://schemas.microsoft.com/office/drawing/2014/main" id="{565CF67B-78E9-5E96-0785-95A72351409F}"/>
               </a:ext>
             </a:extLst>
           </p:cNvPr>
@@ -36705,7 +39898,7 @@
           <p:cNvPr id="98" name="Oval 97">
             <a:extLst>
               <a:ext uri="{FF2B5EF4-FFF2-40B4-BE49-F238E27FC236}">
-                <a16:creationId xmlns:a16="http://schemas.microsoft.com/office/drawing/2014/main" xmlns="" id="{43745D4E-BEE4-FA14-588E-CE877424639D}"/>
+                <a16:creationId xmlns="" xmlns:a16="http://schemas.microsoft.com/office/drawing/2014/main" id="{43745D4E-BEE4-FA14-588E-CE877424639D}"/>
               </a:ext>
             </a:extLst>
           </p:cNvPr>
@@ -36762,7 +39955,7 @@
           <p:cNvPr id="99" name="Oval 98">
             <a:extLst>
               <a:ext uri="{FF2B5EF4-FFF2-40B4-BE49-F238E27FC236}">
-                <a16:creationId xmlns:a16="http://schemas.microsoft.com/office/drawing/2014/main" xmlns="" id="{E199581C-47AA-A928-69EF-E790578B98B5}"/>
+                <a16:creationId xmlns="" xmlns:a16="http://schemas.microsoft.com/office/drawing/2014/main" id="{E199581C-47AA-A928-69EF-E790578B98B5}"/>
               </a:ext>
             </a:extLst>
           </p:cNvPr>
@@ -36819,7 +40012,7 @@
           <p:cNvPr id="101" name="Oval 100">
             <a:extLst>
               <a:ext uri="{FF2B5EF4-FFF2-40B4-BE49-F238E27FC236}">
-                <a16:creationId xmlns:a16="http://schemas.microsoft.com/office/drawing/2014/main" xmlns="" id="{B04E7350-3452-E759-EB08-91FBA3127FA7}"/>
+                <a16:creationId xmlns="" xmlns:a16="http://schemas.microsoft.com/office/drawing/2014/main" id="{B04E7350-3452-E759-EB08-91FBA3127FA7}"/>
               </a:ext>
             </a:extLst>
           </p:cNvPr>
@@ -36876,7 +40069,7 @@
           <p:cNvPr id="102" name="Oval 101">
             <a:extLst>
               <a:ext uri="{FF2B5EF4-FFF2-40B4-BE49-F238E27FC236}">
-                <a16:creationId xmlns:a16="http://schemas.microsoft.com/office/drawing/2014/main" xmlns="" id="{AFAB1E73-2F24-3BD2-5FFA-1D68016D808E}"/>
+                <a16:creationId xmlns="" xmlns:a16="http://schemas.microsoft.com/office/drawing/2014/main" id="{AFAB1E73-2F24-3BD2-5FFA-1D68016D808E}"/>
               </a:ext>
             </a:extLst>
           </p:cNvPr>
@@ -36933,7 +40126,7 @@
           <p:cNvPr id="103" name="Oval 102">
             <a:extLst>
               <a:ext uri="{FF2B5EF4-FFF2-40B4-BE49-F238E27FC236}">
-                <a16:creationId xmlns:a16="http://schemas.microsoft.com/office/drawing/2014/main" xmlns="" id="{6C89A133-B69A-E339-1CB5-EC5E6CAA9388}"/>
+                <a16:creationId xmlns="" xmlns:a16="http://schemas.microsoft.com/office/drawing/2014/main" id="{6C89A133-B69A-E339-1CB5-EC5E6CAA9388}"/>
               </a:ext>
             </a:extLst>
           </p:cNvPr>
@@ -36990,7 +40183,7 @@
           <p:cNvPr id="107" name="Oval 106">
             <a:extLst>
               <a:ext uri="{FF2B5EF4-FFF2-40B4-BE49-F238E27FC236}">
-                <a16:creationId xmlns:a16="http://schemas.microsoft.com/office/drawing/2014/main" xmlns="" id="{2F1D7F6E-922C-518D-4C0A-4E8F56931E55}"/>
+                <a16:creationId xmlns="" xmlns:a16="http://schemas.microsoft.com/office/drawing/2014/main" id="{2F1D7F6E-922C-518D-4C0A-4E8F56931E55}"/>
               </a:ext>
             </a:extLst>
           </p:cNvPr>
@@ -37047,7 +40240,7 @@
           <p:cNvPr id="109" name="Oval 108">
             <a:extLst>
               <a:ext uri="{FF2B5EF4-FFF2-40B4-BE49-F238E27FC236}">
-                <a16:creationId xmlns:a16="http://schemas.microsoft.com/office/drawing/2014/main" xmlns="" id="{E5EF2794-D465-505B-8E60-E7957758BE92}"/>
+                <a16:creationId xmlns="" xmlns:a16="http://schemas.microsoft.com/office/drawing/2014/main" id="{E5EF2794-D465-505B-8E60-E7957758BE92}"/>
               </a:ext>
             </a:extLst>
           </p:cNvPr>
@@ -37104,7 +40297,7 @@
           <p:cNvPr id="110" name="Oval 109">
             <a:extLst>
               <a:ext uri="{FF2B5EF4-FFF2-40B4-BE49-F238E27FC236}">
-                <a16:creationId xmlns:a16="http://schemas.microsoft.com/office/drawing/2014/main" xmlns="" id="{5FBEA186-F262-B0F3-688B-2573C8B1F6D9}"/>
+                <a16:creationId xmlns="" xmlns:a16="http://schemas.microsoft.com/office/drawing/2014/main" id="{5FBEA186-F262-B0F3-688B-2573C8B1F6D9}"/>
               </a:ext>
             </a:extLst>
           </p:cNvPr>
@@ -37161,7 +40354,7 @@
           <p:cNvPr id="111" name="Oval 110">
             <a:extLst>
               <a:ext uri="{FF2B5EF4-FFF2-40B4-BE49-F238E27FC236}">
-                <a16:creationId xmlns:a16="http://schemas.microsoft.com/office/drawing/2014/main" xmlns="" id="{5F409512-2604-1647-32BE-9DAC997E1EE1}"/>
+                <a16:creationId xmlns="" xmlns:a16="http://schemas.microsoft.com/office/drawing/2014/main" id="{5F409512-2604-1647-32BE-9DAC997E1EE1}"/>
               </a:ext>
             </a:extLst>
           </p:cNvPr>
@@ -37218,7 +40411,7 @@
           <p:cNvPr id="113" name="Oval 112">
             <a:extLst>
               <a:ext uri="{FF2B5EF4-FFF2-40B4-BE49-F238E27FC236}">
-                <a16:creationId xmlns:a16="http://schemas.microsoft.com/office/drawing/2014/main" xmlns="" id="{707B7FFB-8914-1C24-139F-EA75125D38EC}"/>
+                <a16:creationId xmlns="" xmlns:a16="http://schemas.microsoft.com/office/drawing/2014/main" id="{707B7FFB-8914-1C24-139F-EA75125D38EC}"/>
               </a:ext>
             </a:extLst>
           </p:cNvPr>
@@ -37275,7 +40468,7 @@
           <p:cNvPr id="114" name="Oval 113">
             <a:extLst>
               <a:ext uri="{FF2B5EF4-FFF2-40B4-BE49-F238E27FC236}">
-                <a16:creationId xmlns:a16="http://schemas.microsoft.com/office/drawing/2014/main" xmlns="" id="{20EAE97D-4B01-1652-380A-4DDFC6A9E04C}"/>
+                <a16:creationId xmlns="" xmlns:a16="http://schemas.microsoft.com/office/drawing/2014/main" id="{20EAE97D-4B01-1652-380A-4DDFC6A9E04C}"/>
               </a:ext>
             </a:extLst>
           </p:cNvPr>
@@ -37357,7 +40550,7 @@
           <p:cNvPr id="2" name="Picture 1">
             <a:extLst>
               <a:ext uri="{FF2B5EF4-FFF2-40B4-BE49-F238E27FC236}">
-                <a16:creationId xmlns:a16="http://schemas.microsoft.com/office/drawing/2014/main" xmlns="" id="{BEC0D10B-F977-AA89-E4CA-528458C63700}"/>
+                <a16:creationId xmlns="" xmlns:a16="http://schemas.microsoft.com/office/drawing/2014/main" id="{BEC0D10B-F977-AA89-E4CA-528458C63700}"/>
               </a:ext>
             </a:extLst>
           </p:cNvPr>
@@ -37367,11 +40560,11 @@
           <p:nvPr/>
         </p:nvPicPr>
         <p:blipFill>
-          <a:blip r:embed="rId2">
+          <a:blip r:embed="rId3">
             <a:extLst>
               <a:ext uri="{BEBA8EAE-BF5A-486C-A8C5-ECC9F3942E4B}">
                 <a14:imgProps xmlns:a14="http://schemas.microsoft.com/office/drawing/2010/main">
-                  <a14:imgLayer r:embed="rId3">
+                  <a14:imgLayer r:embed="rId4">
                     <a14:imgEffect>
                       <a14:colorTemperature colorTemp="7200"/>
                     </a14:imgEffect>
@@ -37412,7 +40605,7 @@
         </p:xfrm>
         <a:graphic>
           <a:graphicData uri="http://schemas.openxmlformats.org/drawingml/2006/diagram">
-            <dgm:relIds xmlns:dgm="http://schemas.openxmlformats.org/drawingml/2006/diagram" xmlns:r="http://schemas.openxmlformats.org/officeDocument/2006/relationships" r:dm="rId4" r:lo="rId5" r:qs="rId6" r:cs="rId7"/>
+            <dgm:relIds xmlns:dgm="http://schemas.openxmlformats.org/drawingml/2006/diagram" xmlns:r="http://schemas.openxmlformats.org/officeDocument/2006/relationships" r:dm="rId5" r:lo="rId6" r:qs="rId7" r:cs="rId8"/>
           </a:graphicData>
         </a:graphic>
       </p:graphicFrame>
@@ -37464,7 +40657,7 @@
         </p:xfrm>
         <a:graphic>
           <a:graphicData uri="http://schemas.openxmlformats.org/drawingml/2006/diagram">
-            <dgm:relIds xmlns:dgm="http://schemas.openxmlformats.org/drawingml/2006/diagram" xmlns:r="http://schemas.openxmlformats.org/officeDocument/2006/relationships" r:dm="rId2" r:lo="rId3" r:qs="rId4" r:cs="rId5"/>
+            <dgm:relIds xmlns:dgm="http://schemas.openxmlformats.org/drawingml/2006/diagram" xmlns:r="http://schemas.openxmlformats.org/officeDocument/2006/relationships" r:dm="rId3" r:lo="rId4" r:qs="rId5" r:cs="rId6"/>
           </a:graphicData>
         </a:graphic>
       </p:graphicFrame>
@@ -37486,7 +40679,7 @@
         </p:xfrm>
         <a:graphic>
           <a:graphicData uri="http://schemas.openxmlformats.org/drawingml/2006/diagram">
-            <dgm:relIds xmlns:dgm="http://schemas.openxmlformats.org/drawingml/2006/diagram" xmlns:r="http://schemas.openxmlformats.org/officeDocument/2006/relationships" r:dm="rId7" r:lo="rId8" r:qs="rId9" r:cs="rId10"/>
+            <dgm:relIds xmlns:dgm="http://schemas.openxmlformats.org/drawingml/2006/diagram" xmlns:r="http://schemas.openxmlformats.org/officeDocument/2006/relationships" r:dm="rId8" r:lo="rId9" r:qs="rId10" r:cs="rId11"/>
           </a:graphicData>
         </a:graphic>
       </p:graphicFrame>
@@ -37538,7 +40731,7 @@
         </p:xfrm>
         <a:graphic>
           <a:graphicData uri="http://schemas.openxmlformats.org/drawingml/2006/diagram">
-            <dgm:relIds xmlns:dgm="http://schemas.openxmlformats.org/drawingml/2006/diagram" xmlns:r="http://schemas.openxmlformats.org/officeDocument/2006/relationships" r:dm="rId2" r:lo="rId3" r:qs="rId4" r:cs="rId5"/>
+            <dgm:relIds xmlns:dgm="http://schemas.openxmlformats.org/drawingml/2006/diagram" xmlns:r="http://schemas.openxmlformats.org/officeDocument/2006/relationships" r:dm="rId3" r:lo="rId4" r:qs="rId5" r:cs="rId6"/>
           </a:graphicData>
         </a:graphic>
       </p:graphicFrame>
@@ -37560,7 +40753,7 @@
         </p:xfrm>
         <a:graphic>
           <a:graphicData uri="http://schemas.openxmlformats.org/drawingml/2006/diagram">
-            <dgm:relIds xmlns:dgm="http://schemas.openxmlformats.org/drawingml/2006/diagram" xmlns:r="http://schemas.openxmlformats.org/officeDocument/2006/relationships" r:dm="rId7" r:lo="rId8" r:qs="rId9" r:cs="rId10"/>
+            <dgm:relIds xmlns:dgm="http://schemas.openxmlformats.org/drawingml/2006/diagram" xmlns:r="http://schemas.openxmlformats.org/officeDocument/2006/relationships" r:dm="rId8" r:lo="rId9" r:qs="rId10" r:cs="rId11"/>
           </a:graphicData>
         </a:graphic>
       </p:graphicFrame>
@@ -37612,7 +40805,7 @@
         </p:xfrm>
         <a:graphic>
           <a:graphicData uri="http://schemas.openxmlformats.org/drawingml/2006/diagram">
-            <dgm:relIds xmlns:dgm="http://schemas.openxmlformats.org/drawingml/2006/diagram" xmlns:r="http://schemas.openxmlformats.org/officeDocument/2006/relationships" r:dm="rId2" r:lo="rId3" r:qs="rId4" r:cs="rId5"/>
+            <dgm:relIds xmlns:dgm="http://schemas.openxmlformats.org/drawingml/2006/diagram" xmlns:r="http://schemas.openxmlformats.org/officeDocument/2006/relationships" r:dm="rId3" r:lo="rId4" r:qs="rId5" r:cs="rId6"/>
           </a:graphicData>
         </a:graphic>
       </p:graphicFrame>
@@ -37634,7 +40827,7 @@
         </p:xfrm>
         <a:graphic>
           <a:graphicData uri="http://schemas.openxmlformats.org/drawingml/2006/diagram">
-            <dgm:relIds xmlns:dgm="http://schemas.openxmlformats.org/drawingml/2006/diagram" xmlns:r="http://schemas.openxmlformats.org/officeDocument/2006/relationships" r:dm="rId7" r:lo="rId8" r:qs="rId9" r:cs="rId10"/>
+            <dgm:relIds xmlns:dgm="http://schemas.openxmlformats.org/drawingml/2006/diagram" xmlns:r="http://schemas.openxmlformats.org/officeDocument/2006/relationships" r:dm="rId8" r:lo="rId9" r:qs="rId10" r:cs="rId11"/>
           </a:graphicData>
         </a:graphic>
       </p:graphicFrame>
@@ -37686,7 +40879,7 @@
         </p:xfrm>
         <a:graphic>
           <a:graphicData uri="http://schemas.openxmlformats.org/drawingml/2006/diagram">
-            <dgm:relIds xmlns:dgm="http://schemas.openxmlformats.org/drawingml/2006/diagram" xmlns:r="http://schemas.openxmlformats.org/officeDocument/2006/relationships" r:dm="rId2" r:lo="rId3" r:qs="rId4" r:cs="rId5"/>
+            <dgm:relIds xmlns:dgm="http://schemas.openxmlformats.org/drawingml/2006/diagram" xmlns:r="http://schemas.openxmlformats.org/officeDocument/2006/relationships" r:dm="rId3" r:lo="rId4" r:qs="rId5" r:cs="rId6"/>
           </a:graphicData>
         </a:graphic>
       </p:graphicFrame>
@@ -37708,7 +40901,7 @@
         </p:xfrm>
         <a:graphic>
           <a:graphicData uri="http://schemas.openxmlformats.org/drawingml/2006/diagram">
-            <dgm:relIds xmlns:dgm="http://schemas.openxmlformats.org/drawingml/2006/diagram" xmlns:r="http://schemas.openxmlformats.org/officeDocument/2006/relationships" r:dm="rId7" r:lo="rId8" r:qs="rId9" r:cs="rId10"/>
+            <dgm:relIds xmlns:dgm="http://schemas.openxmlformats.org/drawingml/2006/diagram" xmlns:r="http://schemas.openxmlformats.org/officeDocument/2006/relationships" r:dm="rId8" r:lo="rId9" r:qs="rId10" r:cs="rId11"/>
           </a:graphicData>
         </a:graphic>
       </p:graphicFrame>
@@ -37716,6 +40909,5265 @@
     <p:extLst>
       <p:ext uri="{BB962C8B-B14F-4D97-AF65-F5344CB8AC3E}">
         <p14:creationId xmlns:p14="http://schemas.microsoft.com/office/powerpoint/2010/main" val="1660493540"/>
+      </p:ext>
+    </p:extLst>
+  </p:cSld>
+  <p:clrMapOvr>
+    <a:masterClrMapping/>
+  </p:clrMapOvr>
+</p:sld>
+</file>
+
+<file path=ppt/slides/slide7.xml><?xml version="1.0" encoding="utf-8"?>
+<p:sld xmlns:a="http://schemas.openxmlformats.org/drawingml/2006/main" xmlns:r="http://schemas.openxmlformats.org/officeDocument/2006/relationships" xmlns:p="http://schemas.openxmlformats.org/presentationml/2006/main">
+  <p:cSld>
+    <p:spTree>
+      <p:nvGrpSpPr>
+        <p:cNvPr id="1" name=""/>
+        <p:cNvGrpSpPr/>
+        <p:nvPr/>
+      </p:nvGrpSpPr>
+      <p:grpSpPr>
+        <a:xfrm>
+          <a:off x="0" y="0"/>
+          <a:ext cx="0" cy="0"/>
+          <a:chOff x="0" y="0"/>
+          <a:chExt cx="0" cy="0"/>
+        </a:xfrm>
+      </p:grpSpPr>
+      <p:pic>
+        <p:nvPicPr>
+          <p:cNvPr id="92" name="Picture 91">
+            <a:extLst>
+              <a:ext uri="{FF2B5EF4-FFF2-40B4-BE49-F238E27FC236}">
+                <a16:creationId xmlns="" xmlns:a16="http://schemas.microsoft.com/office/drawing/2014/main" id="{BEC0D10B-F977-AA89-E4CA-528458C63700}"/>
+              </a:ext>
+            </a:extLst>
+          </p:cNvPr>
+          <p:cNvPicPr>
+            <a:picLocks noChangeAspect="1"/>
+          </p:cNvPicPr>
+          <p:nvPr/>
+        </p:nvPicPr>
+        <p:blipFill>
+          <a:blip r:embed="rId3">
+            <a:extLst>
+              <a:ext uri="{BEBA8EAE-BF5A-486C-A8C5-ECC9F3942E4B}">
+                <a14:imgProps xmlns:a14="http://schemas.microsoft.com/office/drawing/2010/main">
+                  <a14:imgLayer r:embed="rId4">
+                    <a14:imgEffect>
+                      <a14:colorTemperature colorTemp="7200"/>
+                    </a14:imgEffect>
+                  </a14:imgLayer>
+                </a14:imgProps>
+              </a:ext>
+            </a:extLst>
+          </a:blip>
+          <a:stretch>
+            <a:fillRect/>
+          </a:stretch>
+        </p:blipFill>
+        <p:spPr>
+          <a:xfrm>
+            <a:off x="5200777" y="532431"/>
+            <a:ext cx="1509520" cy="1008000"/>
+          </a:xfrm>
+          <a:prstGeom prst="rect">
+            <a:avLst/>
+          </a:prstGeom>
+        </p:spPr>
+      </p:pic>
+      <p:graphicFrame>
+        <p:nvGraphicFramePr>
+          <p:cNvPr id="2" name="Table 1">
+            <a:extLst>
+              <a:ext uri="{FF2B5EF4-FFF2-40B4-BE49-F238E27FC236}">
+                <a16:creationId xmlns="" xmlns:a16="http://schemas.microsoft.com/office/drawing/2014/main" id="{2E50B121-33C2-C5D8-D527-2FA1A0B4B13F}"/>
+              </a:ext>
+            </a:extLst>
+          </p:cNvPr>
+          <p:cNvGraphicFramePr>
+            <a:graphicFrameLocks noGrp="1"/>
+          </p:cNvGraphicFramePr>
+          <p:nvPr>
+            <p:extLst/>
+          </p:nvPr>
+        </p:nvGraphicFramePr>
+        <p:xfrm>
+          <a:off x="365180" y="574772"/>
+          <a:ext cx="3897293" cy="3074064"/>
+        </p:xfrm>
+        <a:graphic>
+          <a:graphicData uri="http://schemas.openxmlformats.org/drawingml/2006/table">
+            <a:tbl>
+              <a:tblPr bandRow="1">
+                <a:tableStyleId>{8EC20E35-A176-4012-BC5E-935CFFF8708E}</a:tableStyleId>
+              </a:tblPr>
+              <a:tblGrid>
+                <a:gridCol w="930220">
+                  <a:extLst>
+                    <a:ext uri="{9D8B030D-6E8A-4147-A177-3AD203B41FA5}">
+                      <a16:colId xmlns="" xmlns:a16="http://schemas.microsoft.com/office/drawing/2014/main" val="20000"/>
+                    </a:ext>
+                  </a:extLst>
+                </a:gridCol>
+                <a:gridCol w="2967073">
+                  <a:extLst>
+                    <a:ext uri="{9D8B030D-6E8A-4147-A177-3AD203B41FA5}">
+                      <a16:colId xmlns="" xmlns:a16="http://schemas.microsoft.com/office/drawing/2014/main" val="20001"/>
+                    </a:ext>
+                  </a:extLst>
+                </a:gridCol>
+              </a:tblGrid>
+              <a:tr h="354191">
+                <a:tc>
+                  <a:txBody>
+                    <a:bodyPr/>
+                    <a:lstStyle/>
+                    <a:p>
+                      <a:r>
+                        <a:rPr lang="en-US" sz="1000" b="1" dirty="0">
+                          <a:latin typeface="Aptos Narrow" panose="020B0004020202020204" pitchFamily="34" charset="0"/>
+                        </a:rPr>
+                        <a:t>Tournament</a:t>
+                      </a:r>
+                    </a:p>
+                  </a:txBody>
+                  <a:tcPr>
+                    <a:solidFill>
+                      <a:srgbClr val="FFFFFF"/>
+                    </a:solidFill>
+                  </a:tcPr>
+                </a:tc>
+                <a:tc>
+                  <a:txBody>
+                    <a:bodyPr/>
+                    <a:lstStyle/>
+                    <a:p>
+                      <a:r>
+                        <a:rPr lang="en-US" sz="800" dirty="0">
+                          <a:solidFill>
+                            <a:schemeClr val="tx1"/>
+                          </a:solidFill>
+                          <a:latin typeface="Aptos Narrow" panose="020B0004020202020204" pitchFamily="34" charset="0"/>
+                        </a:rPr>
+                        <a:t>A series of games to </a:t>
+                      </a:r>
+                      <a:r>
+                        <a:rPr lang="en-US" sz="800" b="1" dirty="0">
+                          <a:solidFill>
+                            <a:schemeClr val="tx1"/>
+                          </a:solidFill>
+                          <a:latin typeface="Aptos Narrow" panose="020B0004020202020204" pitchFamily="34" charset="0"/>
+                        </a:rPr>
+                        <a:t>measure</a:t>
+                      </a:r>
+                      <a:r>
+                        <a:rPr lang="en-US" sz="800" dirty="0">
+                          <a:solidFill>
+                            <a:schemeClr val="tx1"/>
+                          </a:solidFill>
+                          <a:latin typeface="Aptos Narrow" panose="020B0004020202020204" pitchFamily="34" charset="0"/>
+                        </a:rPr>
+                        <a:t> </a:t>
+                      </a:r>
+                      <a:r>
+                        <a:rPr lang="en-US" sz="800" b="1" dirty="0">
+                          <a:solidFill>
+                            <a:schemeClr val="tx1"/>
+                          </a:solidFill>
+                          <a:latin typeface="Aptos Narrow" panose="020B0004020202020204" pitchFamily="34" charset="0"/>
+                        </a:rPr>
+                        <a:t>rank</a:t>
+                      </a:r>
+                      <a:r>
+                        <a:rPr lang="en-US" sz="800" dirty="0">
+                          <a:solidFill>
+                            <a:schemeClr val="tx1"/>
+                          </a:solidFill>
+                          <a:latin typeface="Aptos Narrow" panose="020B0004020202020204" pitchFamily="34" charset="0"/>
+                        </a:rPr>
+                        <a:t> of teams</a:t>
+                      </a:r>
+                    </a:p>
+                  </a:txBody>
+                  <a:tcPr>
+                    <a:lnR w="12700" cap="flat" cmpd="sng" algn="ctr">
+                      <a:solidFill>
+                        <a:schemeClr val="tx1"/>
+                      </a:solidFill>
+                      <a:prstDash val="solid"/>
+                      <a:round/>
+                      <a:headEnd type="none" w="med" len="med"/>
+                      <a:tailEnd type="none" w="med" len="med"/>
+                    </a:lnR>
+                    <a:solidFill>
+                      <a:srgbClr val="FFFFFF"/>
+                    </a:solidFill>
+                  </a:tcPr>
+                </a:tc>
+                <a:extLst>
+                  <a:ext uri="{0D108BD9-81ED-4DB2-BD59-A6C34878D82A}">
+                    <a16:rowId xmlns="" xmlns:a16="http://schemas.microsoft.com/office/drawing/2014/main" val="10000"/>
+                  </a:ext>
+                </a:extLst>
+              </a:tr>
+              <a:tr h="374231">
+                <a:tc>
+                  <a:txBody>
+                    <a:bodyPr/>
+                    <a:lstStyle/>
+                    <a:p>
+                      <a:r>
+                        <a:rPr lang="en-US" sz="1000" b="1" dirty="0">
+                          <a:latin typeface="Aptos Narrow" panose="020B0004020202020204" pitchFamily="34" charset="0"/>
+                        </a:rPr>
+                        <a:t>Teamwork</a:t>
+                      </a:r>
+                    </a:p>
+                  </a:txBody>
+                  <a:tcPr>
+                    <a:solidFill>
+                      <a:srgbClr val="E7E7E7"/>
+                    </a:solidFill>
+                  </a:tcPr>
+                </a:tc>
+                <a:tc>
+                  <a:txBody>
+                    <a:bodyPr/>
+                    <a:lstStyle/>
+                    <a:p>
+                      <a:r>
+                        <a:rPr lang="en-US" sz="800" dirty="0">
+                          <a:solidFill>
+                            <a:schemeClr val="tx1"/>
+                          </a:solidFill>
+                          <a:latin typeface="Aptos Narrow" panose="020B0004020202020204" pitchFamily="34" charset="0"/>
+                        </a:rPr>
+                        <a:t>Group of interdependent individuals working </a:t>
+                      </a:r>
+                      <a:r>
+                        <a:rPr lang="en-US" sz="800" b="1" dirty="0">
+                          <a:solidFill>
+                            <a:schemeClr val="tx1"/>
+                          </a:solidFill>
+                          <a:latin typeface="Aptos Narrow" panose="020B0004020202020204" pitchFamily="34" charset="0"/>
+                        </a:rPr>
+                        <a:t>together</a:t>
+                      </a:r>
+                      <a:r>
+                        <a:rPr lang="en-US" sz="800" dirty="0">
+                          <a:solidFill>
+                            <a:schemeClr val="tx1"/>
+                          </a:solidFill>
+                          <a:latin typeface="Aptos Narrow" panose="020B0004020202020204" pitchFamily="34" charset="0"/>
+                        </a:rPr>
+                        <a:t> towards a </a:t>
+                      </a:r>
+                      <a:r>
+                        <a:rPr lang="en-US" sz="800" b="1" dirty="0">
+                          <a:solidFill>
+                            <a:schemeClr val="tx1"/>
+                          </a:solidFill>
+                          <a:latin typeface="Aptos Narrow" panose="020B0004020202020204" pitchFamily="34" charset="0"/>
+                        </a:rPr>
+                        <a:t>common goal</a:t>
+                      </a:r>
+                    </a:p>
+                  </a:txBody>
+                  <a:tcPr marR="216000">
+                    <a:lnR w="12700" cap="flat" cmpd="sng" algn="ctr">
+                      <a:solidFill>
+                        <a:schemeClr val="tx1"/>
+                      </a:solidFill>
+                      <a:prstDash val="solid"/>
+                      <a:round/>
+                      <a:headEnd type="none" w="med" len="med"/>
+                      <a:tailEnd type="none" w="med" len="med"/>
+                    </a:lnR>
+                    <a:solidFill>
+                      <a:srgbClr val="E7E7E7"/>
+                    </a:solidFill>
+                  </a:tcPr>
+                </a:tc>
+                <a:extLst>
+                  <a:ext uri="{0D108BD9-81ED-4DB2-BD59-A6C34878D82A}">
+                    <a16:rowId xmlns="" xmlns:a16="http://schemas.microsoft.com/office/drawing/2014/main" val="10001"/>
+                  </a:ext>
+                </a:extLst>
+              </a:tr>
+              <a:tr h="354191">
+                <a:tc>
+                  <a:txBody>
+                    <a:bodyPr/>
+                    <a:lstStyle/>
+                    <a:p>
+                      <a:r>
+                        <a:rPr lang="en-US" sz="1000" b="1" dirty="0">
+                          <a:latin typeface="Aptos Narrow" panose="020B0004020202020204" pitchFamily="34" charset="0"/>
+                        </a:rPr>
+                        <a:t>Win</a:t>
+                      </a:r>
+                    </a:p>
+                  </a:txBody>
+                  <a:tcPr>
+                    <a:solidFill>
+                      <a:srgbClr val="FFFFFF"/>
+                    </a:solidFill>
+                  </a:tcPr>
+                </a:tc>
+                <a:tc>
+                  <a:txBody>
+                    <a:bodyPr/>
+                    <a:lstStyle/>
+                    <a:p>
+                      <a:r>
+                        <a:rPr lang="en-US" sz="800" b="1" dirty="0">
+                          <a:solidFill>
+                            <a:schemeClr val="tx1"/>
+                          </a:solidFill>
+                          <a:latin typeface="Aptos Narrow" panose="020B0004020202020204" pitchFamily="34" charset="0"/>
+                        </a:rPr>
+                        <a:t>Leading</a:t>
+                      </a:r>
+                      <a:r>
+                        <a:rPr lang="en-US" sz="800" dirty="0">
+                          <a:solidFill>
+                            <a:schemeClr val="tx1"/>
+                          </a:solidFill>
+                          <a:latin typeface="Aptos Narrow" panose="020B0004020202020204" pitchFamily="34" charset="0"/>
+                        </a:rPr>
+                        <a:t> </a:t>
+                      </a:r>
+                      <a:r>
+                        <a:rPr lang="en-US" sz="800" kern="1200" dirty="0">
+                          <a:solidFill>
+                            <a:schemeClr val="tx1"/>
+                          </a:solidFill>
+                          <a:latin typeface="Aptos Narrow" panose="020B0004020202020204" pitchFamily="34" charset="0"/>
+                          <a:ea typeface="+mn-ea"/>
+                          <a:cs typeface="+mn-cs"/>
+                        </a:rPr>
+                        <a:t>at end </a:t>
+                      </a:r>
+                      <a:r>
+                        <a:rPr lang="en-US" sz="800" dirty="0">
+                          <a:solidFill>
+                            <a:schemeClr val="tx1"/>
+                          </a:solidFill>
+                          <a:latin typeface="Aptos Narrow" panose="020B0004020202020204" pitchFamily="34" charset="0"/>
+                        </a:rPr>
+                        <a:t>of </a:t>
+                      </a:r>
+                      <a:r>
+                        <a:rPr lang="en-US" sz="800" b="1" dirty="0">
+                          <a:solidFill>
+                            <a:schemeClr val="tx1"/>
+                          </a:solidFill>
+                          <a:latin typeface="Aptos Narrow" panose="020B0004020202020204" pitchFamily="34" charset="0"/>
+                        </a:rPr>
+                        <a:t>final whistle </a:t>
+                      </a:r>
+                      <a:r>
+                        <a:rPr lang="en-US" sz="800" dirty="0">
+                          <a:solidFill>
+                            <a:schemeClr val="tx1"/>
+                          </a:solidFill>
+                          <a:latin typeface="Aptos Narrow" panose="020B0004020202020204" pitchFamily="34" charset="0"/>
+                        </a:rPr>
+                        <a:t>blow</a:t>
+                      </a:r>
+                    </a:p>
+                  </a:txBody>
+                  <a:tcPr>
+                    <a:lnR w="12700" cap="flat" cmpd="sng" algn="ctr">
+                      <a:solidFill>
+                        <a:schemeClr val="tx1"/>
+                      </a:solidFill>
+                      <a:prstDash val="solid"/>
+                      <a:round/>
+                      <a:headEnd type="none" w="med" len="med"/>
+                      <a:tailEnd type="none" w="med" len="med"/>
+                    </a:lnR>
+                    <a:solidFill>
+                      <a:srgbClr val="FFFFFF"/>
+                    </a:solidFill>
+                  </a:tcPr>
+                </a:tc>
+                <a:extLst>
+                  <a:ext uri="{0D108BD9-81ED-4DB2-BD59-A6C34878D82A}">
+                    <a16:rowId xmlns="" xmlns:a16="http://schemas.microsoft.com/office/drawing/2014/main" val="10002"/>
+                  </a:ext>
+                </a:extLst>
+              </a:tr>
+              <a:tr h="374231">
+                <a:tc>
+                  <a:txBody>
+                    <a:bodyPr/>
+                    <a:lstStyle/>
+                    <a:p>
+                      <a:r>
+                        <a:rPr lang="en-US" sz="1000" b="1" dirty="0">
+                          <a:latin typeface="Aptos Narrow" panose="020B0004020202020204" pitchFamily="34" charset="0"/>
+                        </a:rPr>
+                        <a:t>Leading</a:t>
+                      </a:r>
+                    </a:p>
+                  </a:txBody>
+                  <a:tcPr>
+                    <a:solidFill>
+                      <a:srgbClr val="E7E7E7"/>
+                    </a:solidFill>
+                  </a:tcPr>
+                </a:tc>
+                <a:tc>
+                  <a:txBody>
+                    <a:bodyPr/>
+                    <a:lstStyle/>
+                    <a:p>
+                      <a:r>
+                        <a:rPr lang="en-US" sz="800" b="1" dirty="0">
+                          <a:solidFill>
+                            <a:schemeClr val="tx1"/>
+                          </a:solidFill>
+                          <a:latin typeface="Aptos Narrow" panose="020B0004020202020204" pitchFamily="34" charset="0"/>
+                        </a:rPr>
+                        <a:t>More</a:t>
+                      </a:r>
+                      <a:r>
+                        <a:rPr lang="en-US" sz="800" dirty="0">
+                          <a:solidFill>
+                            <a:schemeClr val="tx1"/>
+                          </a:solidFill>
+                          <a:latin typeface="Aptos Narrow" panose="020B0004020202020204" pitchFamily="34" charset="0"/>
+                        </a:rPr>
+                        <a:t> points than opponent</a:t>
+                      </a:r>
+                      <a:r>
+                        <a:rPr lang="en-US" sz="800" baseline="0" dirty="0">
+                          <a:solidFill>
+                            <a:schemeClr val="tx1"/>
+                          </a:solidFill>
+                          <a:latin typeface="Aptos Narrow" panose="020B0004020202020204" pitchFamily="34" charset="0"/>
+                        </a:rPr>
+                        <a:t> while game is still at play</a:t>
+                      </a:r>
+                      <a:endParaRPr lang="en-US" sz="800" dirty="0">
+                        <a:solidFill>
+                          <a:schemeClr val="tx1"/>
+                        </a:solidFill>
+                        <a:latin typeface="Aptos Narrow" panose="020B0004020202020204" pitchFamily="34" charset="0"/>
+                      </a:endParaRPr>
+                    </a:p>
+                  </a:txBody>
+                  <a:tcPr marR="972000">
+                    <a:lnR w="12700" cap="flat" cmpd="sng" algn="ctr">
+                      <a:solidFill>
+                        <a:schemeClr val="tx1"/>
+                      </a:solidFill>
+                      <a:prstDash val="solid"/>
+                      <a:round/>
+                      <a:headEnd type="none" w="med" len="med"/>
+                      <a:tailEnd type="none" w="med" len="med"/>
+                    </a:lnR>
+                    <a:solidFill>
+                      <a:srgbClr val="E7E7E7"/>
+                    </a:solidFill>
+                  </a:tcPr>
+                </a:tc>
+                <a:extLst>
+                  <a:ext uri="{0D108BD9-81ED-4DB2-BD59-A6C34878D82A}">
+                    <a16:rowId xmlns="" xmlns:a16="http://schemas.microsoft.com/office/drawing/2014/main" val="10003"/>
+                  </a:ext>
+                </a:extLst>
+              </a:tr>
+              <a:tr h="374231">
+                <a:tc>
+                  <a:txBody>
+                    <a:bodyPr/>
+                    <a:lstStyle/>
+                    <a:p>
+                      <a:r>
+                        <a:rPr lang="en-US" sz="1000" b="1" dirty="0">
+                          <a:latin typeface="Aptos Narrow" panose="020B0004020202020204" pitchFamily="34" charset="0"/>
+                        </a:rPr>
+                        <a:t>Game</a:t>
+                      </a:r>
+                    </a:p>
+                  </a:txBody>
+                  <a:tcPr>
+                    <a:solidFill>
+                      <a:srgbClr val="FFFFFF"/>
+                    </a:solidFill>
+                  </a:tcPr>
+                </a:tc>
+                <a:tc>
+                  <a:txBody>
+                    <a:bodyPr/>
+                    <a:lstStyle/>
+                    <a:p>
+                      <a:r>
+                        <a:rPr lang="en-US" sz="800" b="1" baseline="0" dirty="0">
+                          <a:solidFill>
+                            <a:schemeClr val="tx1"/>
+                          </a:solidFill>
+                          <a:latin typeface="Aptos Narrow" panose="020B0004020202020204" pitchFamily="34" charset="0"/>
+                        </a:rPr>
+                        <a:t>Start</a:t>
+                      </a:r>
+                      <a:r>
+                        <a:rPr lang="en-US" sz="800" baseline="0" dirty="0">
+                          <a:solidFill>
+                            <a:schemeClr val="tx1"/>
+                          </a:solidFill>
+                          <a:latin typeface="Aptos Narrow" panose="020B0004020202020204" pitchFamily="34" charset="0"/>
+                        </a:rPr>
+                        <a:t> of whistle …. </a:t>
+                      </a:r>
+                      <a:r>
+                        <a:rPr lang="en-US" sz="800" dirty="0">
+                          <a:solidFill>
+                            <a:schemeClr val="tx1"/>
+                          </a:solidFill>
+                          <a:latin typeface="Aptos Narrow" panose="020B0004020202020204" pitchFamily="34" charset="0"/>
+                        </a:rPr>
+                        <a:t>Period</a:t>
+                      </a:r>
+                      <a:r>
+                        <a:rPr lang="en-US" sz="800" baseline="0" dirty="0">
+                          <a:solidFill>
+                            <a:schemeClr val="tx1"/>
+                          </a:solidFill>
+                          <a:latin typeface="Aptos Narrow" panose="020B0004020202020204" pitchFamily="34" charset="0"/>
+                        </a:rPr>
+                        <a:t> of </a:t>
+                      </a:r>
+                      <a:r>
+                        <a:rPr lang="en-US" sz="800" b="1" baseline="0" dirty="0">
+                          <a:solidFill>
+                            <a:schemeClr val="tx1"/>
+                          </a:solidFill>
+                          <a:latin typeface="Aptos Narrow" panose="020B0004020202020204" pitchFamily="34" charset="0"/>
+                        </a:rPr>
+                        <a:t>play</a:t>
+                      </a:r>
+                      <a:r>
+                        <a:rPr lang="en-US" sz="800" baseline="0" dirty="0">
+                          <a:solidFill>
+                            <a:schemeClr val="tx1"/>
+                          </a:solidFill>
+                          <a:latin typeface="Aptos Narrow" panose="020B0004020202020204" pitchFamily="34" charset="0"/>
+                        </a:rPr>
+                        <a:t> …. </a:t>
+                      </a:r>
+                      <a:r>
+                        <a:rPr lang="en-US" sz="800" b="1" baseline="0" dirty="0">
+                          <a:solidFill>
+                            <a:schemeClr val="tx1"/>
+                          </a:solidFill>
+                          <a:latin typeface="Aptos Narrow" panose="020B0004020202020204" pitchFamily="34" charset="0"/>
+                        </a:rPr>
+                        <a:t>final whistle</a:t>
+                      </a:r>
+                      <a:r>
+                        <a:rPr lang="en-US" sz="800" baseline="0" dirty="0">
+                          <a:solidFill>
+                            <a:schemeClr val="tx1"/>
+                          </a:solidFill>
+                          <a:latin typeface="Aptos Narrow" panose="020B0004020202020204" pitchFamily="34" charset="0"/>
+                        </a:rPr>
+                        <a:t> blow</a:t>
+                      </a:r>
+                      <a:endParaRPr lang="en-US" sz="800" dirty="0">
+                        <a:solidFill>
+                          <a:schemeClr val="tx1"/>
+                        </a:solidFill>
+                        <a:latin typeface="Aptos Narrow" panose="020B0004020202020204" pitchFamily="34" charset="0"/>
+                      </a:endParaRPr>
+                    </a:p>
+                  </a:txBody>
+                  <a:tcPr marR="1224000">
+                    <a:lnR w="12700" cap="flat" cmpd="sng" algn="ctr">
+                      <a:solidFill>
+                        <a:schemeClr val="tx1"/>
+                      </a:solidFill>
+                      <a:prstDash val="solid"/>
+                      <a:round/>
+                      <a:headEnd type="none" w="med" len="med"/>
+                      <a:tailEnd type="none" w="med" len="med"/>
+                    </a:lnR>
+                    <a:solidFill>
+                      <a:srgbClr val="FFFFFF"/>
+                    </a:solidFill>
+                  </a:tcPr>
+                </a:tc>
+                <a:extLst>
+                  <a:ext uri="{0D108BD9-81ED-4DB2-BD59-A6C34878D82A}">
+                    <a16:rowId xmlns="" xmlns:a16="http://schemas.microsoft.com/office/drawing/2014/main" val="10004"/>
+                  </a:ext>
+                </a:extLst>
+              </a:tr>
+              <a:tr h="374231">
+                <a:tc>
+                  <a:txBody>
+                    <a:bodyPr/>
+                    <a:lstStyle/>
+                    <a:p>
+                      <a:r>
+                        <a:rPr lang="en-US" sz="1000" b="1" dirty="0">
+                          <a:latin typeface="Aptos Narrow" panose="020B0004020202020204" pitchFamily="34" charset="0"/>
+                        </a:rPr>
+                        <a:t>Routine</a:t>
+                      </a:r>
+                    </a:p>
+                  </a:txBody>
+                  <a:tcPr>
+                    <a:solidFill>
+                      <a:srgbClr val="E7E7E7"/>
+                    </a:solidFill>
+                  </a:tcPr>
+                </a:tc>
+                <a:tc>
+                  <a:txBody>
+                    <a:bodyPr/>
+                    <a:lstStyle/>
+                    <a:p>
+                      <a:r>
+                        <a:rPr lang="en-US" sz="800" dirty="0">
+                          <a:solidFill>
+                            <a:schemeClr val="tx1"/>
+                          </a:solidFill>
+                          <a:latin typeface="Aptos Narrow" panose="020B0004020202020204" pitchFamily="34" charset="0"/>
+                        </a:rPr>
+                        <a:t>A </a:t>
+                      </a:r>
+                      <a:r>
+                        <a:rPr lang="en-US" sz="800" b="1" dirty="0">
+                          <a:solidFill>
+                            <a:schemeClr val="tx1"/>
+                          </a:solidFill>
+                          <a:latin typeface="Aptos Narrow" panose="020B0004020202020204" pitchFamily="34" charset="0"/>
+                        </a:rPr>
+                        <a:t>sequence</a:t>
+                      </a:r>
+                      <a:r>
+                        <a:rPr lang="en-US" sz="800" dirty="0">
+                          <a:solidFill>
+                            <a:schemeClr val="tx1"/>
+                          </a:solidFill>
+                          <a:latin typeface="Aptos Narrow" panose="020B0004020202020204" pitchFamily="34" charset="0"/>
+                        </a:rPr>
+                        <a:t> of actions </a:t>
+                      </a:r>
+                      <a:r>
+                        <a:rPr lang="en-US" sz="800" b="1" dirty="0">
+                          <a:solidFill>
+                            <a:schemeClr val="tx1"/>
+                          </a:solidFill>
+                          <a:latin typeface="Aptos Narrow" panose="020B0004020202020204" pitchFamily="34" charset="0"/>
+                        </a:rPr>
+                        <a:t>regularly</a:t>
+                      </a:r>
+                      <a:r>
+                        <a:rPr lang="en-US" sz="800" dirty="0">
+                          <a:solidFill>
+                            <a:schemeClr val="tx1"/>
+                          </a:solidFill>
+                          <a:latin typeface="Aptos Narrow" panose="020B0004020202020204" pitchFamily="34" charset="0"/>
+                        </a:rPr>
+                        <a:t> followed.</a:t>
+                      </a:r>
+                    </a:p>
+                  </a:txBody>
+                  <a:tcPr marR="1296000">
+                    <a:lnR w="12700" cap="flat" cmpd="sng" algn="ctr">
+                      <a:solidFill>
+                        <a:schemeClr val="tx1"/>
+                      </a:solidFill>
+                      <a:prstDash val="solid"/>
+                      <a:round/>
+                      <a:headEnd type="none" w="med" len="med"/>
+                      <a:tailEnd type="none" w="med" len="med"/>
+                    </a:lnR>
+                    <a:solidFill>
+                      <a:srgbClr val="E7E7E7"/>
+                    </a:solidFill>
+                  </a:tcPr>
+                </a:tc>
+                <a:extLst>
+                  <a:ext uri="{0D108BD9-81ED-4DB2-BD59-A6C34878D82A}">
+                    <a16:rowId xmlns="" xmlns:a16="http://schemas.microsoft.com/office/drawing/2014/main" val="10005"/>
+                  </a:ext>
+                </a:extLst>
+              </a:tr>
+              <a:tr h="514567">
+                <a:tc>
+                  <a:txBody>
+                    <a:bodyPr/>
+                    <a:lstStyle/>
+                    <a:p>
+                      <a:r>
+                        <a:rPr lang="en-US" sz="1000" b="1" dirty="0">
+                          <a:latin typeface="Aptos Narrow" panose="020B0004020202020204" pitchFamily="34" charset="0"/>
+                        </a:rPr>
+                        <a:t>Tactics</a:t>
+                      </a:r>
+                    </a:p>
+                  </a:txBody>
+                  <a:tcPr>
+                    <a:solidFill>
+                      <a:srgbClr val="FFFFFF"/>
+                    </a:solidFill>
+                  </a:tcPr>
+                </a:tc>
+                <a:tc>
+                  <a:txBody>
+                    <a:bodyPr/>
+                    <a:lstStyle/>
+                    <a:p>
+                      <a:r>
+                        <a:rPr lang="en-US" sz="800" dirty="0">
+                          <a:solidFill>
+                            <a:schemeClr val="tx1"/>
+                          </a:solidFill>
+                          <a:latin typeface="Aptos Narrow" panose="020B0004020202020204" pitchFamily="34" charset="0"/>
+                        </a:rPr>
+                        <a:t>Action</a:t>
+                      </a:r>
+                      <a:r>
+                        <a:rPr lang="en-US" sz="800" baseline="0" dirty="0">
+                          <a:solidFill>
+                            <a:schemeClr val="tx1"/>
+                          </a:solidFill>
+                          <a:latin typeface="Aptos Narrow" panose="020B0004020202020204" pitchFamily="34" charset="0"/>
+                        </a:rPr>
+                        <a:t> </a:t>
+                      </a:r>
+                      <a:r>
+                        <a:rPr lang="en-US" sz="800" dirty="0">
+                          <a:solidFill>
+                            <a:schemeClr val="tx1"/>
+                          </a:solidFill>
+                          <a:latin typeface="Aptos Narrow" panose="020B0004020202020204" pitchFamily="34" charset="0"/>
+                        </a:rPr>
+                        <a:t>or strategy carefully planned to </a:t>
+                      </a:r>
+                      <a:r>
+                        <a:rPr lang="en-US" sz="800" b="1" dirty="0">
+                          <a:solidFill>
+                            <a:schemeClr val="tx1"/>
+                          </a:solidFill>
+                          <a:latin typeface="Aptos Narrow" panose="020B0004020202020204" pitchFamily="34" charset="0"/>
+                        </a:rPr>
+                        <a:t>achieve a specific end</a:t>
+                      </a:r>
+                      <a:r>
+                        <a:rPr lang="en-US" sz="800" dirty="0">
+                          <a:solidFill>
+                            <a:schemeClr val="tx1"/>
+                          </a:solidFill>
+                          <a:latin typeface="Aptos Narrow" panose="020B0004020202020204" pitchFamily="34" charset="0"/>
+                        </a:rPr>
+                        <a:t>.</a:t>
+                      </a:r>
+                    </a:p>
+                  </a:txBody>
+                  <a:tcPr marR="1368000">
+                    <a:lnR w="12700" cap="flat" cmpd="sng" algn="ctr">
+                      <a:solidFill>
+                        <a:schemeClr val="tx1"/>
+                      </a:solidFill>
+                      <a:prstDash val="solid"/>
+                      <a:round/>
+                      <a:headEnd type="none" w="med" len="med"/>
+                      <a:tailEnd type="none" w="med" len="med"/>
+                    </a:lnR>
+                    <a:solidFill>
+                      <a:srgbClr val="FFFFFF"/>
+                    </a:solidFill>
+                  </a:tcPr>
+                </a:tc>
+                <a:extLst>
+                  <a:ext uri="{0D108BD9-81ED-4DB2-BD59-A6C34878D82A}">
+                    <a16:rowId xmlns="" xmlns:a16="http://schemas.microsoft.com/office/drawing/2014/main" val="10006"/>
+                  </a:ext>
+                </a:extLst>
+              </a:tr>
+              <a:tr h="354191">
+                <a:tc>
+                  <a:txBody>
+                    <a:bodyPr/>
+                    <a:lstStyle/>
+                    <a:p>
+                      <a:endParaRPr lang="en-US" sz="1000" dirty="0">
+                        <a:latin typeface="Aptos Narrow" panose="020B0004020202020204" pitchFamily="34" charset="0"/>
+                      </a:endParaRPr>
+                    </a:p>
+                  </a:txBody>
+                  <a:tcPr>
+                    <a:solidFill>
+                      <a:srgbClr val="E7E7E7"/>
+                    </a:solidFill>
+                  </a:tcPr>
+                </a:tc>
+                <a:tc>
+                  <a:txBody>
+                    <a:bodyPr/>
+                    <a:lstStyle/>
+                    <a:p>
+                      <a:endParaRPr lang="en-US" sz="800" dirty="0">
+                        <a:latin typeface="Aptos Narrow" panose="020B0004020202020204" pitchFamily="34" charset="0"/>
+                      </a:endParaRPr>
+                    </a:p>
+                  </a:txBody>
+                  <a:tcPr>
+                    <a:lnR w="12700" cap="flat" cmpd="sng" algn="ctr">
+                      <a:solidFill>
+                        <a:schemeClr val="tx1"/>
+                      </a:solidFill>
+                      <a:prstDash val="solid"/>
+                      <a:round/>
+                      <a:headEnd type="none" w="med" len="med"/>
+                      <a:tailEnd type="none" w="med" len="med"/>
+                    </a:lnR>
+                    <a:solidFill>
+                      <a:srgbClr val="E7E7E7"/>
+                    </a:solidFill>
+                  </a:tcPr>
+                </a:tc>
+                <a:extLst>
+                  <a:ext uri="{0D108BD9-81ED-4DB2-BD59-A6C34878D82A}">
+                    <a16:rowId xmlns="" xmlns:a16="http://schemas.microsoft.com/office/drawing/2014/main" val="10007"/>
+                  </a:ext>
+                </a:extLst>
+              </a:tr>
+            </a:tbl>
+          </a:graphicData>
+        </a:graphic>
+      </p:graphicFrame>
+      <p:sp>
+        <p:nvSpPr>
+          <p:cNvPr id="8" name="Partial Circle 7">
+            <a:extLst>
+              <a:ext uri="{FF2B5EF4-FFF2-40B4-BE49-F238E27FC236}">
+                <a16:creationId xmlns="" xmlns:a16="http://schemas.microsoft.com/office/drawing/2014/main" id="{77CF4B81-3BF3-2697-2878-5FE1A5FE431A}"/>
+              </a:ext>
+            </a:extLst>
+          </p:cNvPr>
+          <p:cNvSpPr/>
+          <p:nvPr/>
+        </p:nvSpPr>
+        <p:spPr>
+          <a:xfrm>
+            <a:off x="2806245" y="1322531"/>
+            <a:ext cx="4320000" cy="4320000"/>
+          </a:xfrm>
+          <a:prstGeom prst="pie">
+            <a:avLst>
+              <a:gd name="adj1" fmla="val 13420249"/>
+              <a:gd name="adj2" fmla="val 16140677"/>
+            </a:avLst>
+          </a:prstGeom>
+          <a:solidFill>
+            <a:schemeClr val="bg1"/>
+          </a:solidFill>
+          <a:ln w="12700">
+            <a:solidFill>
+              <a:schemeClr val="bg1"/>
+            </a:solidFill>
+          </a:ln>
+        </p:spPr>
+        <p:style>
+          <a:lnRef idx="2">
+            <a:schemeClr val="dk1"/>
+          </a:lnRef>
+          <a:fillRef idx="1">
+            <a:schemeClr val="lt1"/>
+          </a:fillRef>
+          <a:effectRef idx="0">
+            <a:schemeClr val="dk1"/>
+          </a:effectRef>
+          <a:fontRef idx="minor">
+            <a:schemeClr val="dk1"/>
+          </a:fontRef>
+        </p:style>
+        <p:txBody>
+          <a:bodyPr rtlCol="0" anchor="ctr"/>
+          <a:lstStyle/>
+          <a:p>
+            <a:pPr algn="ctr"/>
+            <a:endParaRPr lang="en-MY" sz="1600"/>
+          </a:p>
+        </p:txBody>
+      </p:sp>
+      <p:sp>
+        <p:nvSpPr>
+          <p:cNvPr id="3" name="Partial Circle 2">
+            <a:extLst>
+              <a:ext uri="{FF2B5EF4-FFF2-40B4-BE49-F238E27FC236}">
+                <a16:creationId xmlns="" xmlns:a16="http://schemas.microsoft.com/office/drawing/2014/main" id="{04C46028-7B54-2845-B763-36EA579DE7AF}"/>
+              </a:ext>
+            </a:extLst>
+          </p:cNvPr>
+          <p:cNvSpPr/>
+          <p:nvPr/>
+        </p:nvSpPr>
+        <p:spPr>
+          <a:xfrm>
+            <a:off x="2805346" y="1329870"/>
+            <a:ext cx="4320000" cy="4320000"/>
+          </a:xfrm>
+          <a:prstGeom prst="pie">
+            <a:avLst>
+              <a:gd name="adj1" fmla="val 16130702"/>
+              <a:gd name="adj2" fmla="val 19016266"/>
+            </a:avLst>
+          </a:prstGeom>
+          <a:solidFill>
+            <a:schemeClr val="bg1"/>
+          </a:solidFill>
+          <a:ln w="12700"/>
+        </p:spPr>
+        <p:style>
+          <a:lnRef idx="2">
+            <a:schemeClr val="dk1"/>
+          </a:lnRef>
+          <a:fillRef idx="1">
+            <a:schemeClr val="lt1"/>
+          </a:fillRef>
+          <a:effectRef idx="0">
+            <a:schemeClr val="dk1"/>
+          </a:effectRef>
+          <a:fontRef idx="minor">
+            <a:schemeClr val="dk1"/>
+          </a:fontRef>
+        </p:style>
+        <p:txBody>
+          <a:bodyPr rtlCol="0" anchor="ctr"/>
+          <a:lstStyle/>
+          <a:p>
+            <a:pPr algn="ctr"/>
+            <a:endParaRPr lang="en-MY" sz="1600"/>
+          </a:p>
+        </p:txBody>
+      </p:sp>
+      <p:sp>
+        <p:nvSpPr>
+          <p:cNvPr id="1065" name="Partial Circle 1064">
+            <a:extLst>
+              <a:ext uri="{FF2B5EF4-FFF2-40B4-BE49-F238E27FC236}">
+                <a16:creationId xmlns="" xmlns:a16="http://schemas.microsoft.com/office/drawing/2014/main" id="{5623C272-50DC-7BA4-8FD2-E3D918314182}"/>
+              </a:ext>
+            </a:extLst>
+          </p:cNvPr>
+          <p:cNvSpPr/>
+          <p:nvPr/>
+        </p:nvSpPr>
+        <p:spPr>
+          <a:xfrm>
+            <a:off x="2792758" y="1322531"/>
+            <a:ext cx="4320000" cy="4320000"/>
+          </a:xfrm>
+          <a:prstGeom prst="pie">
+            <a:avLst>
+              <a:gd name="adj1" fmla="val 3423310"/>
+              <a:gd name="adj2" fmla="val 7105721"/>
+            </a:avLst>
+          </a:prstGeom>
+          <a:noFill/>
+          <a:ln w="12700"/>
+        </p:spPr>
+        <p:style>
+          <a:lnRef idx="2">
+            <a:schemeClr val="dk1"/>
+          </a:lnRef>
+          <a:fillRef idx="1">
+            <a:schemeClr val="lt1"/>
+          </a:fillRef>
+          <a:effectRef idx="0">
+            <a:schemeClr val="dk1"/>
+          </a:effectRef>
+          <a:fontRef idx="minor">
+            <a:schemeClr val="dk1"/>
+          </a:fontRef>
+        </p:style>
+        <p:txBody>
+          <a:bodyPr rtlCol="0" anchor="ctr"/>
+          <a:lstStyle/>
+          <a:p>
+            <a:pPr algn="ctr"/>
+            <a:endParaRPr lang="en-MY" sz="1600"/>
+          </a:p>
+        </p:txBody>
+      </p:sp>
+      <p:graphicFrame>
+        <p:nvGraphicFramePr>
+          <p:cNvPr id="1062" name="Table 1061">
+            <a:extLst>
+              <a:ext uri="{FF2B5EF4-FFF2-40B4-BE49-F238E27FC236}">
+                <a16:creationId xmlns="" xmlns:a16="http://schemas.microsoft.com/office/drawing/2014/main" id="{386A9683-4EA2-19CB-AF5A-E60576F98816}"/>
+              </a:ext>
+            </a:extLst>
+          </p:cNvPr>
+          <p:cNvGraphicFramePr>
+            <a:graphicFrameLocks noGrp="1"/>
+          </p:cNvGraphicFramePr>
+          <p:nvPr>
+            <p:extLst/>
+          </p:nvPr>
+        </p:nvGraphicFramePr>
+        <p:xfrm>
+          <a:off x="3157272" y="6433062"/>
+          <a:ext cx="6520127" cy="360000"/>
+        </p:xfrm>
+        <a:graphic>
+          <a:graphicData uri="http://schemas.openxmlformats.org/drawingml/2006/table">
+            <a:tbl>
+              <a:tblPr firstRow="1" bandRow="1">
+                <a:tableStyleId>{5C22544A-7EE6-4342-B048-85BDC9FD1C3A}</a:tableStyleId>
+              </a:tblPr>
+              <a:tblGrid>
+                <a:gridCol w="1209836">
+                  <a:extLst>
+                    <a:ext uri="{9D8B030D-6E8A-4147-A177-3AD203B41FA5}">
+                      <a16:colId xmlns="" xmlns:a16="http://schemas.microsoft.com/office/drawing/2014/main" val="1845057893"/>
+                    </a:ext>
+                  </a:extLst>
+                </a:gridCol>
+                <a:gridCol w="1209836">
+                  <a:extLst>
+                    <a:ext uri="{9D8B030D-6E8A-4147-A177-3AD203B41FA5}">
+                      <a16:colId xmlns="" xmlns:a16="http://schemas.microsoft.com/office/drawing/2014/main" val="3192560304"/>
+                    </a:ext>
+                  </a:extLst>
+                </a:gridCol>
+                <a:gridCol w="1209836">
+                  <a:extLst>
+                    <a:ext uri="{9D8B030D-6E8A-4147-A177-3AD203B41FA5}">
+                      <a16:colId xmlns="" xmlns:a16="http://schemas.microsoft.com/office/drawing/2014/main" val="1004428497"/>
+                    </a:ext>
+                  </a:extLst>
+                </a:gridCol>
+                <a:gridCol w="2890619">
+                  <a:extLst>
+                    <a:ext uri="{9D8B030D-6E8A-4147-A177-3AD203B41FA5}">
+                      <a16:colId xmlns="" xmlns:a16="http://schemas.microsoft.com/office/drawing/2014/main" val="3180650691"/>
+                    </a:ext>
+                  </a:extLst>
+                </a:gridCol>
+              </a:tblGrid>
+              <a:tr h="360000">
+                <a:tc>
+                  <a:txBody>
+                    <a:bodyPr/>
+                    <a:lstStyle/>
+                    <a:p>
+                      <a:pPr marL="457200" marR="0" lvl="1" indent="0" algn="l" defTabSz="914400" eaLnBrk="1" fontAlgn="auto" latinLnBrk="0" hangingPunct="1">
+                        <a:lnSpc>
+                          <a:spcPct val="100000"/>
+                        </a:lnSpc>
+                        <a:spcBef>
+                          <a:spcPts val="0"/>
+                        </a:spcBef>
+                        <a:spcAft>
+                          <a:spcPts val="0"/>
+                        </a:spcAft>
+                        <a:buClrTx/>
+                        <a:buSzTx/>
+                        <a:buFontTx/>
+                        <a:buNone/>
+                        <a:tabLst/>
+                        <a:defRPr/>
+                      </a:pPr>
+                      <a:r>
+                        <a:rPr lang="en-MY" sz="1000" b="0" dirty="0" smtClean="0">
+                          <a:solidFill>
+                            <a:schemeClr val="tx1"/>
+                          </a:solidFill>
+                          <a:latin typeface="Aptos" panose="020B0004020202020204" pitchFamily="34" charset="0"/>
+                        </a:rPr>
+                        <a:t>Alert /</a:t>
+                      </a:r>
+                      <a:r>
+                        <a:rPr lang="en-MY" sz="1000" b="0" baseline="0" dirty="0" smtClean="0">
+                          <a:solidFill>
+                            <a:schemeClr val="tx1"/>
+                          </a:solidFill>
+                          <a:latin typeface="Aptos" panose="020B0004020202020204" pitchFamily="34" charset="0"/>
+                        </a:rPr>
+                        <a:t> </a:t>
+                      </a:r>
+                      <a:r>
+                        <a:rPr lang="en-MY" sz="1000" b="0" dirty="0" smtClean="0">
+                          <a:solidFill>
+                            <a:schemeClr val="tx1"/>
+                          </a:solidFill>
+                          <a:latin typeface="Aptos" panose="020B0004020202020204" pitchFamily="34" charset="0"/>
+                        </a:rPr>
+                        <a:t>Aware</a:t>
+                      </a:r>
+                    </a:p>
+                  </a:txBody>
+                  <a:tcPr marL="0" marR="0" marT="0" marB="0" anchor="ctr">
+                    <a:lnL w="12700" cap="flat" cmpd="sng" algn="ctr">
+                      <a:noFill/>
+                      <a:prstDash val="solid"/>
+                      <a:round/>
+                      <a:headEnd type="none" w="med" len="med"/>
+                      <a:tailEnd type="none" w="med" len="med"/>
+                    </a:lnL>
+                    <a:lnR w="12700" cap="flat" cmpd="sng" algn="ctr">
+                      <a:noFill/>
+                      <a:prstDash val="solid"/>
+                      <a:round/>
+                      <a:headEnd type="none" w="med" len="med"/>
+                      <a:tailEnd type="none" w="med" len="med"/>
+                    </a:lnR>
+                    <a:lnT w="12700" cap="flat" cmpd="sng" algn="ctr">
+                      <a:noFill/>
+                      <a:prstDash val="solid"/>
+                      <a:round/>
+                      <a:headEnd type="none" w="med" len="med"/>
+                      <a:tailEnd type="none" w="med" len="med"/>
+                    </a:lnT>
+                    <a:lnB w="12700" cap="flat" cmpd="sng" algn="ctr">
+                      <a:noFill/>
+                      <a:prstDash val="solid"/>
+                      <a:round/>
+                      <a:headEnd type="none" w="med" len="med"/>
+                      <a:tailEnd type="none" w="med" len="med"/>
+                    </a:lnB>
+                    <a:lnTlToBr w="12700" cmpd="sng">
+                      <a:noFill/>
+                      <a:prstDash val="solid"/>
+                    </a:lnTlToBr>
+                    <a:lnBlToTr w="12700" cmpd="sng">
+                      <a:noFill/>
+                      <a:prstDash val="solid"/>
+                    </a:lnBlToTr>
+                    <a:solidFill>
+                      <a:schemeClr val="bg1"/>
+                    </a:solidFill>
+                  </a:tcPr>
+                </a:tc>
+                <a:tc>
+                  <a:txBody>
+                    <a:bodyPr/>
+                    <a:lstStyle/>
+                    <a:p>
+                      <a:pPr marL="457200" marR="0" lvl="1" indent="0" algn="l" defTabSz="914400" eaLnBrk="1" fontAlgn="auto" latinLnBrk="0" hangingPunct="1">
+                        <a:lnSpc>
+                          <a:spcPct val="100000"/>
+                        </a:lnSpc>
+                        <a:spcBef>
+                          <a:spcPts val="0"/>
+                        </a:spcBef>
+                        <a:spcAft>
+                          <a:spcPts val="0"/>
+                        </a:spcAft>
+                        <a:buClrTx/>
+                        <a:buSzTx/>
+                        <a:buFontTx/>
+                        <a:buNone/>
+                        <a:tabLst/>
+                        <a:defRPr/>
+                      </a:pPr>
+                      <a:r>
+                        <a:rPr lang="en-MY" sz="1000" b="0" dirty="0" smtClean="0">
+                          <a:solidFill>
+                            <a:schemeClr val="tx1"/>
+                          </a:solidFill>
+                          <a:latin typeface="Aptos" panose="020B0004020202020204" pitchFamily="34" charset="0"/>
+                        </a:rPr>
+                        <a:t>Understand</a:t>
+                      </a:r>
+                      <a:endParaRPr lang="en-MY" sz="1000" b="0" dirty="0">
+                        <a:solidFill>
+                          <a:schemeClr val="tx1"/>
+                        </a:solidFill>
+                        <a:latin typeface="Aptos" panose="020B0004020202020204" pitchFamily="34" charset="0"/>
+                      </a:endParaRPr>
+                    </a:p>
+                  </a:txBody>
+                  <a:tcPr marL="0" marR="0" marT="0" marB="0" anchor="ctr">
+                    <a:lnL w="12700" cap="flat" cmpd="sng" algn="ctr">
+                      <a:noFill/>
+                      <a:prstDash val="solid"/>
+                      <a:round/>
+                      <a:headEnd type="none" w="med" len="med"/>
+                      <a:tailEnd type="none" w="med" len="med"/>
+                    </a:lnL>
+                    <a:lnR w="12700" cap="flat" cmpd="sng" algn="ctr">
+                      <a:noFill/>
+                      <a:prstDash val="solid"/>
+                      <a:round/>
+                      <a:headEnd type="none" w="med" len="med"/>
+                      <a:tailEnd type="none" w="med" len="med"/>
+                    </a:lnR>
+                    <a:lnT w="12700" cap="flat" cmpd="sng" algn="ctr">
+                      <a:noFill/>
+                      <a:prstDash val="solid"/>
+                      <a:round/>
+                      <a:headEnd type="none" w="med" len="med"/>
+                      <a:tailEnd type="none" w="med" len="med"/>
+                    </a:lnT>
+                    <a:lnB w="12700" cap="flat" cmpd="sng" algn="ctr">
+                      <a:noFill/>
+                      <a:prstDash val="solid"/>
+                      <a:round/>
+                      <a:headEnd type="none" w="med" len="med"/>
+                      <a:tailEnd type="none" w="med" len="med"/>
+                    </a:lnB>
+                    <a:lnTlToBr w="12700" cmpd="sng">
+                      <a:noFill/>
+                      <a:prstDash val="solid"/>
+                    </a:lnTlToBr>
+                    <a:lnBlToTr w="12700" cmpd="sng">
+                      <a:noFill/>
+                      <a:prstDash val="solid"/>
+                    </a:lnBlToTr>
+                    <a:solidFill>
+                      <a:schemeClr val="bg1"/>
+                    </a:solidFill>
+                  </a:tcPr>
+                </a:tc>
+                <a:tc>
+                  <a:txBody>
+                    <a:bodyPr/>
+                    <a:lstStyle/>
+                    <a:p>
+                      <a:pPr lvl="1" algn="l"/>
+                      <a:r>
+                        <a:rPr lang="en-MY" sz="1000" b="0" dirty="0" smtClean="0">
+                          <a:solidFill>
+                            <a:schemeClr val="tx1"/>
+                          </a:solidFill>
+                          <a:latin typeface="Aptos" panose="020B0004020202020204" pitchFamily="34" charset="0"/>
+                        </a:rPr>
+                        <a:t>Memorize</a:t>
+                      </a:r>
+                      <a:endParaRPr lang="en-MY" sz="1000" b="0" dirty="0">
+                        <a:solidFill>
+                          <a:schemeClr val="tx1"/>
+                        </a:solidFill>
+                        <a:latin typeface="Aptos" panose="020B0004020202020204" pitchFamily="34" charset="0"/>
+                      </a:endParaRPr>
+                    </a:p>
+                  </a:txBody>
+                  <a:tcPr marL="0" marR="0" marT="0" marB="0" anchor="ctr">
+                    <a:lnL w="12700" cap="flat" cmpd="sng" algn="ctr">
+                      <a:noFill/>
+                      <a:prstDash val="solid"/>
+                      <a:round/>
+                      <a:headEnd type="none" w="med" len="med"/>
+                      <a:tailEnd type="none" w="med" len="med"/>
+                    </a:lnL>
+                    <a:lnR w="12700" cap="flat" cmpd="sng" algn="ctr">
+                      <a:noFill/>
+                      <a:prstDash val="solid"/>
+                      <a:round/>
+                      <a:headEnd type="none" w="med" len="med"/>
+                      <a:tailEnd type="none" w="med" len="med"/>
+                    </a:lnR>
+                    <a:lnT w="12700" cap="flat" cmpd="sng" algn="ctr">
+                      <a:noFill/>
+                      <a:prstDash val="solid"/>
+                      <a:round/>
+                      <a:headEnd type="none" w="med" len="med"/>
+                      <a:tailEnd type="none" w="med" len="med"/>
+                    </a:lnT>
+                    <a:lnB w="12700" cap="flat" cmpd="sng" algn="ctr">
+                      <a:noFill/>
+                      <a:prstDash val="solid"/>
+                      <a:round/>
+                      <a:headEnd type="none" w="med" len="med"/>
+                      <a:tailEnd type="none" w="med" len="med"/>
+                    </a:lnB>
+                    <a:lnTlToBr w="12700" cmpd="sng">
+                      <a:noFill/>
+                      <a:prstDash val="solid"/>
+                    </a:lnTlToBr>
+                    <a:lnBlToTr w="12700" cmpd="sng">
+                      <a:noFill/>
+                      <a:prstDash val="solid"/>
+                    </a:lnBlToTr>
+                    <a:solidFill>
+                      <a:schemeClr val="bg1"/>
+                    </a:solidFill>
+                  </a:tcPr>
+                </a:tc>
+                <a:tc>
+                  <a:txBody>
+                    <a:bodyPr/>
+                    <a:lstStyle/>
+                    <a:p>
+                      <a:pPr marL="457200" marR="0" lvl="1" indent="-188913" algn="l" defTabSz="914400" eaLnBrk="1" fontAlgn="auto" latinLnBrk="0" hangingPunct="1">
+                        <a:lnSpc>
+                          <a:spcPct val="100000"/>
+                        </a:lnSpc>
+                        <a:spcBef>
+                          <a:spcPts val="0"/>
+                        </a:spcBef>
+                        <a:spcAft>
+                          <a:spcPts val="0"/>
+                        </a:spcAft>
+                        <a:buClrTx/>
+                        <a:buSzTx/>
+                        <a:buFontTx/>
+                        <a:buNone/>
+                        <a:tabLst/>
+                        <a:defRPr/>
+                      </a:pPr>
+                      <a:r>
+                        <a:rPr lang="en-MY" sz="1000" b="0" i="1" dirty="0">
+                          <a:solidFill>
+                            <a:schemeClr val="tx1"/>
+                          </a:solidFill>
+                          <a:latin typeface="Aptos" panose="020B0004020202020204" pitchFamily="34" charset="0"/>
+                        </a:rPr>
+                        <a:t>…. free your mind ….. more brain time for game</a:t>
+                      </a:r>
+                    </a:p>
+                  </a:txBody>
+                  <a:tcPr marL="0" marR="0" marT="0" marB="0" anchor="ctr">
+                    <a:lnL w="12700" cap="flat" cmpd="sng" algn="ctr">
+                      <a:noFill/>
+                      <a:prstDash val="solid"/>
+                      <a:round/>
+                      <a:headEnd type="none" w="med" len="med"/>
+                      <a:tailEnd type="none" w="med" len="med"/>
+                    </a:lnL>
+                    <a:lnR w="12700" cap="flat" cmpd="sng" algn="ctr">
+                      <a:noFill/>
+                      <a:prstDash val="solid"/>
+                      <a:round/>
+                      <a:headEnd type="none" w="med" len="med"/>
+                      <a:tailEnd type="none" w="med" len="med"/>
+                    </a:lnR>
+                    <a:lnT w="12700" cap="flat" cmpd="sng" algn="ctr">
+                      <a:noFill/>
+                      <a:prstDash val="solid"/>
+                      <a:round/>
+                      <a:headEnd type="none" w="med" len="med"/>
+                      <a:tailEnd type="none" w="med" len="med"/>
+                    </a:lnT>
+                    <a:lnB w="12700" cap="flat" cmpd="sng" algn="ctr">
+                      <a:noFill/>
+                      <a:prstDash val="solid"/>
+                      <a:round/>
+                      <a:headEnd type="none" w="med" len="med"/>
+                      <a:tailEnd type="none" w="med" len="med"/>
+                    </a:lnB>
+                    <a:lnTlToBr w="12700" cmpd="sng">
+                      <a:noFill/>
+                      <a:prstDash val="solid"/>
+                    </a:lnTlToBr>
+                    <a:lnBlToTr w="12700" cmpd="sng">
+                      <a:noFill/>
+                      <a:prstDash val="solid"/>
+                    </a:lnBlToTr>
+                    <a:solidFill>
+                      <a:schemeClr val="bg1"/>
+                    </a:solidFill>
+                  </a:tcPr>
+                </a:tc>
+                <a:extLst>
+                  <a:ext uri="{0D108BD9-81ED-4DB2-BD59-A6C34878D82A}">
+                    <a16:rowId xmlns="" xmlns:a16="http://schemas.microsoft.com/office/drawing/2014/main" val="207670041"/>
+                  </a:ext>
+                </a:extLst>
+              </a:tr>
+            </a:tbl>
+          </a:graphicData>
+        </a:graphic>
+      </p:graphicFrame>
+      <p:sp>
+        <p:nvSpPr>
+          <p:cNvPr id="100" name="Partial Circle 99">
+            <a:extLst>
+              <a:ext uri="{FF2B5EF4-FFF2-40B4-BE49-F238E27FC236}">
+                <a16:creationId xmlns="" xmlns:a16="http://schemas.microsoft.com/office/drawing/2014/main" id="{49FB7735-8316-4F27-9D6A-382DD88CA670}"/>
+              </a:ext>
+            </a:extLst>
+          </p:cNvPr>
+          <p:cNvSpPr/>
+          <p:nvPr/>
+        </p:nvSpPr>
+        <p:spPr>
+          <a:xfrm>
+            <a:off x="2789638" y="1327826"/>
+            <a:ext cx="4320000" cy="4320000"/>
+          </a:xfrm>
+          <a:prstGeom prst="pie">
+            <a:avLst>
+              <a:gd name="adj1" fmla="val 8967127"/>
+              <a:gd name="adj2" fmla="val 13608392"/>
+            </a:avLst>
+          </a:prstGeom>
+          <a:solidFill>
+            <a:schemeClr val="bg1"/>
+          </a:solidFill>
+          <a:ln w="12700"/>
+        </p:spPr>
+        <p:style>
+          <a:lnRef idx="2">
+            <a:schemeClr val="dk1"/>
+          </a:lnRef>
+          <a:fillRef idx="1">
+            <a:schemeClr val="lt1"/>
+          </a:fillRef>
+          <a:effectRef idx="0">
+            <a:schemeClr val="dk1"/>
+          </a:effectRef>
+          <a:fontRef idx="minor">
+            <a:schemeClr val="dk1"/>
+          </a:fontRef>
+        </p:style>
+        <p:txBody>
+          <a:bodyPr rtlCol="0" anchor="ctr"/>
+          <a:lstStyle/>
+          <a:p>
+            <a:pPr algn="ctr"/>
+            <a:endParaRPr lang="en-MY" sz="1600"/>
+          </a:p>
+        </p:txBody>
+      </p:sp>
+      <p:graphicFrame>
+        <p:nvGraphicFramePr>
+          <p:cNvPr id="28" name="object 28"/>
+          <p:cNvGraphicFramePr>
+            <a:graphicFrameLocks noGrp="1"/>
+          </p:cNvGraphicFramePr>
+          <p:nvPr>
+            <p:extLst/>
+          </p:nvPr>
+        </p:nvGraphicFramePr>
+        <p:xfrm>
+          <a:off x="7793863" y="877711"/>
+          <a:ext cx="1511300" cy="1511300"/>
+        </p:xfrm>
+        <a:graphic>
+          <a:graphicData uri="http://schemas.openxmlformats.org/drawingml/2006/table">
+            <a:tbl>
+              <a:tblPr firstRow="1" bandRow="1">
+                <a:tableStyleId>{2D5ABB26-0587-4C30-8999-92F81FD0307C}</a:tableStyleId>
+              </a:tblPr>
+              <a:tblGrid>
+                <a:gridCol w="755650">
+                  <a:extLst>
+                    <a:ext uri="{9D8B030D-6E8A-4147-A177-3AD203B41FA5}">
+                      <a16:colId xmlns="" xmlns:a16="http://schemas.microsoft.com/office/drawing/2014/main" val="20000"/>
+                    </a:ext>
+                  </a:extLst>
+                </a:gridCol>
+                <a:gridCol w="755650">
+                  <a:extLst>
+                    <a:ext uri="{9D8B030D-6E8A-4147-A177-3AD203B41FA5}">
+                      <a16:colId xmlns="" xmlns:a16="http://schemas.microsoft.com/office/drawing/2014/main" val="20001"/>
+                    </a:ext>
+                  </a:extLst>
+                </a:gridCol>
+              </a:tblGrid>
+              <a:tr h="755650">
+                <a:tc>
+                  <a:txBody>
+                    <a:bodyPr/>
+                    <a:lstStyle/>
+                    <a:p>
+                      <a:pPr marL="1905" algn="ctr">
+                        <a:lnSpc>
+                          <a:spcPct val="100000"/>
+                        </a:lnSpc>
+                        <a:spcBef>
+                          <a:spcPts val="1375"/>
+                        </a:spcBef>
+                      </a:pPr>
+                      <a:r>
+                        <a:rPr sz="2400" spc="-50" dirty="0">
+                          <a:solidFill>
+                            <a:srgbClr val="F1F1F1"/>
+                          </a:solidFill>
+                          <a:latin typeface="Calibri"/>
+                          <a:cs typeface="Calibri"/>
+                        </a:rPr>
+                        <a:t>2</a:t>
+                      </a:r>
+                      <a:endParaRPr sz="2400">
+                        <a:latin typeface="Calibri"/>
+                        <a:cs typeface="Calibri"/>
+                      </a:endParaRPr>
+                    </a:p>
+                  </a:txBody>
+                  <a:tcPr marL="0" marR="0" marT="174625" marB="0">
+                    <a:lnL w="12700">
+                      <a:solidFill>
+                        <a:srgbClr val="FFFFFF"/>
+                      </a:solidFill>
+                      <a:prstDash val="solid"/>
+                    </a:lnL>
+                    <a:lnR w="12700">
+                      <a:solidFill>
+                        <a:srgbClr val="FFFFFF"/>
+                      </a:solidFill>
+                      <a:prstDash val="solid"/>
+                    </a:lnR>
+                    <a:lnT w="12700">
+                      <a:solidFill>
+                        <a:srgbClr val="FFFFFF"/>
+                      </a:solidFill>
+                      <a:prstDash val="solid"/>
+                    </a:lnT>
+                    <a:lnB w="12700">
+                      <a:solidFill>
+                        <a:srgbClr val="FFFFFF"/>
+                      </a:solidFill>
+                      <a:prstDash val="solid"/>
+                    </a:lnB>
+                    <a:solidFill>
+                      <a:srgbClr val="BEBEBE"/>
+                    </a:solidFill>
+                  </a:tcPr>
+                </a:tc>
+                <a:tc>
+                  <a:txBody>
+                    <a:bodyPr/>
+                    <a:lstStyle/>
+                    <a:p>
+                      <a:pPr marL="1905" algn="ctr">
+                        <a:lnSpc>
+                          <a:spcPct val="100000"/>
+                        </a:lnSpc>
+                        <a:spcBef>
+                          <a:spcPts val="1375"/>
+                        </a:spcBef>
+                      </a:pPr>
+                      <a:r>
+                        <a:rPr sz="2400" spc="-50" dirty="0">
+                          <a:solidFill>
+                            <a:srgbClr val="F1F1F1"/>
+                          </a:solidFill>
+                          <a:latin typeface="Calibri"/>
+                          <a:cs typeface="Calibri"/>
+                        </a:rPr>
+                        <a:t>3</a:t>
+                      </a:r>
+                      <a:endParaRPr sz="2400" dirty="0">
+                        <a:latin typeface="Calibri"/>
+                        <a:cs typeface="Calibri"/>
+                      </a:endParaRPr>
+                    </a:p>
+                  </a:txBody>
+                  <a:tcPr marL="0" marR="0" marT="174625" marB="0">
+                    <a:lnL w="12700">
+                      <a:solidFill>
+                        <a:srgbClr val="FFFFFF"/>
+                      </a:solidFill>
+                      <a:prstDash val="solid"/>
+                    </a:lnL>
+                    <a:lnR w="12700">
+                      <a:solidFill>
+                        <a:srgbClr val="FFFFFF"/>
+                      </a:solidFill>
+                      <a:prstDash val="solid"/>
+                    </a:lnR>
+                    <a:lnT w="12700">
+                      <a:solidFill>
+                        <a:srgbClr val="FFFFFF"/>
+                      </a:solidFill>
+                      <a:prstDash val="solid"/>
+                    </a:lnT>
+                    <a:lnB w="12700">
+                      <a:solidFill>
+                        <a:srgbClr val="FFFFFF"/>
+                      </a:solidFill>
+                      <a:prstDash val="solid"/>
+                    </a:lnB>
+                    <a:solidFill>
+                      <a:srgbClr val="BEBEBE"/>
+                    </a:solidFill>
+                  </a:tcPr>
+                </a:tc>
+                <a:extLst>
+                  <a:ext uri="{0D108BD9-81ED-4DB2-BD59-A6C34878D82A}">
+                    <a16:rowId xmlns="" xmlns:a16="http://schemas.microsoft.com/office/drawing/2014/main" val="10000"/>
+                  </a:ext>
+                </a:extLst>
+              </a:tr>
+              <a:tr h="755650">
+                <a:tc>
+                  <a:txBody>
+                    <a:bodyPr/>
+                    <a:lstStyle/>
+                    <a:p>
+                      <a:pPr marL="1905" algn="ctr">
+                        <a:lnSpc>
+                          <a:spcPct val="100000"/>
+                        </a:lnSpc>
+                        <a:spcBef>
+                          <a:spcPts val="1380"/>
+                        </a:spcBef>
+                      </a:pPr>
+                      <a:r>
+                        <a:rPr sz="2400" spc="-50" dirty="0">
+                          <a:solidFill>
+                            <a:srgbClr val="F1F1F1"/>
+                          </a:solidFill>
+                          <a:latin typeface="Calibri"/>
+                          <a:cs typeface="Calibri"/>
+                        </a:rPr>
+                        <a:t>1</a:t>
+                      </a:r>
+                      <a:endParaRPr sz="2400">
+                        <a:latin typeface="Calibri"/>
+                        <a:cs typeface="Calibri"/>
+                      </a:endParaRPr>
+                    </a:p>
+                  </a:txBody>
+                  <a:tcPr marL="0" marR="0" marT="175260" marB="0">
+                    <a:lnL w="12700">
+                      <a:solidFill>
+                        <a:srgbClr val="FFFFFF"/>
+                      </a:solidFill>
+                      <a:prstDash val="solid"/>
+                    </a:lnL>
+                    <a:lnR w="12700">
+                      <a:solidFill>
+                        <a:srgbClr val="FFFFFF"/>
+                      </a:solidFill>
+                      <a:prstDash val="solid"/>
+                    </a:lnR>
+                    <a:lnT w="12700">
+                      <a:solidFill>
+                        <a:srgbClr val="FFFFFF"/>
+                      </a:solidFill>
+                      <a:prstDash val="solid"/>
+                    </a:lnT>
+                    <a:lnB w="12700">
+                      <a:solidFill>
+                        <a:srgbClr val="FFFFFF"/>
+                      </a:solidFill>
+                      <a:prstDash val="solid"/>
+                    </a:lnB>
+                    <a:solidFill>
+                      <a:srgbClr val="BEBEBE"/>
+                    </a:solidFill>
+                  </a:tcPr>
+                </a:tc>
+                <a:tc>
+                  <a:txBody>
+                    <a:bodyPr/>
+                    <a:lstStyle/>
+                    <a:p>
+                      <a:pPr marL="1905" algn="ctr">
+                        <a:lnSpc>
+                          <a:spcPct val="100000"/>
+                        </a:lnSpc>
+                        <a:spcBef>
+                          <a:spcPts val="1380"/>
+                        </a:spcBef>
+                      </a:pPr>
+                      <a:r>
+                        <a:rPr sz="2400" spc="-50" dirty="0">
+                          <a:solidFill>
+                            <a:srgbClr val="F1F1F1"/>
+                          </a:solidFill>
+                          <a:latin typeface="Calibri"/>
+                          <a:cs typeface="Calibri"/>
+                        </a:rPr>
+                        <a:t>4</a:t>
+                      </a:r>
+                      <a:endParaRPr sz="2400" dirty="0">
+                        <a:latin typeface="Calibri"/>
+                        <a:cs typeface="Calibri"/>
+                      </a:endParaRPr>
+                    </a:p>
+                  </a:txBody>
+                  <a:tcPr marL="0" marR="0" marT="175260" marB="0">
+                    <a:lnL w="12700">
+                      <a:solidFill>
+                        <a:srgbClr val="FFFFFF"/>
+                      </a:solidFill>
+                      <a:prstDash val="solid"/>
+                    </a:lnL>
+                    <a:lnR w="12700">
+                      <a:solidFill>
+                        <a:srgbClr val="FFFFFF"/>
+                      </a:solidFill>
+                      <a:prstDash val="solid"/>
+                    </a:lnR>
+                    <a:lnT w="12700">
+                      <a:solidFill>
+                        <a:srgbClr val="FFFFFF"/>
+                      </a:solidFill>
+                      <a:prstDash val="solid"/>
+                    </a:lnT>
+                    <a:lnB w="12700">
+                      <a:solidFill>
+                        <a:srgbClr val="FFFFFF"/>
+                      </a:solidFill>
+                      <a:prstDash val="solid"/>
+                    </a:lnB>
+                    <a:solidFill>
+                      <a:srgbClr val="BEBEBE"/>
+                    </a:solidFill>
+                  </a:tcPr>
+                </a:tc>
+                <a:extLst>
+                  <a:ext uri="{0D108BD9-81ED-4DB2-BD59-A6C34878D82A}">
+                    <a16:rowId xmlns="" xmlns:a16="http://schemas.microsoft.com/office/drawing/2014/main" val="10001"/>
+                  </a:ext>
+                </a:extLst>
+              </a:tr>
+            </a:tbl>
+          </a:graphicData>
+        </a:graphic>
+      </p:graphicFrame>
+      <p:sp>
+        <p:nvSpPr>
+          <p:cNvPr id="30" name="object 30"/>
+          <p:cNvSpPr txBox="1"/>
+          <p:nvPr/>
+        </p:nvSpPr>
+        <p:spPr>
+          <a:xfrm>
+            <a:off x="2872012" y="3089620"/>
+            <a:ext cx="674370" cy="429259"/>
+          </a:xfrm>
+          <a:prstGeom prst="rect">
+            <a:avLst/>
+          </a:prstGeom>
+        </p:spPr>
+        <p:txBody>
+          <a:bodyPr vert="horz" wrap="square" lIns="0" tIns="38100" rIns="0" bIns="0" rtlCol="0">
+            <a:spAutoFit/>
+          </a:bodyPr>
+          <a:lstStyle/>
+          <a:p>
+            <a:pPr marL="133985" marR="5080" indent="-121920">
+              <a:lnSpc>
+                <a:spcPts val="1500"/>
+              </a:lnSpc>
+              <a:spcBef>
+                <a:spcPts val="300"/>
+              </a:spcBef>
+            </a:pPr>
+            <a:r>
+              <a:rPr sz="1200" spc="-20" dirty="0">
+                <a:latin typeface="Aptos Display" panose="020B0004020202020204" pitchFamily="34" charset="0"/>
+                <a:cs typeface="Calibri"/>
+              </a:rPr>
+              <a:t>Standard </a:t>
+            </a:r>
+            <a:r>
+              <a:rPr sz="1200" spc="-10" dirty="0">
+                <a:latin typeface="Aptos Display" panose="020B0004020202020204" pitchFamily="34" charset="0"/>
+                <a:cs typeface="Calibri"/>
+              </a:rPr>
+              <a:t>Rules</a:t>
+            </a:r>
+            <a:endParaRPr sz="1200" dirty="0">
+              <a:latin typeface="Aptos Display" panose="020B0004020202020204" pitchFamily="34" charset="0"/>
+              <a:cs typeface="Calibri"/>
+            </a:endParaRPr>
+          </a:p>
+        </p:txBody>
+      </p:sp>
+      <p:sp>
+        <p:nvSpPr>
+          <p:cNvPr id="31" name="object 31"/>
+          <p:cNvSpPr txBox="1"/>
+          <p:nvPr/>
+        </p:nvSpPr>
+        <p:spPr>
+          <a:xfrm>
+            <a:off x="3083407" y="2374395"/>
+            <a:ext cx="879475" cy="429259"/>
+          </a:xfrm>
+          <a:prstGeom prst="rect">
+            <a:avLst/>
+          </a:prstGeom>
+        </p:spPr>
+        <p:txBody>
+          <a:bodyPr vert="horz" wrap="square" lIns="0" tIns="38100" rIns="0" bIns="0" rtlCol="0">
+            <a:spAutoFit/>
+          </a:bodyPr>
+          <a:lstStyle/>
+          <a:p>
+            <a:pPr marL="236220" marR="5080" indent="-223520">
+              <a:lnSpc>
+                <a:spcPts val="1500"/>
+              </a:lnSpc>
+              <a:spcBef>
+                <a:spcPts val="300"/>
+              </a:spcBef>
+            </a:pPr>
+            <a:r>
+              <a:rPr sz="1200" spc="-50" dirty="0">
+                <a:latin typeface="Aptos Display" panose="020B0004020202020204" pitchFamily="34" charset="0"/>
+                <a:cs typeface="Calibri"/>
+              </a:rPr>
+              <a:t>Tournament </a:t>
+            </a:r>
+            <a:r>
+              <a:rPr sz="1200" spc="-10" dirty="0">
+                <a:latin typeface="Aptos Display" panose="020B0004020202020204" pitchFamily="34" charset="0"/>
+                <a:cs typeface="Calibri"/>
+              </a:rPr>
+              <a:t>Rules</a:t>
+            </a:r>
+            <a:endParaRPr sz="1200" dirty="0">
+              <a:latin typeface="Aptos Display" panose="020B0004020202020204" pitchFamily="34" charset="0"/>
+              <a:cs typeface="Calibri"/>
+            </a:endParaRPr>
+          </a:p>
+        </p:txBody>
+      </p:sp>
+      <p:sp>
+        <p:nvSpPr>
+          <p:cNvPr id="32" name="object 32"/>
+          <p:cNvSpPr txBox="1"/>
+          <p:nvPr/>
+        </p:nvSpPr>
+        <p:spPr>
+          <a:xfrm>
+            <a:off x="5177621" y="1731722"/>
+            <a:ext cx="857740" cy="219099"/>
+          </a:xfrm>
+          <a:prstGeom prst="rect">
+            <a:avLst/>
+          </a:prstGeom>
+        </p:spPr>
+        <p:txBody>
+          <a:bodyPr vert="horz" wrap="square" lIns="0" tIns="38100" rIns="0" bIns="0" rtlCol="0">
+            <a:spAutoFit/>
+          </a:bodyPr>
+          <a:lstStyle/>
+          <a:p>
+            <a:pPr marL="70485" marR="5080" indent="-58419">
+              <a:lnSpc>
+                <a:spcPts val="1500"/>
+              </a:lnSpc>
+              <a:spcBef>
+                <a:spcPts val="300"/>
+              </a:spcBef>
+            </a:pPr>
+            <a:r>
+              <a:rPr sz="1200" spc="-20" dirty="0">
+                <a:latin typeface="Aptos Display" panose="020B0004020202020204" pitchFamily="34" charset="0"/>
+                <a:cs typeface="Calibri"/>
+              </a:rPr>
+              <a:t>Game Plan</a:t>
+            </a:r>
+            <a:endParaRPr sz="1200" dirty="0">
+              <a:latin typeface="Aptos Display" panose="020B0004020202020204" pitchFamily="34" charset="0"/>
+              <a:cs typeface="Calibri"/>
+            </a:endParaRPr>
+          </a:p>
+        </p:txBody>
+      </p:sp>
+      <p:sp>
+        <p:nvSpPr>
+          <p:cNvPr id="38" name="object 38"/>
+          <p:cNvSpPr/>
+          <p:nvPr/>
+        </p:nvSpPr>
+        <p:spPr>
+          <a:xfrm>
+            <a:off x="2871827" y="4229560"/>
+            <a:ext cx="1371222" cy="1258796"/>
+          </a:xfrm>
+          <a:custGeom>
+            <a:avLst/>
+            <a:gdLst/>
+            <a:ahLst/>
+            <a:cxnLst/>
+            <a:rect l="l" t="t" r="r" b="b"/>
+            <a:pathLst>
+              <a:path w="1615439" h="1577339">
+                <a:moveTo>
+                  <a:pt x="807719" y="0"/>
+                </a:moveTo>
+                <a:lnTo>
+                  <a:pt x="758509" y="1439"/>
+                </a:lnTo>
+                <a:lnTo>
+                  <a:pt x="710080" y="5701"/>
+                </a:lnTo>
+                <a:lnTo>
+                  <a:pt x="662515" y="12705"/>
+                </a:lnTo>
+                <a:lnTo>
+                  <a:pt x="615900" y="22367"/>
+                </a:lnTo>
+                <a:lnTo>
+                  <a:pt x="570319" y="34605"/>
+                </a:lnTo>
+                <a:lnTo>
+                  <a:pt x="525856" y="49336"/>
+                </a:lnTo>
+                <a:lnTo>
+                  <a:pt x="482596" y="66479"/>
+                </a:lnTo>
+                <a:lnTo>
+                  <a:pt x="440623" y="85950"/>
+                </a:lnTo>
+                <a:lnTo>
+                  <a:pt x="400021" y="107667"/>
+                </a:lnTo>
+                <a:lnTo>
+                  <a:pt x="360876" y="131548"/>
+                </a:lnTo>
+                <a:lnTo>
+                  <a:pt x="323271" y="157511"/>
+                </a:lnTo>
+                <a:lnTo>
+                  <a:pt x="287291" y="185472"/>
+                </a:lnTo>
+                <a:lnTo>
+                  <a:pt x="253021" y="215349"/>
+                </a:lnTo>
+                <a:lnTo>
+                  <a:pt x="220544" y="247060"/>
+                </a:lnTo>
+                <a:lnTo>
+                  <a:pt x="189946" y="280523"/>
+                </a:lnTo>
+                <a:lnTo>
+                  <a:pt x="161310" y="315655"/>
+                </a:lnTo>
+                <a:lnTo>
+                  <a:pt x="134721" y="352373"/>
+                </a:lnTo>
+                <a:lnTo>
+                  <a:pt x="110264" y="390595"/>
+                </a:lnTo>
+                <a:lnTo>
+                  <a:pt x="88022" y="430239"/>
+                </a:lnTo>
+                <a:lnTo>
+                  <a:pt x="68082" y="471222"/>
+                </a:lnTo>
+                <a:lnTo>
+                  <a:pt x="50526" y="513461"/>
+                </a:lnTo>
+                <a:lnTo>
+                  <a:pt x="35439" y="556875"/>
+                </a:lnTo>
+                <a:lnTo>
+                  <a:pt x="22906" y="601380"/>
+                </a:lnTo>
+                <a:lnTo>
+                  <a:pt x="13011" y="646895"/>
+                </a:lnTo>
+                <a:lnTo>
+                  <a:pt x="5839" y="693336"/>
+                </a:lnTo>
+                <a:lnTo>
+                  <a:pt x="1473" y="740622"/>
+                </a:lnTo>
+                <a:lnTo>
+                  <a:pt x="0" y="788669"/>
+                </a:lnTo>
+                <a:lnTo>
+                  <a:pt x="1473" y="836713"/>
+                </a:lnTo>
+                <a:lnTo>
+                  <a:pt x="5839" y="883996"/>
+                </a:lnTo>
+                <a:lnTo>
+                  <a:pt x="13011" y="930434"/>
+                </a:lnTo>
+                <a:lnTo>
+                  <a:pt x="22906" y="975947"/>
+                </a:lnTo>
+                <a:lnTo>
+                  <a:pt x="35439" y="1020450"/>
+                </a:lnTo>
+                <a:lnTo>
+                  <a:pt x="50526" y="1063863"/>
+                </a:lnTo>
+                <a:lnTo>
+                  <a:pt x="68082" y="1106101"/>
+                </a:lnTo>
+                <a:lnTo>
+                  <a:pt x="88022" y="1147083"/>
+                </a:lnTo>
+                <a:lnTo>
+                  <a:pt x="110264" y="1186727"/>
+                </a:lnTo>
+                <a:lnTo>
+                  <a:pt x="134721" y="1224949"/>
+                </a:lnTo>
+                <a:lnTo>
+                  <a:pt x="161310" y="1261668"/>
+                </a:lnTo>
+                <a:lnTo>
+                  <a:pt x="189946" y="1296800"/>
+                </a:lnTo>
+                <a:lnTo>
+                  <a:pt x="220544" y="1330264"/>
+                </a:lnTo>
+                <a:lnTo>
+                  <a:pt x="253021" y="1361976"/>
+                </a:lnTo>
+                <a:lnTo>
+                  <a:pt x="287291" y="1391855"/>
+                </a:lnTo>
+                <a:lnTo>
+                  <a:pt x="323271" y="1419817"/>
+                </a:lnTo>
+                <a:lnTo>
+                  <a:pt x="360876" y="1445781"/>
+                </a:lnTo>
+                <a:lnTo>
+                  <a:pt x="400021" y="1469663"/>
+                </a:lnTo>
+                <a:lnTo>
+                  <a:pt x="440623" y="1491382"/>
+                </a:lnTo>
+                <a:lnTo>
+                  <a:pt x="482596" y="1510855"/>
+                </a:lnTo>
+                <a:lnTo>
+                  <a:pt x="525856" y="1527998"/>
+                </a:lnTo>
+                <a:lnTo>
+                  <a:pt x="570319" y="1542731"/>
+                </a:lnTo>
+                <a:lnTo>
+                  <a:pt x="615900" y="1554970"/>
+                </a:lnTo>
+                <a:lnTo>
+                  <a:pt x="662515" y="1564633"/>
+                </a:lnTo>
+                <a:lnTo>
+                  <a:pt x="710080" y="1571637"/>
+                </a:lnTo>
+                <a:lnTo>
+                  <a:pt x="758509" y="1575900"/>
+                </a:lnTo>
+                <a:lnTo>
+                  <a:pt x="807719" y="1577339"/>
+                </a:lnTo>
+                <a:lnTo>
+                  <a:pt x="856930" y="1575900"/>
+                </a:lnTo>
+                <a:lnTo>
+                  <a:pt x="905359" y="1571637"/>
+                </a:lnTo>
+                <a:lnTo>
+                  <a:pt x="952924" y="1564633"/>
+                </a:lnTo>
+                <a:lnTo>
+                  <a:pt x="999539" y="1554970"/>
+                </a:lnTo>
+                <a:lnTo>
+                  <a:pt x="1045120" y="1542731"/>
+                </a:lnTo>
+                <a:lnTo>
+                  <a:pt x="1089583" y="1527998"/>
+                </a:lnTo>
+                <a:lnTo>
+                  <a:pt x="1132843" y="1510855"/>
+                </a:lnTo>
+                <a:lnTo>
+                  <a:pt x="1174816" y="1491382"/>
+                </a:lnTo>
+                <a:lnTo>
+                  <a:pt x="1215418" y="1469663"/>
+                </a:lnTo>
+                <a:lnTo>
+                  <a:pt x="1254563" y="1445781"/>
+                </a:lnTo>
+                <a:lnTo>
+                  <a:pt x="1292168" y="1419817"/>
+                </a:lnTo>
+                <a:lnTo>
+                  <a:pt x="1328148" y="1391855"/>
+                </a:lnTo>
+                <a:lnTo>
+                  <a:pt x="1362418" y="1361976"/>
+                </a:lnTo>
+                <a:lnTo>
+                  <a:pt x="1394895" y="1330264"/>
+                </a:lnTo>
+                <a:lnTo>
+                  <a:pt x="1425493" y="1296800"/>
+                </a:lnTo>
+                <a:lnTo>
+                  <a:pt x="1454129" y="1261668"/>
+                </a:lnTo>
+                <a:lnTo>
+                  <a:pt x="1480718" y="1224949"/>
+                </a:lnTo>
+                <a:lnTo>
+                  <a:pt x="1505175" y="1186727"/>
+                </a:lnTo>
+                <a:lnTo>
+                  <a:pt x="1527417" y="1147083"/>
+                </a:lnTo>
+                <a:lnTo>
+                  <a:pt x="1547357" y="1106101"/>
+                </a:lnTo>
+                <a:lnTo>
+                  <a:pt x="1564913" y="1063863"/>
+                </a:lnTo>
+                <a:lnTo>
+                  <a:pt x="1580000" y="1020450"/>
+                </a:lnTo>
+                <a:lnTo>
+                  <a:pt x="1592533" y="975947"/>
+                </a:lnTo>
+                <a:lnTo>
+                  <a:pt x="1602428" y="930434"/>
+                </a:lnTo>
+                <a:lnTo>
+                  <a:pt x="1609600" y="883996"/>
+                </a:lnTo>
+                <a:lnTo>
+                  <a:pt x="1613966" y="836713"/>
+                </a:lnTo>
+                <a:lnTo>
+                  <a:pt x="1615440" y="788669"/>
+                </a:lnTo>
+                <a:lnTo>
+                  <a:pt x="1613966" y="740622"/>
+                </a:lnTo>
+                <a:lnTo>
+                  <a:pt x="1609600" y="693336"/>
+                </a:lnTo>
+                <a:lnTo>
+                  <a:pt x="1602428" y="646895"/>
+                </a:lnTo>
+                <a:lnTo>
+                  <a:pt x="1592533" y="601380"/>
+                </a:lnTo>
+                <a:lnTo>
+                  <a:pt x="1580000" y="556875"/>
+                </a:lnTo>
+                <a:lnTo>
+                  <a:pt x="1564913" y="513461"/>
+                </a:lnTo>
+                <a:lnTo>
+                  <a:pt x="1547357" y="471222"/>
+                </a:lnTo>
+                <a:lnTo>
+                  <a:pt x="1527417" y="430239"/>
+                </a:lnTo>
+                <a:lnTo>
+                  <a:pt x="1505175" y="390595"/>
+                </a:lnTo>
+                <a:lnTo>
+                  <a:pt x="1480718" y="352373"/>
+                </a:lnTo>
+                <a:lnTo>
+                  <a:pt x="1454129" y="315655"/>
+                </a:lnTo>
+                <a:lnTo>
+                  <a:pt x="1425493" y="280523"/>
+                </a:lnTo>
+                <a:lnTo>
+                  <a:pt x="1394895" y="247060"/>
+                </a:lnTo>
+                <a:lnTo>
+                  <a:pt x="1362418" y="215349"/>
+                </a:lnTo>
+                <a:lnTo>
+                  <a:pt x="1328148" y="185472"/>
+                </a:lnTo>
+                <a:lnTo>
+                  <a:pt x="1292168" y="157511"/>
+                </a:lnTo>
+                <a:lnTo>
+                  <a:pt x="1254563" y="131548"/>
+                </a:lnTo>
+                <a:lnTo>
+                  <a:pt x="1215418" y="107667"/>
+                </a:lnTo>
+                <a:lnTo>
+                  <a:pt x="1174816" y="85950"/>
+                </a:lnTo>
+                <a:lnTo>
+                  <a:pt x="1132843" y="66479"/>
+                </a:lnTo>
+                <a:lnTo>
+                  <a:pt x="1089583" y="49336"/>
+                </a:lnTo>
+                <a:lnTo>
+                  <a:pt x="1045120" y="34605"/>
+                </a:lnTo>
+                <a:lnTo>
+                  <a:pt x="999539" y="22367"/>
+                </a:lnTo>
+                <a:lnTo>
+                  <a:pt x="952924" y="12705"/>
+                </a:lnTo>
+                <a:lnTo>
+                  <a:pt x="905359" y="5701"/>
+                </a:lnTo>
+                <a:lnTo>
+                  <a:pt x="856930" y="1439"/>
+                </a:lnTo>
+                <a:lnTo>
+                  <a:pt x="807719" y="0"/>
+                </a:lnTo>
+                <a:close/>
+              </a:path>
+            </a:pathLst>
+          </a:custGeom>
+          <a:noFill/>
+        </p:spPr>
+        <p:txBody>
+          <a:bodyPr wrap="square" lIns="0" tIns="0" rIns="0" bIns="0" rtlCol="0"/>
+          <a:lstStyle/>
+          <a:p>
+            <a:endParaRPr sz="1600">
+              <a:latin typeface="Aptos Display" panose="020B0004020202020204" pitchFamily="34" charset="0"/>
+            </a:endParaRPr>
+          </a:p>
+        </p:txBody>
+      </p:sp>
+      <p:sp>
+        <p:nvSpPr>
+          <p:cNvPr id="39" name="object 39"/>
+          <p:cNvSpPr txBox="1"/>
+          <p:nvPr/>
+        </p:nvSpPr>
+        <p:spPr>
+          <a:xfrm>
+            <a:off x="3157273" y="4619153"/>
+            <a:ext cx="857250" cy="429259"/>
+          </a:xfrm>
+          <a:prstGeom prst="rect">
+            <a:avLst/>
+          </a:prstGeom>
+        </p:spPr>
+        <p:txBody>
+          <a:bodyPr vert="horz" wrap="square" lIns="0" tIns="38100" rIns="0" bIns="0" rtlCol="0">
+            <a:spAutoFit/>
+          </a:bodyPr>
+          <a:lstStyle/>
+          <a:p>
+            <a:pPr marL="236220" marR="5080" indent="-224154">
+              <a:lnSpc>
+                <a:spcPts val="1500"/>
+              </a:lnSpc>
+              <a:spcBef>
+                <a:spcPts val="300"/>
+              </a:spcBef>
+            </a:pPr>
+            <a:r>
+              <a:rPr sz="1200" spc="-10" dirty="0">
+                <a:solidFill>
+                  <a:srgbClr val="498038"/>
+                </a:solidFill>
+                <a:latin typeface="Aptos Display" panose="020B0004020202020204" pitchFamily="34" charset="0"/>
+                <a:cs typeface="Calibri"/>
+              </a:rPr>
+              <a:t>Confidence Level</a:t>
+            </a:r>
+            <a:endParaRPr sz="1200" dirty="0">
+              <a:latin typeface="Aptos Display" panose="020B0004020202020204" pitchFamily="34" charset="0"/>
+              <a:cs typeface="Calibri"/>
+            </a:endParaRPr>
+          </a:p>
+        </p:txBody>
+      </p:sp>
+      <p:sp>
+        <p:nvSpPr>
+          <p:cNvPr id="45" name="object 45"/>
+          <p:cNvSpPr/>
+          <p:nvPr/>
+        </p:nvSpPr>
+        <p:spPr>
+          <a:xfrm>
+            <a:off x="7093824" y="3129212"/>
+            <a:ext cx="2431175" cy="826439"/>
+          </a:xfrm>
+          <a:custGeom>
+            <a:avLst/>
+            <a:gdLst/>
+            <a:ahLst/>
+            <a:cxnLst/>
+            <a:rect l="l" t="t" r="r" b="b"/>
+            <a:pathLst>
+              <a:path w="1978659" h="1259839">
+                <a:moveTo>
+                  <a:pt x="1978659" y="209931"/>
+                </a:moveTo>
+                <a:lnTo>
+                  <a:pt x="1978659" y="1049909"/>
+                </a:lnTo>
+                <a:lnTo>
+                  <a:pt x="1973116" y="1098047"/>
+                </a:lnTo>
+                <a:lnTo>
+                  <a:pt x="1957323" y="1142235"/>
+                </a:lnTo>
+                <a:lnTo>
+                  <a:pt x="1932543" y="1181214"/>
+                </a:lnTo>
+                <a:lnTo>
+                  <a:pt x="1900034" y="1213723"/>
+                </a:lnTo>
+                <a:lnTo>
+                  <a:pt x="1861055" y="1238504"/>
+                </a:lnTo>
+                <a:lnTo>
+                  <a:pt x="1816867" y="1254296"/>
+                </a:lnTo>
+                <a:lnTo>
+                  <a:pt x="1768728" y="1259840"/>
+                </a:lnTo>
+                <a:lnTo>
+                  <a:pt x="0" y="1259840"/>
+                </a:lnTo>
+                <a:lnTo>
+                  <a:pt x="0" y="0"/>
+                </a:lnTo>
+                <a:lnTo>
+                  <a:pt x="1768728" y="0"/>
+                </a:lnTo>
+                <a:lnTo>
+                  <a:pt x="1816867" y="5543"/>
+                </a:lnTo>
+                <a:lnTo>
+                  <a:pt x="1861055" y="21336"/>
+                </a:lnTo>
+                <a:lnTo>
+                  <a:pt x="1900034" y="46116"/>
+                </a:lnTo>
+                <a:lnTo>
+                  <a:pt x="1932543" y="78625"/>
+                </a:lnTo>
+                <a:lnTo>
+                  <a:pt x="1957323" y="117604"/>
+                </a:lnTo>
+                <a:lnTo>
+                  <a:pt x="1973116" y="161792"/>
+                </a:lnTo>
+                <a:lnTo>
+                  <a:pt x="1978659" y="209931"/>
+                </a:lnTo>
+                <a:close/>
+              </a:path>
+            </a:pathLst>
+          </a:custGeom>
+          <a:ln w="12700">
+            <a:solidFill>
+              <a:srgbClr val="000000"/>
+            </a:solidFill>
+          </a:ln>
+        </p:spPr>
+        <p:txBody>
+          <a:bodyPr wrap="square" lIns="0" tIns="0" rIns="0" bIns="0" rtlCol="0"/>
+          <a:lstStyle/>
+          <a:p>
+            <a:endParaRPr>
+              <a:latin typeface="Aptos Display" panose="020B0004020202020204" pitchFamily="34" charset="0"/>
+            </a:endParaRPr>
+          </a:p>
+        </p:txBody>
+      </p:sp>
+      <p:pic>
+        <p:nvPicPr>
+          <p:cNvPr id="50" name="object 50"/>
+          <p:cNvPicPr/>
+          <p:nvPr/>
+        </p:nvPicPr>
+        <p:blipFill rotWithShape="1">
+          <a:blip r:embed="rId5" cstate="print">
+            <a:extLst>
+              <a:ext uri="{BEBA8EAE-BF5A-486C-A8C5-ECC9F3942E4B}">
+                <a14:imgProps xmlns:a14="http://schemas.microsoft.com/office/drawing/2010/main">
+                  <a14:imgLayer r:embed="rId6">
+                    <a14:imgEffect>
+                      <a14:colorTemperature colorTemp="8800"/>
+                    </a14:imgEffect>
+                  </a14:imgLayer>
+                </a14:imgProps>
+              </a:ext>
+            </a:extLst>
+          </a:blip>
+          <a:srcRect l="5065" t="4193" r="3793" b="4665"/>
+          <a:stretch/>
+        </p:blipFill>
+        <p:spPr>
+          <a:xfrm>
+            <a:off x="821548" y="4170403"/>
+            <a:ext cx="2340000" cy="2340000"/>
+          </a:xfrm>
+          <a:prstGeom prst="ellipse">
+            <a:avLst/>
+          </a:prstGeom>
+          <a:ln>
+            <a:noFill/>
+          </a:ln>
+          <a:effectLst>
+            <a:outerShdw blurRad="355600" dist="127000" dir="9000000" sx="104000" sy="104000" algn="tl" rotWithShape="0">
+              <a:srgbClr val="333333">
+                <a:alpha val="65000"/>
+              </a:srgbClr>
+            </a:outerShdw>
+          </a:effectLst>
+        </p:spPr>
+      </p:pic>
+      <p:pic>
+        <p:nvPicPr>
+          <p:cNvPr id="1026" name="Picture 2" descr="The mind-heart connection | Women's Wellness">
+            <a:extLst>
+              <a:ext uri="{FF2B5EF4-FFF2-40B4-BE49-F238E27FC236}">
+                <a16:creationId xmlns="" xmlns:a16="http://schemas.microsoft.com/office/drawing/2014/main" id="{50A03586-44F4-DC5E-A467-306940D7F9DF}"/>
+              </a:ext>
+            </a:extLst>
+          </p:cNvPr>
+          <p:cNvPicPr>
+            <a:picLocks noChangeAspect="1" noChangeArrowheads="1"/>
+          </p:cNvPicPr>
+          <p:nvPr/>
+        </p:nvPicPr>
+        <p:blipFill>
+          <a:blip r:embed="rId7" cstate="print">
+            <a:extLst>
+              <a:ext uri="{BEBA8EAE-BF5A-486C-A8C5-ECC9F3942E4B}">
+                <a14:imgProps xmlns:a14="http://schemas.microsoft.com/office/drawing/2010/main">
+                  <a14:imgLayer r:embed="rId8">
+                    <a14:imgEffect>
+                      <a14:brightnessContrast bright="20000" contrast="-20000"/>
+                    </a14:imgEffect>
+                  </a14:imgLayer>
+                </a14:imgProps>
+              </a:ext>
+              <a:ext uri="{28A0092B-C50C-407E-A947-70E740481C1C}">
+                <a14:useLocalDpi xmlns:a14="http://schemas.microsoft.com/office/drawing/2010/main" val="0"/>
+              </a:ext>
+            </a:extLst>
+          </a:blip>
+          <a:srcRect/>
+          <a:stretch>
+            <a:fillRect/>
+          </a:stretch>
+        </p:blipFill>
+        <p:spPr bwMode="auto">
+          <a:xfrm>
+            <a:off x="4201147" y="5071697"/>
+            <a:ext cx="1741111" cy="1305833"/>
+          </a:xfrm>
+          <a:prstGeom prst="roundRect">
+            <a:avLst>
+              <a:gd name="adj" fmla="val 46293"/>
+            </a:avLst>
+          </a:prstGeom>
+          <a:solidFill>
+            <a:srgbClr val="FFFFFF">
+              <a:shade val="85000"/>
+            </a:srgbClr>
+          </a:solidFill>
+          <a:ln>
+            <a:noFill/>
+          </a:ln>
+          <a:effectLst>
+            <a:reflection blurRad="12700" stA="38000" endPos="28000" dist="5000" dir="5400000" sy="-100000" algn="bl" rotWithShape="0"/>
+          </a:effectLst>
+        </p:spPr>
+      </p:pic>
+      <p:sp>
+        <p:nvSpPr>
+          <p:cNvPr id="47" name="object 47"/>
+          <p:cNvSpPr txBox="1"/>
+          <p:nvPr/>
+        </p:nvSpPr>
+        <p:spPr>
+          <a:xfrm>
+            <a:off x="4554139" y="4948947"/>
+            <a:ext cx="1308102" cy="232500"/>
+          </a:xfrm>
+          <a:prstGeom prst="rect">
+            <a:avLst/>
+          </a:prstGeom>
+        </p:spPr>
+        <p:txBody>
+          <a:bodyPr vert="horz" wrap="square" lIns="0" tIns="38100" rIns="0" bIns="0" rtlCol="0">
+            <a:spAutoFit/>
+          </a:bodyPr>
+          <a:lstStyle/>
+          <a:p>
+            <a:pPr marL="12700" marR="5080" indent="12700">
+              <a:lnSpc>
+                <a:spcPts val="1500"/>
+              </a:lnSpc>
+              <a:spcBef>
+                <a:spcPts val="300"/>
+              </a:spcBef>
+            </a:pPr>
+            <a:r>
+              <a:rPr sz="1200" spc="-10" dirty="0">
+                <a:latin typeface="Aptos Display" panose="020B0004020202020204" pitchFamily="34" charset="0"/>
+                <a:cs typeface="Calibri"/>
+              </a:rPr>
+              <a:t>Positive mindset</a:t>
+            </a:r>
+            <a:endParaRPr sz="1200" dirty="0">
+              <a:latin typeface="Aptos Display" panose="020B0004020202020204" pitchFamily="34" charset="0"/>
+              <a:cs typeface="Calibri"/>
+            </a:endParaRPr>
+          </a:p>
+        </p:txBody>
+      </p:sp>
+      <p:sp>
+        <p:nvSpPr>
+          <p:cNvPr id="80" name="Oval 79">
+            <a:extLst>
+              <a:ext uri="{FF2B5EF4-FFF2-40B4-BE49-F238E27FC236}">
+                <a16:creationId xmlns="" xmlns:a16="http://schemas.microsoft.com/office/drawing/2014/main" id="{75EA7FC4-ED55-9BD5-41A0-DEC4E0923494}"/>
+              </a:ext>
+            </a:extLst>
+          </p:cNvPr>
+          <p:cNvSpPr/>
+          <p:nvPr/>
+        </p:nvSpPr>
+        <p:spPr>
+          <a:xfrm>
+            <a:off x="3886922" y="2363287"/>
+            <a:ext cx="2160000" cy="2160000"/>
+          </a:xfrm>
+          <a:prstGeom prst="ellipse">
+            <a:avLst/>
+          </a:prstGeom>
+          <a:solidFill>
+            <a:srgbClr val="F1F1F1"/>
+          </a:solidFill>
+          <a:ln w="12700"/>
+        </p:spPr>
+        <p:style>
+          <a:lnRef idx="2">
+            <a:schemeClr val="dk1"/>
+          </a:lnRef>
+          <a:fillRef idx="1">
+            <a:schemeClr val="lt1"/>
+          </a:fillRef>
+          <a:effectRef idx="0">
+            <a:schemeClr val="dk1"/>
+          </a:effectRef>
+          <a:fontRef idx="minor">
+            <a:schemeClr val="dk1"/>
+          </a:fontRef>
+        </p:style>
+        <p:txBody>
+          <a:bodyPr rtlCol="0" anchor="ctr"/>
+          <a:lstStyle/>
+          <a:p>
+            <a:pPr algn="ctr"/>
+            <a:endParaRPr lang="en-MY" sz="1600"/>
+          </a:p>
+        </p:txBody>
+      </p:sp>
+      <p:pic>
+        <p:nvPicPr>
+          <p:cNvPr id="61" name="object 61"/>
+          <p:cNvPicPr/>
+          <p:nvPr/>
+        </p:nvPicPr>
+        <p:blipFill>
+          <a:blip r:embed="rId9" cstate="print"/>
+          <a:stretch>
+            <a:fillRect/>
+          </a:stretch>
+        </p:blipFill>
+        <p:spPr>
+          <a:xfrm>
+            <a:off x="4538281" y="3002107"/>
+            <a:ext cx="822960" cy="822960"/>
+          </a:xfrm>
+          <a:prstGeom prst="rect">
+            <a:avLst/>
+          </a:prstGeom>
+        </p:spPr>
+      </p:pic>
+      <p:sp>
+        <p:nvSpPr>
+          <p:cNvPr id="62" name="object 62"/>
+          <p:cNvSpPr txBox="1"/>
+          <p:nvPr/>
+        </p:nvSpPr>
+        <p:spPr>
+          <a:xfrm>
+            <a:off x="4590283" y="2523360"/>
+            <a:ext cx="716663" cy="382156"/>
+          </a:xfrm>
+          <a:prstGeom prst="rect">
+            <a:avLst/>
+          </a:prstGeom>
+        </p:spPr>
+        <p:txBody>
+          <a:bodyPr vert="horz" wrap="square" lIns="0" tIns="12700" rIns="0" bIns="0" rtlCol="0">
+            <a:spAutoFit/>
+          </a:bodyPr>
+          <a:lstStyle/>
+          <a:p>
+            <a:pPr marL="12700" algn="ctr">
+              <a:lnSpc>
+                <a:spcPct val="100000"/>
+              </a:lnSpc>
+              <a:spcBef>
+                <a:spcPts val="100"/>
+              </a:spcBef>
+            </a:pPr>
+            <a:r>
+              <a:rPr sz="1200" b="1" dirty="0">
+                <a:latin typeface="Aptos Display" panose="020B0004020202020204" pitchFamily="34" charset="0"/>
+                <a:cs typeface="Calibri"/>
+              </a:rPr>
+              <a:t>Strategy</a:t>
+            </a:r>
+            <a:r>
+              <a:rPr sz="1200" b="1" spc="-5" dirty="0">
+                <a:latin typeface="Aptos Display" panose="020B0004020202020204" pitchFamily="34" charset="0"/>
+                <a:cs typeface="Calibri"/>
+              </a:rPr>
+              <a:t> </a:t>
+            </a:r>
+            <a:r>
+              <a:rPr sz="1200" b="1" spc="-50" dirty="0">
+                <a:latin typeface="Aptos Display" panose="020B0004020202020204" pitchFamily="34" charset="0"/>
+                <a:cs typeface="Calibri"/>
+              </a:rPr>
+              <a:t>&amp;</a:t>
+            </a:r>
+            <a:r>
+              <a:rPr lang="en-MY" sz="1200" b="1" spc="-50" dirty="0">
+                <a:latin typeface="Aptos Display" panose="020B0004020202020204" pitchFamily="34" charset="0"/>
+                <a:cs typeface="Calibri"/>
+              </a:rPr>
+              <a:t> Tactics</a:t>
+            </a:r>
+            <a:endParaRPr sz="1200" dirty="0">
+              <a:latin typeface="Aptos Display" panose="020B0004020202020204" pitchFamily="34" charset="0"/>
+              <a:cs typeface="Calibri"/>
+            </a:endParaRPr>
+          </a:p>
+        </p:txBody>
+      </p:sp>
+      <p:sp>
+        <p:nvSpPr>
+          <p:cNvPr id="56" name="object 56"/>
+          <p:cNvSpPr txBox="1"/>
+          <p:nvPr/>
+        </p:nvSpPr>
+        <p:spPr>
+          <a:xfrm>
+            <a:off x="5385130" y="3055937"/>
+            <a:ext cx="563245" cy="566822"/>
+          </a:xfrm>
+          <a:prstGeom prst="rect">
+            <a:avLst/>
+          </a:prstGeom>
+        </p:spPr>
+        <p:txBody>
+          <a:bodyPr vert="horz" wrap="square" lIns="0" tIns="12700" rIns="0" bIns="0" rtlCol="0">
+            <a:spAutoFit/>
+          </a:bodyPr>
+          <a:lstStyle/>
+          <a:p>
+            <a:pPr marL="12700" marR="5080" indent="-635" algn="ctr">
+              <a:lnSpc>
+                <a:spcPct val="100000"/>
+              </a:lnSpc>
+              <a:spcBef>
+                <a:spcPts val="100"/>
+              </a:spcBef>
+            </a:pPr>
+            <a:r>
+              <a:rPr sz="1200" b="1" spc="40" dirty="0">
+                <a:latin typeface="Aptos Display" panose="020B0004020202020204" pitchFamily="34" charset="0"/>
+                <a:cs typeface="Calibri"/>
+              </a:rPr>
+              <a:t>Skills </a:t>
+            </a:r>
+            <a:r>
+              <a:rPr sz="1200" b="1" spc="-50" dirty="0">
+                <a:latin typeface="Aptos Display" panose="020B0004020202020204" pitchFamily="34" charset="0"/>
+                <a:cs typeface="Calibri"/>
+              </a:rPr>
+              <a:t>&amp; </a:t>
+            </a:r>
+            <a:r>
+              <a:rPr sz="1200" b="1" spc="-10" dirty="0">
+                <a:latin typeface="Aptos Display" panose="020B0004020202020204" pitchFamily="34" charset="0"/>
+                <a:cs typeface="Calibri"/>
+              </a:rPr>
+              <a:t>Tactics</a:t>
+            </a:r>
+            <a:endParaRPr sz="1200" dirty="0">
+              <a:latin typeface="Aptos Display" panose="020B0004020202020204" pitchFamily="34" charset="0"/>
+              <a:cs typeface="Calibri"/>
+            </a:endParaRPr>
+          </a:p>
+        </p:txBody>
+      </p:sp>
+      <p:sp>
+        <p:nvSpPr>
+          <p:cNvPr id="86" name="TextBox 85">
+            <a:extLst>
+              <a:ext uri="{FF2B5EF4-FFF2-40B4-BE49-F238E27FC236}">
+                <a16:creationId xmlns="" xmlns:a16="http://schemas.microsoft.com/office/drawing/2014/main" id="{4F179610-6C1D-A702-1FE1-0B2902A03341}"/>
+              </a:ext>
+            </a:extLst>
+          </p:cNvPr>
+          <p:cNvSpPr txBox="1"/>
+          <p:nvPr/>
+        </p:nvSpPr>
+        <p:spPr>
+          <a:xfrm>
+            <a:off x="4521077" y="3977693"/>
+            <a:ext cx="735073" cy="382156"/>
+          </a:xfrm>
+          <a:prstGeom prst="rect">
+            <a:avLst/>
+          </a:prstGeom>
+        </p:spPr>
+        <p:txBody>
+          <a:bodyPr vert="horz" wrap="square" lIns="0" tIns="12700" rIns="0" bIns="0" rtlCol="0">
+            <a:spAutoFit/>
+          </a:bodyPr>
+          <a:lstStyle>
+            <a:defPPr>
+              <a:defRPr kern="0"/>
+            </a:defPPr>
+            <a:lvl1pPr marL="12700" marR="5080" indent="-635" algn="ctr">
+              <a:lnSpc>
+                <a:spcPct val="100000"/>
+              </a:lnSpc>
+              <a:spcBef>
+                <a:spcPts val="100"/>
+              </a:spcBef>
+              <a:defRPr sz="1400" b="1" spc="40">
+                <a:latin typeface="Aptos Display" panose="020B0004020202020204" pitchFamily="34" charset="0"/>
+                <a:cs typeface="Calibri"/>
+              </a:defRPr>
+            </a:lvl1pPr>
+          </a:lstStyle>
+          <a:p>
+            <a:r>
+              <a:rPr lang="en-MY" sz="1200" dirty="0"/>
+              <a:t>In the Zone</a:t>
+            </a:r>
+          </a:p>
+        </p:txBody>
+      </p:sp>
+      <p:sp>
+        <p:nvSpPr>
+          <p:cNvPr id="57" name="object 57"/>
+          <p:cNvSpPr txBox="1"/>
+          <p:nvPr/>
+        </p:nvSpPr>
+        <p:spPr>
+          <a:xfrm>
+            <a:off x="4002405" y="3206233"/>
+            <a:ext cx="480059" cy="429259"/>
+          </a:xfrm>
+          <a:prstGeom prst="rect">
+            <a:avLst/>
+          </a:prstGeom>
+        </p:spPr>
+        <p:txBody>
+          <a:bodyPr vert="horz" wrap="square" lIns="0" tIns="38100" rIns="0" bIns="0" rtlCol="0">
+            <a:spAutoFit/>
+          </a:bodyPr>
+          <a:lstStyle/>
+          <a:p>
+            <a:pPr marL="25400" marR="5080" indent="-12700">
+              <a:lnSpc>
+                <a:spcPts val="1500"/>
+              </a:lnSpc>
+              <a:spcBef>
+                <a:spcPts val="300"/>
+              </a:spcBef>
+            </a:pPr>
+            <a:r>
+              <a:rPr sz="1200" b="1" spc="-20" dirty="0">
+                <a:latin typeface="Aptos Display" panose="020B0004020202020204" pitchFamily="34" charset="0"/>
+                <a:cs typeface="Calibri"/>
+              </a:rPr>
+              <a:t>Game </a:t>
+            </a:r>
+            <a:r>
+              <a:rPr sz="1200" b="1" spc="-10" dirty="0">
+                <a:latin typeface="Aptos Display" panose="020B0004020202020204" pitchFamily="34" charset="0"/>
+                <a:cs typeface="Calibri"/>
+              </a:rPr>
+              <a:t>Rules</a:t>
+            </a:r>
+            <a:endParaRPr sz="1200" dirty="0">
+              <a:latin typeface="Aptos Display" panose="020B0004020202020204" pitchFamily="34" charset="0"/>
+              <a:cs typeface="Calibri"/>
+            </a:endParaRPr>
+          </a:p>
+        </p:txBody>
+      </p:sp>
+      <p:sp>
+        <p:nvSpPr>
+          <p:cNvPr id="105" name="TextBox 104">
+            <a:extLst>
+              <a:ext uri="{FF2B5EF4-FFF2-40B4-BE49-F238E27FC236}">
+                <a16:creationId xmlns="" xmlns:a16="http://schemas.microsoft.com/office/drawing/2014/main" id="{A15DD660-08A4-2E44-5F07-E82A6BC90DAE}"/>
+              </a:ext>
+            </a:extLst>
+          </p:cNvPr>
+          <p:cNvSpPr txBox="1"/>
+          <p:nvPr/>
+        </p:nvSpPr>
+        <p:spPr>
+          <a:xfrm>
+            <a:off x="6061597" y="1985306"/>
+            <a:ext cx="1338635" cy="1042442"/>
+          </a:xfrm>
+          <a:prstGeom prst="ellipse">
+            <a:avLst/>
+          </a:prstGeom>
+          <a:noFill/>
+          <a:effectLst>
+            <a:softEdge rad="63500"/>
+          </a:effectLst>
+        </p:spPr>
+        <p:txBody>
+          <a:bodyPr wrap="square" lIns="0" tIns="0" rIns="0" bIns="0" anchor="ctr" anchorCtr="0">
+            <a:normAutofit/>
+          </a:bodyPr>
+          <a:lstStyle/>
+          <a:p>
+            <a:pPr algn="ctr"/>
+            <a:r>
+              <a:rPr lang="en-MY" sz="1200" dirty="0">
+                <a:solidFill>
+                  <a:srgbClr val="4471C4"/>
+                </a:solidFill>
+                <a:latin typeface="Aptos Display" panose="020B0004020202020204" pitchFamily="34" charset="0"/>
+              </a:rPr>
+              <a:t>Competent Phases</a:t>
+            </a:r>
+          </a:p>
+        </p:txBody>
+      </p:sp>
+      <p:grpSp>
+        <p:nvGrpSpPr>
+          <p:cNvPr id="40" name="Group 39">
+            <a:extLst>
+              <a:ext uri="{FF2B5EF4-FFF2-40B4-BE49-F238E27FC236}">
+                <a16:creationId xmlns="" xmlns:a16="http://schemas.microsoft.com/office/drawing/2014/main" id="{EB5A66A3-30AA-F6EC-5509-600CBAB86650}"/>
+              </a:ext>
+            </a:extLst>
+          </p:cNvPr>
+          <p:cNvGrpSpPr/>
+          <p:nvPr/>
+        </p:nvGrpSpPr>
+        <p:grpSpPr>
+          <a:xfrm>
+            <a:off x="7253630" y="533400"/>
+            <a:ext cx="2195170" cy="2362723"/>
+            <a:chOff x="7087260" y="242047"/>
+            <a:chExt cx="2195170" cy="2362723"/>
+          </a:xfrm>
+        </p:grpSpPr>
+        <p:pic>
+          <p:nvPicPr>
+            <p:cNvPr id="70" name="object 70"/>
+            <p:cNvPicPr/>
+            <p:nvPr/>
+          </p:nvPicPr>
+          <p:blipFill>
+            <a:blip r:embed="rId10" cstate="print"/>
+            <a:stretch>
+              <a:fillRect/>
+            </a:stretch>
+          </p:blipFill>
+          <p:spPr>
+            <a:xfrm>
+              <a:off x="7606030" y="2170429"/>
+              <a:ext cx="1541779" cy="256539"/>
+            </a:xfrm>
+            <a:prstGeom prst="rect">
+              <a:avLst/>
+            </a:prstGeom>
+          </p:spPr>
+        </p:pic>
+        <p:sp>
+          <p:nvSpPr>
+            <p:cNvPr id="71" name="object 71"/>
+            <p:cNvSpPr txBox="1"/>
+            <p:nvPr/>
+          </p:nvSpPr>
+          <p:spPr>
+            <a:xfrm>
+              <a:off x="8474075" y="2214245"/>
+              <a:ext cx="558165" cy="135935"/>
+            </a:xfrm>
+            <a:prstGeom prst="rect">
+              <a:avLst/>
+            </a:prstGeom>
+          </p:spPr>
+          <p:txBody>
+            <a:bodyPr vert="horz" wrap="square" lIns="0" tIns="12700" rIns="0" bIns="0" rtlCol="0">
+              <a:spAutoFit/>
+            </a:bodyPr>
+            <a:lstStyle/>
+            <a:p>
+              <a:pPr marL="12700">
+                <a:lnSpc>
+                  <a:spcPct val="100000"/>
+                </a:lnSpc>
+                <a:spcBef>
+                  <a:spcPts val="100"/>
+                </a:spcBef>
+              </a:pPr>
+              <a:r>
+                <a:rPr sz="800" b="1" spc="-10" dirty="0">
+                  <a:solidFill>
+                    <a:srgbClr val="FFFFFF"/>
+                  </a:solidFill>
+                  <a:latin typeface="+mn-lt"/>
+                  <a:cs typeface="Calibri"/>
+                </a:rPr>
+                <a:t>COMPETENT</a:t>
+              </a:r>
+              <a:endParaRPr sz="800" dirty="0">
+                <a:latin typeface="+mn-lt"/>
+                <a:cs typeface="Calibri"/>
+              </a:endParaRPr>
+            </a:p>
+          </p:txBody>
+        </p:sp>
+        <p:sp>
+          <p:nvSpPr>
+            <p:cNvPr id="72" name="object 72"/>
+            <p:cNvSpPr txBox="1"/>
+            <p:nvPr/>
+          </p:nvSpPr>
+          <p:spPr>
+            <a:xfrm>
+              <a:off x="7693279" y="2214245"/>
+              <a:ext cx="652145" cy="135935"/>
+            </a:xfrm>
+            <a:prstGeom prst="rect">
+              <a:avLst/>
+            </a:prstGeom>
+          </p:spPr>
+          <p:txBody>
+            <a:bodyPr vert="horz" wrap="square" lIns="0" tIns="12700" rIns="0" bIns="0" rtlCol="0">
+              <a:spAutoFit/>
+            </a:bodyPr>
+            <a:lstStyle/>
+            <a:p>
+              <a:pPr marL="12700">
+                <a:lnSpc>
+                  <a:spcPct val="100000"/>
+                </a:lnSpc>
+                <a:spcBef>
+                  <a:spcPts val="100"/>
+                </a:spcBef>
+              </a:pPr>
+              <a:r>
+                <a:rPr sz="800" b="1" spc="-10" dirty="0">
+                  <a:solidFill>
+                    <a:srgbClr val="FFFFFF"/>
+                  </a:solidFill>
+                  <a:latin typeface="+mn-lt"/>
+                  <a:cs typeface="Calibri"/>
+                </a:rPr>
+                <a:t>INCOMPETENT</a:t>
+              </a:r>
+              <a:endParaRPr sz="800" dirty="0">
+                <a:latin typeface="+mn-lt"/>
+                <a:cs typeface="Calibri"/>
+              </a:endParaRPr>
+            </a:p>
+          </p:txBody>
+        </p:sp>
+        <p:sp>
+          <p:nvSpPr>
+            <p:cNvPr id="74" name="object 74"/>
+            <p:cNvSpPr/>
+            <p:nvPr/>
+          </p:nvSpPr>
+          <p:spPr>
+            <a:xfrm>
+              <a:off x="8980170" y="2302509"/>
+              <a:ext cx="302260" cy="302260"/>
+            </a:xfrm>
+            <a:custGeom>
+              <a:avLst/>
+              <a:gdLst/>
+              <a:ahLst/>
+              <a:cxnLst/>
+              <a:rect l="l" t="t" r="r" b="b"/>
+              <a:pathLst>
+                <a:path w="302259" h="302260">
+                  <a:moveTo>
+                    <a:pt x="302260" y="99060"/>
+                  </a:moveTo>
+                  <a:lnTo>
+                    <a:pt x="203073" y="99060"/>
+                  </a:lnTo>
+                  <a:lnTo>
+                    <a:pt x="203073" y="0"/>
+                  </a:lnTo>
+                  <a:lnTo>
+                    <a:pt x="99187" y="0"/>
+                  </a:lnTo>
+                  <a:lnTo>
+                    <a:pt x="99187" y="99060"/>
+                  </a:lnTo>
+                  <a:lnTo>
+                    <a:pt x="0" y="99060"/>
+                  </a:lnTo>
+                  <a:lnTo>
+                    <a:pt x="0" y="203200"/>
+                  </a:lnTo>
+                  <a:lnTo>
+                    <a:pt x="99187" y="203200"/>
+                  </a:lnTo>
+                  <a:lnTo>
+                    <a:pt x="99187" y="302260"/>
+                  </a:lnTo>
+                  <a:lnTo>
+                    <a:pt x="203073" y="302260"/>
+                  </a:lnTo>
+                  <a:lnTo>
+                    <a:pt x="203073" y="203200"/>
+                  </a:lnTo>
+                  <a:lnTo>
+                    <a:pt x="302260" y="203200"/>
+                  </a:lnTo>
+                  <a:lnTo>
+                    <a:pt x="302260" y="99060"/>
+                  </a:lnTo>
+                  <a:close/>
+                </a:path>
+              </a:pathLst>
+            </a:custGeom>
+            <a:solidFill>
+              <a:srgbClr val="4471C4"/>
+            </a:solidFill>
+          </p:spPr>
+          <p:txBody>
+            <a:bodyPr wrap="square" lIns="0" tIns="0" rIns="0" bIns="0" rtlCol="0"/>
+            <a:lstStyle/>
+            <a:p>
+              <a:endParaRPr>
+                <a:latin typeface="Aptos Display" panose="020B0004020202020204" pitchFamily="34" charset="0"/>
+              </a:endParaRPr>
+            </a:p>
+          </p:txBody>
+        </p:sp>
+        <p:sp>
+          <p:nvSpPr>
+            <p:cNvPr id="75" name="object 75"/>
+            <p:cNvSpPr/>
+            <p:nvPr/>
+          </p:nvSpPr>
+          <p:spPr>
+            <a:xfrm>
+              <a:off x="7509509" y="2302510"/>
+              <a:ext cx="1772920" cy="302260"/>
+            </a:xfrm>
+            <a:custGeom>
+              <a:avLst/>
+              <a:gdLst/>
+              <a:ahLst/>
+              <a:cxnLst/>
+              <a:rect l="l" t="t" r="r" b="b"/>
+              <a:pathLst>
+                <a:path w="1772920" h="302260">
+                  <a:moveTo>
+                    <a:pt x="1470660" y="99187"/>
+                  </a:moveTo>
+                  <a:lnTo>
+                    <a:pt x="1569847" y="99187"/>
+                  </a:lnTo>
+                  <a:lnTo>
+                    <a:pt x="1569847" y="0"/>
+                  </a:lnTo>
+                  <a:lnTo>
+                    <a:pt x="1673733" y="0"/>
+                  </a:lnTo>
+                  <a:lnTo>
+                    <a:pt x="1673733" y="99187"/>
+                  </a:lnTo>
+                  <a:lnTo>
+                    <a:pt x="1772920" y="99187"/>
+                  </a:lnTo>
+                  <a:lnTo>
+                    <a:pt x="1772920" y="203073"/>
+                  </a:lnTo>
+                  <a:lnTo>
+                    <a:pt x="1673733" y="203073"/>
+                  </a:lnTo>
+                  <a:lnTo>
+                    <a:pt x="1673733" y="302260"/>
+                  </a:lnTo>
+                  <a:lnTo>
+                    <a:pt x="1569847" y="302260"/>
+                  </a:lnTo>
+                  <a:lnTo>
+                    <a:pt x="1569847" y="203073"/>
+                  </a:lnTo>
+                  <a:lnTo>
+                    <a:pt x="1470660" y="203073"/>
+                  </a:lnTo>
+                  <a:lnTo>
+                    <a:pt x="1470660" y="99187"/>
+                  </a:lnTo>
+                  <a:close/>
+                </a:path>
+                <a:path w="1772920" h="302260">
+                  <a:moveTo>
+                    <a:pt x="0" y="185419"/>
+                  </a:moveTo>
+                  <a:lnTo>
+                    <a:pt x="284479" y="185419"/>
+                  </a:lnTo>
+                  <a:lnTo>
+                    <a:pt x="284479" y="88899"/>
+                  </a:lnTo>
+                  <a:lnTo>
+                    <a:pt x="0" y="88899"/>
+                  </a:lnTo>
+                  <a:lnTo>
+                    <a:pt x="0" y="185419"/>
+                  </a:lnTo>
+                  <a:close/>
+                </a:path>
+              </a:pathLst>
+            </a:custGeom>
+            <a:ln w="12700">
+              <a:solidFill>
+                <a:srgbClr val="FFFFFF"/>
+              </a:solidFill>
+            </a:ln>
+          </p:spPr>
+          <p:txBody>
+            <a:bodyPr wrap="square" lIns="0" tIns="0" rIns="0" bIns="0" rtlCol="0"/>
+            <a:lstStyle/>
+            <a:p>
+              <a:endParaRPr>
+                <a:latin typeface="Aptos Display" panose="020B0004020202020204" pitchFamily="34" charset="0"/>
+              </a:endParaRPr>
+            </a:p>
+          </p:txBody>
+        </p:sp>
+        <p:sp>
+          <p:nvSpPr>
+            <p:cNvPr id="77" name="object 77"/>
+            <p:cNvSpPr/>
+            <p:nvPr/>
+          </p:nvSpPr>
+          <p:spPr>
+            <a:xfrm>
+              <a:off x="7505787" y="2399162"/>
+              <a:ext cx="284480" cy="96520"/>
+            </a:xfrm>
+            <a:custGeom>
+              <a:avLst/>
+              <a:gdLst/>
+              <a:ahLst/>
+              <a:cxnLst/>
+              <a:rect l="l" t="t" r="r" b="b"/>
+              <a:pathLst>
+                <a:path w="284479" h="96519">
+                  <a:moveTo>
+                    <a:pt x="284479" y="0"/>
+                  </a:moveTo>
+                  <a:lnTo>
+                    <a:pt x="0" y="0"/>
+                  </a:lnTo>
+                  <a:lnTo>
+                    <a:pt x="0" y="96520"/>
+                  </a:lnTo>
+                  <a:lnTo>
+                    <a:pt x="284479" y="96520"/>
+                  </a:lnTo>
+                  <a:lnTo>
+                    <a:pt x="284479" y="0"/>
+                  </a:lnTo>
+                  <a:close/>
+                </a:path>
+              </a:pathLst>
+            </a:custGeom>
+            <a:solidFill>
+              <a:srgbClr val="CF4543"/>
+            </a:solidFill>
+          </p:spPr>
+          <p:txBody>
+            <a:bodyPr wrap="square" lIns="0" tIns="0" rIns="0" bIns="0" rtlCol="0"/>
+            <a:lstStyle/>
+            <a:p>
+              <a:endParaRPr>
+                <a:latin typeface="Aptos Display" panose="020B0004020202020204" pitchFamily="34" charset="0"/>
+              </a:endParaRPr>
+            </a:p>
+          </p:txBody>
+        </p:sp>
+        <p:pic>
+          <p:nvPicPr>
+            <p:cNvPr id="78" name="object 78"/>
+            <p:cNvPicPr/>
+            <p:nvPr/>
+          </p:nvPicPr>
+          <p:blipFill>
+            <a:blip r:embed="rId11" cstate="print"/>
+            <a:stretch>
+              <a:fillRect/>
+            </a:stretch>
+          </p:blipFill>
+          <p:spPr>
+            <a:xfrm>
+              <a:off x="7087260" y="242047"/>
+              <a:ext cx="970279" cy="2156459"/>
+            </a:xfrm>
+            <a:prstGeom prst="rect">
+              <a:avLst/>
+            </a:prstGeom>
+          </p:spPr>
+        </p:pic>
+      </p:grpSp>
+      <p:cxnSp>
+        <p:nvCxnSpPr>
+          <p:cNvPr id="97" name="Straight Connector 96">
+            <a:extLst>
+              <a:ext uri="{FF2B5EF4-FFF2-40B4-BE49-F238E27FC236}">
+                <a16:creationId xmlns="" xmlns:a16="http://schemas.microsoft.com/office/drawing/2014/main" id="{3CACBC4C-2090-B12F-ABF1-3606C8C8E430}"/>
+              </a:ext>
+            </a:extLst>
+          </p:cNvPr>
+          <p:cNvCxnSpPr>
+            <a:cxnSpLocks/>
+          </p:cNvCxnSpPr>
+          <p:nvPr/>
+        </p:nvCxnSpPr>
+        <p:spPr>
+          <a:xfrm flipV="1">
+            <a:off x="5291170" y="1353739"/>
+            <a:ext cx="1965773" cy="1817430"/>
+          </a:xfrm>
+          <a:prstGeom prst="line">
+            <a:avLst/>
+          </a:prstGeom>
+        </p:spPr>
+        <p:style>
+          <a:lnRef idx="1">
+            <a:schemeClr val="dk1"/>
+          </a:lnRef>
+          <a:fillRef idx="0">
+            <a:schemeClr val="dk1"/>
+          </a:fillRef>
+          <a:effectRef idx="0">
+            <a:schemeClr val="dk1"/>
+          </a:effectRef>
+          <a:fontRef idx="minor">
+            <a:schemeClr val="tx1"/>
+          </a:fontRef>
+        </p:style>
+      </p:cxnSp>
+      <p:sp>
+        <p:nvSpPr>
+          <p:cNvPr id="106" name="TextBox 105">
+            <a:extLst>
+              <a:ext uri="{FF2B5EF4-FFF2-40B4-BE49-F238E27FC236}">
+                <a16:creationId xmlns="" xmlns:a16="http://schemas.microsoft.com/office/drawing/2014/main" id="{D8F4F31F-26BB-5F92-DFE8-38E5D7BE631D}"/>
+              </a:ext>
+            </a:extLst>
+          </p:cNvPr>
+          <p:cNvSpPr txBox="1"/>
+          <p:nvPr/>
+        </p:nvSpPr>
+        <p:spPr>
+          <a:xfrm>
+            <a:off x="6361945" y="2895600"/>
+            <a:ext cx="1197441" cy="1304969"/>
+          </a:xfrm>
+          <a:prstGeom prst="ellipse">
+            <a:avLst/>
+          </a:prstGeom>
+          <a:solidFill>
+            <a:schemeClr val="bg1"/>
+          </a:solidFill>
+          <a:effectLst>
+            <a:softEdge rad="63500"/>
+          </a:effectLst>
+        </p:spPr>
+        <p:txBody>
+          <a:bodyPr wrap="square" lIns="0" tIns="0" rIns="0" bIns="0" anchor="ctr" anchorCtr="0">
+            <a:normAutofit/>
+          </a:bodyPr>
+          <a:lstStyle/>
+          <a:p>
+            <a:pPr algn="ctr"/>
+            <a:r>
+              <a:rPr lang="en-MY" sz="1400" dirty="0">
+                <a:solidFill>
+                  <a:schemeClr val="tx1"/>
+                </a:solidFill>
+                <a:latin typeface="Aptos Display" panose="020B0004020202020204" pitchFamily="34" charset="0"/>
+              </a:rPr>
+              <a:t>Mistake </a:t>
+            </a:r>
+          </a:p>
+          <a:p>
+            <a:pPr algn="ctr"/>
+            <a:r>
+              <a:rPr lang="en-MY" sz="1400" dirty="0">
+                <a:solidFill>
+                  <a:schemeClr val="tx1"/>
+                </a:solidFill>
+                <a:latin typeface="Aptos Display" panose="020B0004020202020204" pitchFamily="34" charset="0"/>
+              </a:rPr>
+              <a:t>vs Weakness</a:t>
+            </a:r>
+          </a:p>
+        </p:txBody>
+      </p:sp>
+      <p:sp>
+        <p:nvSpPr>
+          <p:cNvPr id="55" name="object 55"/>
+          <p:cNvSpPr/>
+          <p:nvPr/>
+        </p:nvSpPr>
+        <p:spPr>
+          <a:xfrm>
+            <a:off x="7093825" y="3544331"/>
+            <a:ext cx="2437738" cy="45719"/>
+          </a:xfrm>
+          <a:custGeom>
+            <a:avLst/>
+            <a:gdLst/>
+            <a:ahLst/>
+            <a:cxnLst/>
+            <a:rect l="l" t="t" r="r" b="b"/>
+            <a:pathLst>
+              <a:path w="1982470">
+                <a:moveTo>
+                  <a:pt x="1982343" y="0"/>
+                </a:moveTo>
+                <a:lnTo>
+                  <a:pt x="0" y="0"/>
+                </a:lnTo>
+              </a:path>
+            </a:pathLst>
+          </a:custGeom>
+          <a:ln w="6350">
+            <a:solidFill>
+              <a:srgbClr val="000000"/>
+            </a:solidFill>
+            <a:prstDash val="lgDash"/>
+          </a:ln>
+        </p:spPr>
+        <p:txBody>
+          <a:bodyPr wrap="square" lIns="0" tIns="0" rIns="0" bIns="0" rtlCol="0"/>
+          <a:lstStyle/>
+          <a:p>
+            <a:endParaRPr>
+              <a:latin typeface="Aptos Display" panose="020B0004020202020204" pitchFamily="34" charset="0"/>
+            </a:endParaRPr>
+          </a:p>
+        </p:txBody>
+      </p:sp>
+      <p:cxnSp>
+        <p:nvCxnSpPr>
+          <p:cNvPr id="108" name="Straight Connector 107">
+            <a:extLst>
+              <a:ext uri="{FF2B5EF4-FFF2-40B4-BE49-F238E27FC236}">
+                <a16:creationId xmlns="" xmlns:a16="http://schemas.microsoft.com/office/drawing/2014/main" id="{80EAA640-9D6F-301F-02B5-7BF4F7C4B135}"/>
+              </a:ext>
+            </a:extLst>
+          </p:cNvPr>
+          <p:cNvCxnSpPr>
+            <a:cxnSpLocks/>
+          </p:cNvCxnSpPr>
+          <p:nvPr/>
+        </p:nvCxnSpPr>
+        <p:spPr>
+          <a:xfrm flipH="1">
+            <a:off x="2952869" y="3687345"/>
+            <a:ext cx="1678779" cy="977972"/>
+          </a:xfrm>
+          <a:prstGeom prst="line">
+            <a:avLst/>
+          </a:prstGeom>
+        </p:spPr>
+        <p:style>
+          <a:lnRef idx="1">
+            <a:schemeClr val="dk1"/>
+          </a:lnRef>
+          <a:fillRef idx="0">
+            <a:schemeClr val="dk1"/>
+          </a:fillRef>
+          <a:effectRef idx="0">
+            <a:schemeClr val="dk1"/>
+          </a:effectRef>
+          <a:fontRef idx="minor">
+            <a:schemeClr val="tx1"/>
+          </a:fontRef>
+        </p:style>
+      </p:cxnSp>
+      <p:cxnSp>
+        <p:nvCxnSpPr>
+          <p:cNvPr id="112" name="Straight Connector 111">
+            <a:extLst>
+              <a:ext uri="{FF2B5EF4-FFF2-40B4-BE49-F238E27FC236}">
+                <a16:creationId xmlns="" xmlns:a16="http://schemas.microsoft.com/office/drawing/2014/main" id="{F27B6072-8B8D-A964-30E3-612D81379460}"/>
+              </a:ext>
+            </a:extLst>
+          </p:cNvPr>
+          <p:cNvCxnSpPr>
+            <a:cxnSpLocks/>
+            <a:endCxn id="1070" idx="2"/>
+          </p:cNvCxnSpPr>
+          <p:nvPr/>
+        </p:nvCxnSpPr>
+        <p:spPr>
+          <a:xfrm flipH="1" flipV="1">
+            <a:off x="3455575" y="1893916"/>
+            <a:ext cx="1165547" cy="1248409"/>
+          </a:xfrm>
+          <a:prstGeom prst="line">
+            <a:avLst/>
+          </a:prstGeom>
+        </p:spPr>
+        <p:style>
+          <a:lnRef idx="1">
+            <a:schemeClr val="dk1"/>
+          </a:lnRef>
+          <a:fillRef idx="0">
+            <a:schemeClr val="dk1"/>
+          </a:fillRef>
+          <a:effectRef idx="0">
+            <a:schemeClr val="dk1"/>
+          </a:effectRef>
+          <a:fontRef idx="minor">
+            <a:schemeClr val="tx1"/>
+          </a:fontRef>
+        </p:style>
+      </p:cxnSp>
+      <p:cxnSp>
+        <p:nvCxnSpPr>
+          <p:cNvPr id="1034" name="Straight Connector 1033">
+            <a:extLst>
+              <a:ext uri="{FF2B5EF4-FFF2-40B4-BE49-F238E27FC236}">
+                <a16:creationId xmlns="" xmlns:a16="http://schemas.microsoft.com/office/drawing/2014/main" id="{FCA470A2-446E-28E8-9930-6A1B51AB5F72}"/>
+              </a:ext>
+            </a:extLst>
+          </p:cNvPr>
+          <p:cNvCxnSpPr>
+            <a:cxnSpLocks/>
+          </p:cNvCxnSpPr>
+          <p:nvPr/>
+        </p:nvCxnSpPr>
+        <p:spPr>
+          <a:xfrm>
+            <a:off x="2916149" y="2790525"/>
+            <a:ext cx="1012239" cy="368354"/>
+          </a:xfrm>
+          <a:prstGeom prst="line">
+            <a:avLst/>
+          </a:prstGeom>
+        </p:spPr>
+        <p:style>
+          <a:lnRef idx="1">
+            <a:schemeClr val="dk1"/>
+          </a:lnRef>
+          <a:fillRef idx="0">
+            <a:schemeClr val="dk1"/>
+          </a:fillRef>
+          <a:effectRef idx="0">
+            <a:schemeClr val="dk1"/>
+          </a:effectRef>
+          <a:fontRef idx="minor">
+            <a:schemeClr val="tx1"/>
+          </a:fontRef>
+        </p:style>
+      </p:cxnSp>
+      <p:cxnSp>
+        <p:nvCxnSpPr>
+          <p:cNvPr id="1037" name="Straight Connector 1036">
+            <a:extLst>
+              <a:ext uri="{FF2B5EF4-FFF2-40B4-BE49-F238E27FC236}">
+                <a16:creationId xmlns="" xmlns:a16="http://schemas.microsoft.com/office/drawing/2014/main" id="{5D6F7DE4-7CB5-4CF8-8C0C-4E665DF72734}"/>
+              </a:ext>
+            </a:extLst>
+          </p:cNvPr>
+          <p:cNvCxnSpPr>
+            <a:cxnSpLocks/>
+          </p:cNvCxnSpPr>
+          <p:nvPr/>
+        </p:nvCxnSpPr>
+        <p:spPr>
+          <a:xfrm flipV="1">
+            <a:off x="2798507" y="3618895"/>
+            <a:ext cx="1104369" cy="6310"/>
+          </a:xfrm>
+          <a:prstGeom prst="line">
+            <a:avLst/>
+          </a:prstGeom>
+        </p:spPr>
+        <p:style>
+          <a:lnRef idx="1">
+            <a:schemeClr val="dk1"/>
+          </a:lnRef>
+          <a:fillRef idx="0">
+            <a:schemeClr val="dk1"/>
+          </a:fillRef>
+          <a:effectRef idx="0">
+            <a:schemeClr val="dk1"/>
+          </a:effectRef>
+          <a:fontRef idx="minor">
+            <a:schemeClr val="tx1"/>
+          </a:fontRef>
+        </p:style>
+      </p:cxnSp>
+      <p:sp>
+        <p:nvSpPr>
+          <p:cNvPr id="1043" name="TextBox 1042">
+            <a:extLst>
+              <a:ext uri="{FF2B5EF4-FFF2-40B4-BE49-F238E27FC236}">
+                <a16:creationId xmlns="" xmlns:a16="http://schemas.microsoft.com/office/drawing/2014/main" id="{BF1B569D-F1E3-5E68-E840-4E3222EBE708}"/>
+              </a:ext>
+            </a:extLst>
+          </p:cNvPr>
+          <p:cNvSpPr txBox="1"/>
+          <p:nvPr/>
+        </p:nvSpPr>
+        <p:spPr>
+          <a:xfrm>
+            <a:off x="2843906" y="3714761"/>
+            <a:ext cx="925108" cy="461665"/>
+          </a:xfrm>
+          <a:prstGeom prst="rect">
+            <a:avLst/>
+          </a:prstGeom>
+          <a:noFill/>
+        </p:spPr>
+        <p:txBody>
+          <a:bodyPr wrap="square">
+            <a:spAutoFit/>
+          </a:bodyPr>
+          <a:lstStyle/>
+          <a:p>
+            <a:r>
+              <a:rPr lang="en-MY" sz="1200" dirty="0">
+                <a:latin typeface="Aptos Display" panose="020B0004020202020204" pitchFamily="34" charset="0"/>
+              </a:rPr>
+              <a:t>Referee / Umpire</a:t>
+            </a:r>
+          </a:p>
+        </p:txBody>
+      </p:sp>
+      <p:sp>
+        <p:nvSpPr>
+          <p:cNvPr id="104" name="TextBox 103">
+            <a:extLst>
+              <a:ext uri="{FF2B5EF4-FFF2-40B4-BE49-F238E27FC236}">
+                <a16:creationId xmlns="" xmlns:a16="http://schemas.microsoft.com/office/drawing/2014/main" id="{1854B8D7-6474-ADBE-7948-EE6E2C6F49F0}"/>
+              </a:ext>
+            </a:extLst>
+          </p:cNvPr>
+          <p:cNvSpPr txBox="1"/>
+          <p:nvPr/>
+        </p:nvSpPr>
+        <p:spPr>
+          <a:xfrm>
+            <a:off x="5552981" y="3991557"/>
+            <a:ext cx="1415274" cy="798281"/>
+          </a:xfrm>
+          <a:prstGeom prst="ellipse">
+            <a:avLst/>
+          </a:prstGeom>
+          <a:noFill/>
+          <a:effectLst>
+            <a:softEdge rad="127000"/>
+          </a:effectLst>
+        </p:spPr>
+        <p:txBody>
+          <a:bodyPr wrap="square" anchor="ctr" anchorCtr="0">
+            <a:normAutofit/>
+          </a:bodyPr>
+          <a:lstStyle/>
+          <a:p>
+            <a:pPr algn="ctr"/>
+            <a:r>
+              <a:rPr lang="en-MY" sz="1200" dirty="0">
+                <a:solidFill>
+                  <a:srgbClr val="D17C42"/>
+                </a:solidFill>
+                <a:latin typeface="Aptos Display" panose="020B0004020202020204" pitchFamily="34" charset="0"/>
+              </a:rPr>
+              <a:t>Individual Skills</a:t>
+            </a:r>
+          </a:p>
+        </p:txBody>
+      </p:sp>
+      <p:graphicFrame>
+        <p:nvGraphicFramePr>
+          <p:cNvPr id="79" name="Table 78">
+            <a:extLst>
+              <a:ext uri="{FF2B5EF4-FFF2-40B4-BE49-F238E27FC236}">
+                <a16:creationId xmlns="" xmlns:a16="http://schemas.microsoft.com/office/drawing/2014/main" id="{1EA92ECA-A98A-7627-EBD1-7D1B2BEFBAA9}"/>
+              </a:ext>
+            </a:extLst>
+          </p:cNvPr>
+          <p:cNvGraphicFramePr>
+            <a:graphicFrameLocks noGrp="1"/>
+          </p:cNvGraphicFramePr>
+          <p:nvPr>
+            <p:extLst/>
+          </p:nvPr>
+        </p:nvGraphicFramePr>
+        <p:xfrm>
+          <a:off x="6590080" y="4397819"/>
+          <a:ext cx="2934920" cy="1683132"/>
+        </p:xfrm>
+        <a:graphic>
+          <a:graphicData uri="http://schemas.openxmlformats.org/drawingml/2006/table">
+            <a:tbl>
+              <a:tblPr bandRow="1">
+                <a:tableStyleId>{912C8C85-51F0-491E-9774-3900AFEF0FD7}</a:tableStyleId>
+              </a:tblPr>
+              <a:tblGrid>
+                <a:gridCol w="1487120">
+                  <a:extLst>
+                    <a:ext uri="{9D8B030D-6E8A-4147-A177-3AD203B41FA5}">
+                      <a16:colId xmlns="" xmlns:a16="http://schemas.microsoft.com/office/drawing/2014/main" val="2387575604"/>
+                    </a:ext>
+                  </a:extLst>
+                </a:gridCol>
+                <a:gridCol w="1447800">
+                  <a:extLst>
+                    <a:ext uri="{9D8B030D-6E8A-4147-A177-3AD203B41FA5}">
+                      <a16:colId xmlns="" xmlns:a16="http://schemas.microsoft.com/office/drawing/2014/main" val="1918605244"/>
+                    </a:ext>
+                  </a:extLst>
+                </a:gridCol>
+              </a:tblGrid>
+              <a:tr h="280522">
+                <a:tc>
+                  <a:txBody>
+                    <a:bodyPr/>
+                    <a:lstStyle/>
+                    <a:p>
+                      <a:pPr algn="l"/>
+                      <a:r>
+                        <a:rPr lang="en-MY" sz="1100" dirty="0">
+                          <a:solidFill>
+                            <a:srgbClr val="C55A11"/>
+                          </a:solidFill>
+                          <a:latin typeface="Aptos Display" panose="020B0004020202020204" pitchFamily="34" charset="0"/>
+                        </a:rPr>
+                        <a:t>Catching</a:t>
+                      </a:r>
+                    </a:p>
+                  </a:txBody>
+                  <a:tcPr marL="108000" marR="0" marT="0" marB="0" anchor="ctr">
+                    <a:lnL w="12700" cap="flat" cmpd="sng" algn="ctr">
+                      <a:noFill/>
+                      <a:prstDash val="solid"/>
+                      <a:round/>
+                      <a:headEnd type="none" w="med" len="med"/>
+                      <a:tailEnd type="none" w="med" len="med"/>
+                    </a:lnL>
+                    <a:lnR w="12700" cap="flat" cmpd="sng" algn="ctr">
+                      <a:noFill/>
+                      <a:prstDash val="solid"/>
+                      <a:round/>
+                      <a:headEnd type="none" w="med" len="med"/>
+                      <a:tailEnd type="none" w="med" len="med"/>
+                    </a:lnR>
+                    <a:lnT w="12700" cap="flat" cmpd="sng" algn="ctr">
+                      <a:noFill/>
+                      <a:prstDash val="solid"/>
+                      <a:round/>
+                      <a:headEnd type="none" w="med" len="med"/>
+                      <a:tailEnd type="none" w="med" len="med"/>
+                    </a:lnT>
+                    <a:lnB w="12700" cap="flat" cmpd="sng" algn="ctr">
+                      <a:noFill/>
+                      <a:prstDash val="solid"/>
+                      <a:round/>
+                      <a:headEnd type="none" w="med" len="med"/>
+                      <a:tailEnd type="none" w="med" len="med"/>
+                    </a:lnB>
+                    <a:lnTlToBr w="12700" cmpd="sng">
+                      <a:noFill/>
+                      <a:prstDash val="solid"/>
+                    </a:lnTlToBr>
+                    <a:lnBlToTr w="12700" cmpd="sng">
+                      <a:noFill/>
+                      <a:prstDash val="solid"/>
+                    </a:lnBlToTr>
+                    <a:solidFill>
+                      <a:srgbClr val="FFE8CA"/>
+                    </a:solidFill>
+                  </a:tcPr>
+                </a:tc>
+                <a:tc>
+                  <a:txBody>
+                    <a:bodyPr/>
+                    <a:lstStyle/>
+                    <a:p>
+                      <a:pPr algn="ctr"/>
+                      <a:endParaRPr lang="en-MY" sz="1100" dirty="0">
+                        <a:latin typeface="Aptos Display" panose="020B0004020202020204" pitchFamily="34" charset="0"/>
+                      </a:endParaRPr>
+                    </a:p>
+                  </a:txBody>
+                  <a:tcPr marL="0" marR="0" marT="0" marB="0" anchor="ctr">
+                    <a:lnL w="12700" cap="flat" cmpd="sng" algn="ctr">
+                      <a:noFill/>
+                      <a:prstDash val="solid"/>
+                      <a:round/>
+                      <a:headEnd type="none" w="med" len="med"/>
+                      <a:tailEnd type="none" w="med" len="med"/>
+                    </a:lnL>
+                    <a:lnR w="12700" cap="flat" cmpd="sng" algn="ctr">
+                      <a:solidFill>
+                        <a:schemeClr val="tx1"/>
+                      </a:solidFill>
+                      <a:prstDash val="solid"/>
+                      <a:round/>
+                      <a:headEnd type="none" w="med" len="med"/>
+                      <a:tailEnd type="none" w="med" len="med"/>
+                    </a:lnR>
+                    <a:lnT w="12700" cap="flat" cmpd="sng" algn="ctr">
+                      <a:solidFill>
+                        <a:schemeClr val="tx1"/>
+                      </a:solidFill>
+                      <a:prstDash val="solid"/>
+                      <a:round/>
+                      <a:headEnd type="none" w="med" len="med"/>
+                      <a:tailEnd type="none" w="med" len="med"/>
+                    </a:lnT>
+                    <a:lnB w="12700" cap="flat" cmpd="sng" algn="ctr">
+                      <a:noFill/>
+                      <a:prstDash val="solid"/>
+                      <a:round/>
+                      <a:headEnd type="none" w="med" len="med"/>
+                      <a:tailEnd type="none" w="med" len="med"/>
+                    </a:lnB>
+                    <a:lnTlToBr w="12700" cmpd="sng">
+                      <a:noFill/>
+                      <a:prstDash val="solid"/>
+                    </a:lnTlToBr>
+                    <a:lnBlToTr w="12700" cmpd="sng">
+                      <a:noFill/>
+                      <a:prstDash val="solid"/>
+                    </a:lnBlToTr>
+                    <a:solidFill>
+                      <a:srgbClr val="FFE8CA"/>
+                    </a:solidFill>
+                  </a:tcPr>
+                </a:tc>
+                <a:extLst>
+                  <a:ext uri="{0D108BD9-81ED-4DB2-BD59-A6C34878D82A}">
+                    <a16:rowId xmlns="" xmlns:a16="http://schemas.microsoft.com/office/drawing/2014/main" val="2569511601"/>
+                  </a:ext>
+                </a:extLst>
+              </a:tr>
+              <a:tr h="280522">
+                <a:tc>
+                  <a:txBody>
+                    <a:bodyPr/>
+                    <a:lstStyle/>
+                    <a:p>
+                      <a:pPr algn="l"/>
+                      <a:r>
+                        <a:rPr lang="en-MY" sz="1100" dirty="0">
+                          <a:solidFill>
+                            <a:srgbClr val="C55A11"/>
+                          </a:solidFill>
+                          <a:latin typeface="Aptos Display" panose="020B0004020202020204" pitchFamily="34" charset="0"/>
+                        </a:rPr>
+                        <a:t>Shooting</a:t>
+                      </a:r>
+                    </a:p>
+                  </a:txBody>
+                  <a:tcPr marL="108000" marR="0" marT="0" marB="0" anchor="ctr">
+                    <a:lnL w="12700" cap="flat" cmpd="sng" algn="ctr">
+                      <a:noFill/>
+                      <a:prstDash val="solid"/>
+                      <a:round/>
+                      <a:headEnd type="none" w="med" len="med"/>
+                      <a:tailEnd type="none" w="med" len="med"/>
+                    </a:lnL>
+                    <a:lnR w="12700" cap="flat" cmpd="sng" algn="ctr">
+                      <a:noFill/>
+                      <a:prstDash val="solid"/>
+                      <a:round/>
+                      <a:headEnd type="none" w="med" len="med"/>
+                      <a:tailEnd type="none" w="med" len="med"/>
+                    </a:lnR>
+                    <a:lnT w="12700" cap="flat" cmpd="sng" algn="ctr">
+                      <a:noFill/>
+                      <a:prstDash val="solid"/>
+                      <a:round/>
+                      <a:headEnd type="none" w="med" len="med"/>
+                      <a:tailEnd type="none" w="med" len="med"/>
+                    </a:lnT>
+                    <a:lnB w="12700" cap="flat" cmpd="sng" algn="ctr">
+                      <a:noFill/>
+                      <a:prstDash val="solid"/>
+                      <a:round/>
+                      <a:headEnd type="none" w="med" len="med"/>
+                      <a:tailEnd type="none" w="med" len="med"/>
+                    </a:lnB>
+                    <a:lnTlToBr w="12700" cmpd="sng">
+                      <a:noFill/>
+                      <a:prstDash val="solid"/>
+                    </a:lnTlToBr>
+                    <a:lnBlToTr w="12700" cmpd="sng">
+                      <a:noFill/>
+                      <a:prstDash val="solid"/>
+                    </a:lnBlToTr>
+                    <a:solidFill>
+                      <a:srgbClr val="FFF4E7"/>
+                    </a:solidFill>
+                  </a:tcPr>
+                </a:tc>
+                <a:tc>
+                  <a:txBody>
+                    <a:bodyPr/>
+                    <a:lstStyle/>
+                    <a:p>
+                      <a:pPr algn="ctr"/>
+                      <a:endParaRPr lang="en-MY" sz="1100" dirty="0">
+                        <a:latin typeface="Aptos Display" panose="020B0004020202020204" pitchFamily="34" charset="0"/>
+                      </a:endParaRPr>
+                    </a:p>
+                  </a:txBody>
+                  <a:tcPr marL="0" marR="0" marT="0" marB="0" anchor="ctr">
+                    <a:lnL w="12700" cap="flat" cmpd="sng" algn="ctr">
+                      <a:noFill/>
+                      <a:prstDash val="solid"/>
+                      <a:round/>
+                      <a:headEnd type="none" w="med" len="med"/>
+                      <a:tailEnd type="none" w="med" len="med"/>
+                    </a:lnL>
+                    <a:lnR w="12700" cap="flat" cmpd="sng" algn="ctr">
+                      <a:solidFill>
+                        <a:schemeClr val="tx1"/>
+                      </a:solidFill>
+                      <a:prstDash val="solid"/>
+                      <a:round/>
+                      <a:headEnd type="none" w="med" len="med"/>
+                      <a:tailEnd type="none" w="med" len="med"/>
+                    </a:lnR>
+                    <a:lnT w="12700" cap="flat" cmpd="sng" algn="ctr">
+                      <a:noFill/>
+                      <a:prstDash val="solid"/>
+                      <a:round/>
+                      <a:headEnd type="none" w="med" len="med"/>
+                      <a:tailEnd type="none" w="med" len="med"/>
+                    </a:lnT>
+                    <a:lnB w="12700" cap="flat" cmpd="sng" algn="ctr">
+                      <a:noFill/>
+                      <a:prstDash val="solid"/>
+                      <a:round/>
+                      <a:headEnd type="none" w="med" len="med"/>
+                      <a:tailEnd type="none" w="med" len="med"/>
+                    </a:lnB>
+                    <a:lnTlToBr w="12700" cmpd="sng">
+                      <a:noFill/>
+                      <a:prstDash val="solid"/>
+                    </a:lnTlToBr>
+                    <a:lnBlToTr w="12700" cmpd="sng">
+                      <a:noFill/>
+                      <a:prstDash val="solid"/>
+                    </a:lnBlToTr>
+                    <a:solidFill>
+                      <a:srgbClr val="FFF4E7"/>
+                    </a:solidFill>
+                  </a:tcPr>
+                </a:tc>
+                <a:extLst>
+                  <a:ext uri="{0D108BD9-81ED-4DB2-BD59-A6C34878D82A}">
+                    <a16:rowId xmlns="" xmlns:a16="http://schemas.microsoft.com/office/drawing/2014/main" val="1518251971"/>
+                  </a:ext>
+                </a:extLst>
+              </a:tr>
+              <a:tr h="280522">
+                <a:tc>
+                  <a:txBody>
+                    <a:bodyPr/>
+                    <a:lstStyle/>
+                    <a:p>
+                      <a:pPr algn="l"/>
+                      <a:r>
+                        <a:rPr lang="en-MY" sz="1100" dirty="0">
+                          <a:solidFill>
+                            <a:srgbClr val="C55A11"/>
+                          </a:solidFill>
+                          <a:latin typeface="Aptos Display" panose="020B0004020202020204" pitchFamily="34" charset="0"/>
+                        </a:rPr>
+                        <a:t>Passing</a:t>
+                      </a:r>
+                    </a:p>
+                  </a:txBody>
+                  <a:tcPr marL="108000" marR="0" marT="0" marB="0" anchor="ctr">
+                    <a:lnL w="12700" cap="flat" cmpd="sng" algn="ctr">
+                      <a:noFill/>
+                      <a:prstDash val="solid"/>
+                      <a:round/>
+                      <a:headEnd type="none" w="med" len="med"/>
+                      <a:tailEnd type="none" w="med" len="med"/>
+                    </a:lnL>
+                    <a:lnR w="12700" cap="flat" cmpd="sng" algn="ctr">
+                      <a:noFill/>
+                      <a:prstDash val="solid"/>
+                      <a:round/>
+                      <a:headEnd type="none" w="med" len="med"/>
+                      <a:tailEnd type="none" w="med" len="med"/>
+                    </a:lnR>
+                    <a:lnT w="12700" cap="flat" cmpd="sng" algn="ctr">
+                      <a:noFill/>
+                      <a:prstDash val="solid"/>
+                      <a:round/>
+                      <a:headEnd type="none" w="med" len="med"/>
+                      <a:tailEnd type="none" w="med" len="med"/>
+                    </a:lnT>
+                    <a:lnB w="12700" cap="flat" cmpd="sng" algn="ctr">
+                      <a:noFill/>
+                      <a:prstDash val="solid"/>
+                      <a:round/>
+                      <a:headEnd type="none" w="med" len="med"/>
+                      <a:tailEnd type="none" w="med" len="med"/>
+                    </a:lnB>
+                    <a:lnTlToBr w="12700" cmpd="sng">
+                      <a:noFill/>
+                      <a:prstDash val="solid"/>
+                    </a:lnTlToBr>
+                    <a:lnBlToTr w="12700" cmpd="sng">
+                      <a:noFill/>
+                      <a:prstDash val="solid"/>
+                    </a:lnBlToTr>
+                    <a:solidFill>
+                      <a:srgbClr val="FFE8CA"/>
+                    </a:solidFill>
+                  </a:tcPr>
+                </a:tc>
+                <a:tc>
+                  <a:txBody>
+                    <a:bodyPr/>
+                    <a:lstStyle/>
+                    <a:p>
+                      <a:pPr algn="ctr"/>
+                      <a:endParaRPr lang="en-MY" sz="1100" dirty="0">
+                        <a:latin typeface="Aptos Display" panose="020B0004020202020204" pitchFamily="34" charset="0"/>
+                      </a:endParaRPr>
+                    </a:p>
+                  </a:txBody>
+                  <a:tcPr marL="0" marR="0" marT="0" marB="0" anchor="ctr">
+                    <a:lnL w="12700" cap="flat" cmpd="sng" algn="ctr">
+                      <a:noFill/>
+                      <a:prstDash val="solid"/>
+                      <a:round/>
+                      <a:headEnd type="none" w="med" len="med"/>
+                      <a:tailEnd type="none" w="med" len="med"/>
+                    </a:lnL>
+                    <a:lnR w="12700" cap="flat" cmpd="sng" algn="ctr">
+                      <a:solidFill>
+                        <a:schemeClr val="tx1"/>
+                      </a:solidFill>
+                      <a:prstDash val="solid"/>
+                      <a:round/>
+                      <a:headEnd type="none" w="med" len="med"/>
+                      <a:tailEnd type="none" w="med" len="med"/>
+                    </a:lnR>
+                    <a:lnT w="12700" cap="flat" cmpd="sng" algn="ctr">
+                      <a:noFill/>
+                      <a:prstDash val="solid"/>
+                      <a:round/>
+                      <a:headEnd type="none" w="med" len="med"/>
+                      <a:tailEnd type="none" w="med" len="med"/>
+                    </a:lnT>
+                    <a:lnB w="12700" cap="flat" cmpd="sng" algn="ctr">
+                      <a:noFill/>
+                      <a:prstDash val="solid"/>
+                      <a:round/>
+                      <a:headEnd type="none" w="med" len="med"/>
+                      <a:tailEnd type="none" w="med" len="med"/>
+                    </a:lnB>
+                    <a:lnTlToBr w="12700" cmpd="sng">
+                      <a:noFill/>
+                      <a:prstDash val="solid"/>
+                    </a:lnTlToBr>
+                    <a:lnBlToTr w="12700" cmpd="sng">
+                      <a:noFill/>
+                      <a:prstDash val="solid"/>
+                    </a:lnBlToTr>
+                    <a:solidFill>
+                      <a:srgbClr val="FFE8CA"/>
+                    </a:solidFill>
+                  </a:tcPr>
+                </a:tc>
+                <a:extLst>
+                  <a:ext uri="{0D108BD9-81ED-4DB2-BD59-A6C34878D82A}">
+                    <a16:rowId xmlns="" xmlns:a16="http://schemas.microsoft.com/office/drawing/2014/main" val="606344945"/>
+                  </a:ext>
+                </a:extLst>
+              </a:tr>
+              <a:tr h="280522">
+                <a:tc>
+                  <a:txBody>
+                    <a:bodyPr/>
+                    <a:lstStyle/>
+                    <a:p>
+                      <a:pPr algn="l"/>
+                      <a:r>
+                        <a:rPr lang="en-MY" sz="1100" dirty="0">
+                          <a:solidFill>
+                            <a:srgbClr val="C55A11"/>
+                          </a:solidFill>
+                          <a:latin typeface="Aptos Display" panose="020B0004020202020204" pitchFamily="34" charset="0"/>
+                        </a:rPr>
+                        <a:t>Footwork</a:t>
+                      </a:r>
+                    </a:p>
+                  </a:txBody>
+                  <a:tcPr marL="108000" marR="0" marT="0" marB="0" anchor="ctr">
+                    <a:lnL w="12700" cap="flat" cmpd="sng" algn="ctr">
+                      <a:noFill/>
+                      <a:prstDash val="solid"/>
+                      <a:round/>
+                      <a:headEnd type="none" w="med" len="med"/>
+                      <a:tailEnd type="none" w="med" len="med"/>
+                    </a:lnL>
+                    <a:lnR w="12700" cap="flat" cmpd="sng" algn="ctr">
+                      <a:noFill/>
+                      <a:prstDash val="solid"/>
+                      <a:round/>
+                      <a:headEnd type="none" w="med" len="med"/>
+                      <a:tailEnd type="none" w="med" len="med"/>
+                    </a:lnR>
+                    <a:lnT w="12700" cap="flat" cmpd="sng" algn="ctr">
+                      <a:noFill/>
+                      <a:prstDash val="solid"/>
+                      <a:round/>
+                      <a:headEnd type="none" w="med" len="med"/>
+                      <a:tailEnd type="none" w="med" len="med"/>
+                    </a:lnT>
+                    <a:lnB w="12700" cap="flat" cmpd="sng" algn="ctr">
+                      <a:noFill/>
+                      <a:prstDash val="solid"/>
+                      <a:round/>
+                      <a:headEnd type="none" w="med" len="med"/>
+                      <a:tailEnd type="none" w="med" len="med"/>
+                    </a:lnB>
+                    <a:lnTlToBr w="12700" cmpd="sng">
+                      <a:noFill/>
+                      <a:prstDash val="solid"/>
+                    </a:lnTlToBr>
+                    <a:lnBlToTr w="12700" cmpd="sng">
+                      <a:noFill/>
+                      <a:prstDash val="solid"/>
+                    </a:lnBlToTr>
+                    <a:solidFill>
+                      <a:srgbClr val="FFF4E7"/>
+                    </a:solidFill>
+                  </a:tcPr>
+                </a:tc>
+                <a:tc>
+                  <a:txBody>
+                    <a:bodyPr/>
+                    <a:lstStyle/>
+                    <a:p>
+                      <a:pPr algn="ctr"/>
+                      <a:endParaRPr lang="en-MY" sz="1100" dirty="0">
+                        <a:latin typeface="Aptos Display" panose="020B0004020202020204" pitchFamily="34" charset="0"/>
+                      </a:endParaRPr>
+                    </a:p>
+                  </a:txBody>
+                  <a:tcPr marL="0" marR="0" marT="0" marB="0" anchor="ctr">
+                    <a:lnL w="12700" cap="flat" cmpd="sng" algn="ctr">
+                      <a:noFill/>
+                      <a:prstDash val="solid"/>
+                      <a:round/>
+                      <a:headEnd type="none" w="med" len="med"/>
+                      <a:tailEnd type="none" w="med" len="med"/>
+                    </a:lnL>
+                    <a:lnR w="12700" cap="flat" cmpd="sng" algn="ctr">
+                      <a:solidFill>
+                        <a:schemeClr val="tx1"/>
+                      </a:solidFill>
+                      <a:prstDash val="solid"/>
+                      <a:round/>
+                      <a:headEnd type="none" w="med" len="med"/>
+                      <a:tailEnd type="none" w="med" len="med"/>
+                    </a:lnR>
+                    <a:lnT w="12700" cap="flat" cmpd="sng" algn="ctr">
+                      <a:noFill/>
+                      <a:prstDash val="solid"/>
+                      <a:round/>
+                      <a:headEnd type="none" w="med" len="med"/>
+                      <a:tailEnd type="none" w="med" len="med"/>
+                    </a:lnT>
+                    <a:lnB w="12700" cap="flat" cmpd="sng" algn="ctr">
+                      <a:noFill/>
+                      <a:prstDash val="solid"/>
+                      <a:round/>
+                      <a:headEnd type="none" w="med" len="med"/>
+                      <a:tailEnd type="none" w="med" len="med"/>
+                    </a:lnB>
+                    <a:lnTlToBr w="12700" cmpd="sng">
+                      <a:noFill/>
+                      <a:prstDash val="solid"/>
+                    </a:lnTlToBr>
+                    <a:lnBlToTr w="12700" cmpd="sng">
+                      <a:noFill/>
+                      <a:prstDash val="solid"/>
+                    </a:lnBlToTr>
+                    <a:solidFill>
+                      <a:srgbClr val="FFF4E7"/>
+                    </a:solidFill>
+                  </a:tcPr>
+                </a:tc>
+                <a:extLst>
+                  <a:ext uri="{0D108BD9-81ED-4DB2-BD59-A6C34878D82A}">
+                    <a16:rowId xmlns="" xmlns:a16="http://schemas.microsoft.com/office/drawing/2014/main" val="2602610905"/>
+                  </a:ext>
+                </a:extLst>
+              </a:tr>
+              <a:tr h="280522">
+                <a:tc>
+                  <a:txBody>
+                    <a:bodyPr/>
+                    <a:lstStyle/>
+                    <a:p>
+                      <a:pPr algn="l"/>
+                      <a:r>
+                        <a:rPr lang="en-MY" sz="1100" dirty="0">
+                          <a:solidFill>
+                            <a:srgbClr val="C55A11"/>
+                          </a:solidFill>
+                          <a:latin typeface="Aptos Display" panose="020B0004020202020204" pitchFamily="34" charset="0"/>
+                        </a:rPr>
+                        <a:t>Marking</a:t>
+                      </a:r>
+                    </a:p>
+                  </a:txBody>
+                  <a:tcPr marL="108000" marR="0" marT="0" marB="0" anchor="ctr">
+                    <a:lnL w="12700" cap="flat" cmpd="sng" algn="ctr">
+                      <a:noFill/>
+                      <a:prstDash val="solid"/>
+                      <a:round/>
+                      <a:headEnd type="none" w="med" len="med"/>
+                      <a:tailEnd type="none" w="med" len="med"/>
+                    </a:lnL>
+                    <a:lnR w="12700" cap="flat" cmpd="sng" algn="ctr">
+                      <a:noFill/>
+                      <a:prstDash val="solid"/>
+                      <a:round/>
+                      <a:headEnd type="none" w="med" len="med"/>
+                      <a:tailEnd type="none" w="med" len="med"/>
+                    </a:lnR>
+                    <a:lnT w="12700" cap="flat" cmpd="sng" algn="ctr">
+                      <a:noFill/>
+                      <a:prstDash val="solid"/>
+                      <a:round/>
+                      <a:headEnd type="none" w="med" len="med"/>
+                      <a:tailEnd type="none" w="med" len="med"/>
+                    </a:lnT>
+                    <a:lnB w="12700" cap="flat" cmpd="sng" algn="ctr">
+                      <a:noFill/>
+                      <a:prstDash val="solid"/>
+                      <a:round/>
+                      <a:headEnd type="none" w="med" len="med"/>
+                      <a:tailEnd type="none" w="med" len="med"/>
+                    </a:lnB>
+                    <a:lnTlToBr w="12700" cmpd="sng">
+                      <a:noFill/>
+                      <a:prstDash val="solid"/>
+                    </a:lnTlToBr>
+                    <a:lnBlToTr w="12700" cmpd="sng">
+                      <a:noFill/>
+                      <a:prstDash val="solid"/>
+                    </a:lnBlToTr>
+                    <a:solidFill>
+                      <a:srgbClr val="FFE8CA"/>
+                    </a:solidFill>
+                  </a:tcPr>
+                </a:tc>
+                <a:tc>
+                  <a:txBody>
+                    <a:bodyPr/>
+                    <a:lstStyle/>
+                    <a:p>
+                      <a:pPr algn="ctr"/>
+                      <a:endParaRPr lang="en-MY" sz="1100" dirty="0">
+                        <a:latin typeface="Aptos Display" panose="020B0004020202020204" pitchFamily="34" charset="0"/>
+                      </a:endParaRPr>
+                    </a:p>
+                  </a:txBody>
+                  <a:tcPr marL="0" marR="0" marT="0" marB="0" anchor="ctr">
+                    <a:lnL w="12700" cap="flat" cmpd="sng" algn="ctr">
+                      <a:noFill/>
+                      <a:prstDash val="solid"/>
+                      <a:round/>
+                      <a:headEnd type="none" w="med" len="med"/>
+                      <a:tailEnd type="none" w="med" len="med"/>
+                    </a:lnL>
+                    <a:lnR w="12700" cap="flat" cmpd="sng" algn="ctr">
+                      <a:solidFill>
+                        <a:schemeClr val="tx1"/>
+                      </a:solidFill>
+                      <a:prstDash val="solid"/>
+                      <a:round/>
+                      <a:headEnd type="none" w="med" len="med"/>
+                      <a:tailEnd type="none" w="med" len="med"/>
+                    </a:lnR>
+                    <a:lnT w="12700" cap="flat" cmpd="sng" algn="ctr">
+                      <a:noFill/>
+                      <a:prstDash val="solid"/>
+                      <a:round/>
+                      <a:headEnd type="none" w="med" len="med"/>
+                      <a:tailEnd type="none" w="med" len="med"/>
+                    </a:lnT>
+                    <a:lnB w="12700" cap="flat" cmpd="sng" algn="ctr">
+                      <a:noFill/>
+                      <a:prstDash val="solid"/>
+                      <a:round/>
+                      <a:headEnd type="none" w="med" len="med"/>
+                      <a:tailEnd type="none" w="med" len="med"/>
+                    </a:lnB>
+                    <a:lnTlToBr w="12700" cmpd="sng">
+                      <a:noFill/>
+                      <a:prstDash val="solid"/>
+                    </a:lnTlToBr>
+                    <a:lnBlToTr w="12700" cmpd="sng">
+                      <a:noFill/>
+                      <a:prstDash val="solid"/>
+                    </a:lnBlToTr>
+                    <a:solidFill>
+                      <a:srgbClr val="FFE8CA"/>
+                    </a:solidFill>
+                  </a:tcPr>
+                </a:tc>
+                <a:extLst>
+                  <a:ext uri="{0D108BD9-81ED-4DB2-BD59-A6C34878D82A}">
+                    <a16:rowId xmlns="" xmlns:a16="http://schemas.microsoft.com/office/drawing/2014/main" val="3779165775"/>
+                  </a:ext>
+                </a:extLst>
+              </a:tr>
+              <a:tr h="280522">
+                <a:tc>
+                  <a:txBody>
+                    <a:bodyPr/>
+                    <a:lstStyle/>
+                    <a:p>
+                      <a:pPr algn="l"/>
+                      <a:r>
+                        <a:rPr lang="en-MY" sz="1100" dirty="0">
+                          <a:solidFill>
+                            <a:srgbClr val="C55A11"/>
+                          </a:solidFill>
+                          <a:latin typeface="Aptos Display" panose="020B0004020202020204" pitchFamily="34" charset="0"/>
+                        </a:rPr>
+                        <a:t>Dodging</a:t>
+                      </a:r>
+                    </a:p>
+                  </a:txBody>
+                  <a:tcPr marL="108000" marR="0" marT="0" marB="0" anchor="ctr">
+                    <a:lnL w="12700" cap="flat" cmpd="sng" algn="ctr">
+                      <a:noFill/>
+                      <a:prstDash val="solid"/>
+                      <a:round/>
+                      <a:headEnd type="none" w="med" len="med"/>
+                      <a:tailEnd type="none" w="med" len="med"/>
+                    </a:lnL>
+                    <a:lnR w="12700" cap="flat" cmpd="sng" algn="ctr">
+                      <a:noFill/>
+                      <a:prstDash val="solid"/>
+                      <a:round/>
+                      <a:headEnd type="none" w="med" len="med"/>
+                      <a:tailEnd type="none" w="med" len="med"/>
+                    </a:lnR>
+                    <a:lnT w="12700" cap="flat" cmpd="sng" algn="ctr">
+                      <a:noFill/>
+                      <a:prstDash val="solid"/>
+                      <a:round/>
+                      <a:headEnd type="none" w="med" len="med"/>
+                      <a:tailEnd type="none" w="med" len="med"/>
+                    </a:lnT>
+                    <a:lnB w="12700" cap="flat" cmpd="sng" algn="ctr">
+                      <a:solidFill>
+                        <a:schemeClr val="tx1"/>
+                      </a:solidFill>
+                      <a:prstDash val="solid"/>
+                      <a:round/>
+                      <a:headEnd type="none" w="med" len="med"/>
+                      <a:tailEnd type="none" w="med" len="med"/>
+                    </a:lnB>
+                    <a:lnTlToBr w="12700" cmpd="sng">
+                      <a:noFill/>
+                      <a:prstDash val="solid"/>
+                    </a:lnTlToBr>
+                    <a:lnBlToTr w="12700" cmpd="sng">
+                      <a:noFill/>
+                      <a:prstDash val="solid"/>
+                    </a:lnBlToTr>
+                    <a:solidFill>
+                      <a:srgbClr val="FFF4E7"/>
+                    </a:solidFill>
+                  </a:tcPr>
+                </a:tc>
+                <a:tc>
+                  <a:txBody>
+                    <a:bodyPr/>
+                    <a:lstStyle/>
+                    <a:p>
+                      <a:pPr algn="ctr"/>
+                      <a:endParaRPr lang="en-MY" sz="1100" dirty="0">
+                        <a:latin typeface="Aptos Display" panose="020B0004020202020204" pitchFamily="34" charset="0"/>
+                      </a:endParaRPr>
+                    </a:p>
+                  </a:txBody>
+                  <a:tcPr marL="0" marR="0" marT="0" marB="0" anchor="ctr">
+                    <a:lnL w="12700" cap="flat" cmpd="sng" algn="ctr">
+                      <a:noFill/>
+                      <a:prstDash val="solid"/>
+                      <a:round/>
+                      <a:headEnd type="none" w="med" len="med"/>
+                      <a:tailEnd type="none" w="med" len="med"/>
+                    </a:lnL>
+                    <a:lnR w="12700" cap="flat" cmpd="sng" algn="ctr">
+                      <a:solidFill>
+                        <a:schemeClr val="tx1"/>
+                      </a:solidFill>
+                      <a:prstDash val="solid"/>
+                      <a:round/>
+                      <a:headEnd type="none" w="med" len="med"/>
+                      <a:tailEnd type="none" w="med" len="med"/>
+                    </a:lnR>
+                    <a:lnT w="12700" cap="flat" cmpd="sng" algn="ctr">
+                      <a:noFill/>
+                      <a:prstDash val="solid"/>
+                      <a:round/>
+                      <a:headEnd type="none" w="med" len="med"/>
+                      <a:tailEnd type="none" w="med" len="med"/>
+                    </a:lnT>
+                    <a:lnB w="12700" cap="flat" cmpd="sng" algn="ctr">
+                      <a:solidFill>
+                        <a:schemeClr val="tx1"/>
+                      </a:solidFill>
+                      <a:prstDash val="solid"/>
+                      <a:round/>
+                      <a:headEnd type="none" w="med" len="med"/>
+                      <a:tailEnd type="none" w="med" len="med"/>
+                    </a:lnB>
+                    <a:lnTlToBr w="12700" cmpd="sng">
+                      <a:noFill/>
+                      <a:prstDash val="solid"/>
+                    </a:lnTlToBr>
+                    <a:lnBlToTr w="12700" cmpd="sng">
+                      <a:noFill/>
+                      <a:prstDash val="solid"/>
+                    </a:lnBlToTr>
+                    <a:solidFill>
+                      <a:srgbClr val="FFF4E7"/>
+                    </a:solidFill>
+                  </a:tcPr>
+                </a:tc>
+                <a:extLst>
+                  <a:ext uri="{0D108BD9-81ED-4DB2-BD59-A6C34878D82A}">
+                    <a16:rowId xmlns="" xmlns:a16="http://schemas.microsoft.com/office/drawing/2014/main" val="2251396852"/>
+                  </a:ext>
+                </a:extLst>
+              </a:tr>
+            </a:tbl>
+          </a:graphicData>
+        </a:graphic>
+      </p:graphicFrame>
+      <p:cxnSp>
+        <p:nvCxnSpPr>
+          <p:cNvPr id="89" name="Straight Connector 88">
+            <a:extLst>
+              <a:ext uri="{FF2B5EF4-FFF2-40B4-BE49-F238E27FC236}">
+                <a16:creationId xmlns="" xmlns:a16="http://schemas.microsoft.com/office/drawing/2014/main" id="{4490F0EA-DAFB-D5EB-9D7A-FA2A8AB7025E}"/>
+              </a:ext>
+            </a:extLst>
+          </p:cNvPr>
+          <p:cNvCxnSpPr>
+            <a:cxnSpLocks/>
+            <a:endCxn id="79" idx="0"/>
+          </p:cNvCxnSpPr>
+          <p:nvPr/>
+        </p:nvCxnSpPr>
+        <p:spPr>
+          <a:xfrm>
+            <a:off x="5999609" y="3742705"/>
+            <a:ext cx="2057931" cy="655114"/>
+          </a:xfrm>
+          <a:prstGeom prst="line">
+            <a:avLst/>
+          </a:prstGeom>
+        </p:spPr>
+        <p:style>
+          <a:lnRef idx="1">
+            <a:schemeClr val="dk1"/>
+          </a:lnRef>
+          <a:fillRef idx="0">
+            <a:schemeClr val="dk1"/>
+          </a:fillRef>
+          <a:effectRef idx="0">
+            <a:schemeClr val="dk1"/>
+          </a:effectRef>
+          <a:fontRef idx="minor">
+            <a:schemeClr val="tx1"/>
+          </a:fontRef>
+        </p:style>
+      </p:cxnSp>
+      <p:cxnSp>
+        <p:nvCxnSpPr>
+          <p:cNvPr id="88" name="Straight Connector 87">
+            <a:extLst>
+              <a:ext uri="{FF2B5EF4-FFF2-40B4-BE49-F238E27FC236}">
+                <a16:creationId xmlns="" xmlns:a16="http://schemas.microsoft.com/office/drawing/2014/main" id="{ACA3B0E0-B567-8BDC-9C10-428B53C7B900}"/>
+              </a:ext>
+            </a:extLst>
+          </p:cNvPr>
+          <p:cNvCxnSpPr>
+            <a:cxnSpLocks/>
+          </p:cNvCxnSpPr>
+          <p:nvPr/>
+        </p:nvCxnSpPr>
+        <p:spPr>
+          <a:xfrm>
+            <a:off x="6046922" y="5172421"/>
+            <a:ext cx="557675" cy="904735"/>
+          </a:xfrm>
+          <a:prstGeom prst="line">
+            <a:avLst/>
+          </a:prstGeom>
+        </p:spPr>
+        <p:style>
+          <a:lnRef idx="1">
+            <a:schemeClr val="dk1"/>
+          </a:lnRef>
+          <a:fillRef idx="0">
+            <a:schemeClr val="dk1"/>
+          </a:fillRef>
+          <a:effectRef idx="0">
+            <a:schemeClr val="dk1"/>
+          </a:effectRef>
+          <a:fontRef idx="minor">
+            <a:schemeClr val="tx1"/>
+          </a:fontRef>
+        </p:style>
+      </p:cxnSp>
+      <p:sp>
+        <p:nvSpPr>
+          <p:cNvPr id="1070" name="TextBox 1069">
+            <a:extLst>
+              <a:ext uri="{FF2B5EF4-FFF2-40B4-BE49-F238E27FC236}">
+                <a16:creationId xmlns="" xmlns:a16="http://schemas.microsoft.com/office/drawing/2014/main" id="{FC25C524-9637-D684-CDEA-037CAC4EC7CC}"/>
+              </a:ext>
+            </a:extLst>
+          </p:cNvPr>
+          <p:cNvSpPr txBox="1"/>
+          <p:nvPr/>
+        </p:nvSpPr>
+        <p:spPr>
+          <a:xfrm>
+            <a:off x="3455575" y="1463264"/>
+            <a:ext cx="1577325" cy="861304"/>
+          </a:xfrm>
+          <a:prstGeom prst="ellipse">
+            <a:avLst/>
+          </a:prstGeom>
+          <a:noFill/>
+          <a:effectLst>
+            <a:softEdge rad="63500"/>
+          </a:effectLst>
+        </p:spPr>
+        <p:txBody>
+          <a:bodyPr wrap="square" lIns="0" tIns="0" rIns="0" bIns="0" anchor="ctr" anchorCtr="0">
+            <a:normAutofit/>
+          </a:bodyPr>
+          <a:lstStyle/>
+          <a:p>
+            <a:pPr algn="ctr"/>
+            <a:r>
+              <a:rPr lang="en-MY" sz="1200" dirty="0">
+                <a:solidFill>
+                  <a:schemeClr val="tx1"/>
+                </a:solidFill>
+                <a:latin typeface="Aptos Display" panose="020B0004020202020204" pitchFamily="34" charset="0"/>
+              </a:rPr>
+              <a:t>Definition</a:t>
+            </a:r>
+          </a:p>
+        </p:txBody>
+      </p:sp>
+      <p:cxnSp>
+        <p:nvCxnSpPr>
+          <p:cNvPr id="1078" name="Straight Connector 1077">
+            <a:extLst>
+              <a:ext uri="{FF2B5EF4-FFF2-40B4-BE49-F238E27FC236}">
+                <a16:creationId xmlns="" xmlns:a16="http://schemas.microsoft.com/office/drawing/2014/main" id="{D5C93355-E0E1-15AB-5FD3-800D5C1C3C18}"/>
+              </a:ext>
+            </a:extLst>
+          </p:cNvPr>
+          <p:cNvCxnSpPr>
+            <a:cxnSpLocks/>
+          </p:cNvCxnSpPr>
+          <p:nvPr/>
+        </p:nvCxnSpPr>
+        <p:spPr>
+          <a:xfrm>
+            <a:off x="5151014" y="3777520"/>
+            <a:ext cx="383164" cy="613177"/>
+          </a:xfrm>
+          <a:prstGeom prst="line">
+            <a:avLst/>
+          </a:prstGeom>
+        </p:spPr>
+        <p:style>
+          <a:lnRef idx="1">
+            <a:schemeClr val="dk1"/>
+          </a:lnRef>
+          <a:fillRef idx="0">
+            <a:schemeClr val="dk1"/>
+          </a:fillRef>
+          <a:effectRef idx="0">
+            <a:schemeClr val="dk1"/>
+          </a:effectRef>
+          <a:fontRef idx="minor">
+            <a:schemeClr val="tx1"/>
+          </a:fontRef>
+        </p:style>
+      </p:cxnSp>
+      <p:cxnSp>
+        <p:nvCxnSpPr>
+          <p:cNvPr id="94" name="Straight Connector 93">
+            <a:extLst>
+              <a:ext uri="{FF2B5EF4-FFF2-40B4-BE49-F238E27FC236}">
+                <a16:creationId xmlns="" xmlns:a16="http://schemas.microsoft.com/office/drawing/2014/main" id="{D9A18D5F-FA46-467F-7930-D70B985AEE49}"/>
+              </a:ext>
+            </a:extLst>
+          </p:cNvPr>
+          <p:cNvCxnSpPr>
+            <a:cxnSpLocks/>
+          </p:cNvCxnSpPr>
+          <p:nvPr/>
+        </p:nvCxnSpPr>
+        <p:spPr>
+          <a:xfrm flipV="1">
+            <a:off x="5955537" y="2847441"/>
+            <a:ext cx="2528241" cy="171130"/>
+          </a:xfrm>
+          <a:prstGeom prst="line">
+            <a:avLst/>
+          </a:prstGeom>
+        </p:spPr>
+        <p:style>
+          <a:lnRef idx="1">
+            <a:schemeClr val="dk1"/>
+          </a:lnRef>
+          <a:fillRef idx="0">
+            <a:schemeClr val="dk1"/>
+          </a:fillRef>
+          <a:effectRef idx="0">
+            <a:schemeClr val="dk1"/>
+          </a:effectRef>
+          <a:fontRef idx="minor">
+            <a:schemeClr val="tx1"/>
+          </a:fontRef>
+        </p:style>
+      </p:cxnSp>
+      <p:sp>
+        <p:nvSpPr>
+          <p:cNvPr id="96" name="Oval 95">
+            <a:extLst>
+              <a:ext uri="{FF2B5EF4-FFF2-40B4-BE49-F238E27FC236}">
+                <a16:creationId xmlns="" xmlns:a16="http://schemas.microsoft.com/office/drawing/2014/main" id="{565CF67B-78E9-5E96-0785-95A72351409F}"/>
+              </a:ext>
+            </a:extLst>
+          </p:cNvPr>
+          <p:cNvSpPr/>
+          <p:nvPr/>
+        </p:nvSpPr>
+        <p:spPr>
+          <a:xfrm>
+            <a:off x="4419600" y="2209800"/>
+            <a:ext cx="216000" cy="216000"/>
+          </a:xfrm>
+          <a:prstGeom prst="ellipse">
+            <a:avLst/>
+          </a:prstGeom>
+          <a:ln>
+            <a:noFill/>
+          </a:ln>
+        </p:spPr>
+        <p:style>
+          <a:lnRef idx="2">
+            <a:schemeClr val="dk1">
+              <a:shade val="15000"/>
+            </a:schemeClr>
+          </a:lnRef>
+          <a:fillRef idx="1">
+            <a:schemeClr val="dk1"/>
+          </a:fillRef>
+          <a:effectRef idx="0">
+            <a:schemeClr val="dk1"/>
+          </a:effectRef>
+          <a:fontRef idx="minor">
+            <a:schemeClr val="lt1"/>
+          </a:fontRef>
+        </p:style>
+        <p:txBody>
+          <a:bodyPr rtlCol="0" anchor="ctr"/>
+          <a:lstStyle/>
+          <a:p>
+            <a:pPr algn="ctr"/>
+            <a:r>
+              <a:rPr lang="en-MY" sz="1050" b="1" dirty="0">
+                <a:latin typeface="Aptos Display" panose="020B0004020202020204" pitchFamily="34" charset="0"/>
+              </a:rPr>
+              <a:t>M</a:t>
+            </a:r>
+            <a:endParaRPr lang="en-MY" sz="1600" b="1" dirty="0">
+              <a:latin typeface="Aptos Display" panose="020B0004020202020204" pitchFamily="34" charset="0"/>
+            </a:endParaRPr>
+          </a:p>
+        </p:txBody>
+      </p:sp>
+      <p:sp>
+        <p:nvSpPr>
+          <p:cNvPr id="98" name="Oval 97">
+            <a:extLst>
+              <a:ext uri="{FF2B5EF4-FFF2-40B4-BE49-F238E27FC236}">
+                <a16:creationId xmlns="" xmlns:a16="http://schemas.microsoft.com/office/drawing/2014/main" id="{43745D4E-BEE4-FA14-588E-CE877424639D}"/>
+              </a:ext>
+            </a:extLst>
+          </p:cNvPr>
+          <p:cNvSpPr/>
+          <p:nvPr/>
+        </p:nvSpPr>
+        <p:spPr>
+          <a:xfrm>
+            <a:off x="5905337" y="2702186"/>
+            <a:ext cx="216000" cy="216000"/>
+          </a:xfrm>
+          <a:prstGeom prst="ellipse">
+            <a:avLst/>
+          </a:prstGeom>
+          <a:ln>
+            <a:noFill/>
+          </a:ln>
+        </p:spPr>
+        <p:style>
+          <a:lnRef idx="2">
+            <a:schemeClr val="dk1">
+              <a:shade val="15000"/>
+            </a:schemeClr>
+          </a:lnRef>
+          <a:fillRef idx="1">
+            <a:schemeClr val="dk1"/>
+          </a:fillRef>
+          <a:effectRef idx="0">
+            <a:schemeClr val="dk1"/>
+          </a:effectRef>
+          <a:fontRef idx="minor">
+            <a:schemeClr val="lt1"/>
+          </a:fontRef>
+        </p:style>
+        <p:txBody>
+          <a:bodyPr rtlCol="0" anchor="ctr"/>
+          <a:lstStyle/>
+          <a:p>
+            <a:pPr algn="ctr"/>
+            <a:r>
+              <a:rPr lang="en-MY" sz="1050" b="1" dirty="0">
+                <a:latin typeface="Aptos Display" panose="020B0004020202020204" pitchFamily="34" charset="0"/>
+              </a:rPr>
+              <a:t>U</a:t>
+            </a:r>
+            <a:endParaRPr lang="en-MY" sz="1600" b="1" dirty="0">
+              <a:latin typeface="Aptos Display" panose="020B0004020202020204" pitchFamily="34" charset="0"/>
+            </a:endParaRPr>
+          </a:p>
+        </p:txBody>
+      </p:sp>
+      <p:sp>
+        <p:nvSpPr>
+          <p:cNvPr id="99" name="Oval 98">
+            <a:extLst>
+              <a:ext uri="{FF2B5EF4-FFF2-40B4-BE49-F238E27FC236}">
+                <a16:creationId xmlns="" xmlns:a16="http://schemas.microsoft.com/office/drawing/2014/main" id="{E199581C-47AA-A928-69EF-E790578B98B5}"/>
+              </a:ext>
+            </a:extLst>
+          </p:cNvPr>
+          <p:cNvSpPr/>
+          <p:nvPr/>
+        </p:nvSpPr>
+        <p:spPr>
+          <a:xfrm>
+            <a:off x="5325451" y="2220052"/>
+            <a:ext cx="216000" cy="216000"/>
+          </a:xfrm>
+          <a:prstGeom prst="ellipse">
+            <a:avLst/>
+          </a:prstGeom>
+          <a:ln>
+            <a:noFill/>
+          </a:ln>
+        </p:spPr>
+        <p:style>
+          <a:lnRef idx="2">
+            <a:schemeClr val="dk1">
+              <a:shade val="15000"/>
+            </a:schemeClr>
+          </a:lnRef>
+          <a:fillRef idx="1">
+            <a:schemeClr val="dk1"/>
+          </a:fillRef>
+          <a:effectRef idx="0">
+            <a:schemeClr val="dk1"/>
+          </a:effectRef>
+          <a:fontRef idx="minor">
+            <a:schemeClr val="lt1"/>
+          </a:fontRef>
+        </p:style>
+        <p:txBody>
+          <a:bodyPr rtlCol="0" anchor="ctr"/>
+          <a:lstStyle/>
+          <a:p>
+            <a:pPr algn="ctr"/>
+            <a:r>
+              <a:rPr lang="en-MY" sz="1050" b="1" dirty="0">
+                <a:latin typeface="Aptos Display" panose="020B0004020202020204" pitchFamily="34" charset="0"/>
+              </a:rPr>
+              <a:t>A</a:t>
+            </a:r>
+            <a:endParaRPr lang="en-MY" sz="1600" b="1" dirty="0">
+              <a:latin typeface="Aptos Display" panose="020B0004020202020204" pitchFamily="34" charset="0"/>
+            </a:endParaRPr>
+          </a:p>
+        </p:txBody>
+      </p:sp>
+      <p:sp>
+        <p:nvSpPr>
+          <p:cNvPr id="101" name="Oval 100">
+            <a:extLst>
+              <a:ext uri="{FF2B5EF4-FFF2-40B4-BE49-F238E27FC236}">
+                <a16:creationId xmlns="" xmlns:a16="http://schemas.microsoft.com/office/drawing/2014/main" id="{B04E7350-3452-E759-EB08-91FBA3127FA7}"/>
+              </a:ext>
+            </a:extLst>
+          </p:cNvPr>
+          <p:cNvSpPr/>
+          <p:nvPr/>
+        </p:nvSpPr>
+        <p:spPr>
+          <a:xfrm>
+            <a:off x="3802875" y="2743200"/>
+            <a:ext cx="216000" cy="216000"/>
+          </a:xfrm>
+          <a:prstGeom prst="ellipse">
+            <a:avLst/>
+          </a:prstGeom>
+          <a:ln>
+            <a:noFill/>
+          </a:ln>
+        </p:spPr>
+        <p:style>
+          <a:lnRef idx="2">
+            <a:schemeClr val="dk1">
+              <a:shade val="15000"/>
+            </a:schemeClr>
+          </a:lnRef>
+          <a:fillRef idx="1">
+            <a:schemeClr val="dk1"/>
+          </a:fillRef>
+          <a:effectRef idx="0">
+            <a:schemeClr val="dk1"/>
+          </a:effectRef>
+          <a:fontRef idx="minor">
+            <a:schemeClr val="lt1"/>
+          </a:fontRef>
+        </p:style>
+        <p:txBody>
+          <a:bodyPr rtlCol="0" anchor="ctr"/>
+          <a:lstStyle/>
+          <a:p>
+            <a:pPr algn="ctr"/>
+            <a:r>
+              <a:rPr lang="en-MY" sz="1050" b="1" dirty="0">
+                <a:latin typeface="Aptos Display" panose="020B0004020202020204" pitchFamily="34" charset="0"/>
+              </a:rPr>
+              <a:t>A</a:t>
+            </a:r>
+            <a:endParaRPr lang="en-MY" sz="1600" b="1" dirty="0">
+              <a:latin typeface="Aptos Display" panose="020B0004020202020204" pitchFamily="34" charset="0"/>
+            </a:endParaRPr>
+          </a:p>
+        </p:txBody>
+      </p:sp>
+      <p:sp>
+        <p:nvSpPr>
+          <p:cNvPr id="102" name="Oval 101">
+            <a:extLst>
+              <a:ext uri="{FF2B5EF4-FFF2-40B4-BE49-F238E27FC236}">
+                <a16:creationId xmlns="" xmlns:a16="http://schemas.microsoft.com/office/drawing/2014/main" id="{AFAB1E73-2F24-3BD2-5FFA-1D68016D808E}"/>
+              </a:ext>
+            </a:extLst>
+          </p:cNvPr>
+          <p:cNvSpPr/>
+          <p:nvPr/>
+        </p:nvSpPr>
+        <p:spPr>
+          <a:xfrm>
+            <a:off x="3691156" y="3777187"/>
+            <a:ext cx="216000" cy="216000"/>
+          </a:xfrm>
+          <a:prstGeom prst="ellipse">
+            <a:avLst/>
+          </a:prstGeom>
+          <a:ln>
+            <a:noFill/>
+          </a:ln>
+        </p:spPr>
+        <p:style>
+          <a:lnRef idx="2">
+            <a:schemeClr val="dk1">
+              <a:shade val="15000"/>
+            </a:schemeClr>
+          </a:lnRef>
+          <a:fillRef idx="1">
+            <a:schemeClr val="dk1"/>
+          </a:fillRef>
+          <a:effectRef idx="0">
+            <a:schemeClr val="dk1"/>
+          </a:effectRef>
+          <a:fontRef idx="minor">
+            <a:schemeClr val="lt1"/>
+          </a:fontRef>
+        </p:style>
+        <p:txBody>
+          <a:bodyPr rtlCol="0" anchor="ctr"/>
+          <a:lstStyle/>
+          <a:p>
+            <a:pPr algn="ctr"/>
+            <a:r>
+              <a:rPr lang="en-MY" sz="1050" b="1" dirty="0">
+                <a:latin typeface="Aptos Display" panose="020B0004020202020204" pitchFamily="34" charset="0"/>
+              </a:rPr>
+              <a:t>A</a:t>
+            </a:r>
+            <a:endParaRPr lang="en-MY" sz="1600" b="1" dirty="0">
+              <a:latin typeface="Aptos Display" panose="020B0004020202020204" pitchFamily="34" charset="0"/>
+            </a:endParaRPr>
+          </a:p>
+        </p:txBody>
+      </p:sp>
+      <p:sp>
+        <p:nvSpPr>
+          <p:cNvPr id="103" name="Oval 102">
+            <a:extLst>
+              <a:ext uri="{FF2B5EF4-FFF2-40B4-BE49-F238E27FC236}">
+                <a16:creationId xmlns="" xmlns:a16="http://schemas.microsoft.com/office/drawing/2014/main" id="{6C89A133-B69A-E339-1CB5-EC5E6CAA9388}"/>
+              </a:ext>
+            </a:extLst>
+          </p:cNvPr>
+          <p:cNvSpPr/>
+          <p:nvPr/>
+        </p:nvSpPr>
+        <p:spPr>
+          <a:xfrm>
+            <a:off x="3636750" y="3276600"/>
+            <a:ext cx="216000" cy="216000"/>
+          </a:xfrm>
+          <a:prstGeom prst="ellipse">
+            <a:avLst/>
+          </a:prstGeom>
+          <a:ln>
+            <a:noFill/>
+          </a:ln>
+        </p:spPr>
+        <p:style>
+          <a:lnRef idx="2">
+            <a:schemeClr val="dk1">
+              <a:shade val="15000"/>
+            </a:schemeClr>
+          </a:lnRef>
+          <a:fillRef idx="1">
+            <a:schemeClr val="dk1"/>
+          </a:fillRef>
+          <a:effectRef idx="0">
+            <a:schemeClr val="dk1"/>
+          </a:effectRef>
+          <a:fontRef idx="minor">
+            <a:schemeClr val="lt1"/>
+          </a:fontRef>
+        </p:style>
+        <p:txBody>
+          <a:bodyPr rtlCol="0" anchor="ctr"/>
+          <a:lstStyle/>
+          <a:p>
+            <a:pPr algn="ctr"/>
+            <a:r>
+              <a:rPr lang="en-MY" sz="1050" b="1" dirty="0">
+                <a:latin typeface="Aptos Display" panose="020B0004020202020204" pitchFamily="34" charset="0"/>
+              </a:rPr>
+              <a:t>M</a:t>
+            </a:r>
+            <a:endParaRPr lang="en-MY" sz="1600" b="1" dirty="0">
+              <a:latin typeface="Aptos Display" panose="020B0004020202020204" pitchFamily="34" charset="0"/>
+            </a:endParaRPr>
+          </a:p>
+        </p:txBody>
+      </p:sp>
+      <p:sp>
+        <p:nvSpPr>
+          <p:cNvPr id="107" name="Oval 106">
+            <a:extLst>
+              <a:ext uri="{FF2B5EF4-FFF2-40B4-BE49-F238E27FC236}">
+                <a16:creationId xmlns="" xmlns:a16="http://schemas.microsoft.com/office/drawing/2014/main" id="{2F1D7F6E-922C-518D-4C0A-4E8F56931E55}"/>
+              </a:ext>
+            </a:extLst>
+          </p:cNvPr>
+          <p:cNvSpPr/>
+          <p:nvPr/>
+        </p:nvSpPr>
+        <p:spPr>
+          <a:xfrm>
+            <a:off x="6082519" y="3288104"/>
+            <a:ext cx="216000" cy="216000"/>
+          </a:xfrm>
+          <a:prstGeom prst="ellipse">
+            <a:avLst/>
+          </a:prstGeom>
+          <a:ln>
+            <a:noFill/>
+          </a:ln>
+        </p:spPr>
+        <p:style>
+          <a:lnRef idx="2">
+            <a:schemeClr val="dk1">
+              <a:shade val="15000"/>
+            </a:schemeClr>
+          </a:lnRef>
+          <a:fillRef idx="1">
+            <a:schemeClr val="dk1"/>
+          </a:fillRef>
+          <a:effectRef idx="0">
+            <a:schemeClr val="dk1"/>
+          </a:effectRef>
+          <a:fontRef idx="minor">
+            <a:schemeClr val="lt1"/>
+          </a:fontRef>
+        </p:style>
+        <p:txBody>
+          <a:bodyPr rtlCol="0" anchor="ctr"/>
+          <a:lstStyle/>
+          <a:p>
+            <a:pPr algn="ctr"/>
+            <a:r>
+              <a:rPr lang="en-MY" sz="1050" b="1" dirty="0">
+                <a:latin typeface="Aptos Display" panose="020B0004020202020204" pitchFamily="34" charset="0"/>
+              </a:rPr>
+              <a:t>U</a:t>
+            </a:r>
+            <a:endParaRPr lang="en-MY" sz="1600" b="1" dirty="0">
+              <a:latin typeface="Aptos Display" panose="020B0004020202020204" pitchFamily="34" charset="0"/>
+            </a:endParaRPr>
+          </a:p>
+        </p:txBody>
+      </p:sp>
+      <p:sp>
+        <p:nvSpPr>
+          <p:cNvPr id="109" name="Oval 108">
+            <a:extLst>
+              <a:ext uri="{FF2B5EF4-FFF2-40B4-BE49-F238E27FC236}">
+                <a16:creationId xmlns="" xmlns:a16="http://schemas.microsoft.com/office/drawing/2014/main" id="{E5EF2794-D465-505B-8E60-E7957758BE92}"/>
+              </a:ext>
+            </a:extLst>
+          </p:cNvPr>
+          <p:cNvSpPr/>
+          <p:nvPr/>
+        </p:nvSpPr>
+        <p:spPr>
+          <a:xfrm>
+            <a:off x="4909730" y="4554306"/>
+            <a:ext cx="216000" cy="216000"/>
+          </a:xfrm>
+          <a:prstGeom prst="ellipse">
+            <a:avLst/>
+          </a:prstGeom>
+          <a:ln>
+            <a:noFill/>
+          </a:ln>
+        </p:spPr>
+        <p:style>
+          <a:lnRef idx="2">
+            <a:schemeClr val="dk1">
+              <a:shade val="15000"/>
+            </a:schemeClr>
+          </a:lnRef>
+          <a:fillRef idx="1">
+            <a:schemeClr val="dk1"/>
+          </a:fillRef>
+          <a:effectRef idx="0">
+            <a:schemeClr val="dk1"/>
+          </a:effectRef>
+          <a:fontRef idx="minor">
+            <a:schemeClr val="lt1"/>
+          </a:fontRef>
+        </p:style>
+        <p:txBody>
+          <a:bodyPr rtlCol="0" anchor="ctr"/>
+          <a:lstStyle/>
+          <a:p>
+            <a:pPr algn="ctr"/>
+            <a:r>
+              <a:rPr lang="en-MY" sz="1050" b="1" dirty="0">
+                <a:latin typeface="Aptos Display" panose="020B0004020202020204" pitchFamily="34" charset="0"/>
+              </a:rPr>
+              <a:t>U</a:t>
+            </a:r>
+            <a:endParaRPr lang="en-MY" sz="1600" b="1" dirty="0">
+              <a:latin typeface="Aptos Display" panose="020B0004020202020204" pitchFamily="34" charset="0"/>
+            </a:endParaRPr>
+          </a:p>
+        </p:txBody>
+      </p:sp>
+      <p:sp>
+        <p:nvSpPr>
+          <p:cNvPr id="110" name="Oval 109">
+            <a:extLst>
+              <a:ext uri="{FF2B5EF4-FFF2-40B4-BE49-F238E27FC236}">
+                <a16:creationId xmlns="" xmlns:a16="http://schemas.microsoft.com/office/drawing/2014/main" id="{5FBEA186-F262-B0F3-688B-2573C8B1F6D9}"/>
+              </a:ext>
+            </a:extLst>
+          </p:cNvPr>
+          <p:cNvSpPr/>
+          <p:nvPr/>
+        </p:nvSpPr>
+        <p:spPr>
+          <a:xfrm>
+            <a:off x="4055646" y="4244188"/>
+            <a:ext cx="216000" cy="216000"/>
+          </a:xfrm>
+          <a:prstGeom prst="ellipse">
+            <a:avLst/>
+          </a:prstGeom>
+          <a:ln>
+            <a:noFill/>
+          </a:ln>
+        </p:spPr>
+        <p:style>
+          <a:lnRef idx="2">
+            <a:schemeClr val="dk1">
+              <a:shade val="15000"/>
+            </a:schemeClr>
+          </a:lnRef>
+          <a:fillRef idx="1">
+            <a:schemeClr val="dk1"/>
+          </a:fillRef>
+          <a:effectRef idx="0">
+            <a:schemeClr val="dk1"/>
+          </a:effectRef>
+          <a:fontRef idx="minor">
+            <a:schemeClr val="lt1"/>
+          </a:fontRef>
+        </p:style>
+        <p:txBody>
+          <a:bodyPr rtlCol="0" anchor="ctr"/>
+          <a:lstStyle/>
+          <a:p>
+            <a:pPr algn="ctr"/>
+            <a:r>
+              <a:rPr lang="en-MY" sz="1050" b="1" dirty="0">
+                <a:latin typeface="Aptos Display" panose="020B0004020202020204" pitchFamily="34" charset="0"/>
+              </a:rPr>
+              <a:t>U</a:t>
+            </a:r>
+            <a:endParaRPr lang="en-MY" sz="1600" b="1" dirty="0">
+              <a:latin typeface="Aptos Display" panose="020B0004020202020204" pitchFamily="34" charset="0"/>
+            </a:endParaRPr>
+          </a:p>
+        </p:txBody>
+      </p:sp>
+      <p:sp>
+        <p:nvSpPr>
+          <p:cNvPr id="111" name="Oval 110">
+            <a:extLst>
+              <a:ext uri="{FF2B5EF4-FFF2-40B4-BE49-F238E27FC236}">
+                <a16:creationId xmlns="" xmlns:a16="http://schemas.microsoft.com/office/drawing/2014/main" id="{5F409512-2604-1647-32BE-9DAC997E1EE1}"/>
+              </a:ext>
+            </a:extLst>
+          </p:cNvPr>
+          <p:cNvSpPr/>
+          <p:nvPr/>
+        </p:nvSpPr>
+        <p:spPr>
+          <a:xfrm>
+            <a:off x="5963080" y="6523062"/>
+            <a:ext cx="180000" cy="180000"/>
+          </a:xfrm>
+          <a:prstGeom prst="ellipse">
+            <a:avLst/>
+          </a:prstGeom>
+          <a:ln>
+            <a:noFill/>
+          </a:ln>
+        </p:spPr>
+        <p:style>
+          <a:lnRef idx="2">
+            <a:schemeClr val="dk1">
+              <a:shade val="15000"/>
+            </a:schemeClr>
+          </a:lnRef>
+          <a:fillRef idx="1">
+            <a:schemeClr val="dk1"/>
+          </a:fillRef>
+          <a:effectRef idx="0">
+            <a:schemeClr val="dk1"/>
+          </a:effectRef>
+          <a:fontRef idx="minor">
+            <a:schemeClr val="lt1"/>
+          </a:fontRef>
+        </p:style>
+        <p:txBody>
+          <a:bodyPr rtlCol="0" anchor="ctr"/>
+          <a:lstStyle/>
+          <a:p>
+            <a:pPr algn="ctr"/>
+            <a:r>
+              <a:rPr lang="en-MY" sz="1000" b="1" dirty="0">
+                <a:latin typeface="Aptos Display" panose="020B0004020202020204" pitchFamily="34" charset="0"/>
+              </a:rPr>
+              <a:t>M</a:t>
+            </a:r>
+            <a:endParaRPr lang="en-MY" sz="1400" b="1" dirty="0">
+              <a:latin typeface="Aptos Display" panose="020B0004020202020204" pitchFamily="34" charset="0"/>
+            </a:endParaRPr>
+          </a:p>
+        </p:txBody>
+      </p:sp>
+      <p:sp>
+        <p:nvSpPr>
+          <p:cNvPr id="113" name="Oval 112">
+            <a:extLst>
+              <a:ext uri="{FF2B5EF4-FFF2-40B4-BE49-F238E27FC236}">
+                <a16:creationId xmlns="" xmlns:a16="http://schemas.microsoft.com/office/drawing/2014/main" id="{707B7FFB-8914-1C24-139F-EA75125D38EC}"/>
+              </a:ext>
+            </a:extLst>
+          </p:cNvPr>
+          <p:cNvSpPr/>
+          <p:nvPr/>
+        </p:nvSpPr>
+        <p:spPr>
+          <a:xfrm>
+            <a:off x="4736052" y="6523062"/>
+            <a:ext cx="180000" cy="180000"/>
+          </a:xfrm>
+          <a:prstGeom prst="ellipse">
+            <a:avLst/>
+          </a:prstGeom>
+          <a:ln>
+            <a:noFill/>
+          </a:ln>
+        </p:spPr>
+        <p:style>
+          <a:lnRef idx="2">
+            <a:schemeClr val="dk1">
+              <a:shade val="15000"/>
+            </a:schemeClr>
+          </a:lnRef>
+          <a:fillRef idx="1">
+            <a:schemeClr val="dk1"/>
+          </a:fillRef>
+          <a:effectRef idx="0">
+            <a:schemeClr val="dk1"/>
+          </a:effectRef>
+          <a:fontRef idx="minor">
+            <a:schemeClr val="lt1"/>
+          </a:fontRef>
+        </p:style>
+        <p:txBody>
+          <a:bodyPr rtlCol="0" anchor="ctr"/>
+          <a:lstStyle/>
+          <a:p>
+            <a:pPr algn="ctr"/>
+            <a:r>
+              <a:rPr lang="en-MY" sz="1000" b="1" dirty="0">
+                <a:latin typeface="Aptos Display" panose="020B0004020202020204" pitchFamily="34" charset="0"/>
+              </a:rPr>
+              <a:t>U</a:t>
+            </a:r>
+            <a:endParaRPr lang="en-MY" sz="1400" b="1" dirty="0">
+              <a:latin typeface="Aptos Display" panose="020B0004020202020204" pitchFamily="34" charset="0"/>
+            </a:endParaRPr>
+          </a:p>
+        </p:txBody>
+      </p:sp>
+      <p:sp>
+        <p:nvSpPr>
+          <p:cNvPr id="114" name="Oval 113">
+            <a:extLst>
+              <a:ext uri="{FF2B5EF4-FFF2-40B4-BE49-F238E27FC236}">
+                <a16:creationId xmlns="" xmlns:a16="http://schemas.microsoft.com/office/drawing/2014/main" id="{20EAE97D-4B01-1652-380A-4DDFC6A9E04C}"/>
+              </a:ext>
+            </a:extLst>
+          </p:cNvPr>
+          <p:cNvSpPr/>
+          <p:nvPr/>
+        </p:nvSpPr>
+        <p:spPr>
+          <a:xfrm>
+            <a:off x="3518289" y="6523062"/>
+            <a:ext cx="180000" cy="180000"/>
+          </a:xfrm>
+          <a:prstGeom prst="ellipse">
+            <a:avLst/>
+          </a:prstGeom>
+          <a:ln>
+            <a:noFill/>
+          </a:ln>
+        </p:spPr>
+        <p:style>
+          <a:lnRef idx="2">
+            <a:schemeClr val="dk1">
+              <a:shade val="15000"/>
+            </a:schemeClr>
+          </a:lnRef>
+          <a:fillRef idx="1">
+            <a:schemeClr val="dk1"/>
+          </a:fillRef>
+          <a:effectRef idx="0">
+            <a:schemeClr val="dk1"/>
+          </a:effectRef>
+          <a:fontRef idx="minor">
+            <a:schemeClr val="lt1"/>
+          </a:fontRef>
+        </p:style>
+        <p:txBody>
+          <a:bodyPr rtlCol="0" anchor="ctr"/>
+          <a:lstStyle/>
+          <a:p>
+            <a:pPr algn="ctr"/>
+            <a:r>
+              <a:rPr lang="en-MY" sz="1000" b="1" dirty="0">
+                <a:latin typeface="Aptos Display" panose="020B0004020202020204" pitchFamily="34" charset="0"/>
+              </a:rPr>
+              <a:t>A</a:t>
+            </a:r>
+            <a:endParaRPr lang="en-MY" sz="1400" b="1" dirty="0">
+              <a:latin typeface="Aptos Display" panose="020B0004020202020204" pitchFamily="34" charset="0"/>
+            </a:endParaRPr>
+          </a:p>
+        </p:txBody>
+      </p:sp>
+    </p:spTree>
+    <p:extLst>
+      <p:ext uri="{BB962C8B-B14F-4D97-AF65-F5344CB8AC3E}">
+        <p14:creationId xmlns:p14="http://schemas.microsoft.com/office/powerpoint/2010/main" val="3852901328"/>
       </p:ext>
     </p:extLst>
   </p:cSld>
